--- a/Info/FP_2 Presentation.pptx
+++ b/Info/FP_2 Presentation.pptx
@@ -112,2982 +112,6 @@
     </p:ext>
   </p:extLst>
 </p:presentation>
-</file>
-
-<file path=ppt/diagrams/colors1.xml><?xml version="1.0" encoding="utf-8"?>
-<dgm:colorsDef xmlns:dgm="http://schemas.openxmlformats.org/drawingml/2006/diagram" xmlns:a="http://schemas.openxmlformats.org/drawingml/2006/main" uniqueId="urn:microsoft.com/office/officeart/2018/5/colors/Iconchunking_neutralicon_colorful1">
-  <dgm:title val=""/>
-  <dgm:desc val=""/>
-  <dgm:catLst>
-    <dgm:cat type="colorful" pri="10100"/>
-  </dgm:catLst>
-  <dgm:styleLbl name="node0">
-    <dgm:fillClrLst meth="repeat">
-      <a:schemeClr val="accent1"/>
-    </dgm:fillClrLst>
-    <dgm:linClrLst meth="repeat">
-      <a:schemeClr val="lt1"/>
-    </dgm:linClrLst>
-    <dgm:effectClrLst/>
-    <dgm:txLinClrLst/>
-    <dgm:txFillClrLst/>
-    <dgm:txEffectClrLst/>
-  </dgm:styleLbl>
-  <dgm:styleLbl name="node1">
-    <dgm:fillClrLst meth="repeat">
-      <a:schemeClr val="bg1"/>
-    </dgm:fillClrLst>
-    <dgm:linClrLst meth="repeat">
-      <a:schemeClr val="lt1">
-        <a:alpha val="0"/>
-      </a:schemeClr>
-    </dgm:linClrLst>
-    <dgm:effectClrLst/>
-    <dgm:txLinClrLst/>
-    <dgm:txFillClrLst meth="repeat">
-      <a:schemeClr val="dk1"/>
-    </dgm:txFillClrLst>
-    <dgm:txEffectClrLst/>
-  </dgm:styleLbl>
-  <dgm:styleLbl name="alignNode1">
-    <dgm:fillClrLst meth="repeat">
-      <a:schemeClr val="accent2"/>
-      <a:schemeClr val="accent3"/>
-      <a:schemeClr val="accent4"/>
-      <a:schemeClr val="accent5"/>
-      <a:schemeClr val="accent6"/>
-    </dgm:fillClrLst>
-    <dgm:linClrLst meth="repeat">
-      <a:schemeClr val="accent2"/>
-      <a:schemeClr val="accent3"/>
-      <a:schemeClr val="accent4"/>
-      <a:schemeClr val="accent5"/>
-      <a:schemeClr val="accent6"/>
-    </dgm:linClrLst>
-    <dgm:effectClrLst/>
-    <dgm:txLinClrLst/>
-    <dgm:txFillClrLst/>
-    <dgm:txEffectClrLst/>
-  </dgm:styleLbl>
-  <dgm:styleLbl name="lnNode1">
-    <dgm:fillClrLst meth="repeat">
-      <a:schemeClr val="accent2"/>
-      <a:schemeClr val="accent3"/>
-      <a:schemeClr val="accent4"/>
-      <a:schemeClr val="accent5"/>
-      <a:schemeClr val="accent6"/>
-    </dgm:fillClrLst>
-    <dgm:linClrLst meth="repeat">
-      <a:schemeClr val="lt1"/>
-    </dgm:linClrLst>
-    <dgm:effectClrLst/>
-    <dgm:txLinClrLst/>
-    <dgm:txFillClrLst/>
-    <dgm:txEffectClrLst/>
-  </dgm:styleLbl>
-  <dgm:styleLbl name="vennNode1">
-    <dgm:fillClrLst meth="repeat">
-      <a:schemeClr val="accent2">
-        <a:alpha val="50000"/>
-      </a:schemeClr>
-      <a:schemeClr val="accent3">
-        <a:alpha val="50000"/>
-      </a:schemeClr>
-      <a:schemeClr val="accent4">
-        <a:alpha val="50000"/>
-      </a:schemeClr>
-      <a:schemeClr val="accent5">
-        <a:alpha val="50000"/>
-      </a:schemeClr>
-      <a:schemeClr val="accent6">
-        <a:alpha val="50000"/>
-      </a:schemeClr>
-    </dgm:fillClrLst>
-    <dgm:linClrLst meth="repeat">
-      <a:schemeClr val="lt1"/>
-    </dgm:linClrLst>
-    <dgm:effectClrLst/>
-    <dgm:txLinClrLst/>
-    <dgm:txFillClrLst/>
-    <dgm:txEffectClrLst/>
-  </dgm:styleLbl>
-  <dgm:styleLbl name="node2">
-    <dgm:fillClrLst>
-      <a:schemeClr val="accent2"/>
-    </dgm:fillClrLst>
-    <dgm:linClrLst meth="repeat">
-      <a:schemeClr val="lt1"/>
-    </dgm:linClrLst>
-    <dgm:effectClrLst/>
-    <dgm:txLinClrLst/>
-    <dgm:txFillClrLst/>
-    <dgm:txEffectClrLst/>
-  </dgm:styleLbl>
-  <dgm:styleLbl name="node3">
-    <dgm:fillClrLst>
-      <a:schemeClr val="accent3"/>
-    </dgm:fillClrLst>
-    <dgm:linClrLst meth="repeat">
-      <a:schemeClr val="lt1"/>
-    </dgm:linClrLst>
-    <dgm:effectClrLst/>
-    <dgm:txLinClrLst/>
-    <dgm:txFillClrLst/>
-    <dgm:txEffectClrLst/>
-  </dgm:styleLbl>
-  <dgm:styleLbl name="node4">
-    <dgm:fillClrLst>
-      <a:schemeClr val="accent4"/>
-    </dgm:fillClrLst>
-    <dgm:linClrLst meth="repeat">
-      <a:schemeClr val="lt1"/>
-    </dgm:linClrLst>
-    <dgm:effectClrLst/>
-    <dgm:txLinClrLst/>
-    <dgm:txFillClrLst/>
-    <dgm:txEffectClrLst/>
-  </dgm:styleLbl>
-  <dgm:styleLbl name="fgImgPlace1">
-    <dgm:fillClrLst meth="repeat">
-      <a:schemeClr val="accent2">
-        <a:tint val="50000"/>
-      </a:schemeClr>
-      <a:schemeClr val="accent3">
-        <a:tint val="50000"/>
-      </a:schemeClr>
-      <a:schemeClr val="accent4">
-        <a:tint val="50000"/>
-      </a:schemeClr>
-      <a:schemeClr val="accent5">
-        <a:tint val="50000"/>
-      </a:schemeClr>
-      <a:schemeClr val="accent6">
-        <a:tint val="50000"/>
-      </a:schemeClr>
-    </dgm:fillClrLst>
-    <dgm:linClrLst meth="repeat">
-      <a:schemeClr val="lt1"/>
-    </dgm:linClrLst>
-    <dgm:effectClrLst/>
-    <dgm:txLinClrLst/>
-    <dgm:txFillClrLst meth="repeat">
-      <a:schemeClr val="lt1"/>
-    </dgm:txFillClrLst>
-    <dgm:txEffectClrLst/>
-  </dgm:styleLbl>
-  <dgm:styleLbl name="alignImgPlace1">
-    <dgm:fillClrLst>
-      <a:schemeClr val="accent1">
-        <a:tint val="50000"/>
-      </a:schemeClr>
-      <a:schemeClr val="accent2">
-        <a:tint val="20000"/>
-      </a:schemeClr>
-    </dgm:fillClrLst>
-    <dgm:linClrLst meth="repeat">
-      <a:schemeClr val="lt1"/>
-    </dgm:linClrLst>
-    <dgm:effectClrLst/>
-    <dgm:txLinClrLst/>
-    <dgm:txFillClrLst meth="repeat">
-      <a:schemeClr val="lt1"/>
-    </dgm:txFillClrLst>
-    <dgm:txEffectClrLst/>
-  </dgm:styleLbl>
-  <dgm:styleLbl name="bgImgPlace1">
-    <dgm:fillClrLst>
-      <a:schemeClr val="accent1">
-        <a:tint val="50000"/>
-      </a:schemeClr>
-      <a:schemeClr val="accent2">
-        <a:tint val="20000"/>
-      </a:schemeClr>
-    </dgm:fillClrLst>
-    <dgm:linClrLst meth="repeat">
-      <a:schemeClr val="lt1"/>
-    </dgm:linClrLst>
-    <dgm:effectClrLst/>
-    <dgm:txLinClrLst/>
-    <dgm:txFillClrLst meth="repeat">
-      <a:schemeClr val="lt1"/>
-    </dgm:txFillClrLst>
-    <dgm:txEffectClrLst/>
-  </dgm:styleLbl>
-  <dgm:styleLbl name="sibTrans2D1">
-    <dgm:fillClrLst meth="repeat">
-      <a:schemeClr val="accent2"/>
-      <a:schemeClr val="accent3"/>
-      <a:schemeClr val="accent4"/>
-      <a:schemeClr val="accent5"/>
-      <a:schemeClr val="accent6"/>
-    </dgm:fillClrLst>
-    <dgm:linClrLst meth="cycle">
-      <a:schemeClr val="lt1"/>
-    </dgm:linClrLst>
-    <dgm:effectClrLst/>
-    <dgm:txLinClrLst/>
-    <dgm:txFillClrLst/>
-    <dgm:txEffectClrLst/>
-  </dgm:styleLbl>
-  <dgm:styleLbl name="fgSibTrans2D1">
-    <dgm:fillClrLst meth="repeat">
-      <a:schemeClr val="accent2"/>
-      <a:schemeClr val="accent3"/>
-      <a:schemeClr val="accent4"/>
-      <a:schemeClr val="accent5"/>
-      <a:schemeClr val="accent6"/>
-    </dgm:fillClrLst>
-    <dgm:linClrLst meth="cycle">
-      <a:schemeClr val="lt1"/>
-    </dgm:linClrLst>
-    <dgm:effectClrLst/>
-    <dgm:txLinClrLst/>
-    <dgm:txFillClrLst meth="repeat">
-      <a:schemeClr val="lt1"/>
-    </dgm:txFillClrLst>
-    <dgm:txEffectClrLst/>
-  </dgm:styleLbl>
-  <dgm:styleLbl name="bgSibTrans2D1">
-    <dgm:fillClrLst meth="repeat">
-      <a:schemeClr val="accent2"/>
-      <a:schemeClr val="accent3"/>
-      <a:schemeClr val="accent4"/>
-      <a:schemeClr val="accent5"/>
-      <a:schemeClr val="accent6"/>
-    </dgm:fillClrLst>
-    <dgm:linClrLst meth="cycle">
-      <a:schemeClr val="lt1"/>
-    </dgm:linClrLst>
-    <dgm:effectClrLst/>
-    <dgm:txLinClrLst/>
-    <dgm:txFillClrLst meth="repeat">
-      <a:schemeClr val="lt1"/>
-    </dgm:txFillClrLst>
-    <dgm:txEffectClrLst/>
-  </dgm:styleLbl>
-  <dgm:styleLbl name="sibTrans1D1">
-    <dgm:fillClrLst meth="repeat">
-      <a:schemeClr val="accent2"/>
-      <a:schemeClr val="accent3"/>
-      <a:schemeClr val="accent4"/>
-      <a:schemeClr val="accent5"/>
-      <a:schemeClr val="accent6"/>
-    </dgm:fillClrLst>
-    <dgm:linClrLst meth="repeat">
-      <a:schemeClr val="accent2"/>
-      <a:schemeClr val="accent3"/>
-      <a:schemeClr val="accent4"/>
-      <a:schemeClr val="accent5"/>
-      <a:schemeClr val="accent6"/>
-    </dgm:linClrLst>
-    <dgm:effectClrLst/>
-    <dgm:txLinClrLst/>
-    <dgm:txFillClrLst meth="repeat">
-      <a:schemeClr val="tx1"/>
-    </dgm:txFillClrLst>
-    <dgm:txEffectClrLst/>
-  </dgm:styleLbl>
-  <dgm:styleLbl name="callout">
-    <dgm:fillClrLst meth="repeat">
-      <a:schemeClr val="accent2"/>
-    </dgm:fillClrLst>
-    <dgm:linClrLst meth="repeat">
-      <a:schemeClr val="accent2">
-        <a:tint val="50000"/>
-      </a:schemeClr>
-    </dgm:linClrLst>
-    <dgm:effectClrLst/>
-    <dgm:txLinClrLst/>
-    <dgm:txFillClrLst meth="repeat">
-      <a:schemeClr val="tx1"/>
-    </dgm:txFillClrLst>
-    <dgm:txEffectClrLst/>
-  </dgm:styleLbl>
-  <dgm:styleLbl name="asst0">
-    <dgm:fillClrLst meth="repeat">
-      <a:schemeClr val="accent1"/>
-    </dgm:fillClrLst>
-    <dgm:linClrLst meth="repeat">
-      <a:schemeClr val="lt1"/>
-    </dgm:linClrLst>
-    <dgm:effectClrLst/>
-    <dgm:txLinClrLst/>
-    <dgm:txFillClrLst/>
-    <dgm:txEffectClrLst/>
-  </dgm:styleLbl>
-  <dgm:styleLbl name="asst1">
-    <dgm:fillClrLst meth="repeat">
-      <a:schemeClr val="accent2"/>
-    </dgm:fillClrLst>
-    <dgm:linClrLst meth="repeat">
-      <a:schemeClr val="lt1"/>
-    </dgm:linClrLst>
-    <dgm:effectClrLst/>
-    <dgm:txLinClrLst/>
-    <dgm:txFillClrLst/>
-    <dgm:txEffectClrLst/>
-  </dgm:styleLbl>
-  <dgm:styleLbl name="asst2">
-    <dgm:fillClrLst>
-      <a:schemeClr val="accent3"/>
-    </dgm:fillClrLst>
-    <dgm:linClrLst meth="repeat">
-      <a:schemeClr val="lt1"/>
-    </dgm:linClrLst>
-    <dgm:effectClrLst/>
-    <dgm:txLinClrLst/>
-    <dgm:txFillClrLst/>
-    <dgm:txEffectClrLst/>
-  </dgm:styleLbl>
-  <dgm:styleLbl name="asst3">
-    <dgm:fillClrLst>
-      <a:schemeClr val="accent4"/>
-    </dgm:fillClrLst>
-    <dgm:linClrLst meth="repeat">
-      <a:schemeClr val="lt1"/>
-    </dgm:linClrLst>
-    <dgm:effectClrLst/>
-    <dgm:txLinClrLst/>
-    <dgm:txFillClrLst/>
-    <dgm:txEffectClrLst/>
-  </dgm:styleLbl>
-  <dgm:styleLbl name="asst4">
-    <dgm:fillClrLst>
-      <a:schemeClr val="accent5"/>
-    </dgm:fillClrLst>
-    <dgm:linClrLst meth="repeat">
-      <a:schemeClr val="lt1"/>
-    </dgm:linClrLst>
-    <dgm:effectClrLst/>
-    <dgm:txLinClrLst/>
-    <dgm:txFillClrLst/>
-    <dgm:txEffectClrLst/>
-  </dgm:styleLbl>
-  <dgm:styleLbl name="parChTrans2D1">
-    <dgm:fillClrLst meth="repeat">
-      <a:schemeClr val="accent2"/>
-    </dgm:fillClrLst>
-    <dgm:linClrLst meth="repeat">
-      <a:schemeClr val="lt1"/>
-    </dgm:linClrLst>
-    <dgm:effectClrLst/>
-    <dgm:txLinClrLst/>
-    <dgm:txFillClrLst meth="repeat">
-      <a:schemeClr val="lt1"/>
-    </dgm:txFillClrLst>
-    <dgm:txEffectClrLst/>
-  </dgm:styleLbl>
-  <dgm:styleLbl name="parChTrans2D2">
-    <dgm:fillClrLst meth="repeat">
-      <a:schemeClr val="accent3"/>
-    </dgm:fillClrLst>
-    <dgm:linClrLst meth="repeat">
-      <a:schemeClr val="lt1"/>
-    </dgm:linClrLst>
-    <dgm:effectClrLst/>
-    <dgm:txLinClrLst/>
-    <dgm:txFillClrLst/>
-    <dgm:txEffectClrLst/>
-  </dgm:styleLbl>
-  <dgm:styleLbl name="parChTrans2D3">
-    <dgm:fillClrLst meth="repeat">
-      <a:schemeClr val="accent4"/>
-    </dgm:fillClrLst>
-    <dgm:linClrLst meth="repeat">
-      <a:schemeClr val="lt1"/>
-    </dgm:linClrLst>
-    <dgm:effectClrLst/>
-    <dgm:txLinClrLst/>
-    <dgm:txFillClrLst/>
-    <dgm:txEffectClrLst/>
-  </dgm:styleLbl>
-  <dgm:styleLbl name="parChTrans2D4">
-    <dgm:fillClrLst meth="repeat">
-      <a:schemeClr val="accent5"/>
-    </dgm:fillClrLst>
-    <dgm:linClrLst meth="repeat">
-      <a:schemeClr val="lt1"/>
-    </dgm:linClrLst>
-    <dgm:effectClrLst/>
-    <dgm:txLinClrLst/>
-    <dgm:txFillClrLst meth="repeat">
-      <a:schemeClr val="lt1"/>
-    </dgm:txFillClrLst>
-    <dgm:txEffectClrLst/>
-  </dgm:styleLbl>
-  <dgm:styleLbl name="parChTrans1D1">
-    <dgm:fillClrLst meth="repeat">
-      <a:schemeClr val="accent2"/>
-    </dgm:fillClrLst>
-    <dgm:linClrLst meth="repeat">
-      <a:schemeClr val="accent1"/>
-    </dgm:linClrLst>
-    <dgm:effectClrLst/>
-    <dgm:txLinClrLst/>
-    <dgm:txFillClrLst meth="repeat">
-      <a:schemeClr val="tx1"/>
-    </dgm:txFillClrLst>
-    <dgm:txEffectClrLst/>
-  </dgm:styleLbl>
-  <dgm:styleLbl name="parChTrans1D2">
-    <dgm:fillClrLst meth="repeat">
-      <a:schemeClr val="accent3">
-        <a:tint val="90000"/>
-      </a:schemeClr>
-    </dgm:fillClrLst>
-    <dgm:linClrLst meth="repeat">
-      <a:schemeClr val="accent2"/>
-    </dgm:linClrLst>
-    <dgm:effectClrLst/>
-    <dgm:txLinClrLst/>
-    <dgm:txFillClrLst meth="repeat">
-      <a:schemeClr val="tx1"/>
-    </dgm:txFillClrLst>
-    <dgm:txEffectClrLst/>
-  </dgm:styleLbl>
-  <dgm:styleLbl name="parChTrans1D3">
-    <dgm:fillClrLst meth="repeat">
-      <a:schemeClr val="accent4">
-        <a:tint val="70000"/>
-      </a:schemeClr>
-    </dgm:fillClrLst>
-    <dgm:linClrLst meth="repeat">
-      <a:schemeClr val="accent3"/>
-    </dgm:linClrLst>
-    <dgm:effectClrLst/>
-    <dgm:txLinClrLst/>
-    <dgm:txFillClrLst meth="repeat">
-      <a:schemeClr val="tx1"/>
-    </dgm:txFillClrLst>
-    <dgm:txEffectClrLst/>
-  </dgm:styleLbl>
-  <dgm:styleLbl name="parChTrans1D4">
-    <dgm:fillClrLst meth="repeat">
-      <a:schemeClr val="accent5">
-        <a:tint val="50000"/>
-      </a:schemeClr>
-    </dgm:fillClrLst>
-    <dgm:linClrLst meth="repeat">
-      <a:schemeClr val="accent4"/>
-    </dgm:linClrLst>
-    <dgm:effectClrLst/>
-    <dgm:txLinClrLst/>
-    <dgm:txFillClrLst meth="repeat">
-      <a:schemeClr val="tx1"/>
-    </dgm:txFillClrLst>
-    <dgm:txEffectClrLst/>
-  </dgm:styleLbl>
-  <dgm:styleLbl name="fgAcc1">
-    <dgm:fillClrLst meth="repeat">
-      <a:schemeClr val="lt1">
-        <a:alpha val="90000"/>
-      </a:schemeClr>
-    </dgm:fillClrLst>
-    <dgm:linClrLst meth="repeat">
-      <a:schemeClr val="accent2"/>
-      <a:schemeClr val="accent3"/>
-      <a:schemeClr val="accent4"/>
-      <a:schemeClr val="accent5"/>
-      <a:schemeClr val="accent6"/>
-    </dgm:linClrLst>
-    <dgm:effectClrLst/>
-    <dgm:txLinClrLst/>
-    <dgm:txFillClrLst meth="repeat">
-      <a:schemeClr val="dk1"/>
-    </dgm:txFillClrLst>
-    <dgm:txEffectClrLst/>
-  </dgm:styleLbl>
-  <dgm:styleLbl name="conFgAcc1">
-    <dgm:fillClrLst meth="repeat">
-      <a:schemeClr val="lt1">
-        <a:alpha val="90000"/>
-      </a:schemeClr>
-    </dgm:fillClrLst>
-    <dgm:linClrLst meth="repeat">
-      <a:schemeClr val="accent2"/>
-      <a:schemeClr val="accent3"/>
-      <a:schemeClr val="accent4"/>
-      <a:schemeClr val="accent5"/>
-      <a:schemeClr val="accent6"/>
-    </dgm:linClrLst>
-    <dgm:effectClrLst/>
-    <dgm:txLinClrLst/>
-    <dgm:txFillClrLst meth="repeat">
-      <a:schemeClr val="dk1"/>
-    </dgm:txFillClrLst>
-    <dgm:txEffectClrLst/>
-  </dgm:styleLbl>
-  <dgm:styleLbl name="alignAcc1">
-    <dgm:fillClrLst meth="repeat">
-      <a:schemeClr val="lt1">
-        <a:alpha val="90000"/>
-      </a:schemeClr>
-    </dgm:fillClrLst>
-    <dgm:linClrLst meth="repeat">
-      <a:schemeClr val="accent2"/>
-      <a:schemeClr val="accent3"/>
-      <a:schemeClr val="accent4"/>
-      <a:schemeClr val="accent5"/>
-      <a:schemeClr val="accent6"/>
-    </dgm:linClrLst>
-    <dgm:effectClrLst/>
-    <dgm:txLinClrLst/>
-    <dgm:txFillClrLst meth="repeat">
-      <a:schemeClr val="dk1"/>
-    </dgm:txFillClrLst>
-    <dgm:txEffectClrLst/>
-  </dgm:styleLbl>
-  <dgm:styleLbl name="trAlignAcc1">
-    <dgm:fillClrLst meth="repeat">
-      <a:schemeClr val="lt1">
-        <a:alpha val="40000"/>
-      </a:schemeClr>
-    </dgm:fillClrLst>
-    <dgm:linClrLst meth="repeat">
-      <a:schemeClr val="accent1"/>
-    </dgm:linClrLst>
-    <dgm:effectClrLst/>
-    <dgm:txLinClrLst/>
-    <dgm:txFillClrLst meth="repeat">
-      <a:schemeClr val="dk1"/>
-    </dgm:txFillClrLst>
-    <dgm:txEffectClrLst/>
-  </dgm:styleLbl>
-  <dgm:styleLbl name="bgAcc1">
-    <dgm:fillClrLst meth="repeat">
-      <a:schemeClr val="lt1">
-        <a:alpha val="90000"/>
-      </a:schemeClr>
-    </dgm:fillClrLst>
-    <dgm:linClrLst meth="repeat">
-      <a:schemeClr val="accent2"/>
-      <a:schemeClr val="accent3"/>
-      <a:schemeClr val="accent4"/>
-      <a:schemeClr val="accent5"/>
-      <a:schemeClr val="accent6"/>
-    </dgm:linClrLst>
-    <dgm:effectClrLst/>
-    <dgm:txLinClrLst/>
-    <dgm:txFillClrLst meth="repeat">
-      <a:schemeClr val="dk1"/>
-    </dgm:txFillClrLst>
-    <dgm:txEffectClrLst/>
-  </dgm:styleLbl>
-  <dgm:styleLbl name="solidFgAcc1">
-    <dgm:fillClrLst meth="repeat">
-      <a:schemeClr val="lt1"/>
-    </dgm:fillClrLst>
-    <dgm:linClrLst meth="repeat">
-      <a:schemeClr val="accent2"/>
-      <a:schemeClr val="accent3"/>
-      <a:schemeClr val="accent4"/>
-      <a:schemeClr val="accent5"/>
-      <a:schemeClr val="accent6"/>
-    </dgm:linClrLst>
-    <dgm:effectClrLst/>
-    <dgm:txLinClrLst/>
-    <dgm:txFillClrLst meth="repeat">
-      <a:schemeClr val="dk1"/>
-    </dgm:txFillClrLst>
-    <dgm:txEffectClrLst/>
-  </dgm:styleLbl>
-  <dgm:styleLbl name="solidAlignAcc1">
-    <dgm:fillClrLst meth="repeat">
-      <a:schemeClr val="lt1"/>
-    </dgm:fillClrLst>
-    <dgm:linClrLst meth="repeat">
-      <a:schemeClr val="accent2"/>
-      <a:schemeClr val="accent3"/>
-      <a:schemeClr val="accent4"/>
-      <a:schemeClr val="accent5"/>
-      <a:schemeClr val="accent6"/>
-    </dgm:linClrLst>
-    <dgm:effectClrLst/>
-    <dgm:txLinClrLst/>
-    <dgm:txFillClrLst meth="repeat">
-      <a:schemeClr val="dk1"/>
-    </dgm:txFillClrLst>
-    <dgm:txEffectClrLst/>
-  </dgm:styleLbl>
-  <dgm:styleLbl name="solidBgAcc1">
-    <dgm:fillClrLst meth="repeat">
-      <a:schemeClr val="lt1"/>
-    </dgm:fillClrLst>
-    <dgm:linClrLst meth="repeat">
-      <a:schemeClr val="accent2"/>
-      <a:schemeClr val="accent3"/>
-      <a:schemeClr val="accent4"/>
-      <a:schemeClr val="accent5"/>
-      <a:schemeClr val="accent6"/>
-    </dgm:linClrLst>
-    <dgm:effectClrLst/>
-    <dgm:txLinClrLst/>
-    <dgm:txFillClrLst meth="repeat">
-      <a:schemeClr val="dk1"/>
-    </dgm:txFillClrLst>
-    <dgm:txEffectClrLst/>
-  </dgm:styleLbl>
-  <dgm:styleLbl name="fgAccFollowNode1">
-    <dgm:fillClrLst meth="repeat">
-      <a:schemeClr val="accent2">
-        <a:tint val="40000"/>
-        <a:alpha val="90000"/>
-      </a:schemeClr>
-      <a:schemeClr val="accent3">
-        <a:tint val="40000"/>
-        <a:alpha val="90000"/>
-      </a:schemeClr>
-      <a:schemeClr val="accent4">
-        <a:tint val="40000"/>
-        <a:alpha val="90000"/>
-      </a:schemeClr>
-      <a:schemeClr val="accent5">
-        <a:tint val="40000"/>
-        <a:alpha val="90000"/>
-      </a:schemeClr>
-      <a:schemeClr val="accent6">
-        <a:tint val="40000"/>
-        <a:alpha val="90000"/>
-      </a:schemeClr>
-    </dgm:fillClrLst>
-    <dgm:linClrLst meth="repeat">
-      <a:schemeClr val="accent2">
-        <a:tint val="40000"/>
-        <a:alpha val="90000"/>
-      </a:schemeClr>
-      <a:schemeClr val="accent3">
-        <a:tint val="40000"/>
-        <a:alpha val="90000"/>
-      </a:schemeClr>
-      <a:schemeClr val="accent4">
-        <a:tint val="40000"/>
-        <a:alpha val="90000"/>
-      </a:schemeClr>
-      <a:schemeClr val="accent5">
-        <a:tint val="40000"/>
-        <a:alpha val="90000"/>
-      </a:schemeClr>
-      <a:schemeClr val="accent6">
-        <a:tint val="40000"/>
-        <a:alpha val="90000"/>
-      </a:schemeClr>
-    </dgm:linClrLst>
-    <dgm:effectClrLst/>
-    <dgm:txLinClrLst/>
-    <dgm:txFillClrLst meth="repeat">
-      <a:schemeClr val="dk1"/>
-    </dgm:txFillClrLst>
-    <dgm:txEffectClrLst/>
-  </dgm:styleLbl>
-  <dgm:styleLbl name="alignAccFollowNode1">
-    <dgm:fillClrLst meth="repeat">
-      <a:schemeClr val="accent2">
-        <a:tint val="40000"/>
-        <a:alpha val="90000"/>
-      </a:schemeClr>
-      <a:schemeClr val="accent3">
-        <a:tint val="40000"/>
-        <a:alpha val="90000"/>
-      </a:schemeClr>
-      <a:schemeClr val="accent4">
-        <a:tint val="40000"/>
-        <a:alpha val="90000"/>
-      </a:schemeClr>
-      <a:schemeClr val="accent5">
-        <a:tint val="40000"/>
-        <a:alpha val="90000"/>
-      </a:schemeClr>
-      <a:schemeClr val="accent6">
-        <a:tint val="40000"/>
-        <a:alpha val="90000"/>
-      </a:schemeClr>
-    </dgm:fillClrLst>
-    <dgm:linClrLst meth="repeat">
-      <a:schemeClr val="accent2">
-        <a:tint val="40000"/>
-        <a:alpha val="90000"/>
-      </a:schemeClr>
-      <a:schemeClr val="accent3">
-        <a:tint val="40000"/>
-        <a:alpha val="90000"/>
-      </a:schemeClr>
-      <a:schemeClr val="accent4">
-        <a:tint val="40000"/>
-        <a:alpha val="90000"/>
-      </a:schemeClr>
-      <a:schemeClr val="accent5">
-        <a:tint val="40000"/>
-        <a:alpha val="90000"/>
-      </a:schemeClr>
-      <a:schemeClr val="accent6">
-        <a:tint val="40000"/>
-        <a:alpha val="90000"/>
-      </a:schemeClr>
-    </dgm:linClrLst>
-    <dgm:effectClrLst/>
-    <dgm:txLinClrLst/>
-    <dgm:txFillClrLst meth="repeat">
-      <a:schemeClr val="dk1"/>
-    </dgm:txFillClrLst>
-    <dgm:txEffectClrLst/>
-  </dgm:styleLbl>
-  <dgm:styleLbl name="bgAccFollowNode1">
-    <dgm:fillClrLst meth="repeat">
-      <a:schemeClr val="accent2">
-        <a:tint val="40000"/>
-        <a:alpha val="90000"/>
-      </a:schemeClr>
-      <a:schemeClr val="accent3">
-        <a:tint val="40000"/>
-        <a:alpha val="90000"/>
-      </a:schemeClr>
-      <a:schemeClr val="accent4">
-        <a:tint val="40000"/>
-        <a:alpha val="90000"/>
-      </a:schemeClr>
-      <a:schemeClr val="accent5">
-        <a:tint val="40000"/>
-        <a:alpha val="90000"/>
-      </a:schemeClr>
-      <a:schemeClr val="accent6">
-        <a:tint val="40000"/>
-        <a:alpha val="90000"/>
-      </a:schemeClr>
-    </dgm:fillClrLst>
-    <dgm:linClrLst meth="repeat">
-      <a:schemeClr val="accent2">
-        <a:tint val="40000"/>
-        <a:alpha val="90000"/>
-      </a:schemeClr>
-      <a:schemeClr val="accent3">
-        <a:tint val="40000"/>
-        <a:alpha val="90000"/>
-      </a:schemeClr>
-      <a:schemeClr val="accent4">
-        <a:tint val="40000"/>
-        <a:alpha val="90000"/>
-      </a:schemeClr>
-      <a:schemeClr val="accent5">
-        <a:tint val="40000"/>
-        <a:alpha val="90000"/>
-      </a:schemeClr>
-      <a:schemeClr val="accent6">
-        <a:tint val="40000"/>
-        <a:alpha val="90000"/>
-      </a:schemeClr>
-    </dgm:linClrLst>
-    <dgm:effectClrLst/>
-    <dgm:txLinClrLst/>
-    <dgm:txFillClrLst meth="repeat">
-      <a:schemeClr val="dk1"/>
-    </dgm:txFillClrLst>
-    <dgm:txEffectClrLst/>
-  </dgm:styleLbl>
-  <dgm:styleLbl name="fgAcc0">
-    <dgm:fillClrLst meth="repeat">
-      <a:schemeClr val="lt1">
-        <a:alpha val="90000"/>
-      </a:schemeClr>
-    </dgm:fillClrLst>
-    <dgm:linClrLst>
-      <a:schemeClr val="accent1"/>
-    </dgm:linClrLst>
-    <dgm:effectClrLst/>
-    <dgm:txLinClrLst/>
-    <dgm:txFillClrLst meth="repeat">
-      <a:schemeClr val="dk1"/>
-    </dgm:txFillClrLst>
-    <dgm:txEffectClrLst/>
-  </dgm:styleLbl>
-  <dgm:styleLbl name="fgAcc2">
-    <dgm:fillClrLst meth="repeat">
-      <a:schemeClr val="lt1">
-        <a:alpha val="90000"/>
-      </a:schemeClr>
-    </dgm:fillClrLst>
-    <dgm:linClrLst>
-      <a:schemeClr val="accent2"/>
-    </dgm:linClrLst>
-    <dgm:effectClrLst/>
-    <dgm:txLinClrLst/>
-    <dgm:txFillClrLst meth="repeat">
-      <a:schemeClr val="dk1"/>
-    </dgm:txFillClrLst>
-    <dgm:txEffectClrLst/>
-  </dgm:styleLbl>
-  <dgm:styleLbl name="fgAcc3">
-    <dgm:fillClrLst meth="repeat">
-      <a:schemeClr val="lt1">
-        <a:alpha val="90000"/>
-      </a:schemeClr>
-    </dgm:fillClrLst>
-    <dgm:linClrLst>
-      <a:schemeClr val="accent3"/>
-    </dgm:linClrLst>
-    <dgm:effectClrLst/>
-    <dgm:txLinClrLst/>
-    <dgm:txFillClrLst meth="repeat">
-      <a:schemeClr val="dk1"/>
-    </dgm:txFillClrLst>
-    <dgm:txEffectClrLst/>
-  </dgm:styleLbl>
-  <dgm:styleLbl name="fgAcc4">
-    <dgm:fillClrLst meth="repeat">
-      <a:schemeClr val="lt1">
-        <a:alpha val="90000"/>
-      </a:schemeClr>
-    </dgm:fillClrLst>
-    <dgm:linClrLst>
-      <a:schemeClr val="accent4"/>
-    </dgm:linClrLst>
-    <dgm:effectClrLst/>
-    <dgm:txLinClrLst/>
-    <dgm:txFillClrLst meth="repeat">
-      <a:schemeClr val="dk1"/>
-    </dgm:txFillClrLst>
-    <dgm:txEffectClrLst/>
-  </dgm:styleLbl>
-  <dgm:styleLbl name="bgShp">
-    <dgm:fillClrLst meth="repeat">
-      <a:schemeClr val="accent2"/>
-      <a:schemeClr val="accent3"/>
-      <a:schemeClr val="accent4"/>
-      <a:schemeClr val="accent5"/>
-      <a:schemeClr val="accent6"/>
-    </dgm:fillClrLst>
-    <dgm:linClrLst meth="repeat">
-      <a:schemeClr val="lt1">
-        <a:alpha val="0"/>
-      </a:schemeClr>
-    </dgm:linClrLst>
-    <dgm:effectClrLst/>
-    <dgm:txLinClrLst/>
-    <dgm:txFillClrLst/>
-    <dgm:txEffectClrLst/>
-  </dgm:styleLbl>
-  <dgm:styleLbl name="dkBgShp">
-    <dgm:fillClrLst meth="repeat">
-      <a:schemeClr val="accent2">
-        <a:shade val="90000"/>
-      </a:schemeClr>
-    </dgm:fillClrLst>
-    <dgm:linClrLst meth="repeat">
-      <a:schemeClr val="dk1"/>
-    </dgm:linClrLst>
-    <dgm:effectClrLst/>
-    <dgm:txLinClrLst/>
-    <dgm:txFillClrLst meth="repeat">
-      <a:schemeClr val="lt1"/>
-    </dgm:txFillClrLst>
-    <dgm:txEffectClrLst/>
-  </dgm:styleLbl>
-  <dgm:styleLbl name="trBgShp">
-    <dgm:fillClrLst meth="repeat">
-      <a:schemeClr val="accent1">
-        <a:tint val="50000"/>
-        <a:alpha val="40000"/>
-      </a:schemeClr>
-    </dgm:fillClrLst>
-    <dgm:linClrLst meth="repeat">
-      <a:schemeClr val="accent2"/>
-    </dgm:linClrLst>
-    <dgm:effectClrLst/>
-    <dgm:txLinClrLst/>
-    <dgm:txFillClrLst meth="repeat">
-      <a:schemeClr val="lt1"/>
-    </dgm:txFillClrLst>
-    <dgm:txEffectClrLst/>
-  </dgm:styleLbl>
-  <dgm:styleLbl name="fgShp">
-    <dgm:fillClrLst meth="repeat">
-      <a:schemeClr val="accent2">
-        <a:tint val="40000"/>
-      </a:schemeClr>
-    </dgm:fillClrLst>
-    <dgm:linClrLst meth="repeat">
-      <a:schemeClr val="lt1"/>
-    </dgm:linClrLst>
-    <dgm:effectClrLst/>
-    <dgm:txLinClrLst/>
-    <dgm:txFillClrLst meth="repeat">
-      <a:schemeClr val="dk1"/>
-    </dgm:txFillClrLst>
-    <dgm:txEffectClrLst/>
-  </dgm:styleLbl>
-  <dgm:styleLbl name="revTx">
-    <dgm:fillClrLst meth="repeat">
-      <a:schemeClr val="lt1">
-        <a:alpha val="0"/>
-      </a:schemeClr>
-    </dgm:fillClrLst>
-    <dgm:linClrLst meth="repeat">
-      <a:schemeClr val="dk1">
-        <a:alpha val="0"/>
-      </a:schemeClr>
-    </dgm:linClrLst>
-    <dgm:effectClrLst/>
-    <dgm:txLinClrLst/>
-    <dgm:txFillClrLst meth="repeat">
-      <a:schemeClr val="tx1"/>
-    </dgm:txFillClrLst>
-    <dgm:txEffectClrLst/>
-  </dgm:styleLbl>
-</dgm:colorsDef>
-</file>
-
-<file path=ppt/diagrams/data1.xml><?xml version="1.0" encoding="utf-8"?>
-<dgm:dataModel xmlns:dgm="http://schemas.openxmlformats.org/drawingml/2006/diagram" xmlns:a="http://schemas.openxmlformats.org/drawingml/2006/main">
-  <dgm:ptLst>
-    <dgm:pt modelId="{01A66772-F185-4D58-B8BB-E9370D7A7A2B}" type="doc">
-      <dgm:prSet loTypeId="urn:microsoft.com/office/officeart/2018/5/layout/IconCircleLabelList" loCatId="icon" qsTypeId="urn:microsoft.com/office/officeart/2005/8/quickstyle/simple1" qsCatId="simple" csTypeId="urn:microsoft.com/office/officeart/2018/5/colors/Iconchunking_neutralicon_colorful1" csCatId="colorful" phldr="1"/>
-      <dgm:spPr/>
-      <dgm:t>
-        <a:bodyPr/>
-        <a:lstStyle/>
-        <a:p>
-          <a:endParaRPr lang="en-US"/>
-        </a:p>
-      </dgm:t>
-    </dgm:pt>
-    <dgm:pt modelId="{40FC4FFE-8987-4A26-B7F4-8A516F18ADAE}">
-      <dgm:prSet/>
-      <dgm:spPr/>
-      <dgm:t>
-        <a:bodyPr/>
-        <a:lstStyle/>
-        <a:p>
-          <a:pPr>
-            <a:lnSpc>
-              <a:spcPct val="100000"/>
-            </a:lnSpc>
-            <a:defRPr cap="all"/>
-          </a:pPr>
-          <a:r>
-            <a:rPr lang="en-US"/>
-            <a:t>Lorem ipsum dolor sit amet, consectetuer adipiscing elit. </a:t>
-          </a:r>
-        </a:p>
-      </dgm:t>
-    </dgm:pt>
-    <dgm:pt modelId="{CAD7EF86-FB23-41F6-BF42-040B36DEFDB1}" type="parTrans" cxnId="{C7AD8469-3C68-4AF9-AB82-79B0043AA120}">
-      <dgm:prSet/>
-      <dgm:spPr/>
-      <dgm:t>
-        <a:bodyPr/>
-        <a:lstStyle/>
-        <a:p>
-          <a:endParaRPr lang="en-US"/>
-        </a:p>
-      </dgm:t>
-    </dgm:pt>
-    <dgm:pt modelId="{5B62599A-5C9B-48E7-896E-EA782AC60C8B}" type="sibTrans" cxnId="{C7AD8469-3C68-4AF9-AB82-79B0043AA120}">
-      <dgm:prSet/>
-      <dgm:spPr/>
-      <dgm:t>
-        <a:bodyPr/>
-        <a:lstStyle/>
-        <a:p>
-          <a:endParaRPr lang="en-US"/>
-        </a:p>
-      </dgm:t>
-    </dgm:pt>
-    <dgm:pt modelId="{49225C73-1633-42F1-AB3B-7CB183E5F8B8}">
-      <dgm:prSet/>
-      <dgm:spPr/>
-      <dgm:t>
-        <a:bodyPr/>
-        <a:lstStyle/>
-        <a:p>
-          <a:pPr>
-            <a:lnSpc>
-              <a:spcPct val="100000"/>
-            </a:lnSpc>
-            <a:defRPr cap="all"/>
-          </a:pPr>
-          <a:r>
-            <a:rPr lang="en-US"/>
-            <a:t>Nunc viverra imperdiet enim. Fusce est. Vivamus a tellus.</a:t>
-          </a:r>
-        </a:p>
-      </dgm:t>
-    </dgm:pt>
-    <dgm:pt modelId="{1A0E2090-1D4F-438A-8766-B6030CE01ADD}" type="parTrans" cxnId="{A9154303-8225-4248-91DC-1B0156A35F07}">
-      <dgm:prSet/>
-      <dgm:spPr/>
-      <dgm:t>
-        <a:bodyPr/>
-        <a:lstStyle/>
-        <a:p>
-          <a:endParaRPr lang="en-US"/>
-        </a:p>
-      </dgm:t>
-    </dgm:pt>
-    <dgm:pt modelId="{9646853A-8964-4519-A5B1-0B7D18B2983D}" type="sibTrans" cxnId="{A9154303-8225-4248-91DC-1B0156A35F07}">
-      <dgm:prSet/>
-      <dgm:spPr/>
-      <dgm:t>
-        <a:bodyPr/>
-        <a:lstStyle/>
-        <a:p>
-          <a:endParaRPr lang="en-US"/>
-        </a:p>
-      </dgm:t>
-    </dgm:pt>
-    <dgm:pt modelId="{1C383F32-22E8-4F62-A3E0-BDC3D5F48992}">
-      <dgm:prSet/>
-      <dgm:spPr/>
-      <dgm:t>
-        <a:bodyPr/>
-        <a:lstStyle/>
-        <a:p>
-          <a:pPr>
-            <a:lnSpc>
-              <a:spcPct val="100000"/>
-            </a:lnSpc>
-            <a:defRPr cap="all"/>
-          </a:pPr>
-          <a:r>
-            <a:rPr lang="en-US"/>
-            <a:t>Pellentesque habitant morbi tristique senectus et netus.</a:t>
-          </a:r>
-        </a:p>
-      </dgm:t>
-    </dgm:pt>
-    <dgm:pt modelId="{A7920A2F-3244-4159-AF04-6A1D38B7B317}" type="parTrans" cxnId="{C4CCE57E-E871-46D6-BAD5-880252C95D22}">
-      <dgm:prSet/>
-      <dgm:spPr/>
-      <dgm:t>
-        <a:bodyPr/>
-        <a:lstStyle/>
-        <a:p>
-          <a:endParaRPr lang="en-US"/>
-        </a:p>
-      </dgm:t>
-    </dgm:pt>
-    <dgm:pt modelId="{8500F72A-2C6D-4FDF-9C1D-CA691380EB0B}" type="sibTrans" cxnId="{C4CCE57E-E871-46D6-BAD5-880252C95D22}">
-      <dgm:prSet/>
-      <dgm:spPr/>
-      <dgm:t>
-        <a:bodyPr/>
-        <a:lstStyle/>
-        <a:p>
-          <a:endParaRPr lang="en-US"/>
-        </a:p>
-      </dgm:t>
-    </dgm:pt>
-    <dgm:pt modelId="{50B3CE7C-E10B-4E23-BD93-03664997C932}" type="pres">
-      <dgm:prSet presAssocID="{01A66772-F185-4D58-B8BB-E9370D7A7A2B}" presName="root" presStyleCnt="0">
-        <dgm:presLayoutVars>
-          <dgm:dir/>
-          <dgm:resizeHandles val="exact"/>
-        </dgm:presLayoutVars>
-      </dgm:prSet>
-      <dgm:spPr/>
-    </dgm:pt>
-    <dgm:pt modelId="{DE9CE479-E4AE-4283-AEF1-10C1535B4324}" type="pres">
-      <dgm:prSet presAssocID="{40FC4FFE-8987-4A26-B7F4-8A516F18ADAE}" presName="compNode" presStyleCnt="0"/>
-      <dgm:spPr/>
-    </dgm:pt>
-    <dgm:pt modelId="{B59FCF02-CAD2-4D6F-9542-AD86711168CA}" type="pres">
-      <dgm:prSet presAssocID="{40FC4FFE-8987-4A26-B7F4-8A516F18ADAE}" presName="iconBgRect" presStyleLbl="bgShp" presStyleIdx="0" presStyleCnt="3"/>
-      <dgm:spPr/>
-    </dgm:pt>
-    <dgm:pt modelId="{7C175B98-93F4-4D7C-BB95-1514AB879CD5}" type="pres">
-      <dgm:prSet presAssocID="{40FC4FFE-8987-4A26-B7F4-8A516F18ADAE}" presName="iconRect" presStyleLbl="node1" presStyleIdx="0" presStyleCnt="3"/>
-      <dgm:spPr>
-        <a:blipFill>
-          <a:blip xmlns:r="http://schemas.openxmlformats.org/officeDocument/2006/relationships" r:embed="rId1">
-            <a:extLst>
-              <a:ext uri="{28A0092B-C50C-407E-A947-70E740481C1C}">
-                <a14:useLocalDpi xmlns:a14="http://schemas.microsoft.com/office/drawing/2010/main" val="0"/>
-              </a:ext>
-              <a:ext uri="{96DAC541-7B7A-43D3-8B79-37D633B846F1}">
-                <asvg:svgBlip xmlns:asvg="http://schemas.microsoft.com/office/drawing/2016/SVG/main" r:embed="rId2"/>
-              </a:ext>
-            </a:extLst>
-          </a:blip>
-          <a:srcRect/>
-          <a:stretch>
-            <a:fillRect/>
-          </a:stretch>
-        </a:blipFill>
-        <a:ln>
-          <a:noFill/>
-        </a:ln>
-      </dgm:spPr>
-      <dgm:extLst>
-        <a:ext uri="{E40237B7-FDA0-4F09-8148-C483321AD2D9}">
-          <dgm14:cNvPr xmlns:dgm14="http://schemas.microsoft.com/office/drawing/2010/diagram" id="0" name="" descr="Bar graph with downward trend"/>
-        </a:ext>
-      </dgm:extLst>
-    </dgm:pt>
-    <dgm:pt modelId="{677A3090-5F01-43FD-9FA6-C0420AD80FD6}" type="pres">
-      <dgm:prSet presAssocID="{40FC4FFE-8987-4A26-B7F4-8A516F18ADAE}" presName="spaceRect" presStyleCnt="0"/>
-      <dgm:spPr/>
-    </dgm:pt>
-    <dgm:pt modelId="{127117FB-F8A7-4A20-A8A7-EC686DDC76D0}" type="pres">
-      <dgm:prSet presAssocID="{40FC4FFE-8987-4A26-B7F4-8A516F18ADAE}" presName="textRect" presStyleLbl="revTx" presStyleIdx="0" presStyleCnt="3">
-        <dgm:presLayoutVars>
-          <dgm:chMax val="1"/>
-          <dgm:chPref val="1"/>
-        </dgm:presLayoutVars>
-      </dgm:prSet>
-      <dgm:spPr/>
-    </dgm:pt>
-    <dgm:pt modelId="{FD1EED9C-83D3-41AD-A09B-D3B36354168F}" type="pres">
-      <dgm:prSet presAssocID="{5B62599A-5C9B-48E7-896E-EA782AC60C8B}" presName="sibTrans" presStyleCnt="0"/>
-      <dgm:spPr/>
-    </dgm:pt>
-    <dgm:pt modelId="{C998AB0A-577D-44AA-A068-F634DDE7BD47}" type="pres">
-      <dgm:prSet presAssocID="{49225C73-1633-42F1-AB3B-7CB183E5F8B8}" presName="compNode" presStyleCnt="0"/>
-      <dgm:spPr/>
-    </dgm:pt>
-    <dgm:pt modelId="{BCD8CDD9-0C56-4401-ADB1-8B48DAB2C96F}" type="pres">
-      <dgm:prSet presAssocID="{49225C73-1633-42F1-AB3B-7CB183E5F8B8}" presName="iconBgRect" presStyleLbl="bgShp" presStyleIdx="1" presStyleCnt="3"/>
-      <dgm:spPr/>
-    </dgm:pt>
-    <dgm:pt modelId="{DB4CA7C4-FCA1-4127-B20A-2A5C031A3CF4}" type="pres">
-      <dgm:prSet presAssocID="{49225C73-1633-42F1-AB3B-7CB183E5F8B8}" presName="iconRect" presStyleLbl="node1" presStyleIdx="1" presStyleCnt="3"/>
-      <dgm:spPr>
-        <a:blipFill>
-          <a:blip xmlns:r="http://schemas.openxmlformats.org/officeDocument/2006/relationships" r:embed="rId3">
-            <a:extLst>
-              <a:ext uri="{28A0092B-C50C-407E-A947-70E740481C1C}">
-                <a14:useLocalDpi xmlns:a14="http://schemas.microsoft.com/office/drawing/2010/main" val="0"/>
-              </a:ext>
-              <a:ext uri="{96DAC541-7B7A-43D3-8B79-37D633B846F1}">
-                <asvg:svgBlip xmlns:asvg="http://schemas.microsoft.com/office/drawing/2016/SVG/main" r:embed="rId4"/>
-              </a:ext>
-            </a:extLst>
-          </a:blip>
-          <a:srcRect/>
-          <a:stretch>
-            <a:fillRect/>
-          </a:stretch>
-        </a:blipFill>
-        <a:ln>
-          <a:noFill/>
-        </a:ln>
-      </dgm:spPr>
-      <dgm:extLst>
-        <a:ext uri="{E40237B7-FDA0-4F09-8148-C483321AD2D9}">
-          <dgm14:cNvPr xmlns:dgm14="http://schemas.microsoft.com/office/drawing/2010/diagram" id="0" name="" descr="Presentation with bar chart"/>
-        </a:ext>
-      </dgm:extLst>
-    </dgm:pt>
-    <dgm:pt modelId="{9B0C8FBF-0BDD-48A5-967E-F3FE71659F6A}" type="pres">
-      <dgm:prSet presAssocID="{49225C73-1633-42F1-AB3B-7CB183E5F8B8}" presName="spaceRect" presStyleCnt="0"/>
-      <dgm:spPr/>
-    </dgm:pt>
-    <dgm:pt modelId="{7E6FE37A-5DB0-4899-9FCB-0CE39BC185F8}" type="pres">
-      <dgm:prSet presAssocID="{49225C73-1633-42F1-AB3B-7CB183E5F8B8}" presName="textRect" presStyleLbl="revTx" presStyleIdx="1" presStyleCnt="3">
-        <dgm:presLayoutVars>
-          <dgm:chMax val="1"/>
-          <dgm:chPref val="1"/>
-        </dgm:presLayoutVars>
-      </dgm:prSet>
-      <dgm:spPr/>
-    </dgm:pt>
-    <dgm:pt modelId="{5A266296-0042-402F-92EF-D59AB148E92E}" type="pres">
-      <dgm:prSet presAssocID="{9646853A-8964-4519-A5B1-0B7D18B2983D}" presName="sibTrans" presStyleCnt="0"/>
-      <dgm:spPr/>
-    </dgm:pt>
-    <dgm:pt modelId="{ECFA770B-DE2C-4683-A038-58D0FE44BC27}" type="pres">
-      <dgm:prSet presAssocID="{1C383F32-22E8-4F62-A3E0-BDC3D5F48992}" presName="compNode" presStyleCnt="0"/>
-      <dgm:spPr/>
-    </dgm:pt>
-    <dgm:pt modelId="{FF93E135-77D6-48A0-8871-9BC93D705D06}" type="pres">
-      <dgm:prSet presAssocID="{1C383F32-22E8-4F62-A3E0-BDC3D5F48992}" presName="iconBgRect" presStyleLbl="bgShp" presStyleIdx="2" presStyleCnt="3"/>
-      <dgm:spPr/>
-    </dgm:pt>
-    <dgm:pt modelId="{39509775-983E-4110-B989-EE2CD6514BE0}" type="pres">
-      <dgm:prSet presAssocID="{1C383F32-22E8-4F62-A3E0-BDC3D5F48992}" presName="iconRect" presStyleLbl="node1" presStyleIdx="2" presStyleCnt="3"/>
-      <dgm:spPr>
-        <a:blipFill>
-          <a:blip xmlns:r="http://schemas.openxmlformats.org/officeDocument/2006/relationships" r:embed="rId5">
-            <a:extLst>
-              <a:ext uri="{28A0092B-C50C-407E-A947-70E740481C1C}">
-                <a14:useLocalDpi xmlns:a14="http://schemas.microsoft.com/office/drawing/2010/main" val="0"/>
-              </a:ext>
-              <a:ext uri="{96DAC541-7B7A-43D3-8B79-37D633B846F1}">
-                <asvg:svgBlip xmlns:asvg="http://schemas.microsoft.com/office/drawing/2016/SVG/main" r:embed="rId6"/>
-              </a:ext>
-            </a:extLst>
-          </a:blip>
-          <a:srcRect/>
-          <a:stretch>
-            <a:fillRect/>
-          </a:stretch>
-        </a:blipFill>
-        <a:ln>
-          <a:noFill/>
-        </a:ln>
-      </dgm:spPr>
-      <dgm:extLst>
-        <a:ext uri="{E40237B7-FDA0-4F09-8148-C483321AD2D9}">
-          <dgm14:cNvPr xmlns:dgm14="http://schemas.microsoft.com/office/drawing/2010/diagram" id="0" name="" descr="Stopwatch"/>
-        </a:ext>
-      </dgm:extLst>
-    </dgm:pt>
-    <dgm:pt modelId="{493B43B2-705C-4AE5-8A77-D8DEEDA1B5CF}" type="pres">
-      <dgm:prSet presAssocID="{1C383F32-22E8-4F62-A3E0-BDC3D5F48992}" presName="spaceRect" presStyleCnt="0"/>
-      <dgm:spPr/>
-    </dgm:pt>
-    <dgm:pt modelId="{1AEDC777-00B3-41D7-9AE1-23D741E941C3}" type="pres">
-      <dgm:prSet presAssocID="{1C383F32-22E8-4F62-A3E0-BDC3D5F48992}" presName="textRect" presStyleLbl="revTx" presStyleIdx="2" presStyleCnt="3">
-        <dgm:presLayoutVars>
-          <dgm:chMax val="1"/>
-          <dgm:chPref val="1"/>
-        </dgm:presLayoutVars>
-      </dgm:prSet>
-      <dgm:spPr/>
-    </dgm:pt>
-  </dgm:ptLst>
-  <dgm:cxnLst>
-    <dgm:cxn modelId="{A9154303-8225-4248-91DC-1B0156A35F07}" srcId="{01A66772-F185-4D58-B8BB-E9370D7A7A2B}" destId="{49225C73-1633-42F1-AB3B-7CB183E5F8B8}" srcOrd="1" destOrd="0" parTransId="{1A0E2090-1D4F-438A-8766-B6030CE01ADD}" sibTransId="{9646853A-8964-4519-A5B1-0B7D18B2983D}"/>
-    <dgm:cxn modelId="{7A710F69-5154-4855-ACF5-BC7C1BF85A80}" type="presOf" srcId="{49225C73-1633-42F1-AB3B-7CB183E5F8B8}" destId="{7E6FE37A-5DB0-4899-9FCB-0CE39BC185F8}" srcOrd="0" destOrd="0" presId="urn:microsoft.com/office/officeart/2018/5/layout/IconCircleLabelList"/>
-    <dgm:cxn modelId="{C7AD8469-3C68-4AF9-AB82-79B0043AA120}" srcId="{01A66772-F185-4D58-B8BB-E9370D7A7A2B}" destId="{40FC4FFE-8987-4A26-B7F4-8A516F18ADAE}" srcOrd="0" destOrd="0" parTransId="{CAD7EF86-FB23-41F6-BF42-040B36DEFDB1}" sibTransId="{5B62599A-5C9B-48E7-896E-EA782AC60C8B}"/>
-    <dgm:cxn modelId="{676D3A6A-6EA7-4483-BB12-0BD4A7D7AF9D}" type="presOf" srcId="{01A66772-F185-4D58-B8BB-E9370D7A7A2B}" destId="{50B3CE7C-E10B-4E23-BD93-03664997C932}" srcOrd="0" destOrd="0" presId="urn:microsoft.com/office/officeart/2018/5/layout/IconCircleLabelList"/>
-    <dgm:cxn modelId="{1496FC70-DB8B-48D4-98DE-DD2856E389EE}" type="presOf" srcId="{1C383F32-22E8-4F62-A3E0-BDC3D5F48992}" destId="{1AEDC777-00B3-41D7-9AE1-23D741E941C3}" srcOrd="0" destOrd="0" presId="urn:microsoft.com/office/officeart/2018/5/layout/IconCircleLabelList"/>
-    <dgm:cxn modelId="{C4CCE57E-E871-46D6-BAD5-880252C95D22}" srcId="{01A66772-F185-4D58-B8BB-E9370D7A7A2B}" destId="{1C383F32-22E8-4F62-A3E0-BDC3D5F48992}" srcOrd="2" destOrd="0" parTransId="{A7920A2F-3244-4159-AF04-6A1D38B7B317}" sibTransId="{8500F72A-2C6D-4FDF-9C1D-CA691380EB0B}"/>
-    <dgm:cxn modelId="{355227E3-55E0-4343-BC8D-FC0EB1694F48}" type="presOf" srcId="{40FC4FFE-8987-4A26-B7F4-8A516F18ADAE}" destId="{127117FB-F8A7-4A20-A8A7-EC686DDC76D0}" srcOrd="0" destOrd="0" presId="urn:microsoft.com/office/officeart/2018/5/layout/IconCircleLabelList"/>
-    <dgm:cxn modelId="{555498CB-3ED1-404E-A25F-EB243EFC5FB1}" type="presParOf" srcId="{50B3CE7C-E10B-4E23-BD93-03664997C932}" destId="{DE9CE479-E4AE-4283-AEF1-10C1535B4324}" srcOrd="0" destOrd="0" presId="urn:microsoft.com/office/officeart/2018/5/layout/IconCircleLabelList"/>
-    <dgm:cxn modelId="{11F12D49-CD08-4D50-BD13-3ECBC3A476A4}" type="presParOf" srcId="{DE9CE479-E4AE-4283-AEF1-10C1535B4324}" destId="{B59FCF02-CAD2-4D6F-9542-AD86711168CA}" srcOrd="0" destOrd="0" presId="urn:microsoft.com/office/officeart/2018/5/layout/IconCircleLabelList"/>
-    <dgm:cxn modelId="{F443A659-540B-487B-97F9-49219CF60D6B}" type="presParOf" srcId="{DE9CE479-E4AE-4283-AEF1-10C1535B4324}" destId="{7C175B98-93F4-4D7C-BB95-1514AB879CD5}" srcOrd="1" destOrd="0" presId="urn:microsoft.com/office/officeart/2018/5/layout/IconCircleLabelList"/>
-    <dgm:cxn modelId="{A503D7AB-7D64-4163-93B5-1CEEDAE81823}" type="presParOf" srcId="{DE9CE479-E4AE-4283-AEF1-10C1535B4324}" destId="{677A3090-5F01-43FD-9FA6-C0420AD80FD6}" srcOrd="2" destOrd="0" presId="urn:microsoft.com/office/officeart/2018/5/layout/IconCircleLabelList"/>
-    <dgm:cxn modelId="{780188ED-7DCE-45BB-B6AF-91BE48969612}" type="presParOf" srcId="{DE9CE479-E4AE-4283-AEF1-10C1535B4324}" destId="{127117FB-F8A7-4A20-A8A7-EC686DDC76D0}" srcOrd="3" destOrd="0" presId="urn:microsoft.com/office/officeart/2018/5/layout/IconCircleLabelList"/>
-    <dgm:cxn modelId="{155719F8-A89B-4E96-BC49-C48BC717F480}" type="presParOf" srcId="{50B3CE7C-E10B-4E23-BD93-03664997C932}" destId="{FD1EED9C-83D3-41AD-A09B-D3B36354168F}" srcOrd="1" destOrd="0" presId="urn:microsoft.com/office/officeart/2018/5/layout/IconCircleLabelList"/>
-    <dgm:cxn modelId="{2772E199-56B0-4310-A55E-67D00CA3E59E}" type="presParOf" srcId="{50B3CE7C-E10B-4E23-BD93-03664997C932}" destId="{C998AB0A-577D-44AA-A068-F634DDE7BD47}" srcOrd="2" destOrd="0" presId="urn:microsoft.com/office/officeart/2018/5/layout/IconCircleLabelList"/>
-    <dgm:cxn modelId="{4E351D18-D97F-4B92-A608-2E9600B91C28}" type="presParOf" srcId="{C998AB0A-577D-44AA-A068-F634DDE7BD47}" destId="{BCD8CDD9-0C56-4401-ADB1-8B48DAB2C96F}" srcOrd="0" destOrd="0" presId="urn:microsoft.com/office/officeart/2018/5/layout/IconCircleLabelList"/>
-    <dgm:cxn modelId="{B3DC724C-4569-4E9D-BD5A-49E4CD991FD0}" type="presParOf" srcId="{C998AB0A-577D-44AA-A068-F634DDE7BD47}" destId="{DB4CA7C4-FCA1-4127-B20A-2A5C031A3CF4}" srcOrd="1" destOrd="0" presId="urn:microsoft.com/office/officeart/2018/5/layout/IconCircleLabelList"/>
-    <dgm:cxn modelId="{AD1AB552-CCE0-4911-BB9E-5D4A60B21F4F}" type="presParOf" srcId="{C998AB0A-577D-44AA-A068-F634DDE7BD47}" destId="{9B0C8FBF-0BDD-48A5-967E-F3FE71659F6A}" srcOrd="2" destOrd="0" presId="urn:microsoft.com/office/officeart/2018/5/layout/IconCircleLabelList"/>
-    <dgm:cxn modelId="{8558F796-2D01-40FE-A21A-7530EEBC3BC3}" type="presParOf" srcId="{C998AB0A-577D-44AA-A068-F634DDE7BD47}" destId="{7E6FE37A-5DB0-4899-9FCB-0CE39BC185F8}" srcOrd="3" destOrd="0" presId="urn:microsoft.com/office/officeart/2018/5/layout/IconCircleLabelList"/>
-    <dgm:cxn modelId="{1532E2BE-82E9-40A4-A6F7-40B60FC879AE}" type="presParOf" srcId="{50B3CE7C-E10B-4E23-BD93-03664997C932}" destId="{5A266296-0042-402F-92EF-D59AB148E92E}" srcOrd="3" destOrd="0" presId="urn:microsoft.com/office/officeart/2018/5/layout/IconCircleLabelList"/>
-    <dgm:cxn modelId="{3A7F4DB9-1469-4F58-B633-24B7EEE084D1}" type="presParOf" srcId="{50B3CE7C-E10B-4E23-BD93-03664997C932}" destId="{ECFA770B-DE2C-4683-A038-58D0FE44BC27}" srcOrd="4" destOrd="0" presId="urn:microsoft.com/office/officeart/2018/5/layout/IconCircleLabelList"/>
-    <dgm:cxn modelId="{91311827-CDAC-4BA8-B4A3-117AFD1CEE2D}" type="presParOf" srcId="{ECFA770B-DE2C-4683-A038-58D0FE44BC27}" destId="{FF93E135-77D6-48A0-8871-9BC93D705D06}" srcOrd="0" destOrd="0" presId="urn:microsoft.com/office/officeart/2018/5/layout/IconCircleLabelList"/>
-    <dgm:cxn modelId="{83B7CA40-11B7-4507-8422-A40F02D469B2}" type="presParOf" srcId="{ECFA770B-DE2C-4683-A038-58D0FE44BC27}" destId="{39509775-983E-4110-B989-EE2CD6514BE0}" srcOrd="1" destOrd="0" presId="urn:microsoft.com/office/officeart/2018/5/layout/IconCircleLabelList"/>
-    <dgm:cxn modelId="{A44BB251-01EB-4DEF-A28C-6D495183E4DC}" type="presParOf" srcId="{ECFA770B-DE2C-4683-A038-58D0FE44BC27}" destId="{493B43B2-705C-4AE5-8A77-D8DEEDA1B5CF}" srcOrd="2" destOrd="0" presId="urn:microsoft.com/office/officeart/2018/5/layout/IconCircleLabelList"/>
-    <dgm:cxn modelId="{1EFA52DF-3C80-4DAA-BED6-AFE2F81796B2}" type="presParOf" srcId="{ECFA770B-DE2C-4683-A038-58D0FE44BC27}" destId="{1AEDC777-00B3-41D7-9AE1-23D741E941C3}" srcOrd="3" destOrd="0" presId="urn:microsoft.com/office/officeart/2018/5/layout/IconCircleLabelList"/>
-  </dgm:cxnLst>
-  <dgm:bg/>
-  <dgm:whole/>
-  <dgm:extLst>
-    <a:ext uri="http://schemas.microsoft.com/office/drawing/2008/diagram">
-      <dsp:dataModelExt xmlns:dsp="http://schemas.microsoft.com/office/drawing/2008/diagram" relId="rId6" minVer="http://schemas.openxmlformats.org/drawingml/2006/diagram"/>
-    </a:ext>
-  </dgm:extLst>
-</dgm:dataModel>
-</file>
-
-<file path=ppt/diagrams/drawing1.xml><?xml version="1.0" encoding="utf-8"?>
-<dsp:drawing xmlns:dgm="http://schemas.openxmlformats.org/drawingml/2006/diagram" xmlns:dsp="http://schemas.microsoft.com/office/drawing/2008/diagram" xmlns:a="http://schemas.openxmlformats.org/drawingml/2006/main">
-  <dsp:spTree>
-    <dsp:nvGrpSpPr>
-      <dsp:cNvPr id="0" name=""/>
-      <dsp:cNvGrpSpPr/>
-    </dsp:nvGrpSpPr>
-    <dsp:grpSpPr/>
-    <dsp:sp modelId="{B59FCF02-CAD2-4D6F-9542-AD86711168CA}">
-      <dsp:nvSpPr>
-        <dsp:cNvPr id="0" name=""/>
-        <dsp:cNvSpPr/>
-      </dsp:nvSpPr>
-      <dsp:spPr>
-        <a:xfrm>
-          <a:off x="616949" y="310305"/>
-          <a:ext cx="1818562" cy="1818562"/>
-        </a:xfrm>
-        <a:prstGeom prst="ellipse">
-          <a:avLst/>
-        </a:prstGeom>
-        <a:solidFill>
-          <a:schemeClr val="accent2">
-            <a:hueOff val="0"/>
-            <a:satOff val="0"/>
-            <a:lumOff val="0"/>
-            <a:alphaOff val="0"/>
-          </a:schemeClr>
-        </a:solidFill>
-        <a:ln>
-          <a:noFill/>
-        </a:ln>
-        <a:effectLst/>
-      </dsp:spPr>
-      <dsp:style>
-        <a:lnRef idx="0">
-          <a:scrgbClr r="0" g="0" b="0"/>
-        </a:lnRef>
-        <a:fillRef idx="1">
-          <a:scrgbClr r="0" g="0" b="0"/>
-        </a:fillRef>
-        <a:effectRef idx="0">
-          <a:scrgbClr r="0" g="0" b="0"/>
-        </a:effectRef>
-        <a:fontRef idx="minor"/>
-      </dsp:style>
-    </dsp:sp>
-    <dsp:sp modelId="{7C175B98-93F4-4D7C-BB95-1514AB879CD5}">
-      <dsp:nvSpPr>
-        <dsp:cNvPr id="0" name=""/>
-        <dsp:cNvSpPr/>
-      </dsp:nvSpPr>
-      <dsp:spPr>
-        <a:xfrm>
-          <a:off x="1004512" y="697868"/>
-          <a:ext cx="1043437" cy="1043437"/>
-        </a:xfrm>
-        <a:prstGeom prst="rect">
-          <a:avLst/>
-        </a:prstGeom>
-        <a:blipFill>
-          <a:blip xmlns:r="http://schemas.openxmlformats.org/officeDocument/2006/relationships" r:embed="rId1">
-            <a:extLst>
-              <a:ext uri="{28A0092B-C50C-407E-A947-70E740481C1C}">
-                <a14:useLocalDpi xmlns:a14="http://schemas.microsoft.com/office/drawing/2010/main" val="0"/>
-              </a:ext>
-              <a:ext uri="{96DAC541-7B7A-43D3-8B79-37D633B846F1}">
-                <asvg:svgBlip xmlns:asvg="http://schemas.microsoft.com/office/drawing/2016/SVG/main" r:embed="rId2"/>
-              </a:ext>
-            </a:extLst>
-          </a:blip>
-          <a:srcRect/>
-          <a:stretch>
-            <a:fillRect/>
-          </a:stretch>
-        </a:blipFill>
-        <a:ln w="22225" cap="rnd" cmpd="sng" algn="ctr">
-          <a:noFill/>
-          <a:prstDash val="solid"/>
-        </a:ln>
-        <a:effectLst/>
-      </dsp:spPr>
-      <dsp:style>
-        <a:lnRef idx="2">
-          <a:scrgbClr r="0" g="0" b="0"/>
-        </a:lnRef>
-        <a:fillRef idx="1">
-          <a:scrgbClr r="0" g="0" b="0"/>
-        </a:fillRef>
-        <a:effectRef idx="0">
-          <a:scrgbClr r="0" g="0" b="0"/>
-        </a:effectRef>
-        <a:fontRef idx="minor">
-          <a:schemeClr val="lt1"/>
-        </a:fontRef>
-      </dsp:style>
-    </dsp:sp>
-    <dsp:sp modelId="{127117FB-F8A7-4A20-A8A7-EC686DDC76D0}">
-      <dsp:nvSpPr>
-        <dsp:cNvPr id="0" name=""/>
-        <dsp:cNvSpPr/>
-      </dsp:nvSpPr>
-      <dsp:spPr>
-        <a:xfrm>
-          <a:off x="35606" y="2695306"/>
-          <a:ext cx="2981250" cy="720000"/>
-        </a:xfrm>
-        <a:prstGeom prst="rect">
-          <a:avLst/>
-        </a:prstGeom>
-        <a:noFill/>
-        <a:ln>
-          <a:noFill/>
-        </a:ln>
-        <a:effectLst/>
-      </dsp:spPr>
-      <dsp:style>
-        <a:lnRef idx="0">
-          <a:scrgbClr r="0" g="0" b="0"/>
-        </a:lnRef>
-        <a:fillRef idx="0">
-          <a:scrgbClr r="0" g="0" b="0"/>
-        </a:fillRef>
-        <a:effectRef idx="0">
-          <a:scrgbClr r="0" g="0" b="0"/>
-        </a:effectRef>
-        <a:fontRef idx="minor"/>
-      </dsp:style>
-      <dsp:txBody>
-        <a:bodyPr spcFirstLastPara="0" vert="horz" wrap="square" lIns="0" tIns="0" rIns="0" bIns="0" numCol="1" spcCol="1270" anchor="t" anchorCtr="0">
-          <a:noAutofit/>
-        </a:bodyPr>
-        <a:lstStyle/>
-        <a:p>
-          <a:pPr marL="0" lvl="0" indent="0" algn="ctr" defTabSz="711200">
-            <a:lnSpc>
-              <a:spcPct val="100000"/>
-            </a:lnSpc>
-            <a:spcBef>
-              <a:spcPct val="0"/>
-            </a:spcBef>
-            <a:spcAft>
-              <a:spcPct val="35000"/>
-            </a:spcAft>
-            <a:buNone/>
-            <a:defRPr cap="all"/>
-          </a:pPr>
-          <a:r>
-            <a:rPr lang="en-US" sz="1600" kern="1200"/>
-            <a:t>Lorem ipsum dolor sit amet, consectetuer adipiscing elit. </a:t>
-          </a:r>
-        </a:p>
-      </dsp:txBody>
-      <dsp:txXfrm>
-        <a:off x="35606" y="2695306"/>
-        <a:ext cx="2981250" cy="720000"/>
-      </dsp:txXfrm>
-    </dsp:sp>
-    <dsp:sp modelId="{BCD8CDD9-0C56-4401-ADB1-8B48DAB2C96F}">
-      <dsp:nvSpPr>
-        <dsp:cNvPr id="0" name=""/>
-        <dsp:cNvSpPr/>
-      </dsp:nvSpPr>
-      <dsp:spPr>
-        <a:xfrm>
-          <a:off x="4119918" y="310305"/>
-          <a:ext cx="1818562" cy="1818562"/>
-        </a:xfrm>
-        <a:prstGeom prst="ellipse">
-          <a:avLst/>
-        </a:prstGeom>
-        <a:solidFill>
-          <a:schemeClr val="accent3">
-            <a:hueOff val="0"/>
-            <a:satOff val="0"/>
-            <a:lumOff val="0"/>
-            <a:alphaOff val="0"/>
-          </a:schemeClr>
-        </a:solidFill>
-        <a:ln>
-          <a:noFill/>
-        </a:ln>
-        <a:effectLst/>
-      </dsp:spPr>
-      <dsp:style>
-        <a:lnRef idx="0">
-          <a:scrgbClr r="0" g="0" b="0"/>
-        </a:lnRef>
-        <a:fillRef idx="1">
-          <a:scrgbClr r="0" g="0" b="0"/>
-        </a:fillRef>
-        <a:effectRef idx="0">
-          <a:scrgbClr r="0" g="0" b="0"/>
-        </a:effectRef>
-        <a:fontRef idx="minor"/>
-      </dsp:style>
-    </dsp:sp>
-    <dsp:sp modelId="{DB4CA7C4-FCA1-4127-B20A-2A5C031A3CF4}">
-      <dsp:nvSpPr>
-        <dsp:cNvPr id="0" name=""/>
-        <dsp:cNvSpPr/>
-      </dsp:nvSpPr>
-      <dsp:spPr>
-        <a:xfrm>
-          <a:off x="4507481" y="697868"/>
-          <a:ext cx="1043437" cy="1043437"/>
-        </a:xfrm>
-        <a:prstGeom prst="rect">
-          <a:avLst/>
-        </a:prstGeom>
-        <a:blipFill>
-          <a:blip xmlns:r="http://schemas.openxmlformats.org/officeDocument/2006/relationships" r:embed="rId3">
-            <a:extLst>
-              <a:ext uri="{28A0092B-C50C-407E-A947-70E740481C1C}">
-                <a14:useLocalDpi xmlns:a14="http://schemas.microsoft.com/office/drawing/2010/main" val="0"/>
-              </a:ext>
-              <a:ext uri="{96DAC541-7B7A-43D3-8B79-37D633B846F1}">
-                <asvg:svgBlip xmlns:asvg="http://schemas.microsoft.com/office/drawing/2016/SVG/main" r:embed="rId4"/>
-              </a:ext>
-            </a:extLst>
-          </a:blip>
-          <a:srcRect/>
-          <a:stretch>
-            <a:fillRect/>
-          </a:stretch>
-        </a:blipFill>
-        <a:ln w="22225" cap="rnd" cmpd="sng" algn="ctr">
-          <a:noFill/>
-          <a:prstDash val="solid"/>
-        </a:ln>
-        <a:effectLst/>
-      </dsp:spPr>
-      <dsp:style>
-        <a:lnRef idx="2">
-          <a:scrgbClr r="0" g="0" b="0"/>
-        </a:lnRef>
-        <a:fillRef idx="1">
-          <a:scrgbClr r="0" g="0" b="0"/>
-        </a:fillRef>
-        <a:effectRef idx="0">
-          <a:scrgbClr r="0" g="0" b="0"/>
-        </a:effectRef>
-        <a:fontRef idx="minor">
-          <a:schemeClr val="lt1"/>
-        </a:fontRef>
-      </dsp:style>
-    </dsp:sp>
-    <dsp:sp modelId="{7E6FE37A-5DB0-4899-9FCB-0CE39BC185F8}">
-      <dsp:nvSpPr>
-        <dsp:cNvPr id="0" name=""/>
-        <dsp:cNvSpPr/>
-      </dsp:nvSpPr>
-      <dsp:spPr>
-        <a:xfrm>
-          <a:off x="3538574" y="2695306"/>
-          <a:ext cx="2981250" cy="720000"/>
-        </a:xfrm>
-        <a:prstGeom prst="rect">
-          <a:avLst/>
-        </a:prstGeom>
-        <a:noFill/>
-        <a:ln>
-          <a:noFill/>
-        </a:ln>
-        <a:effectLst/>
-      </dsp:spPr>
-      <dsp:style>
-        <a:lnRef idx="0">
-          <a:scrgbClr r="0" g="0" b="0"/>
-        </a:lnRef>
-        <a:fillRef idx="0">
-          <a:scrgbClr r="0" g="0" b="0"/>
-        </a:fillRef>
-        <a:effectRef idx="0">
-          <a:scrgbClr r="0" g="0" b="0"/>
-        </a:effectRef>
-        <a:fontRef idx="minor"/>
-      </dsp:style>
-      <dsp:txBody>
-        <a:bodyPr spcFirstLastPara="0" vert="horz" wrap="square" lIns="0" tIns="0" rIns="0" bIns="0" numCol="1" spcCol="1270" anchor="t" anchorCtr="0">
-          <a:noAutofit/>
-        </a:bodyPr>
-        <a:lstStyle/>
-        <a:p>
-          <a:pPr marL="0" lvl="0" indent="0" algn="ctr" defTabSz="711200">
-            <a:lnSpc>
-              <a:spcPct val="100000"/>
-            </a:lnSpc>
-            <a:spcBef>
-              <a:spcPct val="0"/>
-            </a:spcBef>
-            <a:spcAft>
-              <a:spcPct val="35000"/>
-            </a:spcAft>
-            <a:buNone/>
-            <a:defRPr cap="all"/>
-          </a:pPr>
-          <a:r>
-            <a:rPr lang="en-US" sz="1600" kern="1200"/>
-            <a:t>Nunc viverra imperdiet enim. Fusce est. Vivamus a tellus.</a:t>
-          </a:r>
-        </a:p>
-      </dsp:txBody>
-      <dsp:txXfrm>
-        <a:off x="3538574" y="2695306"/>
-        <a:ext cx="2981250" cy="720000"/>
-      </dsp:txXfrm>
-    </dsp:sp>
-    <dsp:sp modelId="{FF93E135-77D6-48A0-8871-9BC93D705D06}">
-      <dsp:nvSpPr>
-        <dsp:cNvPr id="0" name=""/>
-        <dsp:cNvSpPr/>
-      </dsp:nvSpPr>
-      <dsp:spPr>
-        <a:xfrm>
-          <a:off x="7622887" y="310305"/>
-          <a:ext cx="1818562" cy="1818562"/>
-        </a:xfrm>
-        <a:prstGeom prst="ellipse">
-          <a:avLst/>
-        </a:prstGeom>
-        <a:solidFill>
-          <a:schemeClr val="accent4">
-            <a:hueOff val="0"/>
-            <a:satOff val="0"/>
-            <a:lumOff val="0"/>
-            <a:alphaOff val="0"/>
-          </a:schemeClr>
-        </a:solidFill>
-        <a:ln>
-          <a:noFill/>
-        </a:ln>
-        <a:effectLst/>
-      </dsp:spPr>
-      <dsp:style>
-        <a:lnRef idx="0">
-          <a:scrgbClr r="0" g="0" b="0"/>
-        </a:lnRef>
-        <a:fillRef idx="1">
-          <a:scrgbClr r="0" g="0" b="0"/>
-        </a:fillRef>
-        <a:effectRef idx="0">
-          <a:scrgbClr r="0" g="0" b="0"/>
-        </a:effectRef>
-        <a:fontRef idx="minor"/>
-      </dsp:style>
-    </dsp:sp>
-    <dsp:sp modelId="{39509775-983E-4110-B989-EE2CD6514BE0}">
-      <dsp:nvSpPr>
-        <dsp:cNvPr id="0" name=""/>
-        <dsp:cNvSpPr/>
-      </dsp:nvSpPr>
-      <dsp:spPr>
-        <a:xfrm>
-          <a:off x="8010450" y="697868"/>
-          <a:ext cx="1043437" cy="1043437"/>
-        </a:xfrm>
-        <a:prstGeom prst="rect">
-          <a:avLst/>
-        </a:prstGeom>
-        <a:blipFill>
-          <a:blip xmlns:r="http://schemas.openxmlformats.org/officeDocument/2006/relationships" r:embed="rId5">
-            <a:extLst>
-              <a:ext uri="{28A0092B-C50C-407E-A947-70E740481C1C}">
-                <a14:useLocalDpi xmlns:a14="http://schemas.microsoft.com/office/drawing/2010/main" val="0"/>
-              </a:ext>
-              <a:ext uri="{96DAC541-7B7A-43D3-8B79-37D633B846F1}">
-                <asvg:svgBlip xmlns:asvg="http://schemas.microsoft.com/office/drawing/2016/SVG/main" r:embed="rId6"/>
-              </a:ext>
-            </a:extLst>
-          </a:blip>
-          <a:srcRect/>
-          <a:stretch>
-            <a:fillRect/>
-          </a:stretch>
-        </a:blipFill>
-        <a:ln w="22225" cap="rnd" cmpd="sng" algn="ctr">
-          <a:noFill/>
-          <a:prstDash val="solid"/>
-        </a:ln>
-        <a:effectLst/>
-      </dsp:spPr>
-      <dsp:style>
-        <a:lnRef idx="2">
-          <a:scrgbClr r="0" g="0" b="0"/>
-        </a:lnRef>
-        <a:fillRef idx="1">
-          <a:scrgbClr r="0" g="0" b="0"/>
-        </a:fillRef>
-        <a:effectRef idx="0">
-          <a:scrgbClr r="0" g="0" b="0"/>
-        </a:effectRef>
-        <a:fontRef idx="minor">
-          <a:schemeClr val="lt1"/>
-        </a:fontRef>
-      </dsp:style>
-    </dsp:sp>
-    <dsp:sp modelId="{1AEDC777-00B3-41D7-9AE1-23D741E941C3}">
-      <dsp:nvSpPr>
-        <dsp:cNvPr id="0" name=""/>
-        <dsp:cNvSpPr/>
-      </dsp:nvSpPr>
-      <dsp:spPr>
-        <a:xfrm>
-          <a:off x="7041543" y="2695306"/>
-          <a:ext cx="2981250" cy="720000"/>
-        </a:xfrm>
-        <a:prstGeom prst="rect">
-          <a:avLst/>
-        </a:prstGeom>
-        <a:noFill/>
-        <a:ln>
-          <a:noFill/>
-        </a:ln>
-        <a:effectLst/>
-      </dsp:spPr>
-      <dsp:style>
-        <a:lnRef idx="0">
-          <a:scrgbClr r="0" g="0" b="0"/>
-        </a:lnRef>
-        <a:fillRef idx="0">
-          <a:scrgbClr r="0" g="0" b="0"/>
-        </a:fillRef>
-        <a:effectRef idx="0">
-          <a:scrgbClr r="0" g="0" b="0"/>
-        </a:effectRef>
-        <a:fontRef idx="minor"/>
-      </dsp:style>
-      <dsp:txBody>
-        <a:bodyPr spcFirstLastPara="0" vert="horz" wrap="square" lIns="0" tIns="0" rIns="0" bIns="0" numCol="1" spcCol="1270" anchor="t" anchorCtr="0">
-          <a:noAutofit/>
-        </a:bodyPr>
-        <a:lstStyle/>
-        <a:p>
-          <a:pPr marL="0" lvl="0" indent="0" algn="ctr" defTabSz="711200">
-            <a:lnSpc>
-              <a:spcPct val="100000"/>
-            </a:lnSpc>
-            <a:spcBef>
-              <a:spcPct val="0"/>
-            </a:spcBef>
-            <a:spcAft>
-              <a:spcPct val="35000"/>
-            </a:spcAft>
-            <a:buNone/>
-            <a:defRPr cap="all"/>
-          </a:pPr>
-          <a:r>
-            <a:rPr lang="en-US" sz="1600" kern="1200"/>
-            <a:t>Pellentesque habitant morbi tristique senectus et netus.</a:t>
-          </a:r>
-        </a:p>
-      </dsp:txBody>
-      <dsp:txXfrm>
-        <a:off x="7041543" y="2695306"/>
-        <a:ext cx="2981250" cy="720000"/>
-      </dsp:txXfrm>
-    </dsp:sp>
-  </dsp:spTree>
-</dsp:drawing>
-</file>
-
-<file path=ppt/diagrams/layout1.xml><?xml version="1.0" encoding="utf-8"?>
-<dgm:layoutDef xmlns:dgm="http://schemas.openxmlformats.org/drawingml/2006/diagram" xmlns:a="http://schemas.openxmlformats.org/drawingml/2006/main" uniqueId="urn:microsoft.com/office/officeart/2018/5/layout/IconCircleLabelList">
-  <dgm:title val="Icon Circle Label List"/>
-  <dgm:desc val="Use to show non-sequential or grouped chunks of information accompanied by a related visuals. Works best with icons or small pictures with short text captions."/>
-  <dgm:catLst>
-    <dgm:cat type="icon" pri="500"/>
-  </dgm:catLst>
-  <dgm:sampData useDef="1">
-    <dgm:dataModel>
-      <dgm:ptLst/>
-      <dgm:bg/>
-      <dgm:whole/>
-    </dgm:dataModel>
-  </dgm:sampData>
-  <dgm:styleData useDef="1">
-    <dgm:dataModel>
-      <dgm:ptLst/>
-      <dgm:bg/>
-      <dgm:whole/>
-    </dgm:dataModel>
-  </dgm:styleData>
-  <dgm:clrData useDef="1">
-    <dgm:dataModel>
-      <dgm:ptLst/>
-      <dgm:bg/>
-      <dgm:whole/>
-    </dgm:dataModel>
-  </dgm:clrData>
-  <dgm:layoutNode name="root">
-    <dgm:varLst>
-      <dgm:dir/>
-      <dgm:resizeHandles val="exact"/>
-    </dgm:varLst>
-    <dgm:choose name="Name0">
-      <dgm:if name="Name1" axis="self" func="var" arg="dir" op="equ" val="norm">
-        <dgm:alg type="snake">
-          <dgm:param type="grDir" val="tL"/>
-          <dgm:param type="flowDir" val="row"/>
-          <dgm:param type="contDir" val="sameDir"/>
-          <dgm:param type="off" val="ctr"/>
-          <dgm:param type="vertAlign" val="mid"/>
-          <dgm:param type="horzAlign" val="ctr"/>
-        </dgm:alg>
-      </dgm:if>
-      <dgm:else name="Name2">
-        <dgm:alg type="snake">
-          <dgm:param type="grDir" val="tR"/>
-          <dgm:param type="flowDir" val="row"/>
-          <dgm:param type="contDir" val="sameDir"/>
-          <dgm:param type="off" val="ctr"/>
-          <dgm:param type="vertAlign" val="mid"/>
-          <dgm:param type="horzAlign" val="ctr"/>
-        </dgm:alg>
-      </dgm:else>
-    </dgm:choose>
-    <dgm:shape xmlns:r="http://schemas.openxmlformats.org/officeDocument/2006/relationships" r:blip="">
-      <dgm:adjLst/>
-    </dgm:shape>
-    <dgm:presOf/>
-    <dgm:choose name="Name3">
-      <dgm:if name="Name4" axis="ch" ptType="node" func="cnt" op="lte" val="2">
-        <dgm:constrLst>
-          <dgm:constr type="h" for="ch" forName="compNode" refType="h" fact="0.4"/>
-          <dgm:constr type="w" for="ch" forName="compNode" val="100"/>
-          <dgm:constr type="w" for="ch" forName="sibTrans" refType="w" refFor="ch" refForName="compNode" fact="0.175"/>
-          <dgm:constr type="sp" refType="w" refFor="ch" refForName="compNode" op="equ" fact="0.25"/>
-          <dgm:constr type="primFontSz" for="des" ptType="node" op="equ" val="44"/>
-          <dgm:constr type="h" for="des" forName="compNode" op="equ"/>
-          <dgm:constr type="h" for="des" forName="textRect" op="equ"/>
-        </dgm:constrLst>
-      </dgm:if>
-      <dgm:if name="Name5" axis="ch" ptType="node" func="cnt" op="lte" val="3">
-        <dgm:constrLst>
-          <dgm:constr type="h" for="ch" forName="compNode" refType="h" fact="0.4"/>
-          <dgm:constr type="w" for="ch" forName="compNode" val="100"/>
-          <dgm:constr type="w" for="ch" forName="sibTrans" refType="w" refFor="ch" refForName="compNode" fact="0.175"/>
-          <dgm:constr type="sp" refType="w" refFor="ch" refForName="compNode" op="equ" fact="0.25"/>
-          <dgm:constr type="primFontSz" for="des" ptType="node" op="equ" val="40"/>
-          <dgm:constr type="h" for="des" forName="compNode" op="equ"/>
-          <dgm:constr type="h" for="des" forName="textRect" op="equ"/>
-        </dgm:constrLst>
-      </dgm:if>
-      <dgm:if name="Name6" axis="ch" ptType="node" func="cnt" op="lte" val="4">
-        <dgm:constrLst>
-          <dgm:constr type="h" for="ch" forName="compNode" refType="h" fact="0.4"/>
-          <dgm:constr type="w" for="ch" forName="compNode" refType="w"/>
-          <dgm:constr type="w" for="ch" forName="sibTrans" refType="w" refFor="ch" refForName="compNode" fact="0.175"/>
-          <dgm:constr type="sp" refType="w" refFor="ch" refForName="compNode" op="equ" fact="0.25"/>
-          <dgm:constr type="primFontSz" for="des" ptType="node" op="equ" val="32"/>
-          <dgm:constr type="h" for="des" forName="compNode" op="equ"/>
-          <dgm:constr type="h" for="des" forName="textRect" op="equ"/>
-        </dgm:constrLst>
-      </dgm:if>
-      <dgm:else name="Name7">
-        <dgm:constrLst>
-          <dgm:constr type="h" for="ch" forName="compNode" refType="h" fact="0.4"/>
-          <dgm:constr type="w" for="ch" forName="compNode" refType="w"/>
-          <dgm:constr type="w" for="ch" forName="sibTrans" refType="w" refFor="ch" refForName="compNode" fact="0.175"/>
-          <dgm:constr type="sp" refType="w" refFor="ch" refForName="compNode" op="equ" fact="0.25"/>
-          <dgm:constr type="primFontSz" for="des" ptType="node" op="equ" val="24"/>
-          <dgm:constr type="h" for="des" forName="compNode" op="equ"/>
-          <dgm:constr type="h" for="des" forName="textRect" op="equ"/>
-        </dgm:constrLst>
-      </dgm:else>
-    </dgm:choose>
-    <dgm:ruleLst>
-      <dgm:rule type="w" for="ch" forName="compNode" val="50" fact="NaN" max="NaN"/>
-    </dgm:ruleLst>
-    <dgm:forEach name="Name8" axis="ch" ptType="node">
-      <dgm:layoutNode name="compNode">
-        <dgm:alg type="composite"/>
-        <dgm:shape xmlns:r="http://schemas.openxmlformats.org/officeDocument/2006/relationships" r:blip="">
-          <dgm:adjLst/>
-        </dgm:shape>
-        <dgm:presOf axis="self"/>
-        <dgm:constrLst>
-          <dgm:constr type="w" for="ch" forName="iconBgRect" refType="w" fact="0.61"/>
-          <dgm:constr type="h" for="ch" forName="iconBgRect" refType="w" refFor="ch" refForName="iconBgRect"/>
-          <dgm:constr type="t" for="ch" forName="iconBgRect"/>
-          <dgm:constr type="ctrX" for="ch" forName="iconBgRect" refType="w" fact="0.5"/>
-          <dgm:constr type="w" for="ch" forName="iconRect" refType="w" fact="0.35"/>
-          <dgm:constr type="h" for="ch" forName="iconRect" refType="w" refFor="ch" refForName="iconRect"/>
-          <dgm:constr type="ctrX" for="ch" forName="iconRect" refType="ctrX" refFor="ch" refForName="iconBgRect"/>
-          <dgm:constr type="ctrY" for="ch" forName="iconRect" refType="ctrY" refFor="ch" refForName="iconBgRect"/>
-          <dgm:constr type="h" for="ch" forName="spaceRect" refType="w" fact="0.19"/>
-          <dgm:constr type="w" for="ch" forName="spaceRect" refType="w"/>
-          <dgm:constr type="l" for="ch" forName="spaceRect"/>
-          <dgm:constr type="t" for="ch" forName="spaceRect" refType="b" refFor="ch" refForName="iconBgRect"/>
-          <dgm:constr type="h" for="ch" forName="textRect" val="20"/>
-          <dgm:constr type="w" for="ch" forName="textRect" refType="w"/>
-          <dgm:constr type="l" for="ch" forName="textRect"/>
-          <dgm:constr type="t" for="ch" forName="textRect" refType="b" refFor="ch" refForName="spaceRect"/>
-        </dgm:constrLst>
-        <dgm:ruleLst>
-          <dgm:rule type="h" val="INF" fact="NaN" max="NaN"/>
-        </dgm:ruleLst>
-        <dgm:layoutNode name="iconBgRect" styleLbl="bgShp">
-          <dgm:alg type="sp"/>
-          <dgm:shape xmlns:r="http://schemas.openxmlformats.org/officeDocument/2006/relationships" type="ellipse" r:blip="">
-            <dgm:adjLst/>
-          </dgm:shape>
-          <dgm:presOf/>
-          <dgm:constrLst/>
-          <dgm:ruleLst/>
-        </dgm:layoutNode>
-        <dgm:layoutNode name="iconRect" styleLbl="node1">
-          <dgm:alg type="sp"/>
-          <dgm:shape xmlns:r="http://schemas.openxmlformats.org/officeDocument/2006/relationships" type="rect" r:blip="" blipPhldr="1">
-            <dgm:adjLst/>
-          </dgm:shape>
-          <dgm:presOf/>
-          <dgm:constrLst/>
-          <dgm:ruleLst/>
-        </dgm:layoutNode>
-        <dgm:layoutNode name="spaceRect">
-          <dgm:alg type="sp"/>
-          <dgm:shape xmlns:r="http://schemas.openxmlformats.org/officeDocument/2006/relationships" r:blip="">
-            <dgm:adjLst/>
-          </dgm:shape>
-          <dgm:presOf/>
-          <dgm:constrLst/>
-          <dgm:ruleLst/>
-        </dgm:layoutNode>
-        <dgm:layoutNode name="textRect" styleLbl="revTx">
-          <dgm:varLst>
-            <dgm:chMax val="1"/>
-            <dgm:chPref val="1"/>
-          </dgm:varLst>
-          <dgm:alg type="tx">
-            <dgm:param type="txAnchorVert" val="t"/>
-          </dgm:alg>
-          <dgm:shape xmlns:r="http://schemas.openxmlformats.org/officeDocument/2006/relationships" type="rect" r:blip="">
-            <dgm:adjLst/>
-          </dgm:shape>
-          <dgm:presOf axis="self" ptType="node"/>
-          <dgm:constrLst>
-            <dgm:constr type="lMarg"/>
-            <dgm:constr type="rMarg"/>
-            <dgm:constr type="tMarg"/>
-            <dgm:constr type="bMarg"/>
-          </dgm:constrLst>
-          <dgm:ruleLst>
-            <dgm:rule type="primFontSz" val="11" fact="NaN" max="NaN"/>
-            <dgm:rule type="h" val="INF" fact="NaN" max="NaN"/>
-          </dgm:ruleLst>
-        </dgm:layoutNode>
-      </dgm:layoutNode>
-      <dgm:forEach name="Name9" axis="followSib" ptType="sibTrans" cnt="1">
-        <dgm:layoutNode name="sibTrans">
-          <dgm:alg type="sp"/>
-          <dgm:shape xmlns:r="http://schemas.openxmlformats.org/officeDocument/2006/relationships" r:blip="">
-            <dgm:adjLst/>
-          </dgm:shape>
-          <dgm:presOf axis="self"/>
-          <dgm:constrLst/>
-          <dgm:ruleLst/>
-        </dgm:layoutNode>
-      </dgm:forEach>
-    </dgm:forEach>
-  </dgm:layoutNode>
-  <dgm:extLst>
-    <a:ext uri="{68A01E43-0DF5-4B5B-8FA6-DAF915123BFB}">
-      <dgm1612:lstStyle xmlns:dgm1612="http://schemas.microsoft.com/office/drawing/2016/12/diagram">
-        <a:lvl1pPr>
-          <a:lnSpc>
-            <a:spcPct val="100000"/>
-          </a:lnSpc>
-          <a:defRPr cap="all"/>
-        </a:lvl1pPr>
-      </dgm1612:lstStyle>
-    </a:ext>
-  </dgm:extLst>
-</dgm:layoutDef>
-</file>
-
-<file path=ppt/diagrams/quickStyle1.xml><?xml version="1.0" encoding="utf-8"?>
-<dgm:styleDef xmlns:dgm="http://schemas.openxmlformats.org/drawingml/2006/diagram" xmlns:a="http://schemas.openxmlformats.org/drawingml/2006/main" uniqueId="urn:microsoft.com/office/officeart/2005/8/quickstyle/simple1">
-  <dgm:title val=""/>
-  <dgm:desc val=""/>
-  <dgm:catLst>
-    <dgm:cat type="simple" pri="10100"/>
-  </dgm:catLst>
-  <dgm:scene3d>
-    <a:camera prst="orthographicFront"/>
-    <a:lightRig rig="threePt" dir="t"/>
-  </dgm:scene3d>
-  <dgm:styleLbl name="node0">
-    <dgm:scene3d>
-      <a:camera prst="orthographicFront"/>
-      <a:lightRig rig="threePt" dir="t"/>
-    </dgm:scene3d>
-    <dgm:sp3d/>
-    <dgm:txPr/>
-    <dgm:style>
-      <a:lnRef idx="2">
-        <a:scrgbClr r="0" g="0" b="0"/>
-      </a:lnRef>
-      <a:fillRef idx="1">
-        <a:scrgbClr r="0" g="0" b="0"/>
-      </a:fillRef>
-      <a:effectRef idx="0">
-        <a:scrgbClr r="0" g="0" b="0"/>
-      </a:effectRef>
-      <a:fontRef idx="minor">
-        <a:schemeClr val="lt1"/>
-      </a:fontRef>
-    </dgm:style>
-  </dgm:styleLbl>
-  <dgm:styleLbl name="lnNode1">
-    <dgm:scene3d>
-      <a:camera prst="orthographicFront"/>
-      <a:lightRig rig="threePt" dir="t"/>
-    </dgm:scene3d>
-    <dgm:sp3d/>
-    <dgm:txPr/>
-    <dgm:style>
-      <a:lnRef idx="2">
-        <a:scrgbClr r="0" g="0" b="0"/>
-      </a:lnRef>
-      <a:fillRef idx="1">
-        <a:scrgbClr r="0" g="0" b="0"/>
-      </a:fillRef>
-      <a:effectRef idx="0">
-        <a:scrgbClr r="0" g="0" b="0"/>
-      </a:effectRef>
-      <a:fontRef idx="minor">
-        <a:schemeClr val="lt1"/>
-      </a:fontRef>
-    </dgm:style>
-  </dgm:styleLbl>
-  <dgm:styleLbl name="vennNode1">
-    <dgm:scene3d>
-      <a:camera prst="orthographicFront"/>
-      <a:lightRig rig="threePt" dir="t"/>
-    </dgm:scene3d>
-    <dgm:sp3d/>
-    <dgm:txPr/>
-    <dgm:style>
-      <a:lnRef idx="2">
-        <a:scrgbClr r="0" g="0" b="0"/>
-      </a:lnRef>
-      <a:fillRef idx="1">
-        <a:scrgbClr r="0" g="0" b="0"/>
-      </a:fillRef>
-      <a:effectRef idx="0">
-        <a:scrgbClr r="0" g="0" b="0"/>
-      </a:effectRef>
-      <a:fontRef idx="minor">
-        <a:schemeClr val="tx1"/>
-      </a:fontRef>
-    </dgm:style>
-  </dgm:styleLbl>
-  <dgm:styleLbl name="alignNode1">
-    <dgm:scene3d>
-      <a:camera prst="orthographicFront"/>
-      <a:lightRig rig="threePt" dir="t"/>
-    </dgm:scene3d>
-    <dgm:sp3d/>
-    <dgm:txPr/>
-    <dgm:style>
-      <a:lnRef idx="2">
-        <a:scrgbClr r="0" g="0" b="0"/>
-      </a:lnRef>
-      <a:fillRef idx="1">
-        <a:scrgbClr r="0" g="0" b="0"/>
-      </a:fillRef>
-      <a:effectRef idx="0">
-        <a:scrgbClr r="0" g="0" b="0"/>
-      </a:effectRef>
-      <a:fontRef idx="minor">
-        <a:schemeClr val="lt1"/>
-      </a:fontRef>
-    </dgm:style>
-  </dgm:styleLbl>
-  <dgm:styleLbl name="node1">
-    <dgm:scene3d>
-      <a:camera prst="orthographicFront"/>
-      <a:lightRig rig="threePt" dir="t"/>
-    </dgm:scene3d>
-    <dgm:sp3d/>
-    <dgm:txPr/>
-    <dgm:style>
-      <a:lnRef idx="2">
-        <a:scrgbClr r="0" g="0" b="0"/>
-      </a:lnRef>
-      <a:fillRef idx="1">
-        <a:scrgbClr r="0" g="0" b="0"/>
-      </a:fillRef>
-      <a:effectRef idx="0">
-        <a:scrgbClr r="0" g="0" b="0"/>
-      </a:effectRef>
-      <a:fontRef idx="minor">
-        <a:schemeClr val="lt1"/>
-      </a:fontRef>
-    </dgm:style>
-  </dgm:styleLbl>
-  <dgm:styleLbl name="node2">
-    <dgm:scene3d>
-      <a:camera prst="orthographicFront"/>
-      <a:lightRig rig="threePt" dir="t"/>
-    </dgm:scene3d>
-    <dgm:sp3d/>
-    <dgm:txPr/>
-    <dgm:style>
-      <a:lnRef idx="2">
-        <a:scrgbClr r="0" g="0" b="0"/>
-      </a:lnRef>
-      <a:fillRef idx="1">
-        <a:scrgbClr r="0" g="0" b="0"/>
-      </a:fillRef>
-      <a:effectRef idx="0">
-        <a:scrgbClr r="0" g="0" b="0"/>
-      </a:effectRef>
-      <a:fontRef idx="minor">
-        <a:schemeClr val="lt1"/>
-      </a:fontRef>
-    </dgm:style>
-  </dgm:styleLbl>
-  <dgm:styleLbl name="node3">
-    <dgm:scene3d>
-      <a:camera prst="orthographicFront"/>
-      <a:lightRig rig="threePt" dir="t"/>
-    </dgm:scene3d>
-    <dgm:sp3d/>
-    <dgm:txPr/>
-    <dgm:style>
-      <a:lnRef idx="2">
-        <a:scrgbClr r="0" g="0" b="0"/>
-      </a:lnRef>
-      <a:fillRef idx="1">
-        <a:scrgbClr r="0" g="0" b="0"/>
-      </a:fillRef>
-      <a:effectRef idx="0">
-        <a:scrgbClr r="0" g="0" b="0"/>
-      </a:effectRef>
-      <a:fontRef idx="minor">
-        <a:schemeClr val="lt1"/>
-      </a:fontRef>
-    </dgm:style>
-  </dgm:styleLbl>
-  <dgm:styleLbl name="node4">
-    <dgm:scene3d>
-      <a:camera prst="orthographicFront"/>
-      <a:lightRig rig="threePt" dir="t"/>
-    </dgm:scene3d>
-    <dgm:sp3d/>
-    <dgm:txPr/>
-    <dgm:style>
-      <a:lnRef idx="2">
-        <a:scrgbClr r="0" g="0" b="0"/>
-      </a:lnRef>
-      <a:fillRef idx="1">
-        <a:scrgbClr r="0" g="0" b="0"/>
-      </a:fillRef>
-      <a:effectRef idx="0">
-        <a:scrgbClr r="0" g="0" b="0"/>
-      </a:effectRef>
-      <a:fontRef idx="minor">
-        <a:schemeClr val="lt1"/>
-      </a:fontRef>
-    </dgm:style>
-  </dgm:styleLbl>
-  <dgm:styleLbl name="fgImgPlace1">
-    <dgm:scene3d>
-      <a:camera prst="orthographicFront"/>
-      <a:lightRig rig="threePt" dir="t"/>
-    </dgm:scene3d>
-    <dgm:sp3d/>
-    <dgm:txPr/>
-    <dgm:style>
-      <a:lnRef idx="2">
-        <a:scrgbClr r="0" g="0" b="0"/>
-      </a:lnRef>
-      <a:fillRef idx="1">
-        <a:scrgbClr r="0" g="0" b="0"/>
-      </a:fillRef>
-      <a:effectRef idx="0">
-        <a:scrgbClr r="0" g="0" b="0"/>
-      </a:effectRef>
-      <a:fontRef idx="minor"/>
-    </dgm:style>
-  </dgm:styleLbl>
-  <dgm:styleLbl name="alignImgPlace1">
-    <dgm:scene3d>
-      <a:camera prst="orthographicFront"/>
-      <a:lightRig rig="threePt" dir="t"/>
-    </dgm:scene3d>
-    <dgm:sp3d/>
-    <dgm:txPr/>
-    <dgm:style>
-      <a:lnRef idx="2">
-        <a:scrgbClr r="0" g="0" b="0"/>
-      </a:lnRef>
-      <a:fillRef idx="1">
-        <a:scrgbClr r="0" g="0" b="0"/>
-      </a:fillRef>
-      <a:effectRef idx="0">
-        <a:scrgbClr r="0" g="0" b="0"/>
-      </a:effectRef>
-      <a:fontRef idx="minor"/>
-    </dgm:style>
-  </dgm:styleLbl>
-  <dgm:styleLbl name="bgImgPlace1">
-    <dgm:scene3d>
-      <a:camera prst="orthographicFront"/>
-      <a:lightRig rig="threePt" dir="t"/>
-    </dgm:scene3d>
-    <dgm:sp3d/>
-    <dgm:txPr/>
-    <dgm:style>
-      <a:lnRef idx="2">
-        <a:scrgbClr r="0" g="0" b="0"/>
-      </a:lnRef>
-      <a:fillRef idx="1">
-        <a:scrgbClr r="0" g="0" b="0"/>
-      </a:fillRef>
-      <a:effectRef idx="0">
-        <a:scrgbClr r="0" g="0" b="0"/>
-      </a:effectRef>
-      <a:fontRef idx="minor"/>
-    </dgm:style>
-  </dgm:styleLbl>
-  <dgm:styleLbl name="sibTrans2D1">
-    <dgm:scene3d>
-      <a:camera prst="orthographicFront"/>
-      <a:lightRig rig="threePt" dir="t"/>
-    </dgm:scene3d>
-    <dgm:sp3d/>
-    <dgm:txPr/>
-    <dgm:style>
-      <a:lnRef idx="0">
-        <a:scrgbClr r="0" g="0" b="0"/>
-      </a:lnRef>
-      <a:fillRef idx="1">
-        <a:scrgbClr r="0" g="0" b="0"/>
-      </a:fillRef>
-      <a:effectRef idx="0">
-        <a:scrgbClr r="0" g="0" b="0"/>
-      </a:effectRef>
-      <a:fontRef idx="minor">
-        <a:schemeClr val="lt1"/>
-      </a:fontRef>
-    </dgm:style>
-  </dgm:styleLbl>
-  <dgm:styleLbl name="fgSibTrans2D1">
-    <dgm:scene3d>
-      <a:camera prst="orthographicFront"/>
-      <a:lightRig rig="threePt" dir="t"/>
-    </dgm:scene3d>
-    <dgm:sp3d/>
-    <dgm:txPr/>
-    <dgm:style>
-      <a:lnRef idx="0">
-        <a:scrgbClr r="0" g="0" b="0"/>
-      </a:lnRef>
-      <a:fillRef idx="1">
-        <a:scrgbClr r="0" g="0" b="0"/>
-      </a:fillRef>
-      <a:effectRef idx="0">
-        <a:scrgbClr r="0" g="0" b="0"/>
-      </a:effectRef>
-      <a:fontRef idx="minor">
-        <a:schemeClr val="lt1"/>
-      </a:fontRef>
-    </dgm:style>
-  </dgm:styleLbl>
-  <dgm:styleLbl name="bgSibTrans2D1">
-    <dgm:scene3d>
-      <a:camera prst="orthographicFront"/>
-      <a:lightRig rig="threePt" dir="t"/>
-    </dgm:scene3d>
-    <dgm:sp3d/>
-    <dgm:txPr/>
-    <dgm:style>
-      <a:lnRef idx="0">
-        <a:scrgbClr r="0" g="0" b="0"/>
-      </a:lnRef>
-      <a:fillRef idx="1">
-        <a:scrgbClr r="0" g="0" b="0"/>
-      </a:fillRef>
-      <a:effectRef idx="0">
-        <a:scrgbClr r="0" g="0" b="0"/>
-      </a:effectRef>
-      <a:fontRef idx="minor">
-        <a:schemeClr val="lt1"/>
-      </a:fontRef>
-    </dgm:style>
-  </dgm:styleLbl>
-  <dgm:styleLbl name="sibTrans1D1">
-    <dgm:scene3d>
-      <a:camera prst="orthographicFront"/>
-      <a:lightRig rig="threePt" dir="t"/>
-    </dgm:scene3d>
-    <dgm:sp3d/>
-    <dgm:txPr/>
-    <dgm:style>
-      <a:lnRef idx="1">
-        <a:scrgbClr r="0" g="0" b="0"/>
-      </a:lnRef>
-      <a:fillRef idx="0">
-        <a:scrgbClr r="0" g="0" b="0"/>
-      </a:fillRef>
-      <a:effectRef idx="0">
-        <a:scrgbClr r="0" g="0" b="0"/>
-      </a:effectRef>
-      <a:fontRef idx="minor"/>
-    </dgm:style>
-  </dgm:styleLbl>
-  <dgm:styleLbl name="callout">
-    <dgm:scene3d>
-      <a:camera prst="orthographicFront"/>
-      <a:lightRig rig="threePt" dir="t"/>
-    </dgm:scene3d>
-    <dgm:sp3d/>
-    <dgm:txPr/>
-    <dgm:style>
-      <a:lnRef idx="2">
-        <a:scrgbClr r="0" g="0" b="0"/>
-      </a:lnRef>
-      <a:fillRef idx="1">
-        <a:scrgbClr r="0" g="0" b="0"/>
-      </a:fillRef>
-      <a:effectRef idx="0">
-        <a:scrgbClr r="0" g="0" b="0"/>
-      </a:effectRef>
-      <a:fontRef idx="minor"/>
-    </dgm:style>
-  </dgm:styleLbl>
-  <dgm:styleLbl name="asst0">
-    <dgm:scene3d>
-      <a:camera prst="orthographicFront"/>
-      <a:lightRig rig="threePt" dir="t"/>
-    </dgm:scene3d>
-    <dgm:sp3d/>
-    <dgm:txPr/>
-    <dgm:style>
-      <a:lnRef idx="2">
-        <a:scrgbClr r="0" g="0" b="0"/>
-      </a:lnRef>
-      <a:fillRef idx="1">
-        <a:scrgbClr r="0" g="0" b="0"/>
-      </a:fillRef>
-      <a:effectRef idx="0">
-        <a:scrgbClr r="0" g="0" b="0"/>
-      </a:effectRef>
-      <a:fontRef idx="minor">
-        <a:schemeClr val="lt1"/>
-      </a:fontRef>
-    </dgm:style>
-  </dgm:styleLbl>
-  <dgm:styleLbl name="asst1">
-    <dgm:scene3d>
-      <a:camera prst="orthographicFront"/>
-      <a:lightRig rig="threePt" dir="t"/>
-    </dgm:scene3d>
-    <dgm:sp3d/>
-    <dgm:txPr/>
-    <dgm:style>
-      <a:lnRef idx="2">
-        <a:scrgbClr r="0" g="0" b="0"/>
-      </a:lnRef>
-      <a:fillRef idx="1">
-        <a:scrgbClr r="0" g="0" b="0"/>
-      </a:fillRef>
-      <a:effectRef idx="0">
-        <a:scrgbClr r="0" g="0" b="0"/>
-      </a:effectRef>
-      <a:fontRef idx="minor">
-        <a:schemeClr val="lt1"/>
-      </a:fontRef>
-    </dgm:style>
-  </dgm:styleLbl>
-  <dgm:styleLbl name="asst2">
-    <dgm:scene3d>
-      <a:camera prst="orthographicFront"/>
-      <a:lightRig rig="threePt" dir="t"/>
-    </dgm:scene3d>
-    <dgm:sp3d/>
-    <dgm:txPr/>
-    <dgm:style>
-      <a:lnRef idx="2">
-        <a:scrgbClr r="0" g="0" b="0"/>
-      </a:lnRef>
-      <a:fillRef idx="1">
-        <a:scrgbClr r="0" g="0" b="0"/>
-      </a:fillRef>
-      <a:effectRef idx="0">
-        <a:scrgbClr r="0" g="0" b="0"/>
-      </a:effectRef>
-      <a:fontRef idx="minor">
-        <a:schemeClr val="lt1"/>
-      </a:fontRef>
-    </dgm:style>
-  </dgm:styleLbl>
-  <dgm:styleLbl name="asst3">
-    <dgm:scene3d>
-      <a:camera prst="orthographicFront"/>
-      <a:lightRig rig="threePt" dir="t"/>
-    </dgm:scene3d>
-    <dgm:sp3d/>
-    <dgm:txPr/>
-    <dgm:style>
-      <a:lnRef idx="2">
-        <a:scrgbClr r="0" g="0" b="0"/>
-      </a:lnRef>
-      <a:fillRef idx="1">
-        <a:scrgbClr r="0" g="0" b="0"/>
-      </a:fillRef>
-      <a:effectRef idx="0">
-        <a:scrgbClr r="0" g="0" b="0"/>
-      </a:effectRef>
-      <a:fontRef idx="minor">
-        <a:schemeClr val="lt1"/>
-      </a:fontRef>
-    </dgm:style>
-  </dgm:styleLbl>
-  <dgm:styleLbl name="asst4">
-    <dgm:scene3d>
-      <a:camera prst="orthographicFront"/>
-      <a:lightRig rig="threePt" dir="t"/>
-    </dgm:scene3d>
-    <dgm:sp3d/>
-    <dgm:txPr/>
-    <dgm:style>
-      <a:lnRef idx="2">
-        <a:scrgbClr r="0" g="0" b="0"/>
-      </a:lnRef>
-      <a:fillRef idx="1">
-        <a:scrgbClr r="0" g="0" b="0"/>
-      </a:fillRef>
-      <a:effectRef idx="0">
-        <a:scrgbClr r="0" g="0" b="0"/>
-      </a:effectRef>
-      <a:fontRef idx="minor">
-        <a:schemeClr val="lt1"/>
-      </a:fontRef>
-    </dgm:style>
-  </dgm:styleLbl>
-  <dgm:styleLbl name="parChTrans2D1">
-    <dgm:scene3d>
-      <a:camera prst="orthographicFront"/>
-      <a:lightRig rig="threePt" dir="t"/>
-    </dgm:scene3d>
-    <dgm:sp3d/>
-    <dgm:txPr/>
-    <dgm:style>
-      <a:lnRef idx="2">
-        <a:scrgbClr r="0" g="0" b="0"/>
-      </a:lnRef>
-      <a:fillRef idx="1">
-        <a:scrgbClr r="0" g="0" b="0"/>
-      </a:fillRef>
-      <a:effectRef idx="0">
-        <a:scrgbClr r="0" g="0" b="0"/>
-      </a:effectRef>
-      <a:fontRef idx="minor">
-        <a:schemeClr val="lt1"/>
-      </a:fontRef>
-    </dgm:style>
-  </dgm:styleLbl>
-  <dgm:styleLbl name="parChTrans2D2">
-    <dgm:scene3d>
-      <a:camera prst="orthographicFront"/>
-      <a:lightRig rig="threePt" dir="t"/>
-    </dgm:scene3d>
-    <dgm:sp3d/>
-    <dgm:txPr/>
-    <dgm:style>
-      <a:lnRef idx="2">
-        <a:scrgbClr r="0" g="0" b="0"/>
-      </a:lnRef>
-      <a:fillRef idx="1">
-        <a:scrgbClr r="0" g="0" b="0"/>
-      </a:fillRef>
-      <a:effectRef idx="0">
-        <a:scrgbClr r="0" g="0" b="0"/>
-      </a:effectRef>
-      <a:fontRef idx="minor">
-        <a:schemeClr val="lt1"/>
-      </a:fontRef>
-    </dgm:style>
-  </dgm:styleLbl>
-  <dgm:styleLbl name="parChTrans2D3">
-    <dgm:scene3d>
-      <a:camera prst="orthographicFront"/>
-      <a:lightRig rig="threePt" dir="t"/>
-    </dgm:scene3d>
-    <dgm:sp3d/>
-    <dgm:txPr/>
-    <dgm:style>
-      <a:lnRef idx="2">
-        <a:scrgbClr r="0" g="0" b="0"/>
-      </a:lnRef>
-      <a:fillRef idx="1">
-        <a:scrgbClr r="0" g="0" b="0"/>
-      </a:fillRef>
-      <a:effectRef idx="0">
-        <a:scrgbClr r="0" g="0" b="0"/>
-      </a:effectRef>
-      <a:fontRef idx="minor">
-        <a:schemeClr val="lt1"/>
-      </a:fontRef>
-    </dgm:style>
-  </dgm:styleLbl>
-  <dgm:styleLbl name="parChTrans2D4">
-    <dgm:scene3d>
-      <a:camera prst="orthographicFront"/>
-      <a:lightRig rig="threePt" dir="t"/>
-    </dgm:scene3d>
-    <dgm:sp3d/>
-    <dgm:txPr/>
-    <dgm:style>
-      <a:lnRef idx="2">
-        <a:scrgbClr r="0" g="0" b="0"/>
-      </a:lnRef>
-      <a:fillRef idx="1">
-        <a:scrgbClr r="0" g="0" b="0"/>
-      </a:fillRef>
-      <a:effectRef idx="0">
-        <a:scrgbClr r="0" g="0" b="0"/>
-      </a:effectRef>
-      <a:fontRef idx="minor">
-        <a:schemeClr val="lt1"/>
-      </a:fontRef>
-    </dgm:style>
-  </dgm:styleLbl>
-  <dgm:styleLbl name="parChTrans1D1">
-    <dgm:scene3d>
-      <a:camera prst="orthographicFront"/>
-      <a:lightRig rig="threePt" dir="t"/>
-    </dgm:scene3d>
-    <dgm:sp3d/>
-    <dgm:txPr/>
-    <dgm:style>
-      <a:lnRef idx="2">
-        <a:scrgbClr r="0" g="0" b="0"/>
-      </a:lnRef>
-      <a:fillRef idx="0">
-        <a:scrgbClr r="0" g="0" b="0"/>
-      </a:fillRef>
-      <a:effectRef idx="0">
-        <a:scrgbClr r="0" g="0" b="0"/>
-      </a:effectRef>
-      <a:fontRef idx="minor"/>
-    </dgm:style>
-  </dgm:styleLbl>
-  <dgm:styleLbl name="parChTrans1D2">
-    <dgm:scene3d>
-      <a:camera prst="orthographicFront"/>
-      <a:lightRig rig="threePt" dir="t"/>
-    </dgm:scene3d>
-    <dgm:sp3d/>
-    <dgm:txPr/>
-    <dgm:style>
-      <a:lnRef idx="2">
-        <a:scrgbClr r="0" g="0" b="0"/>
-      </a:lnRef>
-      <a:fillRef idx="0">
-        <a:scrgbClr r="0" g="0" b="0"/>
-      </a:fillRef>
-      <a:effectRef idx="0">
-        <a:scrgbClr r="0" g="0" b="0"/>
-      </a:effectRef>
-      <a:fontRef idx="minor"/>
-    </dgm:style>
-  </dgm:styleLbl>
-  <dgm:styleLbl name="parChTrans1D3">
-    <dgm:scene3d>
-      <a:camera prst="orthographicFront"/>
-      <a:lightRig rig="threePt" dir="t"/>
-    </dgm:scene3d>
-    <dgm:sp3d/>
-    <dgm:txPr/>
-    <dgm:style>
-      <a:lnRef idx="2">
-        <a:scrgbClr r="0" g="0" b="0"/>
-      </a:lnRef>
-      <a:fillRef idx="0">
-        <a:scrgbClr r="0" g="0" b="0"/>
-      </a:fillRef>
-      <a:effectRef idx="0">
-        <a:scrgbClr r="0" g="0" b="0"/>
-      </a:effectRef>
-      <a:fontRef idx="minor"/>
-    </dgm:style>
-  </dgm:styleLbl>
-  <dgm:styleLbl name="parChTrans1D4">
-    <dgm:scene3d>
-      <a:camera prst="orthographicFront"/>
-      <a:lightRig rig="threePt" dir="t"/>
-    </dgm:scene3d>
-    <dgm:sp3d/>
-    <dgm:txPr/>
-    <dgm:style>
-      <a:lnRef idx="2">
-        <a:scrgbClr r="0" g="0" b="0"/>
-      </a:lnRef>
-      <a:fillRef idx="0">
-        <a:scrgbClr r="0" g="0" b="0"/>
-      </a:fillRef>
-      <a:effectRef idx="0">
-        <a:scrgbClr r="0" g="0" b="0"/>
-      </a:effectRef>
-      <a:fontRef idx="minor"/>
-    </dgm:style>
-  </dgm:styleLbl>
-  <dgm:styleLbl name="fgAcc1">
-    <dgm:scene3d>
-      <a:camera prst="orthographicFront"/>
-      <a:lightRig rig="threePt" dir="t"/>
-    </dgm:scene3d>
-    <dgm:sp3d/>
-    <dgm:txPr/>
-    <dgm:style>
-      <a:lnRef idx="2">
-        <a:scrgbClr r="0" g="0" b="0"/>
-      </a:lnRef>
-      <a:fillRef idx="1">
-        <a:scrgbClr r="0" g="0" b="0"/>
-      </a:fillRef>
-      <a:effectRef idx="0">
-        <a:scrgbClr r="0" g="0" b="0"/>
-      </a:effectRef>
-      <a:fontRef idx="minor"/>
-    </dgm:style>
-  </dgm:styleLbl>
-  <dgm:styleLbl name="conFgAcc1">
-    <dgm:scene3d>
-      <a:camera prst="orthographicFront"/>
-      <a:lightRig rig="threePt" dir="t"/>
-    </dgm:scene3d>
-    <dgm:sp3d/>
-    <dgm:txPr/>
-    <dgm:style>
-      <a:lnRef idx="2">
-        <a:scrgbClr r="0" g="0" b="0"/>
-      </a:lnRef>
-      <a:fillRef idx="1">
-        <a:scrgbClr r="0" g="0" b="0"/>
-      </a:fillRef>
-      <a:effectRef idx="0">
-        <a:scrgbClr r="0" g="0" b="0"/>
-      </a:effectRef>
-      <a:fontRef idx="minor"/>
-    </dgm:style>
-  </dgm:styleLbl>
-  <dgm:styleLbl name="alignAcc1">
-    <dgm:scene3d>
-      <a:camera prst="orthographicFront"/>
-      <a:lightRig rig="threePt" dir="t"/>
-    </dgm:scene3d>
-    <dgm:sp3d/>
-    <dgm:txPr/>
-    <dgm:style>
-      <a:lnRef idx="2">
-        <a:scrgbClr r="0" g="0" b="0"/>
-      </a:lnRef>
-      <a:fillRef idx="1">
-        <a:scrgbClr r="0" g="0" b="0"/>
-      </a:fillRef>
-      <a:effectRef idx="0">
-        <a:scrgbClr r="0" g="0" b="0"/>
-      </a:effectRef>
-      <a:fontRef idx="minor"/>
-    </dgm:style>
-  </dgm:styleLbl>
-  <dgm:styleLbl name="trAlignAcc1">
-    <dgm:scene3d>
-      <a:camera prst="orthographicFront"/>
-      <a:lightRig rig="threePt" dir="t"/>
-    </dgm:scene3d>
-    <dgm:sp3d/>
-    <dgm:txPr/>
-    <dgm:style>
-      <a:lnRef idx="1">
-        <a:scrgbClr r="0" g="0" b="0"/>
-      </a:lnRef>
-      <a:fillRef idx="1">
-        <a:scrgbClr r="0" g="0" b="0"/>
-      </a:fillRef>
-      <a:effectRef idx="0">
-        <a:scrgbClr r="0" g="0" b="0"/>
-      </a:effectRef>
-      <a:fontRef idx="minor"/>
-    </dgm:style>
-  </dgm:styleLbl>
-  <dgm:styleLbl name="bgAcc1">
-    <dgm:scene3d>
-      <a:camera prst="orthographicFront"/>
-      <a:lightRig rig="threePt" dir="t"/>
-    </dgm:scene3d>
-    <dgm:sp3d/>
-    <dgm:txPr/>
-    <dgm:style>
-      <a:lnRef idx="2">
-        <a:scrgbClr r="0" g="0" b="0"/>
-      </a:lnRef>
-      <a:fillRef idx="1">
-        <a:scrgbClr r="0" g="0" b="0"/>
-      </a:fillRef>
-      <a:effectRef idx="0">
-        <a:scrgbClr r="0" g="0" b="0"/>
-      </a:effectRef>
-      <a:fontRef idx="minor"/>
-    </dgm:style>
-  </dgm:styleLbl>
-  <dgm:styleLbl name="solidFgAcc1">
-    <dgm:scene3d>
-      <a:camera prst="orthographicFront"/>
-      <a:lightRig rig="threePt" dir="t"/>
-    </dgm:scene3d>
-    <dgm:sp3d/>
-    <dgm:txPr/>
-    <dgm:style>
-      <a:lnRef idx="2">
-        <a:scrgbClr r="0" g="0" b="0"/>
-      </a:lnRef>
-      <a:fillRef idx="1">
-        <a:scrgbClr r="0" g="0" b="0"/>
-      </a:fillRef>
-      <a:effectRef idx="0">
-        <a:scrgbClr r="0" g="0" b="0"/>
-      </a:effectRef>
-      <a:fontRef idx="minor"/>
-    </dgm:style>
-  </dgm:styleLbl>
-  <dgm:styleLbl name="solidAlignAcc1">
-    <dgm:scene3d>
-      <a:camera prst="orthographicFront"/>
-      <a:lightRig rig="threePt" dir="t"/>
-    </dgm:scene3d>
-    <dgm:sp3d/>
-    <dgm:txPr/>
-    <dgm:style>
-      <a:lnRef idx="2">
-        <a:scrgbClr r="0" g="0" b="0"/>
-      </a:lnRef>
-      <a:fillRef idx="1">
-        <a:scrgbClr r="0" g="0" b="0"/>
-      </a:fillRef>
-      <a:effectRef idx="0">
-        <a:scrgbClr r="0" g="0" b="0"/>
-      </a:effectRef>
-      <a:fontRef idx="minor"/>
-    </dgm:style>
-  </dgm:styleLbl>
-  <dgm:styleLbl name="solidBgAcc1">
-    <dgm:scene3d>
-      <a:camera prst="orthographicFront"/>
-      <a:lightRig rig="threePt" dir="t"/>
-    </dgm:scene3d>
-    <dgm:sp3d/>
-    <dgm:txPr/>
-    <dgm:style>
-      <a:lnRef idx="2">
-        <a:scrgbClr r="0" g="0" b="0"/>
-      </a:lnRef>
-      <a:fillRef idx="1">
-        <a:scrgbClr r="0" g="0" b="0"/>
-      </a:fillRef>
-      <a:effectRef idx="0">
-        <a:scrgbClr r="0" g="0" b="0"/>
-      </a:effectRef>
-      <a:fontRef idx="minor"/>
-    </dgm:style>
-  </dgm:styleLbl>
-  <dgm:styleLbl name="fgAccFollowNode1">
-    <dgm:scene3d>
-      <a:camera prst="orthographicFront"/>
-      <a:lightRig rig="threePt" dir="t"/>
-    </dgm:scene3d>
-    <dgm:sp3d/>
-    <dgm:txPr/>
-    <dgm:style>
-      <a:lnRef idx="2">
-        <a:scrgbClr r="0" g="0" b="0"/>
-      </a:lnRef>
-      <a:fillRef idx="1">
-        <a:scrgbClr r="0" g="0" b="0"/>
-      </a:fillRef>
-      <a:effectRef idx="0">
-        <a:scrgbClr r="0" g="0" b="0"/>
-      </a:effectRef>
-      <a:fontRef idx="minor"/>
-    </dgm:style>
-  </dgm:styleLbl>
-  <dgm:styleLbl name="alignAccFollowNode1">
-    <dgm:scene3d>
-      <a:camera prst="orthographicFront"/>
-      <a:lightRig rig="threePt" dir="t"/>
-    </dgm:scene3d>
-    <dgm:sp3d/>
-    <dgm:txPr/>
-    <dgm:style>
-      <a:lnRef idx="2">
-        <a:scrgbClr r="0" g="0" b="0"/>
-      </a:lnRef>
-      <a:fillRef idx="1">
-        <a:scrgbClr r="0" g="0" b="0"/>
-      </a:fillRef>
-      <a:effectRef idx="0">
-        <a:scrgbClr r="0" g="0" b="0"/>
-      </a:effectRef>
-      <a:fontRef idx="minor"/>
-    </dgm:style>
-  </dgm:styleLbl>
-  <dgm:styleLbl name="bgAccFollowNode1">
-    <dgm:scene3d>
-      <a:camera prst="orthographicFront"/>
-      <a:lightRig rig="threePt" dir="t"/>
-    </dgm:scene3d>
-    <dgm:sp3d/>
-    <dgm:txPr/>
-    <dgm:style>
-      <a:lnRef idx="2">
-        <a:scrgbClr r="0" g="0" b="0"/>
-      </a:lnRef>
-      <a:fillRef idx="1">
-        <a:scrgbClr r="0" g="0" b="0"/>
-      </a:fillRef>
-      <a:effectRef idx="0">
-        <a:scrgbClr r="0" g="0" b="0"/>
-      </a:effectRef>
-      <a:fontRef idx="minor"/>
-    </dgm:style>
-  </dgm:styleLbl>
-  <dgm:styleLbl name="fgAcc0">
-    <dgm:scene3d>
-      <a:camera prst="orthographicFront"/>
-      <a:lightRig rig="threePt" dir="t"/>
-    </dgm:scene3d>
-    <dgm:sp3d/>
-    <dgm:txPr/>
-    <dgm:style>
-      <a:lnRef idx="2">
-        <a:scrgbClr r="0" g="0" b="0"/>
-      </a:lnRef>
-      <a:fillRef idx="1">
-        <a:scrgbClr r="0" g="0" b="0"/>
-      </a:fillRef>
-      <a:effectRef idx="0">
-        <a:scrgbClr r="0" g="0" b="0"/>
-      </a:effectRef>
-      <a:fontRef idx="minor"/>
-    </dgm:style>
-  </dgm:styleLbl>
-  <dgm:styleLbl name="fgAcc2">
-    <dgm:scene3d>
-      <a:camera prst="orthographicFront"/>
-      <a:lightRig rig="threePt" dir="t"/>
-    </dgm:scene3d>
-    <dgm:sp3d/>
-    <dgm:txPr/>
-    <dgm:style>
-      <a:lnRef idx="2">
-        <a:scrgbClr r="0" g="0" b="0"/>
-      </a:lnRef>
-      <a:fillRef idx="1">
-        <a:scrgbClr r="0" g="0" b="0"/>
-      </a:fillRef>
-      <a:effectRef idx="0">
-        <a:scrgbClr r="0" g="0" b="0"/>
-      </a:effectRef>
-      <a:fontRef idx="minor"/>
-    </dgm:style>
-  </dgm:styleLbl>
-  <dgm:styleLbl name="fgAcc3">
-    <dgm:scene3d>
-      <a:camera prst="orthographicFront"/>
-      <a:lightRig rig="threePt" dir="t"/>
-    </dgm:scene3d>
-    <dgm:sp3d/>
-    <dgm:txPr/>
-    <dgm:style>
-      <a:lnRef idx="2">
-        <a:scrgbClr r="0" g="0" b="0"/>
-      </a:lnRef>
-      <a:fillRef idx="1">
-        <a:scrgbClr r="0" g="0" b="0"/>
-      </a:fillRef>
-      <a:effectRef idx="0">
-        <a:scrgbClr r="0" g="0" b="0"/>
-      </a:effectRef>
-      <a:fontRef idx="minor"/>
-    </dgm:style>
-  </dgm:styleLbl>
-  <dgm:styleLbl name="fgAcc4">
-    <dgm:scene3d>
-      <a:camera prst="orthographicFront"/>
-      <a:lightRig rig="threePt" dir="t"/>
-    </dgm:scene3d>
-    <dgm:sp3d/>
-    <dgm:txPr/>
-    <dgm:style>
-      <a:lnRef idx="2">
-        <a:scrgbClr r="0" g="0" b="0"/>
-      </a:lnRef>
-      <a:fillRef idx="1">
-        <a:scrgbClr r="0" g="0" b="0"/>
-      </a:fillRef>
-      <a:effectRef idx="0">
-        <a:scrgbClr r="0" g="0" b="0"/>
-      </a:effectRef>
-      <a:fontRef idx="minor"/>
-    </dgm:style>
-  </dgm:styleLbl>
-  <dgm:styleLbl name="bgShp">
-    <dgm:scene3d>
-      <a:camera prst="orthographicFront"/>
-      <a:lightRig rig="threePt" dir="t"/>
-    </dgm:scene3d>
-    <dgm:sp3d/>
-    <dgm:txPr/>
-    <dgm:style>
-      <a:lnRef idx="0">
-        <a:scrgbClr r="0" g="0" b="0"/>
-      </a:lnRef>
-      <a:fillRef idx="1">
-        <a:scrgbClr r="0" g="0" b="0"/>
-      </a:fillRef>
-      <a:effectRef idx="0">
-        <a:scrgbClr r="0" g="0" b="0"/>
-      </a:effectRef>
-      <a:fontRef idx="minor"/>
-    </dgm:style>
-  </dgm:styleLbl>
-  <dgm:styleLbl name="dkBgShp">
-    <dgm:scene3d>
-      <a:camera prst="orthographicFront"/>
-      <a:lightRig rig="threePt" dir="t"/>
-    </dgm:scene3d>
-    <dgm:sp3d/>
-    <dgm:txPr/>
-    <dgm:style>
-      <a:lnRef idx="0">
-        <a:scrgbClr r="0" g="0" b="0"/>
-      </a:lnRef>
-      <a:fillRef idx="1">
-        <a:scrgbClr r="0" g="0" b="0"/>
-      </a:fillRef>
-      <a:effectRef idx="0">
-        <a:scrgbClr r="0" g="0" b="0"/>
-      </a:effectRef>
-      <a:fontRef idx="minor"/>
-    </dgm:style>
-  </dgm:styleLbl>
-  <dgm:styleLbl name="trBgShp">
-    <dgm:scene3d>
-      <a:camera prst="orthographicFront"/>
-      <a:lightRig rig="threePt" dir="t"/>
-    </dgm:scene3d>
-    <dgm:sp3d/>
-    <dgm:txPr/>
-    <dgm:style>
-      <a:lnRef idx="0">
-        <a:scrgbClr r="0" g="0" b="0"/>
-      </a:lnRef>
-      <a:fillRef idx="1">
-        <a:scrgbClr r="0" g="0" b="0"/>
-      </a:fillRef>
-      <a:effectRef idx="0">
-        <a:scrgbClr r="0" g="0" b="0"/>
-      </a:effectRef>
-      <a:fontRef idx="minor"/>
-    </dgm:style>
-  </dgm:styleLbl>
-  <dgm:styleLbl name="fgShp">
-    <dgm:scene3d>
-      <a:camera prst="orthographicFront"/>
-      <a:lightRig rig="threePt" dir="t"/>
-    </dgm:scene3d>
-    <dgm:sp3d/>
-    <dgm:txPr/>
-    <dgm:style>
-      <a:lnRef idx="2">
-        <a:scrgbClr r="0" g="0" b="0"/>
-      </a:lnRef>
-      <a:fillRef idx="1">
-        <a:scrgbClr r="0" g="0" b="0"/>
-      </a:fillRef>
-      <a:effectRef idx="0">
-        <a:scrgbClr r="0" g="0" b="0"/>
-      </a:effectRef>
-      <a:fontRef idx="minor"/>
-    </dgm:style>
-  </dgm:styleLbl>
-  <dgm:styleLbl name="revTx">
-    <dgm:scene3d>
-      <a:camera prst="orthographicFront"/>
-      <a:lightRig rig="threePt" dir="t"/>
-    </dgm:scene3d>
-    <dgm:sp3d/>
-    <dgm:txPr/>
-    <dgm:style>
-      <a:lnRef idx="0">
-        <a:scrgbClr r="0" g="0" b="0"/>
-      </a:lnRef>
-      <a:fillRef idx="0">
-        <a:scrgbClr r="0" g="0" b="0"/>
-      </a:fillRef>
-      <a:effectRef idx="0">
-        <a:scrgbClr r="0" g="0" b="0"/>
-      </a:effectRef>
-      <a:fontRef idx="minor"/>
-    </dgm:style>
-  </dgm:styleLbl>
-</dgm:styleDef>
 </file>
 
 <file path=ppt/slideLayouts/slideLayout1.xml><?xml version="1.0" encoding="utf-8"?>
@@ -7164,43 +4188,74 @@
           <a:p>
             <a:pPr algn="ctr"/>
             <a:r>
-              <a:rPr lang="en-US"/>
-              <a:t>Title Lorem Ipsum</a:t>
-            </a:r>
-          </a:p>
-        </p:txBody>
-      </p:sp>
-      <p:graphicFrame>
-        <p:nvGraphicFramePr>
-          <p:cNvPr id="5" name="Content Placeholder 2">
+              <a:rPr lang="en-US" dirty="0"/>
+              <a:t>ALU Implementation</a:t>
+            </a:r>
+          </a:p>
+        </p:txBody>
+      </p:sp>
+      <p:pic>
+        <p:nvPicPr>
+          <p:cNvPr id="6" name="Content Placeholder 5">
             <a:extLst>
               <a:ext uri="{FF2B5EF4-FFF2-40B4-BE49-F238E27FC236}">
-                <a16:creationId xmlns:a16="http://schemas.microsoft.com/office/drawing/2014/main" id="{91DB1382-7276-49FA-9632-38D558F457E3}"/>
+                <a16:creationId xmlns:a16="http://schemas.microsoft.com/office/drawing/2014/main" id="{DE67C802-0E32-4CF7-8442-CB0805D38C14}"/>
               </a:ext>
             </a:extLst>
           </p:cNvPr>
-          <p:cNvGraphicFramePr>
-            <a:graphicFrameLocks noGrp="1"/>
-          </p:cNvGraphicFramePr>
+          <p:cNvPicPr>
+            <a:picLocks noGrp="1" noChangeAspect="1"/>
+          </p:cNvPicPr>
           <p:nvPr>
             <p:ph idx="1"/>
-            <p:extLst>
-              <p:ext uri="{D42A27DB-BD31-4B8C-83A1-F6EECF244321}">
-                <p14:modId xmlns:p14="http://schemas.microsoft.com/office/powerpoint/2010/main" val="1817536157"/>
-              </p:ext>
-            </p:extLst>
-          </p:nvPr>
-        </p:nvGraphicFramePr>
-        <p:xfrm>
-          <a:off x="1066800" y="2310063"/>
-          <a:ext cx="10058400" cy="3725612"/>
-        </p:xfrm>
-        <a:graphic>
-          <a:graphicData uri="http://schemas.openxmlformats.org/drawingml/2006/diagram">
-            <dgm:relIds xmlns:dgm="http://schemas.openxmlformats.org/drawingml/2006/diagram" xmlns:r="http://schemas.openxmlformats.org/officeDocument/2006/relationships" r:dm="rId2" r:lo="rId3" r:qs="rId4" r:cs="rId5"/>
-          </a:graphicData>
-        </a:graphic>
-      </p:graphicFrame>
+          </p:nvPr>
+        </p:nvPicPr>
+        <p:blipFill>
+          <a:blip r:embed="rId2"/>
+          <a:stretch>
+            <a:fillRect/>
+          </a:stretch>
+        </p:blipFill>
+        <p:spPr>
+          <a:xfrm>
+            <a:off x="5303976" y="2273503"/>
+            <a:ext cx="6306832" cy="3678238"/>
+          </a:xfrm>
+          <a:prstGeom prst="rect">
+            <a:avLst/>
+          </a:prstGeom>
+        </p:spPr>
+      </p:pic>
+      <p:pic>
+        <p:nvPicPr>
+          <p:cNvPr id="4" name="Picture 3">
+            <a:extLst>
+              <a:ext uri="{FF2B5EF4-FFF2-40B4-BE49-F238E27FC236}">
+                <a16:creationId xmlns:a16="http://schemas.microsoft.com/office/drawing/2014/main" id="{DB0221F1-795D-48E3-9FCC-254CE8100882}"/>
+              </a:ext>
+            </a:extLst>
+          </p:cNvPr>
+          <p:cNvPicPr>
+            <a:picLocks noChangeAspect="1"/>
+          </p:cNvPicPr>
+          <p:nvPr/>
+        </p:nvPicPr>
+        <p:blipFill>
+          <a:blip r:embed="rId3"/>
+          <a:stretch>
+            <a:fillRect/>
+          </a:stretch>
+        </p:blipFill>
+        <p:spPr>
+          <a:xfrm>
+            <a:off x="388245" y="2172750"/>
+            <a:ext cx="4698922" cy="4580308"/>
+          </a:xfrm>
+          <a:prstGeom prst="rect">
+            <a:avLst/>
+          </a:prstGeom>
+        </p:spPr>
+      </p:pic>
     </p:spTree>
     <p:extLst>
       <p:ext uri="{BB962C8B-B14F-4D97-AF65-F5344CB8AC3E}">

--- a/Info/FP_2 Presentation.pptx
+++ b/Info/FP_2 Presentation.pptx
@@ -8,6 +8,10 @@
     <p:sldId id="257" r:id="rId2"/>
     <p:sldId id="262" r:id="rId3"/>
     <p:sldId id="261" r:id="rId4"/>
+    <p:sldId id="263" r:id="rId5"/>
+    <p:sldId id="264" r:id="rId6"/>
+    <p:sldId id="265" r:id="rId7"/>
+    <p:sldId id="266" r:id="rId8"/>
   </p:sldIdLst>
   <p:sldSz cx="12192000" cy="6858000"/>
   <p:notesSz cx="6858000" cy="9144000"/>
@@ -112,6 +116,7025 @@
     </p:ext>
   </p:extLst>
 </p:presentation>
+</file>
+
+<file path=ppt/diagrams/colors1.xml><?xml version="1.0" encoding="utf-8"?>
+<dgm:colorsDef xmlns:dgm="http://schemas.openxmlformats.org/drawingml/2006/diagram" xmlns:a="http://schemas.openxmlformats.org/drawingml/2006/main" uniqueId="urn:microsoft.com/office/officeart/2018/5/colors/Iconchunking_neutralicontext_colorful1">
+  <dgm:title val=""/>
+  <dgm:desc val=""/>
+  <dgm:catLst>
+    <dgm:cat type="colorful" pri="10100"/>
+  </dgm:catLst>
+  <dgm:styleLbl name="node0">
+    <dgm:fillClrLst meth="repeat">
+      <a:schemeClr val="accent1"/>
+    </dgm:fillClrLst>
+    <dgm:linClrLst meth="repeat">
+      <a:schemeClr val="lt1"/>
+    </dgm:linClrLst>
+    <dgm:effectClrLst/>
+    <dgm:txLinClrLst/>
+    <dgm:txFillClrLst/>
+    <dgm:txEffectClrLst/>
+  </dgm:styleLbl>
+  <dgm:styleLbl name="node1">
+    <dgm:fillClrLst meth="repeat">
+      <a:schemeClr val="bg1"/>
+    </dgm:fillClrLst>
+    <dgm:linClrLst meth="repeat">
+      <a:schemeClr val="lt1">
+        <a:alpha val="0"/>
+      </a:schemeClr>
+    </dgm:linClrLst>
+    <dgm:effectClrLst/>
+    <dgm:txLinClrLst/>
+    <dgm:txFillClrLst meth="repeat">
+      <a:schemeClr val="dk1"/>
+    </dgm:txFillClrLst>
+    <dgm:txEffectClrLst/>
+  </dgm:styleLbl>
+  <dgm:styleLbl name="alignNode1">
+    <dgm:fillClrLst meth="repeat">
+      <a:schemeClr val="accent2"/>
+      <a:schemeClr val="accent3"/>
+      <a:schemeClr val="accent4"/>
+      <a:schemeClr val="accent5"/>
+      <a:schemeClr val="accent6"/>
+    </dgm:fillClrLst>
+    <dgm:linClrLst meth="repeat">
+      <a:schemeClr val="accent2"/>
+      <a:schemeClr val="accent3"/>
+      <a:schemeClr val="accent4"/>
+      <a:schemeClr val="accent5"/>
+      <a:schemeClr val="accent6"/>
+    </dgm:linClrLst>
+    <dgm:effectClrLst/>
+    <dgm:txLinClrLst/>
+    <dgm:txFillClrLst/>
+    <dgm:txEffectClrLst/>
+  </dgm:styleLbl>
+  <dgm:styleLbl name="lnNode1">
+    <dgm:fillClrLst meth="repeat">
+      <a:schemeClr val="accent2"/>
+      <a:schemeClr val="accent3"/>
+      <a:schemeClr val="accent4"/>
+      <a:schemeClr val="accent5"/>
+      <a:schemeClr val="accent6"/>
+    </dgm:fillClrLst>
+    <dgm:linClrLst meth="repeat">
+      <a:schemeClr val="lt1"/>
+    </dgm:linClrLst>
+    <dgm:effectClrLst/>
+    <dgm:txLinClrLst/>
+    <dgm:txFillClrLst/>
+    <dgm:txEffectClrLst/>
+  </dgm:styleLbl>
+  <dgm:styleLbl name="vennNode1">
+    <dgm:fillClrLst meth="repeat">
+      <a:schemeClr val="accent2">
+        <a:alpha val="50000"/>
+      </a:schemeClr>
+      <a:schemeClr val="accent3">
+        <a:alpha val="50000"/>
+      </a:schemeClr>
+      <a:schemeClr val="accent4">
+        <a:alpha val="50000"/>
+      </a:schemeClr>
+      <a:schemeClr val="accent5">
+        <a:alpha val="50000"/>
+      </a:schemeClr>
+      <a:schemeClr val="accent6">
+        <a:alpha val="50000"/>
+      </a:schemeClr>
+    </dgm:fillClrLst>
+    <dgm:linClrLst meth="repeat">
+      <a:schemeClr val="lt1"/>
+    </dgm:linClrLst>
+    <dgm:effectClrLst/>
+    <dgm:txLinClrLst/>
+    <dgm:txFillClrLst/>
+    <dgm:txEffectClrLst/>
+  </dgm:styleLbl>
+  <dgm:styleLbl name="node2">
+    <dgm:fillClrLst>
+      <a:schemeClr val="accent2"/>
+    </dgm:fillClrLst>
+    <dgm:linClrLst meth="repeat">
+      <a:schemeClr val="lt1"/>
+    </dgm:linClrLst>
+    <dgm:effectClrLst/>
+    <dgm:txLinClrLst/>
+    <dgm:txFillClrLst/>
+    <dgm:txEffectClrLst/>
+  </dgm:styleLbl>
+  <dgm:styleLbl name="node3">
+    <dgm:fillClrLst>
+      <a:schemeClr val="accent3"/>
+    </dgm:fillClrLst>
+    <dgm:linClrLst meth="repeat">
+      <a:schemeClr val="lt1"/>
+    </dgm:linClrLst>
+    <dgm:effectClrLst/>
+    <dgm:txLinClrLst/>
+    <dgm:txFillClrLst/>
+    <dgm:txEffectClrLst/>
+  </dgm:styleLbl>
+  <dgm:styleLbl name="node4">
+    <dgm:fillClrLst>
+      <a:schemeClr val="accent4"/>
+    </dgm:fillClrLst>
+    <dgm:linClrLst meth="repeat">
+      <a:schemeClr val="lt1"/>
+    </dgm:linClrLst>
+    <dgm:effectClrLst/>
+    <dgm:txLinClrLst/>
+    <dgm:txFillClrLst/>
+    <dgm:txEffectClrLst/>
+  </dgm:styleLbl>
+  <dgm:styleLbl name="fgImgPlace1">
+    <dgm:fillClrLst meth="repeat">
+      <a:schemeClr val="accent2">
+        <a:tint val="50000"/>
+      </a:schemeClr>
+      <a:schemeClr val="accent3">
+        <a:tint val="50000"/>
+      </a:schemeClr>
+      <a:schemeClr val="accent4">
+        <a:tint val="50000"/>
+      </a:schemeClr>
+      <a:schemeClr val="accent5">
+        <a:tint val="50000"/>
+      </a:schemeClr>
+      <a:schemeClr val="accent6">
+        <a:tint val="50000"/>
+      </a:schemeClr>
+    </dgm:fillClrLst>
+    <dgm:linClrLst meth="repeat">
+      <a:schemeClr val="lt1"/>
+    </dgm:linClrLst>
+    <dgm:effectClrLst/>
+    <dgm:txLinClrLst/>
+    <dgm:txFillClrLst meth="repeat">
+      <a:schemeClr val="lt1"/>
+    </dgm:txFillClrLst>
+    <dgm:txEffectClrLst/>
+  </dgm:styleLbl>
+  <dgm:styleLbl name="alignImgPlace1">
+    <dgm:fillClrLst>
+      <a:schemeClr val="accent1">
+        <a:tint val="50000"/>
+      </a:schemeClr>
+      <a:schemeClr val="accent2">
+        <a:tint val="20000"/>
+      </a:schemeClr>
+    </dgm:fillClrLst>
+    <dgm:linClrLst meth="repeat">
+      <a:schemeClr val="lt1"/>
+    </dgm:linClrLst>
+    <dgm:effectClrLst/>
+    <dgm:txLinClrLst/>
+    <dgm:txFillClrLst meth="repeat">
+      <a:schemeClr val="lt1"/>
+    </dgm:txFillClrLst>
+    <dgm:txEffectClrLst/>
+  </dgm:styleLbl>
+  <dgm:styleLbl name="bgImgPlace1">
+    <dgm:fillClrLst>
+      <a:schemeClr val="accent1">
+        <a:tint val="50000"/>
+      </a:schemeClr>
+      <a:schemeClr val="accent2">
+        <a:tint val="20000"/>
+      </a:schemeClr>
+    </dgm:fillClrLst>
+    <dgm:linClrLst meth="repeat">
+      <a:schemeClr val="lt1"/>
+    </dgm:linClrLst>
+    <dgm:effectClrLst/>
+    <dgm:txLinClrLst/>
+    <dgm:txFillClrLst meth="repeat">
+      <a:schemeClr val="lt1"/>
+    </dgm:txFillClrLst>
+    <dgm:txEffectClrLst/>
+  </dgm:styleLbl>
+  <dgm:styleLbl name="sibTrans2D1">
+    <dgm:fillClrLst meth="repeat">
+      <a:schemeClr val="accent2"/>
+      <a:schemeClr val="accent3"/>
+      <a:schemeClr val="accent4"/>
+      <a:schemeClr val="accent5"/>
+      <a:schemeClr val="accent6"/>
+    </dgm:fillClrLst>
+    <dgm:linClrLst meth="cycle">
+      <a:schemeClr val="lt1"/>
+    </dgm:linClrLst>
+    <dgm:effectClrLst/>
+    <dgm:txLinClrLst/>
+    <dgm:txFillClrLst/>
+    <dgm:txEffectClrLst/>
+  </dgm:styleLbl>
+  <dgm:styleLbl name="fgSibTrans2D1">
+    <dgm:fillClrLst meth="repeat">
+      <a:schemeClr val="accent2"/>
+      <a:schemeClr val="accent3"/>
+      <a:schemeClr val="accent4"/>
+      <a:schemeClr val="accent5"/>
+      <a:schemeClr val="accent6"/>
+    </dgm:fillClrLst>
+    <dgm:linClrLst meth="cycle">
+      <a:schemeClr val="lt1"/>
+    </dgm:linClrLst>
+    <dgm:effectClrLst/>
+    <dgm:txLinClrLst/>
+    <dgm:txFillClrLst meth="repeat">
+      <a:schemeClr val="lt1"/>
+    </dgm:txFillClrLst>
+    <dgm:txEffectClrLst/>
+  </dgm:styleLbl>
+  <dgm:styleLbl name="bgSibTrans2D1">
+    <dgm:fillClrLst meth="repeat">
+      <a:schemeClr val="accent2"/>
+      <a:schemeClr val="accent3"/>
+      <a:schemeClr val="accent4"/>
+      <a:schemeClr val="accent5"/>
+      <a:schemeClr val="accent6"/>
+    </dgm:fillClrLst>
+    <dgm:linClrLst meth="cycle">
+      <a:schemeClr val="lt1"/>
+    </dgm:linClrLst>
+    <dgm:effectClrLst/>
+    <dgm:txLinClrLst/>
+    <dgm:txFillClrLst meth="repeat">
+      <a:schemeClr val="lt1"/>
+    </dgm:txFillClrLst>
+    <dgm:txEffectClrLst/>
+  </dgm:styleLbl>
+  <dgm:styleLbl name="sibTrans1D1">
+    <dgm:fillClrLst meth="repeat">
+      <a:schemeClr val="accent2"/>
+      <a:schemeClr val="accent3"/>
+      <a:schemeClr val="accent4"/>
+      <a:schemeClr val="accent5"/>
+      <a:schemeClr val="accent6"/>
+    </dgm:fillClrLst>
+    <dgm:linClrLst meth="repeat">
+      <a:schemeClr val="accent2"/>
+      <a:schemeClr val="accent3"/>
+      <a:schemeClr val="accent4"/>
+      <a:schemeClr val="accent5"/>
+      <a:schemeClr val="accent6"/>
+    </dgm:linClrLst>
+    <dgm:effectClrLst/>
+    <dgm:txLinClrLst/>
+    <dgm:txFillClrLst meth="repeat">
+      <a:schemeClr val="tx1"/>
+    </dgm:txFillClrLst>
+    <dgm:txEffectClrLst/>
+  </dgm:styleLbl>
+  <dgm:styleLbl name="callout">
+    <dgm:fillClrLst meth="repeat">
+      <a:schemeClr val="accent2"/>
+    </dgm:fillClrLst>
+    <dgm:linClrLst meth="repeat">
+      <a:schemeClr val="accent2">
+        <a:tint val="50000"/>
+      </a:schemeClr>
+    </dgm:linClrLst>
+    <dgm:effectClrLst/>
+    <dgm:txLinClrLst/>
+    <dgm:txFillClrLst meth="repeat">
+      <a:schemeClr val="tx1"/>
+    </dgm:txFillClrLst>
+    <dgm:txEffectClrLst/>
+  </dgm:styleLbl>
+  <dgm:styleLbl name="asst0">
+    <dgm:fillClrLst meth="repeat">
+      <a:schemeClr val="accent1"/>
+    </dgm:fillClrLst>
+    <dgm:linClrLst meth="repeat">
+      <a:schemeClr val="lt1"/>
+    </dgm:linClrLst>
+    <dgm:effectClrLst/>
+    <dgm:txLinClrLst/>
+    <dgm:txFillClrLst/>
+    <dgm:txEffectClrLst/>
+  </dgm:styleLbl>
+  <dgm:styleLbl name="asst1">
+    <dgm:fillClrLst meth="repeat">
+      <a:schemeClr val="accent2"/>
+    </dgm:fillClrLst>
+    <dgm:linClrLst meth="repeat">
+      <a:schemeClr val="lt1"/>
+    </dgm:linClrLst>
+    <dgm:effectClrLst/>
+    <dgm:txLinClrLst/>
+    <dgm:txFillClrLst/>
+    <dgm:txEffectClrLst/>
+  </dgm:styleLbl>
+  <dgm:styleLbl name="asst2">
+    <dgm:fillClrLst>
+      <a:schemeClr val="accent3"/>
+    </dgm:fillClrLst>
+    <dgm:linClrLst meth="repeat">
+      <a:schemeClr val="lt1"/>
+    </dgm:linClrLst>
+    <dgm:effectClrLst/>
+    <dgm:txLinClrLst/>
+    <dgm:txFillClrLst/>
+    <dgm:txEffectClrLst/>
+  </dgm:styleLbl>
+  <dgm:styleLbl name="asst3">
+    <dgm:fillClrLst>
+      <a:schemeClr val="accent4"/>
+    </dgm:fillClrLst>
+    <dgm:linClrLst meth="repeat">
+      <a:schemeClr val="lt1"/>
+    </dgm:linClrLst>
+    <dgm:effectClrLst/>
+    <dgm:txLinClrLst/>
+    <dgm:txFillClrLst/>
+    <dgm:txEffectClrLst/>
+  </dgm:styleLbl>
+  <dgm:styleLbl name="asst4">
+    <dgm:fillClrLst>
+      <a:schemeClr val="accent5"/>
+    </dgm:fillClrLst>
+    <dgm:linClrLst meth="repeat">
+      <a:schemeClr val="lt1"/>
+    </dgm:linClrLst>
+    <dgm:effectClrLst/>
+    <dgm:txLinClrLst/>
+    <dgm:txFillClrLst/>
+    <dgm:txEffectClrLst/>
+  </dgm:styleLbl>
+  <dgm:styleLbl name="parChTrans2D1">
+    <dgm:fillClrLst meth="repeat">
+      <a:schemeClr val="accent2"/>
+    </dgm:fillClrLst>
+    <dgm:linClrLst meth="repeat">
+      <a:schemeClr val="lt1"/>
+    </dgm:linClrLst>
+    <dgm:effectClrLst/>
+    <dgm:txLinClrLst/>
+    <dgm:txFillClrLst meth="repeat">
+      <a:schemeClr val="lt1"/>
+    </dgm:txFillClrLst>
+    <dgm:txEffectClrLst/>
+  </dgm:styleLbl>
+  <dgm:styleLbl name="parChTrans2D2">
+    <dgm:fillClrLst meth="repeat">
+      <a:schemeClr val="accent3"/>
+    </dgm:fillClrLst>
+    <dgm:linClrLst meth="repeat">
+      <a:schemeClr val="lt1"/>
+    </dgm:linClrLst>
+    <dgm:effectClrLst/>
+    <dgm:txLinClrLst/>
+    <dgm:txFillClrLst/>
+    <dgm:txEffectClrLst/>
+  </dgm:styleLbl>
+  <dgm:styleLbl name="parChTrans2D3">
+    <dgm:fillClrLst meth="repeat">
+      <a:schemeClr val="accent4"/>
+    </dgm:fillClrLst>
+    <dgm:linClrLst meth="repeat">
+      <a:schemeClr val="lt1"/>
+    </dgm:linClrLst>
+    <dgm:effectClrLst/>
+    <dgm:txLinClrLst/>
+    <dgm:txFillClrLst/>
+    <dgm:txEffectClrLst/>
+  </dgm:styleLbl>
+  <dgm:styleLbl name="parChTrans2D4">
+    <dgm:fillClrLst meth="repeat">
+      <a:schemeClr val="accent5"/>
+    </dgm:fillClrLst>
+    <dgm:linClrLst meth="repeat">
+      <a:schemeClr val="lt1"/>
+    </dgm:linClrLst>
+    <dgm:effectClrLst/>
+    <dgm:txLinClrLst/>
+    <dgm:txFillClrLst meth="repeat">
+      <a:schemeClr val="lt1"/>
+    </dgm:txFillClrLst>
+    <dgm:txEffectClrLst/>
+  </dgm:styleLbl>
+  <dgm:styleLbl name="parChTrans1D1">
+    <dgm:fillClrLst meth="repeat">
+      <a:schemeClr val="accent2"/>
+    </dgm:fillClrLst>
+    <dgm:linClrLst meth="repeat">
+      <a:schemeClr val="accent1"/>
+    </dgm:linClrLst>
+    <dgm:effectClrLst/>
+    <dgm:txLinClrLst/>
+    <dgm:txFillClrLst meth="repeat">
+      <a:schemeClr val="tx1"/>
+    </dgm:txFillClrLst>
+    <dgm:txEffectClrLst/>
+  </dgm:styleLbl>
+  <dgm:styleLbl name="parChTrans1D2">
+    <dgm:fillClrLst meth="repeat">
+      <a:schemeClr val="accent3">
+        <a:tint val="90000"/>
+      </a:schemeClr>
+    </dgm:fillClrLst>
+    <dgm:linClrLst meth="repeat">
+      <a:schemeClr val="accent2"/>
+    </dgm:linClrLst>
+    <dgm:effectClrLst/>
+    <dgm:txLinClrLst/>
+    <dgm:txFillClrLst meth="repeat">
+      <a:schemeClr val="tx1"/>
+    </dgm:txFillClrLst>
+    <dgm:txEffectClrLst/>
+  </dgm:styleLbl>
+  <dgm:styleLbl name="parChTrans1D3">
+    <dgm:fillClrLst meth="repeat">
+      <a:schemeClr val="accent4">
+        <a:tint val="70000"/>
+      </a:schemeClr>
+    </dgm:fillClrLst>
+    <dgm:linClrLst meth="repeat">
+      <a:schemeClr val="accent3"/>
+    </dgm:linClrLst>
+    <dgm:effectClrLst/>
+    <dgm:txLinClrLst/>
+    <dgm:txFillClrLst meth="repeat">
+      <a:schemeClr val="tx1"/>
+    </dgm:txFillClrLst>
+    <dgm:txEffectClrLst/>
+  </dgm:styleLbl>
+  <dgm:styleLbl name="parChTrans1D4">
+    <dgm:fillClrLst meth="repeat">
+      <a:schemeClr val="accent5">
+        <a:tint val="50000"/>
+      </a:schemeClr>
+    </dgm:fillClrLst>
+    <dgm:linClrLst meth="repeat">
+      <a:schemeClr val="accent4"/>
+    </dgm:linClrLst>
+    <dgm:effectClrLst/>
+    <dgm:txLinClrLst/>
+    <dgm:txFillClrLst meth="repeat">
+      <a:schemeClr val="tx1"/>
+    </dgm:txFillClrLst>
+    <dgm:txEffectClrLst/>
+  </dgm:styleLbl>
+  <dgm:styleLbl name="fgAcc1">
+    <dgm:fillClrLst meth="repeat">
+      <a:schemeClr val="lt1">
+        <a:alpha val="90000"/>
+      </a:schemeClr>
+    </dgm:fillClrLst>
+    <dgm:linClrLst meth="repeat">
+      <a:schemeClr val="accent2"/>
+      <a:schemeClr val="accent3"/>
+      <a:schemeClr val="accent4"/>
+      <a:schemeClr val="accent5"/>
+      <a:schemeClr val="accent6"/>
+    </dgm:linClrLst>
+    <dgm:effectClrLst/>
+    <dgm:txLinClrLst/>
+    <dgm:txFillClrLst meth="repeat">
+      <a:schemeClr val="dk1"/>
+    </dgm:txFillClrLst>
+    <dgm:txEffectClrLst/>
+  </dgm:styleLbl>
+  <dgm:styleLbl name="conFgAcc1">
+    <dgm:fillClrLst meth="repeat">
+      <a:schemeClr val="lt1">
+        <a:alpha val="90000"/>
+      </a:schemeClr>
+    </dgm:fillClrLst>
+    <dgm:linClrLst meth="repeat">
+      <a:schemeClr val="accent2"/>
+      <a:schemeClr val="accent3"/>
+      <a:schemeClr val="accent4"/>
+      <a:schemeClr val="accent5"/>
+      <a:schemeClr val="accent6"/>
+    </dgm:linClrLst>
+    <dgm:effectClrLst/>
+    <dgm:txLinClrLst/>
+    <dgm:txFillClrLst meth="repeat">
+      <a:schemeClr val="dk1"/>
+    </dgm:txFillClrLst>
+    <dgm:txEffectClrLst/>
+  </dgm:styleLbl>
+  <dgm:styleLbl name="alignAcc1">
+    <dgm:fillClrLst meth="repeat">
+      <a:schemeClr val="lt1">
+        <a:alpha val="90000"/>
+      </a:schemeClr>
+    </dgm:fillClrLst>
+    <dgm:linClrLst meth="repeat">
+      <a:schemeClr val="accent2"/>
+      <a:schemeClr val="accent3"/>
+      <a:schemeClr val="accent4"/>
+      <a:schemeClr val="accent5"/>
+      <a:schemeClr val="accent6"/>
+    </dgm:linClrLst>
+    <dgm:effectClrLst/>
+    <dgm:txLinClrLst/>
+    <dgm:txFillClrLst meth="repeat">
+      <a:schemeClr val="dk1"/>
+    </dgm:txFillClrLst>
+    <dgm:txEffectClrLst/>
+  </dgm:styleLbl>
+  <dgm:styleLbl name="trAlignAcc1">
+    <dgm:fillClrLst meth="repeat">
+      <a:schemeClr val="lt1">
+        <a:alpha val="40000"/>
+      </a:schemeClr>
+    </dgm:fillClrLst>
+    <dgm:linClrLst meth="repeat">
+      <a:schemeClr val="accent1"/>
+    </dgm:linClrLst>
+    <dgm:effectClrLst/>
+    <dgm:txLinClrLst/>
+    <dgm:txFillClrLst meth="repeat">
+      <a:schemeClr val="dk1"/>
+    </dgm:txFillClrLst>
+    <dgm:txEffectClrLst/>
+  </dgm:styleLbl>
+  <dgm:styleLbl name="bgAcc1">
+    <dgm:fillClrLst meth="repeat">
+      <a:schemeClr val="lt1">
+        <a:alpha val="90000"/>
+      </a:schemeClr>
+    </dgm:fillClrLst>
+    <dgm:linClrLst meth="repeat">
+      <a:schemeClr val="accent2"/>
+      <a:schemeClr val="accent3"/>
+      <a:schemeClr val="accent4"/>
+      <a:schemeClr val="accent5"/>
+      <a:schemeClr val="accent6"/>
+    </dgm:linClrLst>
+    <dgm:effectClrLst/>
+    <dgm:txLinClrLst/>
+    <dgm:txFillClrLst meth="repeat">
+      <a:schemeClr val="dk1"/>
+    </dgm:txFillClrLst>
+    <dgm:txEffectClrLst/>
+  </dgm:styleLbl>
+  <dgm:styleLbl name="solidFgAcc1">
+    <dgm:fillClrLst meth="repeat">
+      <a:schemeClr val="lt1"/>
+    </dgm:fillClrLst>
+    <dgm:linClrLst meth="repeat">
+      <a:schemeClr val="accent2"/>
+      <a:schemeClr val="accent3"/>
+      <a:schemeClr val="accent4"/>
+      <a:schemeClr val="accent5"/>
+      <a:schemeClr val="accent6"/>
+    </dgm:linClrLst>
+    <dgm:effectClrLst/>
+    <dgm:txLinClrLst/>
+    <dgm:txFillClrLst meth="repeat">
+      <a:schemeClr val="dk1"/>
+    </dgm:txFillClrLst>
+    <dgm:txEffectClrLst/>
+  </dgm:styleLbl>
+  <dgm:styleLbl name="solidAlignAcc1">
+    <dgm:fillClrLst meth="repeat">
+      <a:schemeClr val="lt1"/>
+    </dgm:fillClrLst>
+    <dgm:linClrLst meth="repeat">
+      <a:schemeClr val="accent2"/>
+      <a:schemeClr val="accent3"/>
+      <a:schemeClr val="accent4"/>
+      <a:schemeClr val="accent5"/>
+      <a:schemeClr val="accent6"/>
+    </dgm:linClrLst>
+    <dgm:effectClrLst/>
+    <dgm:txLinClrLst/>
+    <dgm:txFillClrLst meth="repeat">
+      <a:schemeClr val="dk1"/>
+    </dgm:txFillClrLst>
+    <dgm:txEffectClrLst/>
+  </dgm:styleLbl>
+  <dgm:styleLbl name="solidBgAcc1">
+    <dgm:fillClrLst meth="repeat">
+      <a:schemeClr val="lt1"/>
+    </dgm:fillClrLst>
+    <dgm:linClrLst meth="repeat">
+      <a:schemeClr val="accent2"/>
+      <a:schemeClr val="accent3"/>
+      <a:schemeClr val="accent4"/>
+      <a:schemeClr val="accent5"/>
+      <a:schemeClr val="accent6"/>
+    </dgm:linClrLst>
+    <dgm:effectClrLst/>
+    <dgm:txLinClrLst/>
+    <dgm:txFillClrLst meth="repeat">
+      <a:schemeClr val="dk1"/>
+    </dgm:txFillClrLst>
+    <dgm:txEffectClrLst/>
+  </dgm:styleLbl>
+  <dgm:styleLbl name="fgAccFollowNode1">
+    <dgm:fillClrLst meth="repeat">
+      <a:schemeClr val="accent2">
+        <a:tint val="40000"/>
+        <a:alpha val="90000"/>
+      </a:schemeClr>
+      <a:schemeClr val="accent3">
+        <a:tint val="40000"/>
+        <a:alpha val="90000"/>
+      </a:schemeClr>
+      <a:schemeClr val="accent4">
+        <a:tint val="40000"/>
+        <a:alpha val="90000"/>
+      </a:schemeClr>
+      <a:schemeClr val="accent5">
+        <a:tint val="40000"/>
+        <a:alpha val="90000"/>
+      </a:schemeClr>
+      <a:schemeClr val="accent6">
+        <a:tint val="40000"/>
+        <a:alpha val="90000"/>
+      </a:schemeClr>
+    </dgm:fillClrLst>
+    <dgm:linClrLst meth="repeat">
+      <a:schemeClr val="accent2">
+        <a:tint val="40000"/>
+        <a:alpha val="90000"/>
+      </a:schemeClr>
+      <a:schemeClr val="accent3">
+        <a:tint val="40000"/>
+        <a:alpha val="90000"/>
+      </a:schemeClr>
+      <a:schemeClr val="accent4">
+        <a:tint val="40000"/>
+        <a:alpha val="90000"/>
+      </a:schemeClr>
+      <a:schemeClr val="accent5">
+        <a:tint val="40000"/>
+        <a:alpha val="90000"/>
+      </a:schemeClr>
+      <a:schemeClr val="accent6">
+        <a:tint val="40000"/>
+        <a:alpha val="90000"/>
+      </a:schemeClr>
+    </dgm:linClrLst>
+    <dgm:effectClrLst/>
+    <dgm:txLinClrLst/>
+    <dgm:txFillClrLst meth="repeat">
+      <a:schemeClr val="dk1"/>
+    </dgm:txFillClrLst>
+    <dgm:txEffectClrLst/>
+  </dgm:styleLbl>
+  <dgm:styleLbl name="alignAccFollowNode1">
+    <dgm:fillClrLst meth="repeat">
+      <a:schemeClr val="accent2">
+        <a:tint val="40000"/>
+        <a:alpha val="90000"/>
+      </a:schemeClr>
+      <a:schemeClr val="accent3">
+        <a:tint val="40000"/>
+        <a:alpha val="90000"/>
+      </a:schemeClr>
+      <a:schemeClr val="accent4">
+        <a:tint val="40000"/>
+        <a:alpha val="90000"/>
+      </a:schemeClr>
+      <a:schemeClr val="accent5">
+        <a:tint val="40000"/>
+        <a:alpha val="90000"/>
+      </a:schemeClr>
+      <a:schemeClr val="accent6">
+        <a:tint val="40000"/>
+        <a:alpha val="90000"/>
+      </a:schemeClr>
+    </dgm:fillClrLst>
+    <dgm:linClrLst meth="repeat">
+      <a:schemeClr val="accent2">
+        <a:tint val="40000"/>
+        <a:alpha val="90000"/>
+      </a:schemeClr>
+      <a:schemeClr val="accent3">
+        <a:tint val="40000"/>
+        <a:alpha val="90000"/>
+      </a:schemeClr>
+      <a:schemeClr val="accent4">
+        <a:tint val="40000"/>
+        <a:alpha val="90000"/>
+      </a:schemeClr>
+      <a:schemeClr val="accent5">
+        <a:tint val="40000"/>
+        <a:alpha val="90000"/>
+      </a:schemeClr>
+      <a:schemeClr val="accent6">
+        <a:tint val="40000"/>
+        <a:alpha val="90000"/>
+      </a:schemeClr>
+    </dgm:linClrLst>
+    <dgm:effectClrLst/>
+    <dgm:txLinClrLst/>
+    <dgm:txFillClrLst meth="repeat">
+      <a:schemeClr val="dk1"/>
+    </dgm:txFillClrLst>
+    <dgm:txEffectClrLst/>
+  </dgm:styleLbl>
+  <dgm:styleLbl name="bgAccFollowNode1">
+    <dgm:fillClrLst meth="repeat">
+      <a:schemeClr val="accent2">
+        <a:tint val="40000"/>
+        <a:alpha val="90000"/>
+      </a:schemeClr>
+      <a:schemeClr val="accent3">
+        <a:tint val="40000"/>
+        <a:alpha val="90000"/>
+      </a:schemeClr>
+      <a:schemeClr val="accent4">
+        <a:tint val="40000"/>
+        <a:alpha val="90000"/>
+      </a:schemeClr>
+      <a:schemeClr val="accent5">
+        <a:tint val="40000"/>
+        <a:alpha val="90000"/>
+      </a:schemeClr>
+      <a:schemeClr val="accent6">
+        <a:tint val="40000"/>
+        <a:alpha val="90000"/>
+      </a:schemeClr>
+    </dgm:fillClrLst>
+    <dgm:linClrLst meth="repeat">
+      <a:schemeClr val="accent2">
+        <a:tint val="40000"/>
+        <a:alpha val="90000"/>
+      </a:schemeClr>
+      <a:schemeClr val="accent3">
+        <a:tint val="40000"/>
+        <a:alpha val="90000"/>
+      </a:schemeClr>
+      <a:schemeClr val="accent4">
+        <a:tint val="40000"/>
+        <a:alpha val="90000"/>
+      </a:schemeClr>
+      <a:schemeClr val="accent5">
+        <a:tint val="40000"/>
+        <a:alpha val="90000"/>
+      </a:schemeClr>
+      <a:schemeClr val="accent6">
+        <a:tint val="40000"/>
+        <a:alpha val="90000"/>
+      </a:schemeClr>
+    </dgm:linClrLst>
+    <dgm:effectClrLst/>
+    <dgm:txLinClrLst/>
+    <dgm:txFillClrLst meth="repeat">
+      <a:schemeClr val="dk1"/>
+    </dgm:txFillClrLst>
+    <dgm:txEffectClrLst/>
+  </dgm:styleLbl>
+  <dgm:styleLbl name="fgAcc0">
+    <dgm:fillClrLst meth="repeat">
+      <a:schemeClr val="lt1">
+        <a:alpha val="90000"/>
+      </a:schemeClr>
+    </dgm:fillClrLst>
+    <dgm:linClrLst>
+      <a:schemeClr val="accent1"/>
+    </dgm:linClrLst>
+    <dgm:effectClrLst/>
+    <dgm:txLinClrLst/>
+    <dgm:txFillClrLst meth="repeat">
+      <a:schemeClr val="dk1"/>
+    </dgm:txFillClrLst>
+    <dgm:txEffectClrLst/>
+  </dgm:styleLbl>
+  <dgm:styleLbl name="fgAcc2">
+    <dgm:fillClrLst meth="repeat">
+      <a:schemeClr val="lt1">
+        <a:alpha val="90000"/>
+      </a:schemeClr>
+    </dgm:fillClrLst>
+    <dgm:linClrLst>
+      <a:schemeClr val="accent2"/>
+    </dgm:linClrLst>
+    <dgm:effectClrLst/>
+    <dgm:txLinClrLst/>
+    <dgm:txFillClrLst meth="repeat">
+      <a:schemeClr val="dk1"/>
+    </dgm:txFillClrLst>
+    <dgm:txEffectClrLst/>
+  </dgm:styleLbl>
+  <dgm:styleLbl name="fgAcc3">
+    <dgm:fillClrLst meth="repeat">
+      <a:schemeClr val="lt1">
+        <a:alpha val="90000"/>
+      </a:schemeClr>
+    </dgm:fillClrLst>
+    <dgm:linClrLst>
+      <a:schemeClr val="accent3"/>
+    </dgm:linClrLst>
+    <dgm:effectClrLst/>
+    <dgm:txLinClrLst/>
+    <dgm:txFillClrLst meth="repeat">
+      <a:schemeClr val="dk1"/>
+    </dgm:txFillClrLst>
+    <dgm:txEffectClrLst/>
+  </dgm:styleLbl>
+  <dgm:styleLbl name="fgAcc4">
+    <dgm:fillClrLst meth="repeat">
+      <a:schemeClr val="lt1">
+        <a:alpha val="90000"/>
+      </a:schemeClr>
+    </dgm:fillClrLst>
+    <dgm:linClrLst>
+      <a:schemeClr val="accent4"/>
+    </dgm:linClrLst>
+    <dgm:effectClrLst/>
+    <dgm:txLinClrLst/>
+    <dgm:txFillClrLst meth="repeat">
+      <a:schemeClr val="dk1"/>
+    </dgm:txFillClrLst>
+    <dgm:txEffectClrLst/>
+  </dgm:styleLbl>
+  <dgm:styleLbl name="bgShp">
+    <dgm:fillClrLst meth="repeat">
+      <a:schemeClr val="accent2"/>
+      <a:schemeClr val="accent3"/>
+      <a:schemeClr val="accent4"/>
+      <a:schemeClr val="accent5"/>
+      <a:schemeClr val="accent6"/>
+    </dgm:fillClrLst>
+    <dgm:linClrLst meth="repeat">
+      <a:schemeClr val="lt1">
+        <a:alpha val="0"/>
+      </a:schemeClr>
+    </dgm:linClrLst>
+    <dgm:effectClrLst/>
+    <dgm:txLinClrLst/>
+    <dgm:txFillClrLst/>
+    <dgm:txEffectClrLst/>
+  </dgm:styleLbl>
+  <dgm:styleLbl name="dkBgShp">
+    <dgm:fillClrLst meth="repeat">
+      <a:schemeClr val="accent2">
+        <a:shade val="90000"/>
+      </a:schemeClr>
+    </dgm:fillClrLst>
+    <dgm:linClrLst meth="repeat">
+      <a:schemeClr val="dk1"/>
+    </dgm:linClrLst>
+    <dgm:effectClrLst/>
+    <dgm:txLinClrLst/>
+    <dgm:txFillClrLst meth="repeat">
+      <a:schemeClr val="lt1"/>
+    </dgm:txFillClrLst>
+    <dgm:txEffectClrLst/>
+  </dgm:styleLbl>
+  <dgm:styleLbl name="trBgShp">
+    <dgm:fillClrLst meth="repeat">
+      <a:schemeClr val="accent1">
+        <a:tint val="50000"/>
+        <a:alpha val="40000"/>
+      </a:schemeClr>
+    </dgm:fillClrLst>
+    <dgm:linClrLst meth="repeat">
+      <a:schemeClr val="accent2"/>
+    </dgm:linClrLst>
+    <dgm:effectClrLst/>
+    <dgm:txLinClrLst/>
+    <dgm:txFillClrLst meth="repeat">
+      <a:schemeClr val="lt1"/>
+    </dgm:txFillClrLst>
+    <dgm:txEffectClrLst/>
+  </dgm:styleLbl>
+  <dgm:styleLbl name="fgShp">
+    <dgm:fillClrLst meth="repeat">
+      <a:schemeClr val="accent2">
+        <a:tint val="40000"/>
+      </a:schemeClr>
+    </dgm:fillClrLst>
+    <dgm:linClrLst meth="repeat">
+      <a:schemeClr val="lt1"/>
+    </dgm:linClrLst>
+    <dgm:effectClrLst/>
+    <dgm:txLinClrLst/>
+    <dgm:txFillClrLst meth="repeat">
+      <a:schemeClr val="dk1"/>
+    </dgm:txFillClrLst>
+    <dgm:txEffectClrLst/>
+  </dgm:styleLbl>
+  <dgm:styleLbl name="revTx">
+    <dgm:fillClrLst meth="repeat">
+      <a:schemeClr val="lt1">
+        <a:alpha val="0"/>
+      </a:schemeClr>
+    </dgm:fillClrLst>
+    <dgm:linClrLst meth="repeat">
+      <a:schemeClr val="dk1">
+        <a:alpha val="0"/>
+      </a:schemeClr>
+    </dgm:linClrLst>
+    <dgm:effectClrLst/>
+    <dgm:txLinClrLst/>
+    <dgm:txFillClrLst meth="repeat">
+      <a:schemeClr val="bg1"/>
+    </dgm:txFillClrLst>
+    <dgm:txEffectClrLst/>
+  </dgm:styleLbl>
+</dgm:colorsDef>
+</file>
+
+<file path=ppt/diagrams/colors2.xml><?xml version="1.0" encoding="utf-8"?>
+<dgm:colorsDef xmlns:dgm="http://schemas.openxmlformats.org/drawingml/2006/diagram" xmlns:a="http://schemas.openxmlformats.org/drawingml/2006/main" uniqueId="urn:microsoft.com/office/officeart/2005/8/colors/colorful2">
+  <dgm:title val=""/>
+  <dgm:desc val=""/>
+  <dgm:catLst>
+    <dgm:cat type="colorful" pri="10200"/>
+  </dgm:catLst>
+  <dgm:styleLbl name="node0">
+    <dgm:fillClrLst meth="repeat">
+      <a:schemeClr val="accent1"/>
+    </dgm:fillClrLst>
+    <dgm:linClrLst meth="repeat">
+      <a:schemeClr val="lt1"/>
+    </dgm:linClrLst>
+    <dgm:effectClrLst/>
+    <dgm:txLinClrLst/>
+    <dgm:txFillClrLst/>
+    <dgm:txEffectClrLst/>
+  </dgm:styleLbl>
+  <dgm:styleLbl name="node1">
+    <dgm:fillClrLst>
+      <a:schemeClr val="accent2"/>
+      <a:schemeClr val="accent3"/>
+    </dgm:fillClrLst>
+    <dgm:linClrLst meth="repeat">
+      <a:schemeClr val="lt1"/>
+    </dgm:linClrLst>
+    <dgm:effectClrLst/>
+    <dgm:txLinClrLst/>
+    <dgm:txFillClrLst/>
+    <dgm:txEffectClrLst/>
+  </dgm:styleLbl>
+  <dgm:styleLbl name="alignNode1">
+    <dgm:fillClrLst>
+      <a:schemeClr val="accent2"/>
+      <a:schemeClr val="accent3"/>
+    </dgm:fillClrLst>
+    <dgm:linClrLst>
+      <a:schemeClr val="accent2"/>
+      <a:schemeClr val="accent3"/>
+    </dgm:linClrLst>
+    <dgm:effectClrLst/>
+    <dgm:txLinClrLst/>
+    <dgm:txFillClrLst/>
+    <dgm:txEffectClrLst/>
+  </dgm:styleLbl>
+  <dgm:styleLbl name="lnNode1">
+    <dgm:fillClrLst>
+      <a:schemeClr val="accent2"/>
+      <a:schemeClr val="accent3"/>
+    </dgm:fillClrLst>
+    <dgm:linClrLst meth="repeat">
+      <a:schemeClr val="lt1"/>
+    </dgm:linClrLst>
+    <dgm:effectClrLst/>
+    <dgm:txLinClrLst/>
+    <dgm:txFillClrLst/>
+    <dgm:txEffectClrLst/>
+  </dgm:styleLbl>
+  <dgm:styleLbl name="vennNode1">
+    <dgm:fillClrLst>
+      <a:schemeClr val="accent2">
+        <a:alpha val="50000"/>
+      </a:schemeClr>
+      <a:schemeClr val="accent3">
+        <a:alpha val="50000"/>
+      </a:schemeClr>
+    </dgm:fillClrLst>
+    <dgm:linClrLst meth="repeat">
+      <a:schemeClr val="lt1"/>
+    </dgm:linClrLst>
+    <dgm:effectClrLst/>
+    <dgm:txLinClrLst/>
+    <dgm:txFillClrLst/>
+    <dgm:txEffectClrLst/>
+  </dgm:styleLbl>
+  <dgm:styleLbl name="node2">
+    <dgm:fillClrLst>
+      <a:schemeClr val="accent3"/>
+    </dgm:fillClrLst>
+    <dgm:linClrLst meth="repeat">
+      <a:schemeClr val="lt1"/>
+    </dgm:linClrLst>
+    <dgm:effectClrLst/>
+    <dgm:txLinClrLst/>
+    <dgm:txFillClrLst/>
+    <dgm:txEffectClrLst/>
+  </dgm:styleLbl>
+  <dgm:styleLbl name="node3">
+    <dgm:fillClrLst>
+      <a:schemeClr val="accent4"/>
+    </dgm:fillClrLst>
+    <dgm:linClrLst meth="repeat">
+      <a:schemeClr val="lt1"/>
+    </dgm:linClrLst>
+    <dgm:effectClrLst/>
+    <dgm:txLinClrLst/>
+    <dgm:txFillClrLst/>
+    <dgm:txEffectClrLst/>
+  </dgm:styleLbl>
+  <dgm:styleLbl name="node4">
+    <dgm:fillClrLst>
+      <a:schemeClr val="accent5"/>
+    </dgm:fillClrLst>
+    <dgm:linClrLst meth="repeat">
+      <a:schemeClr val="lt1"/>
+    </dgm:linClrLst>
+    <dgm:effectClrLst/>
+    <dgm:txLinClrLst/>
+    <dgm:txFillClrLst/>
+    <dgm:txEffectClrLst/>
+  </dgm:styleLbl>
+  <dgm:styleLbl name="fgImgPlace1">
+    <dgm:fillClrLst>
+      <a:schemeClr val="accent2">
+        <a:tint val="50000"/>
+      </a:schemeClr>
+      <a:schemeClr val="accent3">
+        <a:tint val="50000"/>
+      </a:schemeClr>
+    </dgm:fillClrLst>
+    <dgm:linClrLst meth="repeat">
+      <a:schemeClr val="lt1"/>
+    </dgm:linClrLst>
+    <dgm:effectClrLst/>
+    <dgm:txLinClrLst/>
+    <dgm:txFillClrLst meth="repeat">
+      <a:schemeClr val="lt1"/>
+    </dgm:txFillClrLst>
+    <dgm:txEffectClrLst/>
+  </dgm:styleLbl>
+  <dgm:styleLbl name="alignImgPlace1">
+    <dgm:fillClrLst>
+      <a:schemeClr val="accent2">
+        <a:tint val="50000"/>
+      </a:schemeClr>
+      <a:schemeClr val="accent3">
+        <a:tint val="20000"/>
+      </a:schemeClr>
+    </dgm:fillClrLst>
+    <dgm:linClrLst meth="repeat">
+      <a:schemeClr val="lt1"/>
+    </dgm:linClrLst>
+    <dgm:effectClrLst/>
+    <dgm:txLinClrLst/>
+    <dgm:txFillClrLst meth="repeat">
+      <a:schemeClr val="lt1"/>
+    </dgm:txFillClrLst>
+    <dgm:txEffectClrLst/>
+  </dgm:styleLbl>
+  <dgm:styleLbl name="bgImgPlace1">
+    <dgm:fillClrLst>
+      <a:schemeClr val="accent2">
+        <a:tint val="50000"/>
+      </a:schemeClr>
+      <a:schemeClr val="accent3">
+        <a:tint val="20000"/>
+      </a:schemeClr>
+    </dgm:fillClrLst>
+    <dgm:linClrLst meth="repeat">
+      <a:schemeClr val="lt1"/>
+    </dgm:linClrLst>
+    <dgm:effectClrLst/>
+    <dgm:txLinClrLst/>
+    <dgm:txFillClrLst meth="repeat">
+      <a:schemeClr val="lt1"/>
+    </dgm:txFillClrLst>
+    <dgm:txEffectClrLst/>
+  </dgm:styleLbl>
+  <dgm:styleLbl name="sibTrans2D1">
+    <dgm:fillClrLst>
+      <a:schemeClr val="accent2"/>
+      <a:schemeClr val="accent3"/>
+    </dgm:fillClrLst>
+    <dgm:linClrLst meth="repeat">
+      <a:schemeClr val="lt1"/>
+    </dgm:linClrLst>
+    <dgm:effectClrLst/>
+    <dgm:txLinClrLst/>
+    <dgm:txFillClrLst/>
+    <dgm:txEffectClrLst/>
+  </dgm:styleLbl>
+  <dgm:styleLbl name="fgSibTrans2D1">
+    <dgm:fillClrLst>
+      <a:schemeClr val="accent2"/>
+      <a:schemeClr val="accent3"/>
+    </dgm:fillClrLst>
+    <dgm:linClrLst meth="repeat">
+      <a:schemeClr val="lt1"/>
+    </dgm:linClrLst>
+    <dgm:effectClrLst/>
+    <dgm:txLinClrLst/>
+    <dgm:txFillClrLst meth="repeat">
+      <a:schemeClr val="lt1"/>
+    </dgm:txFillClrLst>
+    <dgm:txEffectClrLst/>
+  </dgm:styleLbl>
+  <dgm:styleLbl name="bgSibTrans2D1">
+    <dgm:fillClrLst>
+      <a:schemeClr val="accent2"/>
+      <a:schemeClr val="accent3"/>
+    </dgm:fillClrLst>
+    <dgm:linClrLst meth="repeat">
+      <a:schemeClr val="lt1"/>
+    </dgm:linClrLst>
+    <dgm:effectClrLst/>
+    <dgm:txLinClrLst/>
+    <dgm:txFillClrLst meth="repeat">
+      <a:schemeClr val="lt1"/>
+    </dgm:txFillClrLst>
+    <dgm:txEffectClrLst/>
+  </dgm:styleLbl>
+  <dgm:styleLbl name="sibTrans1D1">
+    <dgm:fillClrLst/>
+    <dgm:linClrLst>
+      <a:schemeClr val="accent2"/>
+      <a:schemeClr val="accent3"/>
+    </dgm:linClrLst>
+    <dgm:effectClrLst/>
+    <dgm:txLinClrLst/>
+    <dgm:txFillClrLst meth="repeat">
+      <a:schemeClr val="tx1"/>
+    </dgm:txFillClrLst>
+    <dgm:txEffectClrLst/>
+  </dgm:styleLbl>
+  <dgm:styleLbl name="callout">
+    <dgm:fillClrLst meth="repeat">
+      <a:schemeClr val="accent2"/>
+    </dgm:fillClrLst>
+    <dgm:linClrLst meth="repeat">
+      <a:schemeClr val="accent2">
+        <a:tint val="50000"/>
+      </a:schemeClr>
+    </dgm:linClrLst>
+    <dgm:effectClrLst/>
+    <dgm:txLinClrLst/>
+    <dgm:txFillClrLst meth="repeat">
+      <a:schemeClr val="tx1"/>
+    </dgm:txFillClrLst>
+    <dgm:txEffectClrLst/>
+  </dgm:styleLbl>
+  <dgm:styleLbl name="asst0">
+    <dgm:fillClrLst meth="repeat">
+      <a:schemeClr val="accent2"/>
+    </dgm:fillClrLst>
+    <dgm:linClrLst meth="repeat">
+      <a:schemeClr val="lt1">
+        <a:shade val="80000"/>
+      </a:schemeClr>
+    </dgm:linClrLst>
+    <dgm:effectClrLst/>
+    <dgm:txLinClrLst/>
+    <dgm:txFillClrLst/>
+    <dgm:txEffectClrLst/>
+  </dgm:styleLbl>
+  <dgm:styleLbl name="asst1">
+    <dgm:fillClrLst meth="repeat">
+      <a:schemeClr val="accent3"/>
+    </dgm:fillClrLst>
+    <dgm:linClrLst meth="repeat">
+      <a:schemeClr val="lt1">
+        <a:shade val="80000"/>
+      </a:schemeClr>
+    </dgm:linClrLst>
+    <dgm:effectClrLst/>
+    <dgm:txLinClrLst/>
+    <dgm:txFillClrLst/>
+    <dgm:txEffectClrLst/>
+  </dgm:styleLbl>
+  <dgm:styleLbl name="asst2">
+    <dgm:fillClrLst>
+      <a:schemeClr val="accent4"/>
+    </dgm:fillClrLst>
+    <dgm:linClrLst meth="repeat">
+      <a:schemeClr val="lt1"/>
+    </dgm:linClrLst>
+    <dgm:effectClrLst/>
+    <dgm:txLinClrLst/>
+    <dgm:txFillClrLst/>
+    <dgm:txEffectClrLst/>
+  </dgm:styleLbl>
+  <dgm:styleLbl name="asst3">
+    <dgm:fillClrLst>
+      <a:schemeClr val="accent5"/>
+    </dgm:fillClrLst>
+    <dgm:linClrLst meth="repeat">
+      <a:schemeClr val="lt1"/>
+    </dgm:linClrLst>
+    <dgm:effectClrLst/>
+    <dgm:txLinClrLst/>
+    <dgm:txFillClrLst/>
+    <dgm:txEffectClrLst/>
+  </dgm:styleLbl>
+  <dgm:styleLbl name="asst4">
+    <dgm:fillClrLst>
+      <a:schemeClr val="accent6"/>
+    </dgm:fillClrLst>
+    <dgm:linClrLst meth="repeat">
+      <a:schemeClr val="lt1"/>
+    </dgm:linClrLst>
+    <dgm:effectClrLst/>
+    <dgm:txLinClrLst/>
+    <dgm:txFillClrLst/>
+    <dgm:txEffectClrLst/>
+  </dgm:styleLbl>
+  <dgm:styleLbl name="parChTrans2D1">
+    <dgm:fillClrLst meth="repeat">
+      <a:schemeClr val="accent2"/>
+    </dgm:fillClrLst>
+    <dgm:linClrLst meth="repeat">
+      <a:schemeClr val="lt1"/>
+    </dgm:linClrLst>
+    <dgm:effectClrLst/>
+    <dgm:txLinClrLst/>
+    <dgm:txFillClrLst meth="repeat">
+      <a:schemeClr val="lt1"/>
+    </dgm:txFillClrLst>
+    <dgm:txEffectClrLst/>
+  </dgm:styleLbl>
+  <dgm:styleLbl name="parChTrans2D2">
+    <dgm:fillClrLst meth="repeat">
+      <a:schemeClr val="accent3"/>
+    </dgm:fillClrLst>
+    <dgm:linClrLst meth="repeat">
+      <a:schemeClr val="lt1"/>
+    </dgm:linClrLst>
+    <dgm:effectClrLst/>
+    <dgm:txLinClrLst/>
+    <dgm:txFillClrLst/>
+    <dgm:txEffectClrLst/>
+  </dgm:styleLbl>
+  <dgm:styleLbl name="parChTrans2D3">
+    <dgm:fillClrLst meth="repeat">
+      <a:schemeClr val="accent4"/>
+    </dgm:fillClrLst>
+    <dgm:linClrLst meth="repeat">
+      <a:schemeClr val="lt1"/>
+    </dgm:linClrLst>
+    <dgm:effectClrLst/>
+    <dgm:txLinClrLst/>
+    <dgm:txFillClrLst/>
+    <dgm:txEffectClrLst/>
+  </dgm:styleLbl>
+  <dgm:styleLbl name="parChTrans2D4">
+    <dgm:fillClrLst meth="repeat">
+      <a:schemeClr val="accent5"/>
+    </dgm:fillClrLst>
+    <dgm:linClrLst meth="repeat">
+      <a:schemeClr val="lt1"/>
+    </dgm:linClrLst>
+    <dgm:effectClrLst/>
+    <dgm:txLinClrLst/>
+    <dgm:txFillClrLst meth="repeat">
+      <a:schemeClr val="lt1"/>
+    </dgm:txFillClrLst>
+    <dgm:txEffectClrLst/>
+  </dgm:styleLbl>
+  <dgm:styleLbl name="parChTrans1D1">
+    <dgm:fillClrLst meth="repeat">
+      <a:schemeClr val="accent2"/>
+    </dgm:fillClrLst>
+    <dgm:linClrLst meth="repeat">
+      <a:schemeClr val="accent2"/>
+    </dgm:linClrLst>
+    <dgm:effectClrLst/>
+    <dgm:txLinClrLst/>
+    <dgm:txFillClrLst meth="repeat">
+      <a:schemeClr val="tx1"/>
+    </dgm:txFillClrLst>
+    <dgm:txEffectClrLst/>
+  </dgm:styleLbl>
+  <dgm:styleLbl name="parChTrans1D2">
+    <dgm:fillClrLst meth="repeat">
+      <a:schemeClr val="accent2">
+        <a:tint val="90000"/>
+      </a:schemeClr>
+    </dgm:fillClrLst>
+    <dgm:linClrLst meth="repeat">
+      <a:schemeClr val="accent3"/>
+    </dgm:linClrLst>
+    <dgm:effectClrLst/>
+    <dgm:txLinClrLst/>
+    <dgm:txFillClrLst meth="repeat">
+      <a:schemeClr val="tx1"/>
+    </dgm:txFillClrLst>
+    <dgm:txEffectClrLst/>
+  </dgm:styleLbl>
+  <dgm:styleLbl name="parChTrans1D3">
+    <dgm:fillClrLst meth="repeat">
+      <a:schemeClr val="accent2">
+        <a:tint val="70000"/>
+      </a:schemeClr>
+    </dgm:fillClrLst>
+    <dgm:linClrLst meth="repeat">
+      <a:schemeClr val="accent4"/>
+    </dgm:linClrLst>
+    <dgm:effectClrLst/>
+    <dgm:txLinClrLst/>
+    <dgm:txFillClrLst meth="repeat">
+      <a:schemeClr val="tx1"/>
+    </dgm:txFillClrLst>
+    <dgm:txEffectClrLst/>
+  </dgm:styleLbl>
+  <dgm:styleLbl name="parChTrans1D4">
+    <dgm:fillClrLst meth="repeat">
+      <a:schemeClr val="accent2">
+        <a:tint val="50000"/>
+      </a:schemeClr>
+    </dgm:fillClrLst>
+    <dgm:linClrLst meth="repeat">
+      <a:schemeClr val="accent5"/>
+    </dgm:linClrLst>
+    <dgm:effectClrLst/>
+    <dgm:txLinClrLst/>
+    <dgm:txFillClrLst meth="repeat">
+      <a:schemeClr val="tx1"/>
+    </dgm:txFillClrLst>
+    <dgm:txEffectClrLst/>
+  </dgm:styleLbl>
+  <dgm:styleLbl name="fgAcc1">
+    <dgm:fillClrLst meth="repeat">
+      <a:schemeClr val="lt1">
+        <a:alpha val="90000"/>
+      </a:schemeClr>
+    </dgm:fillClrLst>
+    <dgm:linClrLst>
+      <a:schemeClr val="accent2"/>
+      <a:schemeClr val="accent3"/>
+    </dgm:linClrLst>
+    <dgm:effectClrLst/>
+    <dgm:txLinClrLst/>
+    <dgm:txFillClrLst meth="repeat">
+      <a:schemeClr val="dk1"/>
+    </dgm:txFillClrLst>
+    <dgm:txEffectClrLst/>
+  </dgm:styleLbl>
+  <dgm:styleLbl name="conFgAcc1">
+    <dgm:fillClrLst meth="repeat">
+      <a:schemeClr val="lt1">
+        <a:alpha val="90000"/>
+      </a:schemeClr>
+    </dgm:fillClrLst>
+    <dgm:linClrLst>
+      <a:schemeClr val="accent2"/>
+      <a:schemeClr val="accent3"/>
+    </dgm:linClrLst>
+    <dgm:effectClrLst/>
+    <dgm:txLinClrLst/>
+    <dgm:txFillClrLst meth="repeat">
+      <a:schemeClr val="dk1"/>
+    </dgm:txFillClrLst>
+    <dgm:txEffectClrLst/>
+  </dgm:styleLbl>
+  <dgm:styleLbl name="alignAcc1">
+    <dgm:fillClrLst meth="repeat">
+      <a:schemeClr val="lt1">
+        <a:alpha val="90000"/>
+      </a:schemeClr>
+    </dgm:fillClrLst>
+    <dgm:linClrLst>
+      <a:schemeClr val="accent2"/>
+      <a:schemeClr val="accent3"/>
+    </dgm:linClrLst>
+    <dgm:effectClrLst/>
+    <dgm:txLinClrLst/>
+    <dgm:txFillClrLst meth="repeat">
+      <a:schemeClr val="dk1"/>
+    </dgm:txFillClrLst>
+    <dgm:txEffectClrLst/>
+  </dgm:styleLbl>
+  <dgm:styleLbl name="trAlignAcc1">
+    <dgm:fillClrLst meth="repeat">
+      <a:schemeClr val="lt1">
+        <a:alpha val="40000"/>
+      </a:schemeClr>
+    </dgm:fillClrLst>
+    <dgm:linClrLst meth="repeat">
+      <a:schemeClr val="accent2"/>
+    </dgm:linClrLst>
+    <dgm:effectClrLst/>
+    <dgm:txLinClrLst/>
+    <dgm:txFillClrLst meth="repeat">
+      <a:schemeClr val="dk1"/>
+    </dgm:txFillClrLst>
+    <dgm:txEffectClrLst/>
+  </dgm:styleLbl>
+  <dgm:styleLbl name="bgAcc1">
+    <dgm:fillClrLst meth="repeat">
+      <a:schemeClr val="lt1">
+        <a:alpha val="90000"/>
+      </a:schemeClr>
+    </dgm:fillClrLst>
+    <dgm:linClrLst>
+      <a:schemeClr val="accent2"/>
+      <a:schemeClr val="accent3"/>
+    </dgm:linClrLst>
+    <dgm:effectClrLst/>
+    <dgm:txLinClrLst/>
+    <dgm:txFillClrLst meth="repeat">
+      <a:schemeClr val="dk1"/>
+    </dgm:txFillClrLst>
+    <dgm:txEffectClrLst/>
+  </dgm:styleLbl>
+  <dgm:styleLbl name="solidFgAcc1">
+    <dgm:fillClrLst meth="repeat">
+      <a:schemeClr val="lt1"/>
+    </dgm:fillClrLst>
+    <dgm:linClrLst>
+      <a:schemeClr val="accent2"/>
+      <a:schemeClr val="accent3"/>
+    </dgm:linClrLst>
+    <dgm:effectClrLst/>
+    <dgm:txLinClrLst/>
+    <dgm:txFillClrLst meth="repeat">
+      <a:schemeClr val="dk1"/>
+    </dgm:txFillClrLst>
+    <dgm:txEffectClrLst/>
+  </dgm:styleLbl>
+  <dgm:styleLbl name="solidAlignAcc1">
+    <dgm:fillClrLst meth="repeat">
+      <a:schemeClr val="lt1"/>
+    </dgm:fillClrLst>
+    <dgm:linClrLst>
+      <a:schemeClr val="accent2"/>
+      <a:schemeClr val="accent3"/>
+    </dgm:linClrLst>
+    <dgm:effectClrLst/>
+    <dgm:txLinClrLst/>
+    <dgm:txFillClrLst meth="repeat">
+      <a:schemeClr val="dk1"/>
+    </dgm:txFillClrLst>
+    <dgm:txEffectClrLst/>
+  </dgm:styleLbl>
+  <dgm:styleLbl name="solidBgAcc1">
+    <dgm:fillClrLst meth="repeat">
+      <a:schemeClr val="lt1"/>
+    </dgm:fillClrLst>
+    <dgm:linClrLst>
+      <a:schemeClr val="accent2"/>
+      <a:schemeClr val="accent3"/>
+    </dgm:linClrLst>
+    <dgm:effectClrLst/>
+    <dgm:txLinClrLst/>
+    <dgm:txFillClrLst meth="repeat">
+      <a:schemeClr val="dk1"/>
+    </dgm:txFillClrLst>
+    <dgm:txEffectClrLst/>
+  </dgm:styleLbl>
+  <dgm:styleLbl name="fgAccFollowNode1">
+    <dgm:fillClrLst>
+      <a:schemeClr val="accent2">
+        <a:tint val="40000"/>
+        <a:alpha val="90000"/>
+      </a:schemeClr>
+      <a:schemeClr val="accent3">
+        <a:tint val="40000"/>
+        <a:alpha val="90000"/>
+      </a:schemeClr>
+    </dgm:fillClrLst>
+    <dgm:linClrLst>
+      <a:schemeClr val="accent2">
+        <a:tint val="40000"/>
+        <a:alpha val="90000"/>
+      </a:schemeClr>
+      <a:schemeClr val="accent3">
+        <a:tint val="40000"/>
+        <a:alpha val="90000"/>
+      </a:schemeClr>
+    </dgm:linClrLst>
+    <dgm:effectClrLst/>
+    <dgm:txLinClrLst/>
+    <dgm:txFillClrLst meth="repeat">
+      <a:schemeClr val="dk1"/>
+    </dgm:txFillClrLst>
+    <dgm:txEffectClrLst/>
+  </dgm:styleLbl>
+  <dgm:styleLbl name="alignAccFollowNode1">
+    <dgm:fillClrLst>
+      <a:schemeClr val="accent2">
+        <a:tint val="40000"/>
+        <a:alpha val="90000"/>
+      </a:schemeClr>
+      <a:schemeClr val="accent3">
+        <a:tint val="40000"/>
+        <a:alpha val="90000"/>
+      </a:schemeClr>
+    </dgm:fillClrLst>
+    <dgm:linClrLst>
+      <a:schemeClr val="accent2">
+        <a:tint val="40000"/>
+        <a:alpha val="90000"/>
+      </a:schemeClr>
+      <a:schemeClr val="accent3">
+        <a:tint val="40000"/>
+        <a:alpha val="90000"/>
+      </a:schemeClr>
+    </dgm:linClrLst>
+    <dgm:effectClrLst/>
+    <dgm:txLinClrLst/>
+    <dgm:txFillClrLst meth="repeat">
+      <a:schemeClr val="dk1"/>
+    </dgm:txFillClrLst>
+    <dgm:txEffectClrLst/>
+  </dgm:styleLbl>
+  <dgm:styleLbl name="bgAccFollowNode1">
+    <dgm:fillClrLst>
+      <a:schemeClr val="accent2">
+        <a:tint val="40000"/>
+        <a:alpha val="90000"/>
+      </a:schemeClr>
+      <a:schemeClr val="accent3">
+        <a:tint val="40000"/>
+        <a:alpha val="90000"/>
+      </a:schemeClr>
+    </dgm:fillClrLst>
+    <dgm:linClrLst>
+      <a:schemeClr val="accent2">
+        <a:tint val="40000"/>
+        <a:alpha val="90000"/>
+      </a:schemeClr>
+      <a:schemeClr val="accent3">
+        <a:tint val="40000"/>
+        <a:alpha val="90000"/>
+      </a:schemeClr>
+    </dgm:linClrLst>
+    <dgm:effectClrLst/>
+    <dgm:txLinClrLst/>
+    <dgm:txFillClrLst meth="repeat">
+      <a:schemeClr val="dk1"/>
+    </dgm:txFillClrLst>
+    <dgm:txEffectClrLst/>
+  </dgm:styleLbl>
+  <dgm:styleLbl name="fgAcc0">
+    <dgm:fillClrLst meth="repeat">
+      <a:schemeClr val="lt1">
+        <a:alpha val="90000"/>
+      </a:schemeClr>
+    </dgm:fillClrLst>
+    <dgm:linClrLst>
+      <a:schemeClr val="accent1"/>
+    </dgm:linClrLst>
+    <dgm:effectClrLst/>
+    <dgm:txLinClrLst/>
+    <dgm:txFillClrLst meth="repeat">
+      <a:schemeClr val="dk1"/>
+    </dgm:txFillClrLst>
+    <dgm:txEffectClrLst/>
+  </dgm:styleLbl>
+  <dgm:styleLbl name="fgAcc2">
+    <dgm:fillClrLst meth="repeat">
+      <a:schemeClr val="lt1">
+        <a:alpha val="90000"/>
+      </a:schemeClr>
+    </dgm:fillClrLst>
+    <dgm:linClrLst>
+      <a:schemeClr val="accent3"/>
+    </dgm:linClrLst>
+    <dgm:effectClrLst/>
+    <dgm:txLinClrLst/>
+    <dgm:txFillClrLst meth="repeat">
+      <a:schemeClr val="dk1"/>
+    </dgm:txFillClrLst>
+    <dgm:txEffectClrLst/>
+  </dgm:styleLbl>
+  <dgm:styleLbl name="fgAcc3">
+    <dgm:fillClrLst meth="repeat">
+      <a:schemeClr val="lt1">
+        <a:alpha val="90000"/>
+      </a:schemeClr>
+    </dgm:fillClrLst>
+    <dgm:linClrLst>
+      <a:schemeClr val="accent4"/>
+    </dgm:linClrLst>
+    <dgm:effectClrLst/>
+    <dgm:txLinClrLst/>
+    <dgm:txFillClrLst meth="repeat">
+      <a:schemeClr val="dk1"/>
+    </dgm:txFillClrLst>
+    <dgm:txEffectClrLst/>
+  </dgm:styleLbl>
+  <dgm:styleLbl name="fgAcc4">
+    <dgm:fillClrLst meth="repeat">
+      <a:schemeClr val="lt1">
+        <a:alpha val="90000"/>
+      </a:schemeClr>
+    </dgm:fillClrLst>
+    <dgm:linClrLst>
+      <a:schemeClr val="accent5"/>
+    </dgm:linClrLst>
+    <dgm:effectClrLst/>
+    <dgm:txLinClrLst/>
+    <dgm:txFillClrLst meth="repeat">
+      <a:schemeClr val="dk1"/>
+    </dgm:txFillClrLst>
+    <dgm:txEffectClrLst/>
+  </dgm:styleLbl>
+  <dgm:styleLbl name="bgShp">
+    <dgm:fillClrLst meth="repeat">
+      <a:schemeClr val="accent2">
+        <a:tint val="40000"/>
+      </a:schemeClr>
+    </dgm:fillClrLst>
+    <dgm:linClrLst meth="repeat">
+      <a:schemeClr val="dk1"/>
+    </dgm:linClrLst>
+    <dgm:effectClrLst/>
+    <dgm:txLinClrLst/>
+    <dgm:txFillClrLst meth="repeat">
+      <a:schemeClr val="dk1"/>
+    </dgm:txFillClrLst>
+    <dgm:txEffectClrLst/>
+  </dgm:styleLbl>
+  <dgm:styleLbl name="dkBgShp">
+    <dgm:fillClrLst meth="repeat">
+      <a:schemeClr val="accent2">
+        <a:shade val="90000"/>
+      </a:schemeClr>
+    </dgm:fillClrLst>
+    <dgm:linClrLst meth="repeat">
+      <a:schemeClr val="dk1"/>
+    </dgm:linClrLst>
+    <dgm:effectClrLst/>
+    <dgm:txLinClrLst/>
+    <dgm:txFillClrLst meth="repeat">
+      <a:schemeClr val="lt1"/>
+    </dgm:txFillClrLst>
+    <dgm:txEffectClrLst/>
+  </dgm:styleLbl>
+  <dgm:styleLbl name="trBgShp">
+    <dgm:fillClrLst meth="repeat">
+      <a:schemeClr val="accent2">
+        <a:tint val="50000"/>
+        <a:alpha val="40000"/>
+      </a:schemeClr>
+    </dgm:fillClrLst>
+    <dgm:linClrLst meth="repeat">
+      <a:schemeClr val="accent2"/>
+    </dgm:linClrLst>
+    <dgm:effectClrLst/>
+    <dgm:txLinClrLst/>
+    <dgm:txFillClrLst meth="repeat">
+      <a:schemeClr val="lt1"/>
+    </dgm:txFillClrLst>
+    <dgm:txEffectClrLst/>
+  </dgm:styleLbl>
+  <dgm:styleLbl name="fgShp">
+    <dgm:fillClrLst meth="repeat">
+      <a:schemeClr val="accent2">
+        <a:tint val="40000"/>
+      </a:schemeClr>
+    </dgm:fillClrLst>
+    <dgm:linClrLst meth="repeat">
+      <a:schemeClr val="lt1"/>
+    </dgm:linClrLst>
+    <dgm:effectClrLst/>
+    <dgm:txLinClrLst/>
+    <dgm:txFillClrLst meth="repeat">
+      <a:schemeClr val="dk1"/>
+    </dgm:txFillClrLst>
+    <dgm:txEffectClrLst/>
+  </dgm:styleLbl>
+  <dgm:styleLbl name="revTx">
+    <dgm:fillClrLst meth="repeat">
+      <a:schemeClr val="lt1">
+        <a:alpha val="0"/>
+      </a:schemeClr>
+    </dgm:fillClrLst>
+    <dgm:linClrLst meth="repeat">
+      <a:schemeClr val="dk1">
+        <a:alpha val="0"/>
+      </a:schemeClr>
+    </dgm:linClrLst>
+    <dgm:effectClrLst/>
+    <dgm:txLinClrLst/>
+    <dgm:txFillClrLst meth="repeat">
+      <a:schemeClr val="tx1"/>
+    </dgm:txFillClrLst>
+    <dgm:txEffectClrLst/>
+  </dgm:styleLbl>
+</dgm:colorsDef>
+</file>
+
+<file path=ppt/diagrams/data1.xml><?xml version="1.0" encoding="utf-8"?>
+<dgm:dataModel xmlns:dgm="http://schemas.openxmlformats.org/drawingml/2006/diagram" xmlns:a="http://schemas.openxmlformats.org/drawingml/2006/main">
+  <dgm:ptLst>
+    <dgm:pt modelId="{35820E59-578C-46DF-9623-0A375E12D2DE}" type="doc">
+      <dgm:prSet loTypeId="urn:microsoft.com/office/officeart/2018/2/layout/IconVerticalSolidList" loCatId="icon" qsTypeId="urn:microsoft.com/office/officeart/2005/8/quickstyle/simple1" qsCatId="simple" csTypeId="urn:microsoft.com/office/officeart/2018/5/colors/Iconchunking_neutralicontext_colorful1" csCatId="colorful" phldr="1"/>
+      <dgm:spPr/>
+      <dgm:t>
+        <a:bodyPr/>
+        <a:lstStyle/>
+        <a:p>
+          <a:endParaRPr lang="en-US"/>
+        </a:p>
+      </dgm:t>
+    </dgm:pt>
+    <dgm:pt modelId="{B5D8449B-D9E8-4DF0-B7DE-976A97FEB631}">
+      <dgm:prSet/>
+      <dgm:spPr/>
+      <dgm:t>
+        <a:bodyPr/>
+        <a:lstStyle/>
+        <a:p>
+          <a:r>
+            <a:rPr lang="en-US"/>
+            <a:t>ALU: Performs computations</a:t>
+          </a:r>
+        </a:p>
+      </dgm:t>
+    </dgm:pt>
+    <dgm:pt modelId="{259BBEC6-BC36-44D5-97A0-E4327A638EFC}" type="parTrans" cxnId="{BC4B7DE2-1F14-4AF1-A104-56620DBC1427}">
+      <dgm:prSet/>
+      <dgm:spPr/>
+      <dgm:t>
+        <a:bodyPr/>
+        <a:lstStyle/>
+        <a:p>
+          <a:endParaRPr lang="en-US"/>
+        </a:p>
+      </dgm:t>
+    </dgm:pt>
+    <dgm:pt modelId="{A3454529-1C0A-4279-9027-121D41C9B1E2}" type="sibTrans" cxnId="{BC4B7DE2-1F14-4AF1-A104-56620DBC1427}">
+      <dgm:prSet/>
+      <dgm:spPr/>
+      <dgm:t>
+        <a:bodyPr/>
+        <a:lstStyle/>
+        <a:p>
+          <a:endParaRPr lang="en-US"/>
+        </a:p>
+      </dgm:t>
+    </dgm:pt>
+    <dgm:pt modelId="{4BC794F5-872A-4DF1-8785-10041201D067}">
+      <dgm:prSet/>
+      <dgm:spPr/>
+      <dgm:t>
+        <a:bodyPr/>
+        <a:lstStyle/>
+        <a:p>
+          <a:r>
+            <a:rPr lang="en-US"/>
+            <a:t>Regfile: Registers and Custom variables</a:t>
+          </a:r>
+        </a:p>
+      </dgm:t>
+    </dgm:pt>
+    <dgm:pt modelId="{6DB0226B-82E6-4C35-8DE3-E9C677C8A60C}" type="parTrans" cxnId="{516A2DB6-0EC9-4B99-B977-4793CB2A2B95}">
+      <dgm:prSet/>
+      <dgm:spPr/>
+      <dgm:t>
+        <a:bodyPr/>
+        <a:lstStyle/>
+        <a:p>
+          <a:endParaRPr lang="en-US"/>
+        </a:p>
+      </dgm:t>
+    </dgm:pt>
+    <dgm:pt modelId="{2ABA59BD-C281-4A8D-9E78-7F1CF9764071}" type="sibTrans" cxnId="{516A2DB6-0EC9-4B99-B977-4793CB2A2B95}">
+      <dgm:prSet/>
+      <dgm:spPr/>
+      <dgm:t>
+        <a:bodyPr/>
+        <a:lstStyle/>
+        <a:p>
+          <a:endParaRPr lang="en-US"/>
+        </a:p>
+      </dgm:t>
+    </dgm:pt>
+    <dgm:pt modelId="{BB88E99F-7AB9-457B-9398-8D7AC46605D3}">
+      <dgm:prSet/>
+      <dgm:spPr/>
+      <dgm:t>
+        <a:bodyPr/>
+        <a:lstStyle/>
+        <a:p>
+          <a:r>
+            <a:rPr lang="en-US" dirty="0"/>
+            <a:t>Data Memory:  The actual computer memory</a:t>
+          </a:r>
+        </a:p>
+      </dgm:t>
+    </dgm:pt>
+    <dgm:pt modelId="{8294FC4E-3411-4907-894B-5CA2998809A8}" type="parTrans" cxnId="{022D337B-4E99-4106-A619-A8A938827BD3}">
+      <dgm:prSet/>
+      <dgm:spPr/>
+      <dgm:t>
+        <a:bodyPr/>
+        <a:lstStyle/>
+        <a:p>
+          <a:endParaRPr lang="en-US"/>
+        </a:p>
+      </dgm:t>
+    </dgm:pt>
+    <dgm:pt modelId="{8C570B24-267D-4240-89D4-46AB3A6EBE81}" type="sibTrans" cxnId="{022D337B-4E99-4106-A619-A8A938827BD3}">
+      <dgm:prSet/>
+      <dgm:spPr/>
+      <dgm:t>
+        <a:bodyPr/>
+        <a:lstStyle/>
+        <a:p>
+          <a:endParaRPr lang="en-US"/>
+        </a:p>
+      </dgm:t>
+    </dgm:pt>
+    <dgm:pt modelId="{609A283C-C23F-4C1A-A7A4-24E228578255}">
+      <dgm:prSet/>
+      <dgm:spPr/>
+      <dgm:t>
+        <a:bodyPr/>
+        <a:lstStyle/>
+        <a:p>
+          <a:r>
+            <a:rPr lang="en-US" dirty="0"/>
+            <a:t>Instruction Memory: Holds the instructions</a:t>
+          </a:r>
+        </a:p>
+      </dgm:t>
+    </dgm:pt>
+    <dgm:pt modelId="{EB067883-D371-46B9-933F-DE15B2013DE9}" type="parTrans" cxnId="{F799CCAD-3B9B-421A-BC06-34DB2889222F}">
+      <dgm:prSet/>
+      <dgm:spPr/>
+      <dgm:t>
+        <a:bodyPr/>
+        <a:lstStyle/>
+        <a:p>
+          <a:endParaRPr lang="en-US"/>
+        </a:p>
+      </dgm:t>
+    </dgm:pt>
+    <dgm:pt modelId="{D8EE49FA-5D5F-479C-AD8B-6058769100B3}" type="sibTrans" cxnId="{F799CCAD-3B9B-421A-BC06-34DB2889222F}">
+      <dgm:prSet/>
+      <dgm:spPr/>
+      <dgm:t>
+        <a:bodyPr/>
+        <a:lstStyle/>
+        <a:p>
+          <a:endParaRPr lang="en-US"/>
+        </a:p>
+      </dgm:t>
+    </dgm:pt>
+    <dgm:pt modelId="{CA3497AC-AC58-41E1-8C96-B9A807C88D15}">
+      <dgm:prSet/>
+      <dgm:spPr/>
+      <dgm:t>
+        <a:bodyPr/>
+        <a:lstStyle/>
+        <a:p>
+          <a:r>
+            <a:rPr lang="en-US" dirty="0"/>
+            <a:t>PC Adder: Increments PC by 4 every clock cycle</a:t>
+          </a:r>
+        </a:p>
+      </dgm:t>
+    </dgm:pt>
+    <dgm:pt modelId="{BFAB2E9E-0F7F-4614-A71E-EBDEBDD31FEC}" type="parTrans" cxnId="{9DB09896-E31C-4913-855A-F67ED9803CC2}">
+      <dgm:prSet/>
+      <dgm:spPr/>
+      <dgm:t>
+        <a:bodyPr/>
+        <a:lstStyle/>
+        <a:p>
+          <a:endParaRPr lang="en-US"/>
+        </a:p>
+      </dgm:t>
+    </dgm:pt>
+    <dgm:pt modelId="{D5BDD9C3-2CDA-4433-A0D6-3AD3767B7B22}" type="sibTrans" cxnId="{9DB09896-E31C-4913-855A-F67ED9803CC2}">
+      <dgm:prSet/>
+      <dgm:spPr/>
+      <dgm:t>
+        <a:bodyPr/>
+        <a:lstStyle/>
+        <a:p>
+          <a:endParaRPr lang="en-US"/>
+        </a:p>
+      </dgm:t>
+    </dgm:pt>
+    <dgm:pt modelId="{3BF52D34-96DB-4A48-9366-47E1E687E3FA}">
+      <dgm:prSet/>
+      <dgm:spPr/>
+      <dgm:t>
+        <a:bodyPr/>
+        <a:lstStyle/>
+        <a:p>
+          <a:r>
+            <a:rPr lang="en-US"/>
+            <a:t>Bsrc: Mux controlling what goes into the B-input for the ALU</a:t>
+          </a:r>
+        </a:p>
+      </dgm:t>
+    </dgm:pt>
+    <dgm:pt modelId="{D5E2598F-AC43-44B9-9A03-8A3F0885EA28}" type="parTrans" cxnId="{F6A53CF8-9768-4831-8184-B47F970CB1C1}">
+      <dgm:prSet/>
+      <dgm:spPr/>
+      <dgm:t>
+        <a:bodyPr/>
+        <a:lstStyle/>
+        <a:p>
+          <a:endParaRPr lang="en-US"/>
+        </a:p>
+      </dgm:t>
+    </dgm:pt>
+    <dgm:pt modelId="{1C2A003B-C2D8-4BBD-A7C8-36567F09F092}" type="sibTrans" cxnId="{F6A53CF8-9768-4831-8184-B47F970CB1C1}">
+      <dgm:prSet/>
+      <dgm:spPr/>
+      <dgm:t>
+        <a:bodyPr/>
+        <a:lstStyle/>
+        <a:p>
+          <a:endParaRPr lang="en-US"/>
+        </a:p>
+      </dgm:t>
+    </dgm:pt>
+    <dgm:pt modelId="{B497E9D2-2CF7-4FD1-9B93-007151BEF6E1}">
+      <dgm:prSet/>
+      <dgm:spPr/>
+      <dgm:t>
+        <a:bodyPr/>
+        <a:lstStyle/>
+        <a:p>
+          <a:r>
+            <a:rPr lang="en-US"/>
+            <a:t>PCBranch: Used for branching, adds a compiler-computed offset to the start of main</a:t>
+          </a:r>
+        </a:p>
+      </dgm:t>
+    </dgm:pt>
+    <dgm:pt modelId="{FD892AFA-27E1-4558-B98D-E9C8649BC891}" type="parTrans" cxnId="{D92CEDD6-F188-4C89-B8EF-A1D0737338CE}">
+      <dgm:prSet/>
+      <dgm:spPr/>
+      <dgm:t>
+        <a:bodyPr/>
+        <a:lstStyle/>
+        <a:p>
+          <a:endParaRPr lang="en-US"/>
+        </a:p>
+      </dgm:t>
+    </dgm:pt>
+    <dgm:pt modelId="{E3C8DE75-68AE-482A-9940-B44D9FEA9392}" type="sibTrans" cxnId="{D92CEDD6-F188-4C89-B8EF-A1D0737338CE}">
+      <dgm:prSet/>
+      <dgm:spPr/>
+      <dgm:t>
+        <a:bodyPr/>
+        <a:lstStyle/>
+        <a:p>
+          <a:endParaRPr lang="en-US"/>
+        </a:p>
+      </dgm:t>
+    </dgm:pt>
+    <dgm:pt modelId="{8E7257CD-F177-4C25-83EA-72712B7B4FB9}" type="pres">
+      <dgm:prSet presAssocID="{35820E59-578C-46DF-9623-0A375E12D2DE}" presName="root" presStyleCnt="0">
+        <dgm:presLayoutVars>
+          <dgm:dir/>
+          <dgm:resizeHandles val="exact"/>
+        </dgm:presLayoutVars>
+      </dgm:prSet>
+      <dgm:spPr/>
+    </dgm:pt>
+    <dgm:pt modelId="{395DD803-83E4-41F6-98A8-4DD9416590B3}" type="pres">
+      <dgm:prSet presAssocID="{B5D8449B-D9E8-4DF0-B7DE-976A97FEB631}" presName="compNode" presStyleCnt="0"/>
+      <dgm:spPr/>
+    </dgm:pt>
+    <dgm:pt modelId="{5B9843EF-A025-4B96-BB40-722AD6A6D295}" type="pres">
+      <dgm:prSet presAssocID="{B5D8449B-D9E8-4DF0-B7DE-976A97FEB631}" presName="bgRect" presStyleLbl="bgShp" presStyleIdx="0" presStyleCnt="7"/>
+      <dgm:spPr/>
+    </dgm:pt>
+    <dgm:pt modelId="{47AF0BEC-E5FF-456B-AAAD-DB928968541D}" type="pres">
+      <dgm:prSet presAssocID="{B5D8449B-D9E8-4DF0-B7DE-976A97FEB631}" presName="iconRect" presStyleLbl="node1" presStyleIdx="0" presStyleCnt="7"/>
+      <dgm:spPr>
+        <a:blipFill>
+          <a:blip xmlns:r="http://schemas.openxmlformats.org/officeDocument/2006/relationships" r:embed="rId1">
+            <a:extLst>
+              <a:ext uri="{28A0092B-C50C-407E-A947-70E740481C1C}">
+                <a14:useLocalDpi xmlns:a14="http://schemas.microsoft.com/office/drawing/2010/main" val="0"/>
+              </a:ext>
+              <a:ext uri="{96DAC541-7B7A-43D3-8B79-37D633B846F1}">
+                <asvg:svgBlip xmlns:asvg="http://schemas.microsoft.com/office/drawing/2016/SVG/main" r:embed="rId2"/>
+              </a:ext>
+            </a:extLst>
+          </a:blip>
+          <a:stretch>
+            <a:fillRect/>
+          </a:stretch>
+        </a:blipFill>
+        <a:ln>
+          <a:noFill/>
+        </a:ln>
+      </dgm:spPr>
+      <dgm:extLst>
+        <a:ext uri="{E40237B7-FDA0-4F09-8148-C483321AD2D9}">
+          <dgm14:cNvPr xmlns:dgm14="http://schemas.microsoft.com/office/drawing/2010/diagram" id="0" name="" descr="Processor"/>
+        </a:ext>
+      </dgm:extLst>
+    </dgm:pt>
+    <dgm:pt modelId="{5D121C98-0EA7-45BA-9228-2F2588EC54AD}" type="pres">
+      <dgm:prSet presAssocID="{B5D8449B-D9E8-4DF0-B7DE-976A97FEB631}" presName="spaceRect" presStyleCnt="0"/>
+      <dgm:spPr/>
+    </dgm:pt>
+    <dgm:pt modelId="{34AE3061-96D6-4182-B8B7-CD1BA9A37703}" type="pres">
+      <dgm:prSet presAssocID="{B5D8449B-D9E8-4DF0-B7DE-976A97FEB631}" presName="parTx" presStyleLbl="revTx" presStyleIdx="0" presStyleCnt="7">
+        <dgm:presLayoutVars>
+          <dgm:chMax val="0"/>
+          <dgm:chPref val="0"/>
+        </dgm:presLayoutVars>
+      </dgm:prSet>
+      <dgm:spPr/>
+    </dgm:pt>
+    <dgm:pt modelId="{2D37973B-97C5-475B-B51A-A8F0A9926F60}" type="pres">
+      <dgm:prSet presAssocID="{A3454529-1C0A-4279-9027-121D41C9B1E2}" presName="sibTrans" presStyleCnt="0"/>
+      <dgm:spPr/>
+    </dgm:pt>
+    <dgm:pt modelId="{207EE500-5BB4-490B-A09D-747AA633A397}" type="pres">
+      <dgm:prSet presAssocID="{4BC794F5-872A-4DF1-8785-10041201D067}" presName="compNode" presStyleCnt="0"/>
+      <dgm:spPr/>
+    </dgm:pt>
+    <dgm:pt modelId="{B93FEEFC-B5C5-4767-9070-824D09EC720E}" type="pres">
+      <dgm:prSet presAssocID="{4BC794F5-872A-4DF1-8785-10041201D067}" presName="bgRect" presStyleLbl="bgShp" presStyleIdx="1" presStyleCnt="7"/>
+      <dgm:spPr/>
+    </dgm:pt>
+    <dgm:pt modelId="{718F2534-9F41-4BE7-B699-47293FF410E9}" type="pres">
+      <dgm:prSet presAssocID="{4BC794F5-872A-4DF1-8785-10041201D067}" presName="iconRect" presStyleLbl="node1" presStyleIdx="1" presStyleCnt="7"/>
+      <dgm:spPr>
+        <a:blipFill>
+          <a:blip xmlns:r="http://schemas.openxmlformats.org/officeDocument/2006/relationships" r:embed="rId3">
+            <a:extLst>
+              <a:ext uri="{28A0092B-C50C-407E-A947-70E740481C1C}">
+                <a14:useLocalDpi xmlns:a14="http://schemas.microsoft.com/office/drawing/2010/main" val="0"/>
+              </a:ext>
+              <a:ext uri="{96DAC541-7B7A-43D3-8B79-37D633B846F1}">
+                <asvg:svgBlip xmlns:asvg="http://schemas.microsoft.com/office/drawing/2016/SVG/main" r:embed="rId4"/>
+              </a:ext>
+            </a:extLst>
+          </a:blip>
+          <a:stretch>
+            <a:fillRect/>
+          </a:stretch>
+        </a:blipFill>
+        <a:ln>
+          <a:noFill/>
+        </a:ln>
+      </dgm:spPr>
+      <dgm:extLst>
+        <a:ext uri="{E40237B7-FDA0-4F09-8148-C483321AD2D9}">
+          <dgm14:cNvPr xmlns:dgm14="http://schemas.microsoft.com/office/drawing/2010/diagram" id="0" name="" descr="Cursor"/>
+        </a:ext>
+      </dgm:extLst>
+    </dgm:pt>
+    <dgm:pt modelId="{B623D277-B379-4AF5-89C1-8EA314AD705B}" type="pres">
+      <dgm:prSet presAssocID="{4BC794F5-872A-4DF1-8785-10041201D067}" presName="spaceRect" presStyleCnt="0"/>
+      <dgm:spPr/>
+    </dgm:pt>
+    <dgm:pt modelId="{086D73AC-DA74-49C9-9B50-BB60625CC070}" type="pres">
+      <dgm:prSet presAssocID="{4BC794F5-872A-4DF1-8785-10041201D067}" presName="parTx" presStyleLbl="revTx" presStyleIdx="1" presStyleCnt="7">
+        <dgm:presLayoutVars>
+          <dgm:chMax val="0"/>
+          <dgm:chPref val="0"/>
+        </dgm:presLayoutVars>
+      </dgm:prSet>
+      <dgm:spPr/>
+    </dgm:pt>
+    <dgm:pt modelId="{4470BF13-AEC7-4280-A081-904DC79E0AF7}" type="pres">
+      <dgm:prSet presAssocID="{2ABA59BD-C281-4A8D-9E78-7F1CF9764071}" presName="sibTrans" presStyleCnt="0"/>
+      <dgm:spPr/>
+    </dgm:pt>
+    <dgm:pt modelId="{99B2B554-C85B-440E-A77D-B51E37244340}" type="pres">
+      <dgm:prSet presAssocID="{BB88E99F-7AB9-457B-9398-8D7AC46605D3}" presName="compNode" presStyleCnt="0"/>
+      <dgm:spPr/>
+    </dgm:pt>
+    <dgm:pt modelId="{E07113A5-59D2-4D88-A8A0-4EC243514D9F}" type="pres">
+      <dgm:prSet presAssocID="{BB88E99F-7AB9-457B-9398-8D7AC46605D3}" presName="bgRect" presStyleLbl="bgShp" presStyleIdx="2" presStyleCnt="7"/>
+      <dgm:spPr/>
+    </dgm:pt>
+    <dgm:pt modelId="{857B896A-1413-4DB3-8A1B-3D3912CAF7AA}" type="pres">
+      <dgm:prSet presAssocID="{BB88E99F-7AB9-457B-9398-8D7AC46605D3}" presName="iconRect" presStyleLbl="node1" presStyleIdx="2" presStyleCnt="7"/>
+      <dgm:spPr>
+        <a:blipFill>
+          <a:blip xmlns:r="http://schemas.openxmlformats.org/officeDocument/2006/relationships" r:embed="rId5">
+            <a:extLst>
+              <a:ext uri="{28A0092B-C50C-407E-A947-70E740481C1C}">
+                <a14:useLocalDpi xmlns:a14="http://schemas.microsoft.com/office/drawing/2010/main" val="0"/>
+              </a:ext>
+              <a:ext uri="{96DAC541-7B7A-43D3-8B79-37D633B846F1}">
+                <asvg:svgBlip xmlns:asvg="http://schemas.microsoft.com/office/drawing/2016/SVG/main" r:embed="rId6"/>
+              </a:ext>
+            </a:extLst>
+          </a:blip>
+          <a:stretch>
+            <a:fillRect/>
+          </a:stretch>
+        </a:blipFill>
+        <a:ln>
+          <a:noFill/>
+        </a:ln>
+      </dgm:spPr>
+      <dgm:extLst>
+        <a:ext uri="{E40237B7-FDA0-4F09-8148-C483321AD2D9}">
+          <dgm14:cNvPr xmlns:dgm14="http://schemas.microsoft.com/office/drawing/2010/diagram" id="0" name="" descr="Computer"/>
+        </a:ext>
+      </dgm:extLst>
+    </dgm:pt>
+    <dgm:pt modelId="{9D853072-5E82-4BB2-BB77-604B2C182A9E}" type="pres">
+      <dgm:prSet presAssocID="{BB88E99F-7AB9-457B-9398-8D7AC46605D3}" presName="spaceRect" presStyleCnt="0"/>
+      <dgm:spPr/>
+    </dgm:pt>
+    <dgm:pt modelId="{D37A2FD3-18DD-451A-9662-205BAED25DBB}" type="pres">
+      <dgm:prSet presAssocID="{BB88E99F-7AB9-457B-9398-8D7AC46605D3}" presName="parTx" presStyleLbl="revTx" presStyleIdx="2" presStyleCnt="7">
+        <dgm:presLayoutVars>
+          <dgm:chMax val="0"/>
+          <dgm:chPref val="0"/>
+        </dgm:presLayoutVars>
+      </dgm:prSet>
+      <dgm:spPr/>
+    </dgm:pt>
+    <dgm:pt modelId="{1E01A12B-3C5B-4E77-B4EF-BC4C4C1AC7CE}" type="pres">
+      <dgm:prSet presAssocID="{8C570B24-267D-4240-89D4-46AB3A6EBE81}" presName="sibTrans" presStyleCnt="0"/>
+      <dgm:spPr/>
+    </dgm:pt>
+    <dgm:pt modelId="{112D6523-58FE-4BD2-8999-BF91AB3D106B}" type="pres">
+      <dgm:prSet presAssocID="{609A283C-C23F-4C1A-A7A4-24E228578255}" presName="compNode" presStyleCnt="0"/>
+      <dgm:spPr/>
+    </dgm:pt>
+    <dgm:pt modelId="{B4344225-9B0A-470A-9133-D6A0A067AA61}" type="pres">
+      <dgm:prSet presAssocID="{609A283C-C23F-4C1A-A7A4-24E228578255}" presName="bgRect" presStyleLbl="bgShp" presStyleIdx="3" presStyleCnt="7"/>
+      <dgm:spPr/>
+    </dgm:pt>
+    <dgm:pt modelId="{A0E3A3ED-B557-4D0C-B137-0C318F4AB130}" type="pres">
+      <dgm:prSet presAssocID="{609A283C-C23F-4C1A-A7A4-24E228578255}" presName="iconRect" presStyleLbl="node1" presStyleIdx="3" presStyleCnt="7"/>
+      <dgm:spPr>
+        <a:blipFill>
+          <a:blip xmlns:r="http://schemas.openxmlformats.org/officeDocument/2006/relationships" r:embed="rId7">
+            <a:extLst>
+              <a:ext uri="{28A0092B-C50C-407E-A947-70E740481C1C}">
+                <a14:useLocalDpi xmlns:a14="http://schemas.microsoft.com/office/drawing/2010/main" val="0"/>
+              </a:ext>
+              <a:ext uri="{96DAC541-7B7A-43D3-8B79-37D633B846F1}">
+                <asvg:svgBlip xmlns:asvg="http://schemas.microsoft.com/office/drawing/2016/SVG/main" r:embed="rId8"/>
+              </a:ext>
+            </a:extLst>
+          </a:blip>
+          <a:stretch>
+            <a:fillRect/>
+          </a:stretch>
+        </a:blipFill>
+        <a:ln>
+          <a:noFill/>
+        </a:ln>
+      </dgm:spPr>
+      <dgm:extLst>
+        <a:ext uri="{E40237B7-FDA0-4F09-8148-C483321AD2D9}">
+          <dgm14:cNvPr xmlns:dgm14="http://schemas.microsoft.com/office/drawing/2010/diagram" id="0" name="" descr="Programmer"/>
+        </a:ext>
+      </dgm:extLst>
+    </dgm:pt>
+    <dgm:pt modelId="{925F11F9-B762-4CD3-9912-2389C681BD96}" type="pres">
+      <dgm:prSet presAssocID="{609A283C-C23F-4C1A-A7A4-24E228578255}" presName="spaceRect" presStyleCnt="0"/>
+      <dgm:spPr/>
+    </dgm:pt>
+    <dgm:pt modelId="{93876787-0642-46AC-97A8-D49821519678}" type="pres">
+      <dgm:prSet presAssocID="{609A283C-C23F-4C1A-A7A4-24E228578255}" presName="parTx" presStyleLbl="revTx" presStyleIdx="3" presStyleCnt="7">
+        <dgm:presLayoutVars>
+          <dgm:chMax val="0"/>
+          <dgm:chPref val="0"/>
+        </dgm:presLayoutVars>
+      </dgm:prSet>
+      <dgm:spPr/>
+    </dgm:pt>
+    <dgm:pt modelId="{FFC0C277-A51A-4D7A-B305-448F198E872F}" type="pres">
+      <dgm:prSet presAssocID="{D8EE49FA-5D5F-479C-AD8B-6058769100B3}" presName="sibTrans" presStyleCnt="0"/>
+      <dgm:spPr/>
+    </dgm:pt>
+    <dgm:pt modelId="{424B6EDF-E28E-475D-AB96-1AEDFBE024A4}" type="pres">
+      <dgm:prSet presAssocID="{CA3497AC-AC58-41E1-8C96-B9A807C88D15}" presName="compNode" presStyleCnt="0"/>
+      <dgm:spPr/>
+    </dgm:pt>
+    <dgm:pt modelId="{672078BB-CE60-4600-9DB3-6C447E92D611}" type="pres">
+      <dgm:prSet presAssocID="{CA3497AC-AC58-41E1-8C96-B9A807C88D15}" presName="bgRect" presStyleLbl="bgShp" presStyleIdx="4" presStyleCnt="7"/>
+      <dgm:spPr/>
+    </dgm:pt>
+    <dgm:pt modelId="{EFD6C20C-BCED-4BC4-82FE-8DAB9145F465}" type="pres">
+      <dgm:prSet presAssocID="{CA3497AC-AC58-41E1-8C96-B9A807C88D15}" presName="iconRect" presStyleLbl="node1" presStyleIdx="4" presStyleCnt="7"/>
+      <dgm:spPr>
+        <a:blipFill>
+          <a:blip xmlns:r="http://schemas.openxmlformats.org/officeDocument/2006/relationships" r:embed="rId9">
+            <a:extLst>
+              <a:ext uri="{28A0092B-C50C-407E-A947-70E740481C1C}">
+                <a14:useLocalDpi xmlns:a14="http://schemas.microsoft.com/office/drawing/2010/main" val="0"/>
+              </a:ext>
+              <a:ext uri="{96DAC541-7B7A-43D3-8B79-37D633B846F1}">
+                <asvg:svgBlip xmlns:asvg="http://schemas.microsoft.com/office/drawing/2016/SVG/main" r:embed="rId10"/>
+              </a:ext>
+            </a:extLst>
+          </a:blip>
+          <a:stretch>
+            <a:fillRect/>
+          </a:stretch>
+        </a:blipFill>
+        <a:ln>
+          <a:noFill/>
+        </a:ln>
+      </dgm:spPr>
+      <dgm:extLst>
+        <a:ext uri="{E40237B7-FDA0-4F09-8148-C483321AD2D9}">
+          <dgm14:cNvPr xmlns:dgm14="http://schemas.microsoft.com/office/drawing/2010/diagram" id="0" name="" descr="Clock"/>
+        </a:ext>
+      </dgm:extLst>
+    </dgm:pt>
+    <dgm:pt modelId="{47E4E5C9-520D-4519-9A11-659630E8C899}" type="pres">
+      <dgm:prSet presAssocID="{CA3497AC-AC58-41E1-8C96-B9A807C88D15}" presName="spaceRect" presStyleCnt="0"/>
+      <dgm:spPr/>
+    </dgm:pt>
+    <dgm:pt modelId="{7239E18E-9FC2-4A53-9FD8-F4154ABA0EC6}" type="pres">
+      <dgm:prSet presAssocID="{CA3497AC-AC58-41E1-8C96-B9A807C88D15}" presName="parTx" presStyleLbl="revTx" presStyleIdx="4" presStyleCnt="7">
+        <dgm:presLayoutVars>
+          <dgm:chMax val="0"/>
+          <dgm:chPref val="0"/>
+        </dgm:presLayoutVars>
+      </dgm:prSet>
+      <dgm:spPr/>
+    </dgm:pt>
+    <dgm:pt modelId="{275DDD7B-1B03-4C0A-90E4-9912B2C922D5}" type="pres">
+      <dgm:prSet presAssocID="{D5BDD9C3-2CDA-4433-A0D6-3AD3767B7B22}" presName="sibTrans" presStyleCnt="0"/>
+      <dgm:spPr/>
+    </dgm:pt>
+    <dgm:pt modelId="{B540DF3B-8986-4E57-B63A-BB639E5C3BD7}" type="pres">
+      <dgm:prSet presAssocID="{3BF52D34-96DB-4A48-9366-47E1E687E3FA}" presName="compNode" presStyleCnt="0"/>
+      <dgm:spPr/>
+    </dgm:pt>
+    <dgm:pt modelId="{9A6A2D13-7B03-494B-A449-A11305EAF4C3}" type="pres">
+      <dgm:prSet presAssocID="{3BF52D34-96DB-4A48-9366-47E1E687E3FA}" presName="bgRect" presStyleLbl="bgShp" presStyleIdx="5" presStyleCnt="7"/>
+      <dgm:spPr/>
+    </dgm:pt>
+    <dgm:pt modelId="{EC0B5417-9A90-406C-BEC5-46924FE226AC}" type="pres">
+      <dgm:prSet presAssocID="{3BF52D34-96DB-4A48-9366-47E1E687E3FA}" presName="iconRect" presStyleLbl="node1" presStyleIdx="5" presStyleCnt="7"/>
+      <dgm:spPr>
+        <a:blipFill>
+          <a:blip xmlns:r="http://schemas.openxmlformats.org/officeDocument/2006/relationships" r:embed="rId11">
+            <a:extLst>
+              <a:ext uri="{28A0092B-C50C-407E-A947-70E740481C1C}">
+                <a14:useLocalDpi xmlns:a14="http://schemas.microsoft.com/office/drawing/2010/main" val="0"/>
+              </a:ext>
+              <a:ext uri="{96DAC541-7B7A-43D3-8B79-37D633B846F1}">
+                <asvg:svgBlip xmlns:asvg="http://schemas.microsoft.com/office/drawing/2016/SVG/main" r:embed="rId12"/>
+              </a:ext>
+            </a:extLst>
+          </a:blip>
+          <a:stretch>
+            <a:fillRect/>
+          </a:stretch>
+        </a:blipFill>
+        <a:ln>
+          <a:noFill/>
+        </a:ln>
+      </dgm:spPr>
+      <dgm:extLst>
+        <a:ext uri="{E40237B7-FDA0-4F09-8148-C483321AD2D9}">
+          <dgm14:cNvPr xmlns:dgm14="http://schemas.microsoft.com/office/drawing/2010/diagram" id="0" name="" descr="Gears"/>
+        </a:ext>
+      </dgm:extLst>
+    </dgm:pt>
+    <dgm:pt modelId="{1567783A-8451-49D8-97DB-B038ADEF71AF}" type="pres">
+      <dgm:prSet presAssocID="{3BF52D34-96DB-4A48-9366-47E1E687E3FA}" presName="spaceRect" presStyleCnt="0"/>
+      <dgm:spPr/>
+    </dgm:pt>
+    <dgm:pt modelId="{05B0B6EE-99F6-47FF-877D-CB78CA451956}" type="pres">
+      <dgm:prSet presAssocID="{3BF52D34-96DB-4A48-9366-47E1E687E3FA}" presName="parTx" presStyleLbl="revTx" presStyleIdx="5" presStyleCnt="7">
+        <dgm:presLayoutVars>
+          <dgm:chMax val="0"/>
+          <dgm:chPref val="0"/>
+        </dgm:presLayoutVars>
+      </dgm:prSet>
+      <dgm:spPr/>
+    </dgm:pt>
+    <dgm:pt modelId="{01A1E4D2-005C-43CF-A2FE-BDB18A0E4C5D}" type="pres">
+      <dgm:prSet presAssocID="{1C2A003B-C2D8-4BBD-A7C8-36567F09F092}" presName="sibTrans" presStyleCnt="0"/>
+      <dgm:spPr/>
+    </dgm:pt>
+    <dgm:pt modelId="{F3D1B699-7E93-4284-93B1-1395120FE1BF}" type="pres">
+      <dgm:prSet presAssocID="{B497E9D2-2CF7-4FD1-9B93-007151BEF6E1}" presName="compNode" presStyleCnt="0"/>
+      <dgm:spPr/>
+    </dgm:pt>
+    <dgm:pt modelId="{F8ACF3B0-2304-42EA-9974-16A8CB8D2CDC}" type="pres">
+      <dgm:prSet presAssocID="{B497E9D2-2CF7-4FD1-9B93-007151BEF6E1}" presName="bgRect" presStyleLbl="bgShp" presStyleIdx="6" presStyleCnt="7"/>
+      <dgm:spPr/>
+    </dgm:pt>
+    <dgm:pt modelId="{2EF5B759-D0F0-4A25-8DCF-F104EC89D042}" type="pres">
+      <dgm:prSet presAssocID="{B497E9D2-2CF7-4FD1-9B93-007151BEF6E1}" presName="iconRect" presStyleLbl="node1" presStyleIdx="6" presStyleCnt="7"/>
+      <dgm:spPr>
+        <a:blipFill>
+          <a:blip xmlns:r="http://schemas.openxmlformats.org/officeDocument/2006/relationships" r:embed="rId13">
+            <a:extLst>
+              <a:ext uri="{28A0092B-C50C-407E-A947-70E740481C1C}">
+                <a14:useLocalDpi xmlns:a14="http://schemas.microsoft.com/office/drawing/2010/main" val="0"/>
+              </a:ext>
+              <a:ext uri="{96DAC541-7B7A-43D3-8B79-37D633B846F1}">
+                <asvg:svgBlip xmlns:asvg="http://schemas.microsoft.com/office/drawing/2016/SVG/main" r:embed="rId14"/>
+              </a:ext>
+            </a:extLst>
+          </a:blip>
+          <a:stretch>
+            <a:fillRect/>
+          </a:stretch>
+        </a:blipFill>
+        <a:ln>
+          <a:noFill/>
+        </a:ln>
+      </dgm:spPr>
+      <dgm:extLst>
+        <a:ext uri="{E40237B7-FDA0-4F09-8148-C483321AD2D9}">
+          <dgm14:cNvPr xmlns:dgm14="http://schemas.microsoft.com/office/drawing/2010/diagram" id="0" name="" descr="Flowchart"/>
+        </a:ext>
+      </dgm:extLst>
+    </dgm:pt>
+    <dgm:pt modelId="{3AC26E16-8099-4EFA-821A-A4CD31968026}" type="pres">
+      <dgm:prSet presAssocID="{B497E9D2-2CF7-4FD1-9B93-007151BEF6E1}" presName="spaceRect" presStyleCnt="0"/>
+      <dgm:spPr/>
+    </dgm:pt>
+    <dgm:pt modelId="{40D98AF8-DD72-49B9-A81F-B3E4F2D43209}" type="pres">
+      <dgm:prSet presAssocID="{B497E9D2-2CF7-4FD1-9B93-007151BEF6E1}" presName="parTx" presStyleLbl="revTx" presStyleIdx="6" presStyleCnt="7">
+        <dgm:presLayoutVars>
+          <dgm:chMax val="0"/>
+          <dgm:chPref val="0"/>
+        </dgm:presLayoutVars>
+      </dgm:prSet>
+      <dgm:spPr/>
+    </dgm:pt>
+  </dgm:ptLst>
+  <dgm:cxnLst>
+    <dgm:cxn modelId="{2139C202-A674-4956-9328-B7954F3E03EC}" type="presOf" srcId="{609A283C-C23F-4C1A-A7A4-24E228578255}" destId="{93876787-0642-46AC-97A8-D49821519678}" srcOrd="0" destOrd="0" presId="urn:microsoft.com/office/officeart/2018/2/layout/IconVerticalSolidList"/>
+    <dgm:cxn modelId="{E378D85A-9B4C-48DB-80D5-2D64F4902970}" type="presOf" srcId="{3BF52D34-96DB-4A48-9366-47E1E687E3FA}" destId="{05B0B6EE-99F6-47FF-877D-CB78CA451956}" srcOrd="0" destOrd="0" presId="urn:microsoft.com/office/officeart/2018/2/layout/IconVerticalSolidList"/>
+    <dgm:cxn modelId="{FE0A376E-1B1B-4124-807F-E016004ED677}" type="presOf" srcId="{35820E59-578C-46DF-9623-0A375E12D2DE}" destId="{8E7257CD-F177-4C25-83EA-72712B7B4FB9}" srcOrd="0" destOrd="0" presId="urn:microsoft.com/office/officeart/2018/2/layout/IconVerticalSolidList"/>
+    <dgm:cxn modelId="{DB47167A-8F5C-45FE-8E80-726252E8E2BB}" type="presOf" srcId="{B5D8449B-D9E8-4DF0-B7DE-976A97FEB631}" destId="{34AE3061-96D6-4182-B8B7-CD1BA9A37703}" srcOrd="0" destOrd="0" presId="urn:microsoft.com/office/officeart/2018/2/layout/IconVerticalSolidList"/>
+    <dgm:cxn modelId="{022D337B-4E99-4106-A619-A8A938827BD3}" srcId="{35820E59-578C-46DF-9623-0A375E12D2DE}" destId="{BB88E99F-7AB9-457B-9398-8D7AC46605D3}" srcOrd="2" destOrd="0" parTransId="{8294FC4E-3411-4907-894B-5CA2998809A8}" sibTransId="{8C570B24-267D-4240-89D4-46AB3A6EBE81}"/>
+    <dgm:cxn modelId="{5DDA3191-FEEA-4EAE-89EF-546906D9F45A}" type="presOf" srcId="{B497E9D2-2CF7-4FD1-9B93-007151BEF6E1}" destId="{40D98AF8-DD72-49B9-A81F-B3E4F2D43209}" srcOrd="0" destOrd="0" presId="urn:microsoft.com/office/officeart/2018/2/layout/IconVerticalSolidList"/>
+    <dgm:cxn modelId="{9DB09896-E31C-4913-855A-F67ED9803CC2}" srcId="{35820E59-578C-46DF-9623-0A375E12D2DE}" destId="{CA3497AC-AC58-41E1-8C96-B9A807C88D15}" srcOrd="4" destOrd="0" parTransId="{BFAB2E9E-0F7F-4614-A71E-EBDEBDD31FEC}" sibTransId="{D5BDD9C3-2CDA-4433-A0D6-3AD3767B7B22}"/>
+    <dgm:cxn modelId="{F799CCAD-3B9B-421A-BC06-34DB2889222F}" srcId="{35820E59-578C-46DF-9623-0A375E12D2DE}" destId="{609A283C-C23F-4C1A-A7A4-24E228578255}" srcOrd="3" destOrd="0" parTransId="{EB067883-D371-46B9-933F-DE15B2013DE9}" sibTransId="{D8EE49FA-5D5F-479C-AD8B-6058769100B3}"/>
+    <dgm:cxn modelId="{516A2DB6-0EC9-4B99-B977-4793CB2A2B95}" srcId="{35820E59-578C-46DF-9623-0A375E12D2DE}" destId="{4BC794F5-872A-4DF1-8785-10041201D067}" srcOrd="1" destOrd="0" parTransId="{6DB0226B-82E6-4C35-8DE3-E9C677C8A60C}" sibTransId="{2ABA59BD-C281-4A8D-9E78-7F1CF9764071}"/>
+    <dgm:cxn modelId="{D92CEDD6-F188-4C89-B8EF-A1D0737338CE}" srcId="{35820E59-578C-46DF-9623-0A375E12D2DE}" destId="{B497E9D2-2CF7-4FD1-9B93-007151BEF6E1}" srcOrd="6" destOrd="0" parTransId="{FD892AFA-27E1-4558-B98D-E9C8649BC891}" sibTransId="{E3C8DE75-68AE-482A-9940-B44D9FEA9392}"/>
+    <dgm:cxn modelId="{BC4B7DE2-1F14-4AF1-A104-56620DBC1427}" srcId="{35820E59-578C-46DF-9623-0A375E12D2DE}" destId="{B5D8449B-D9E8-4DF0-B7DE-976A97FEB631}" srcOrd="0" destOrd="0" parTransId="{259BBEC6-BC36-44D5-97A0-E4327A638EFC}" sibTransId="{A3454529-1C0A-4279-9027-121D41C9B1E2}"/>
+    <dgm:cxn modelId="{BA4A51ED-B608-42CC-AB6C-F7D5031F698E}" type="presOf" srcId="{CA3497AC-AC58-41E1-8C96-B9A807C88D15}" destId="{7239E18E-9FC2-4A53-9FD8-F4154ABA0EC6}" srcOrd="0" destOrd="0" presId="urn:microsoft.com/office/officeart/2018/2/layout/IconVerticalSolidList"/>
+    <dgm:cxn modelId="{D9710DF8-599E-477E-890D-62BFCF298BF8}" type="presOf" srcId="{BB88E99F-7AB9-457B-9398-8D7AC46605D3}" destId="{D37A2FD3-18DD-451A-9662-205BAED25DBB}" srcOrd="0" destOrd="0" presId="urn:microsoft.com/office/officeart/2018/2/layout/IconVerticalSolidList"/>
+    <dgm:cxn modelId="{F6A53CF8-9768-4831-8184-B47F970CB1C1}" srcId="{35820E59-578C-46DF-9623-0A375E12D2DE}" destId="{3BF52D34-96DB-4A48-9366-47E1E687E3FA}" srcOrd="5" destOrd="0" parTransId="{D5E2598F-AC43-44B9-9A03-8A3F0885EA28}" sibTransId="{1C2A003B-C2D8-4BBD-A7C8-36567F09F092}"/>
+    <dgm:cxn modelId="{9501FBFF-A94D-4B25-905B-44DE73B51C25}" type="presOf" srcId="{4BC794F5-872A-4DF1-8785-10041201D067}" destId="{086D73AC-DA74-49C9-9B50-BB60625CC070}" srcOrd="0" destOrd="0" presId="urn:microsoft.com/office/officeart/2018/2/layout/IconVerticalSolidList"/>
+    <dgm:cxn modelId="{E40A7EAC-00CA-403D-BE3A-0C4FE7228027}" type="presParOf" srcId="{8E7257CD-F177-4C25-83EA-72712B7B4FB9}" destId="{395DD803-83E4-41F6-98A8-4DD9416590B3}" srcOrd="0" destOrd="0" presId="urn:microsoft.com/office/officeart/2018/2/layout/IconVerticalSolidList"/>
+    <dgm:cxn modelId="{1E94EE80-CF96-4589-9359-EBC4B3F8ED49}" type="presParOf" srcId="{395DD803-83E4-41F6-98A8-4DD9416590B3}" destId="{5B9843EF-A025-4B96-BB40-722AD6A6D295}" srcOrd="0" destOrd="0" presId="urn:microsoft.com/office/officeart/2018/2/layout/IconVerticalSolidList"/>
+    <dgm:cxn modelId="{46AFA8C7-097A-4D87-9C05-3FF103D3E594}" type="presParOf" srcId="{395DD803-83E4-41F6-98A8-4DD9416590B3}" destId="{47AF0BEC-E5FF-456B-AAAD-DB928968541D}" srcOrd="1" destOrd="0" presId="urn:microsoft.com/office/officeart/2018/2/layout/IconVerticalSolidList"/>
+    <dgm:cxn modelId="{A353EFA6-1DDC-4E77-9A48-E9A34B6387F9}" type="presParOf" srcId="{395DD803-83E4-41F6-98A8-4DD9416590B3}" destId="{5D121C98-0EA7-45BA-9228-2F2588EC54AD}" srcOrd="2" destOrd="0" presId="urn:microsoft.com/office/officeart/2018/2/layout/IconVerticalSolidList"/>
+    <dgm:cxn modelId="{2CFC05F2-18B3-4CF6-982C-D6712DA292CD}" type="presParOf" srcId="{395DD803-83E4-41F6-98A8-4DD9416590B3}" destId="{34AE3061-96D6-4182-B8B7-CD1BA9A37703}" srcOrd="3" destOrd="0" presId="urn:microsoft.com/office/officeart/2018/2/layout/IconVerticalSolidList"/>
+    <dgm:cxn modelId="{9D4AE197-F759-43B6-8B66-31CB54D94273}" type="presParOf" srcId="{8E7257CD-F177-4C25-83EA-72712B7B4FB9}" destId="{2D37973B-97C5-475B-B51A-A8F0A9926F60}" srcOrd="1" destOrd="0" presId="urn:microsoft.com/office/officeart/2018/2/layout/IconVerticalSolidList"/>
+    <dgm:cxn modelId="{EC8B7D46-1B53-4604-8533-57331E420BFE}" type="presParOf" srcId="{8E7257CD-F177-4C25-83EA-72712B7B4FB9}" destId="{207EE500-5BB4-490B-A09D-747AA633A397}" srcOrd="2" destOrd="0" presId="urn:microsoft.com/office/officeart/2018/2/layout/IconVerticalSolidList"/>
+    <dgm:cxn modelId="{1E1F4FA1-716E-4597-8AF0-770BFA3B4D4A}" type="presParOf" srcId="{207EE500-5BB4-490B-A09D-747AA633A397}" destId="{B93FEEFC-B5C5-4767-9070-824D09EC720E}" srcOrd="0" destOrd="0" presId="urn:microsoft.com/office/officeart/2018/2/layout/IconVerticalSolidList"/>
+    <dgm:cxn modelId="{6A31F802-962B-4449-9E9C-1228726BBA42}" type="presParOf" srcId="{207EE500-5BB4-490B-A09D-747AA633A397}" destId="{718F2534-9F41-4BE7-B699-47293FF410E9}" srcOrd="1" destOrd="0" presId="urn:microsoft.com/office/officeart/2018/2/layout/IconVerticalSolidList"/>
+    <dgm:cxn modelId="{591C53B8-4266-4D5B-B74F-E59BCE52A59A}" type="presParOf" srcId="{207EE500-5BB4-490B-A09D-747AA633A397}" destId="{B623D277-B379-4AF5-89C1-8EA314AD705B}" srcOrd="2" destOrd="0" presId="urn:microsoft.com/office/officeart/2018/2/layout/IconVerticalSolidList"/>
+    <dgm:cxn modelId="{A7402D73-EA0F-46B0-94CA-2A785D4A3100}" type="presParOf" srcId="{207EE500-5BB4-490B-A09D-747AA633A397}" destId="{086D73AC-DA74-49C9-9B50-BB60625CC070}" srcOrd="3" destOrd="0" presId="urn:microsoft.com/office/officeart/2018/2/layout/IconVerticalSolidList"/>
+    <dgm:cxn modelId="{FBB52C0B-212D-448C-BED8-91A76A27E9B1}" type="presParOf" srcId="{8E7257CD-F177-4C25-83EA-72712B7B4FB9}" destId="{4470BF13-AEC7-4280-A081-904DC79E0AF7}" srcOrd="3" destOrd="0" presId="urn:microsoft.com/office/officeart/2018/2/layout/IconVerticalSolidList"/>
+    <dgm:cxn modelId="{67D02C89-E0B1-4507-AAE6-38EACAB77479}" type="presParOf" srcId="{8E7257CD-F177-4C25-83EA-72712B7B4FB9}" destId="{99B2B554-C85B-440E-A77D-B51E37244340}" srcOrd="4" destOrd="0" presId="urn:microsoft.com/office/officeart/2018/2/layout/IconVerticalSolidList"/>
+    <dgm:cxn modelId="{E754CEDA-A85F-40A6-BD53-E4CE0B5A21B3}" type="presParOf" srcId="{99B2B554-C85B-440E-A77D-B51E37244340}" destId="{E07113A5-59D2-4D88-A8A0-4EC243514D9F}" srcOrd="0" destOrd="0" presId="urn:microsoft.com/office/officeart/2018/2/layout/IconVerticalSolidList"/>
+    <dgm:cxn modelId="{6FF3F1FF-9BF1-4B82-9FEB-2E90213F2425}" type="presParOf" srcId="{99B2B554-C85B-440E-A77D-B51E37244340}" destId="{857B896A-1413-4DB3-8A1B-3D3912CAF7AA}" srcOrd="1" destOrd="0" presId="urn:microsoft.com/office/officeart/2018/2/layout/IconVerticalSolidList"/>
+    <dgm:cxn modelId="{B9411DAF-09C0-4E73-9AFC-D463256ABAE3}" type="presParOf" srcId="{99B2B554-C85B-440E-A77D-B51E37244340}" destId="{9D853072-5E82-4BB2-BB77-604B2C182A9E}" srcOrd="2" destOrd="0" presId="urn:microsoft.com/office/officeart/2018/2/layout/IconVerticalSolidList"/>
+    <dgm:cxn modelId="{DCAECF11-0D22-4C2F-80E9-DB02E80FD4C5}" type="presParOf" srcId="{99B2B554-C85B-440E-A77D-B51E37244340}" destId="{D37A2FD3-18DD-451A-9662-205BAED25DBB}" srcOrd="3" destOrd="0" presId="urn:microsoft.com/office/officeart/2018/2/layout/IconVerticalSolidList"/>
+    <dgm:cxn modelId="{54B43879-00D7-4828-BF96-E48B66C1A908}" type="presParOf" srcId="{8E7257CD-F177-4C25-83EA-72712B7B4FB9}" destId="{1E01A12B-3C5B-4E77-B4EF-BC4C4C1AC7CE}" srcOrd="5" destOrd="0" presId="urn:microsoft.com/office/officeart/2018/2/layout/IconVerticalSolidList"/>
+    <dgm:cxn modelId="{8881AC92-CF42-47CB-8D8C-FC931C167AAB}" type="presParOf" srcId="{8E7257CD-F177-4C25-83EA-72712B7B4FB9}" destId="{112D6523-58FE-4BD2-8999-BF91AB3D106B}" srcOrd="6" destOrd="0" presId="urn:microsoft.com/office/officeart/2018/2/layout/IconVerticalSolidList"/>
+    <dgm:cxn modelId="{07870D1B-82B5-417C-8E97-3285428CB4EE}" type="presParOf" srcId="{112D6523-58FE-4BD2-8999-BF91AB3D106B}" destId="{B4344225-9B0A-470A-9133-D6A0A067AA61}" srcOrd="0" destOrd="0" presId="urn:microsoft.com/office/officeart/2018/2/layout/IconVerticalSolidList"/>
+    <dgm:cxn modelId="{B5051894-90A0-4E54-B45F-BC481446ABAC}" type="presParOf" srcId="{112D6523-58FE-4BD2-8999-BF91AB3D106B}" destId="{A0E3A3ED-B557-4D0C-B137-0C318F4AB130}" srcOrd="1" destOrd="0" presId="urn:microsoft.com/office/officeart/2018/2/layout/IconVerticalSolidList"/>
+    <dgm:cxn modelId="{DCDB98EC-A7B5-4521-A4E2-7ECB40BA2C0A}" type="presParOf" srcId="{112D6523-58FE-4BD2-8999-BF91AB3D106B}" destId="{925F11F9-B762-4CD3-9912-2389C681BD96}" srcOrd="2" destOrd="0" presId="urn:microsoft.com/office/officeart/2018/2/layout/IconVerticalSolidList"/>
+    <dgm:cxn modelId="{40D884A7-6213-4AA2-AFE1-C1D2D1A01500}" type="presParOf" srcId="{112D6523-58FE-4BD2-8999-BF91AB3D106B}" destId="{93876787-0642-46AC-97A8-D49821519678}" srcOrd="3" destOrd="0" presId="urn:microsoft.com/office/officeart/2018/2/layout/IconVerticalSolidList"/>
+    <dgm:cxn modelId="{42DD0810-2E8F-49F3-A21E-9D79AAB5A7DA}" type="presParOf" srcId="{8E7257CD-F177-4C25-83EA-72712B7B4FB9}" destId="{FFC0C277-A51A-4D7A-B305-448F198E872F}" srcOrd="7" destOrd="0" presId="urn:microsoft.com/office/officeart/2018/2/layout/IconVerticalSolidList"/>
+    <dgm:cxn modelId="{43ED99A8-8C2E-42C7-A68F-6A8BEF7D72F6}" type="presParOf" srcId="{8E7257CD-F177-4C25-83EA-72712B7B4FB9}" destId="{424B6EDF-E28E-475D-AB96-1AEDFBE024A4}" srcOrd="8" destOrd="0" presId="urn:microsoft.com/office/officeart/2018/2/layout/IconVerticalSolidList"/>
+    <dgm:cxn modelId="{E7E09BEA-8CDC-49BC-A187-F3780E788829}" type="presParOf" srcId="{424B6EDF-E28E-475D-AB96-1AEDFBE024A4}" destId="{672078BB-CE60-4600-9DB3-6C447E92D611}" srcOrd="0" destOrd="0" presId="urn:microsoft.com/office/officeart/2018/2/layout/IconVerticalSolidList"/>
+    <dgm:cxn modelId="{797A5043-4DDE-4884-94CB-94EB09C5D986}" type="presParOf" srcId="{424B6EDF-E28E-475D-AB96-1AEDFBE024A4}" destId="{EFD6C20C-BCED-4BC4-82FE-8DAB9145F465}" srcOrd="1" destOrd="0" presId="urn:microsoft.com/office/officeart/2018/2/layout/IconVerticalSolidList"/>
+    <dgm:cxn modelId="{8E3D0507-C28A-4F35-84BC-86D6C7245422}" type="presParOf" srcId="{424B6EDF-E28E-475D-AB96-1AEDFBE024A4}" destId="{47E4E5C9-520D-4519-9A11-659630E8C899}" srcOrd="2" destOrd="0" presId="urn:microsoft.com/office/officeart/2018/2/layout/IconVerticalSolidList"/>
+    <dgm:cxn modelId="{FD7B20B5-51C8-45C5-87E7-7DAB65CAB208}" type="presParOf" srcId="{424B6EDF-E28E-475D-AB96-1AEDFBE024A4}" destId="{7239E18E-9FC2-4A53-9FD8-F4154ABA0EC6}" srcOrd="3" destOrd="0" presId="urn:microsoft.com/office/officeart/2018/2/layout/IconVerticalSolidList"/>
+    <dgm:cxn modelId="{E691A19A-E64C-437C-8833-8C3134F4389C}" type="presParOf" srcId="{8E7257CD-F177-4C25-83EA-72712B7B4FB9}" destId="{275DDD7B-1B03-4C0A-90E4-9912B2C922D5}" srcOrd="9" destOrd="0" presId="urn:microsoft.com/office/officeart/2018/2/layout/IconVerticalSolidList"/>
+    <dgm:cxn modelId="{83EBA2DB-006E-4462-BC2D-588E8B60172F}" type="presParOf" srcId="{8E7257CD-F177-4C25-83EA-72712B7B4FB9}" destId="{B540DF3B-8986-4E57-B63A-BB639E5C3BD7}" srcOrd="10" destOrd="0" presId="urn:microsoft.com/office/officeart/2018/2/layout/IconVerticalSolidList"/>
+    <dgm:cxn modelId="{FEB32728-6961-4A40-BE1A-28788CC9B085}" type="presParOf" srcId="{B540DF3B-8986-4E57-B63A-BB639E5C3BD7}" destId="{9A6A2D13-7B03-494B-A449-A11305EAF4C3}" srcOrd="0" destOrd="0" presId="urn:microsoft.com/office/officeart/2018/2/layout/IconVerticalSolidList"/>
+    <dgm:cxn modelId="{7086050A-3730-49B5-A19E-FD30DCA2A4C8}" type="presParOf" srcId="{B540DF3B-8986-4E57-B63A-BB639E5C3BD7}" destId="{EC0B5417-9A90-406C-BEC5-46924FE226AC}" srcOrd="1" destOrd="0" presId="urn:microsoft.com/office/officeart/2018/2/layout/IconVerticalSolidList"/>
+    <dgm:cxn modelId="{5F114104-F40C-4809-8639-5809A816F829}" type="presParOf" srcId="{B540DF3B-8986-4E57-B63A-BB639E5C3BD7}" destId="{1567783A-8451-49D8-97DB-B038ADEF71AF}" srcOrd="2" destOrd="0" presId="urn:microsoft.com/office/officeart/2018/2/layout/IconVerticalSolidList"/>
+    <dgm:cxn modelId="{46B1CB40-5D27-4A18-9645-5817C75A6FED}" type="presParOf" srcId="{B540DF3B-8986-4E57-B63A-BB639E5C3BD7}" destId="{05B0B6EE-99F6-47FF-877D-CB78CA451956}" srcOrd="3" destOrd="0" presId="urn:microsoft.com/office/officeart/2018/2/layout/IconVerticalSolidList"/>
+    <dgm:cxn modelId="{1CCD3C9F-6ACB-41AA-B03E-558D65E4BF35}" type="presParOf" srcId="{8E7257CD-F177-4C25-83EA-72712B7B4FB9}" destId="{01A1E4D2-005C-43CF-A2FE-BDB18A0E4C5D}" srcOrd="11" destOrd="0" presId="urn:microsoft.com/office/officeart/2018/2/layout/IconVerticalSolidList"/>
+    <dgm:cxn modelId="{9F307463-551A-4998-89A2-9B481493FC30}" type="presParOf" srcId="{8E7257CD-F177-4C25-83EA-72712B7B4FB9}" destId="{F3D1B699-7E93-4284-93B1-1395120FE1BF}" srcOrd="12" destOrd="0" presId="urn:microsoft.com/office/officeart/2018/2/layout/IconVerticalSolidList"/>
+    <dgm:cxn modelId="{4D4407AB-B9B3-4F9A-A277-319EA7EFB925}" type="presParOf" srcId="{F3D1B699-7E93-4284-93B1-1395120FE1BF}" destId="{F8ACF3B0-2304-42EA-9974-16A8CB8D2CDC}" srcOrd="0" destOrd="0" presId="urn:microsoft.com/office/officeart/2018/2/layout/IconVerticalSolidList"/>
+    <dgm:cxn modelId="{21A91E6B-B87B-48E5-B332-519707645F69}" type="presParOf" srcId="{F3D1B699-7E93-4284-93B1-1395120FE1BF}" destId="{2EF5B759-D0F0-4A25-8DCF-F104EC89D042}" srcOrd="1" destOrd="0" presId="urn:microsoft.com/office/officeart/2018/2/layout/IconVerticalSolidList"/>
+    <dgm:cxn modelId="{6052947A-DCC9-443D-A2F7-799D39092827}" type="presParOf" srcId="{F3D1B699-7E93-4284-93B1-1395120FE1BF}" destId="{3AC26E16-8099-4EFA-821A-A4CD31968026}" srcOrd="2" destOrd="0" presId="urn:microsoft.com/office/officeart/2018/2/layout/IconVerticalSolidList"/>
+    <dgm:cxn modelId="{17161D27-B187-41F0-8562-CB0056E66F34}" type="presParOf" srcId="{F3D1B699-7E93-4284-93B1-1395120FE1BF}" destId="{40D98AF8-DD72-49B9-A81F-B3E4F2D43209}" srcOrd="3" destOrd="0" presId="urn:microsoft.com/office/officeart/2018/2/layout/IconVerticalSolidList"/>
+  </dgm:cxnLst>
+  <dgm:bg/>
+  <dgm:whole/>
+  <dgm:extLst>
+    <a:ext uri="http://schemas.microsoft.com/office/drawing/2008/diagram">
+      <dsp:dataModelExt xmlns:dsp="http://schemas.microsoft.com/office/drawing/2008/diagram" relId="rId6" minVer="http://schemas.openxmlformats.org/drawingml/2006/diagram"/>
+    </a:ext>
+  </dgm:extLst>
+</dgm:dataModel>
+</file>
+
+<file path=ppt/diagrams/data2.xml><?xml version="1.0" encoding="utf-8"?>
+<dgm:dataModel xmlns:dgm="http://schemas.openxmlformats.org/drawingml/2006/diagram" xmlns:a="http://schemas.openxmlformats.org/drawingml/2006/main">
+  <dgm:ptLst>
+    <dgm:pt modelId="{A3FB3CA9-7955-4807-9D4A-C4C5FC7C5169}" type="doc">
+      <dgm:prSet loTypeId="urn:microsoft.com/office/officeart/2005/8/layout/vList2" loCatId="list" qsTypeId="urn:microsoft.com/office/officeart/2005/8/quickstyle/simple4" qsCatId="simple" csTypeId="urn:microsoft.com/office/officeart/2005/8/colors/colorful2" csCatId="colorful" phldr="1"/>
+      <dgm:spPr/>
+      <dgm:t>
+        <a:bodyPr/>
+        <a:lstStyle/>
+        <a:p>
+          <a:endParaRPr lang="en-US"/>
+        </a:p>
+      </dgm:t>
+    </dgm:pt>
+    <dgm:pt modelId="{1A9CA0A8-FD2F-42B6-9B49-E8C22EE30F45}">
+      <dgm:prSet/>
+      <dgm:spPr/>
+      <dgm:t>
+        <a:bodyPr/>
+        <a:lstStyle/>
+        <a:p>
+          <a:r>
+            <a:rPr lang="en-US"/>
+            <a:t>What went well?</a:t>
+          </a:r>
+        </a:p>
+      </dgm:t>
+    </dgm:pt>
+    <dgm:pt modelId="{C91C3563-217C-4A48-A5D2-E2CEA6D93F06}" type="parTrans" cxnId="{57034A09-30C7-4A47-AB03-563894AFC698}">
+      <dgm:prSet/>
+      <dgm:spPr/>
+      <dgm:t>
+        <a:bodyPr/>
+        <a:lstStyle/>
+        <a:p>
+          <a:endParaRPr lang="en-US"/>
+        </a:p>
+      </dgm:t>
+    </dgm:pt>
+    <dgm:pt modelId="{30B4FD97-ED60-49C0-8C0C-63BB6810D2DA}" type="sibTrans" cxnId="{57034A09-30C7-4A47-AB03-563894AFC698}">
+      <dgm:prSet/>
+      <dgm:spPr/>
+      <dgm:t>
+        <a:bodyPr/>
+        <a:lstStyle/>
+        <a:p>
+          <a:endParaRPr lang="en-US"/>
+        </a:p>
+      </dgm:t>
+    </dgm:pt>
+    <dgm:pt modelId="{BC1DBD05-5E83-4F30-A0BD-454AC16090B3}">
+      <dgm:prSet/>
+      <dgm:spPr/>
+      <dgm:t>
+        <a:bodyPr/>
+        <a:lstStyle/>
+        <a:p>
+          <a:r>
+            <a:rPr lang="en-US"/>
+            <a:t>ALU and ALUsim was pretty straightforward</a:t>
+          </a:r>
+        </a:p>
+      </dgm:t>
+    </dgm:pt>
+    <dgm:pt modelId="{3D69EFA6-EF9A-4433-9F05-41DAD4936850}" type="parTrans" cxnId="{40B6EE85-3C2A-43D7-93A4-E9F0AC529930}">
+      <dgm:prSet/>
+      <dgm:spPr/>
+      <dgm:t>
+        <a:bodyPr/>
+        <a:lstStyle/>
+        <a:p>
+          <a:endParaRPr lang="en-US"/>
+        </a:p>
+      </dgm:t>
+    </dgm:pt>
+    <dgm:pt modelId="{3CD635A3-DAC9-4A05-8664-8B42AFBE5A59}" type="sibTrans" cxnId="{40B6EE85-3C2A-43D7-93A4-E9F0AC529930}">
+      <dgm:prSet/>
+      <dgm:spPr/>
+      <dgm:t>
+        <a:bodyPr/>
+        <a:lstStyle/>
+        <a:p>
+          <a:endParaRPr lang="en-US"/>
+        </a:p>
+      </dgm:t>
+    </dgm:pt>
+    <dgm:pt modelId="{24CDC60F-39C4-4E6C-BF1C-F5F9E59EB398}">
+      <dgm:prSet/>
+      <dgm:spPr/>
+      <dgm:t>
+        <a:bodyPr/>
+        <a:lstStyle/>
+        <a:p>
+          <a:r>
+            <a:rPr lang="en-US"/>
+            <a:t>Integration from FP1 was smooth</a:t>
+          </a:r>
+        </a:p>
+      </dgm:t>
+    </dgm:pt>
+    <dgm:pt modelId="{679D8376-F12F-4CA1-85A3-E2E4618FD0AA}" type="parTrans" cxnId="{24100427-5F2C-40AD-A13C-ADF6F3351700}">
+      <dgm:prSet/>
+      <dgm:spPr/>
+      <dgm:t>
+        <a:bodyPr/>
+        <a:lstStyle/>
+        <a:p>
+          <a:endParaRPr lang="en-US"/>
+        </a:p>
+      </dgm:t>
+    </dgm:pt>
+    <dgm:pt modelId="{DCB49DF9-28AD-4106-A12B-5075191ECC94}" type="sibTrans" cxnId="{24100427-5F2C-40AD-A13C-ADF6F3351700}">
+      <dgm:prSet/>
+      <dgm:spPr/>
+      <dgm:t>
+        <a:bodyPr/>
+        <a:lstStyle/>
+        <a:p>
+          <a:endParaRPr lang="en-US"/>
+        </a:p>
+      </dgm:t>
+    </dgm:pt>
+    <dgm:pt modelId="{7214BE19-5662-4281-A328-7BC0D504CC8C}">
+      <dgm:prSet/>
+      <dgm:spPr/>
+      <dgm:t>
+        <a:bodyPr/>
+        <a:lstStyle/>
+        <a:p>
+          <a:r>
+            <a:rPr lang="en-US"/>
+            <a:t>What didn’t go well?</a:t>
+          </a:r>
+        </a:p>
+      </dgm:t>
+    </dgm:pt>
+    <dgm:pt modelId="{3AF37444-D6C3-43C1-89C1-7C77635873EF}" type="parTrans" cxnId="{6F6519B3-0F55-4884-BF69-89DD859B97EC}">
+      <dgm:prSet/>
+      <dgm:spPr/>
+      <dgm:t>
+        <a:bodyPr/>
+        <a:lstStyle/>
+        <a:p>
+          <a:endParaRPr lang="en-US"/>
+        </a:p>
+      </dgm:t>
+    </dgm:pt>
+    <dgm:pt modelId="{0FF9CD90-6783-4EA5-B405-C66854CFF0E4}" type="sibTrans" cxnId="{6F6519B3-0F55-4884-BF69-89DD859B97EC}">
+      <dgm:prSet/>
+      <dgm:spPr/>
+      <dgm:t>
+        <a:bodyPr/>
+        <a:lstStyle/>
+        <a:p>
+          <a:endParaRPr lang="en-US"/>
+        </a:p>
+      </dgm:t>
+    </dgm:pt>
+    <dgm:pt modelId="{BC8C6D37-6A3D-4C7A-A6B6-917AFDCEB569}">
+      <dgm:prSet/>
+      <dgm:spPr/>
+      <dgm:t>
+        <a:bodyPr/>
+        <a:lstStyle/>
+        <a:p>
+          <a:r>
+            <a:rPr lang="en-US" dirty="0"/>
+            <a:t>Floating point at first</a:t>
+          </a:r>
+        </a:p>
+      </dgm:t>
+    </dgm:pt>
+    <dgm:pt modelId="{828E1217-ECBE-4906-8F49-86AF11398EAB}" type="parTrans" cxnId="{F68A227E-1F33-4046-9A0A-22267A4B2A8B}">
+      <dgm:prSet/>
+      <dgm:spPr/>
+      <dgm:t>
+        <a:bodyPr/>
+        <a:lstStyle/>
+        <a:p>
+          <a:endParaRPr lang="en-US"/>
+        </a:p>
+      </dgm:t>
+    </dgm:pt>
+    <dgm:pt modelId="{DAF61322-60A5-409A-BEA2-A5C4BFB3D308}" type="sibTrans" cxnId="{F68A227E-1F33-4046-9A0A-22267A4B2A8B}">
+      <dgm:prSet/>
+      <dgm:spPr/>
+      <dgm:t>
+        <a:bodyPr/>
+        <a:lstStyle/>
+        <a:p>
+          <a:endParaRPr lang="en-US"/>
+        </a:p>
+      </dgm:t>
+    </dgm:pt>
+    <dgm:pt modelId="{D294362D-8009-4452-B11F-677E63B15FBE}">
+      <dgm:prSet/>
+      <dgm:spPr/>
+      <dgm:t>
+        <a:bodyPr/>
+        <a:lstStyle/>
+        <a:p>
+          <a:r>
+            <a:rPr lang="en-US"/>
+            <a:t>What are we happy with in our design?</a:t>
+          </a:r>
+        </a:p>
+      </dgm:t>
+    </dgm:pt>
+    <dgm:pt modelId="{DFCE74F6-E72B-43BF-88E1-8796B80083F2}" type="parTrans" cxnId="{44F710F6-95E4-47DB-8B27-787A71FD754A}">
+      <dgm:prSet/>
+      <dgm:spPr/>
+      <dgm:t>
+        <a:bodyPr/>
+        <a:lstStyle/>
+        <a:p>
+          <a:endParaRPr lang="en-US"/>
+        </a:p>
+      </dgm:t>
+    </dgm:pt>
+    <dgm:pt modelId="{C47F4FF5-62B9-488B-AC30-CA92C3AF0AE1}" type="sibTrans" cxnId="{44F710F6-95E4-47DB-8B27-787A71FD754A}">
+      <dgm:prSet/>
+      <dgm:spPr/>
+      <dgm:t>
+        <a:bodyPr/>
+        <a:lstStyle/>
+        <a:p>
+          <a:endParaRPr lang="en-US"/>
+        </a:p>
+      </dgm:t>
+    </dgm:pt>
+    <dgm:pt modelId="{5607275D-FA44-4CD3-A7CF-6B73EA0CFA13}">
+      <dgm:prSet/>
+      <dgm:spPr/>
+      <dgm:t>
+        <a:bodyPr/>
+        <a:lstStyle/>
+        <a:p>
+          <a:r>
+            <a:rPr lang="en-US"/>
+            <a:t>The floating point works</a:t>
+          </a:r>
+        </a:p>
+      </dgm:t>
+    </dgm:pt>
+    <dgm:pt modelId="{F5A56E1A-AD24-48A2-BD5D-E0EFC1075877}" type="parTrans" cxnId="{5808494C-DE25-4544-8258-D928D1E2D189}">
+      <dgm:prSet/>
+      <dgm:spPr/>
+      <dgm:t>
+        <a:bodyPr/>
+        <a:lstStyle/>
+        <a:p>
+          <a:endParaRPr lang="en-US"/>
+        </a:p>
+      </dgm:t>
+    </dgm:pt>
+    <dgm:pt modelId="{E36829CF-7AB0-4103-9AA7-A3A64D0F58C6}" type="sibTrans" cxnId="{5808494C-DE25-4544-8258-D928D1E2D189}">
+      <dgm:prSet/>
+      <dgm:spPr/>
+      <dgm:t>
+        <a:bodyPr/>
+        <a:lstStyle/>
+        <a:p>
+          <a:endParaRPr lang="en-US"/>
+        </a:p>
+      </dgm:t>
+    </dgm:pt>
+    <dgm:pt modelId="{95B0CBA6-CC9F-4E2F-BBF7-C3E07462DAC7}">
+      <dgm:prSet/>
+      <dgm:spPr/>
+      <dgm:t>
+        <a:bodyPr/>
+        <a:lstStyle/>
+        <a:p>
+          <a:r>
+            <a:rPr lang="en-US" dirty="0"/>
+            <a:t>DPU as a whole</a:t>
+          </a:r>
+        </a:p>
+      </dgm:t>
+    </dgm:pt>
+    <dgm:pt modelId="{04758DD9-DCED-480F-B106-DB252B4789BB}" type="parTrans" cxnId="{5F2BC33F-50E9-4DE5-AFA5-1769C61A461C}">
+      <dgm:prSet/>
+      <dgm:spPr/>
+      <dgm:t>
+        <a:bodyPr/>
+        <a:lstStyle/>
+        <a:p>
+          <a:endParaRPr lang="en-US"/>
+        </a:p>
+      </dgm:t>
+    </dgm:pt>
+    <dgm:pt modelId="{DAB40068-C9CA-4B32-9DD7-4EC2C16C103F}" type="sibTrans" cxnId="{5F2BC33F-50E9-4DE5-AFA5-1769C61A461C}">
+      <dgm:prSet/>
+      <dgm:spPr/>
+      <dgm:t>
+        <a:bodyPr/>
+        <a:lstStyle/>
+        <a:p>
+          <a:endParaRPr lang="en-US"/>
+        </a:p>
+      </dgm:t>
+    </dgm:pt>
+    <dgm:pt modelId="{43D0EE6B-B1E2-4F07-B124-D7C4A0F3546A}">
+      <dgm:prSet/>
+      <dgm:spPr/>
+      <dgm:t>
+        <a:bodyPr/>
+        <a:lstStyle/>
+        <a:p>
+          <a:r>
+            <a:rPr lang="en-US"/>
+            <a:t>ALU does what we want </a:t>
+          </a:r>
+        </a:p>
+      </dgm:t>
+    </dgm:pt>
+    <dgm:pt modelId="{407A5958-CB8A-4888-8205-973F779589DD}" type="parTrans" cxnId="{7D15F895-3194-4DF5-8FC4-8387D73D3F41}">
+      <dgm:prSet/>
+      <dgm:spPr/>
+      <dgm:t>
+        <a:bodyPr/>
+        <a:lstStyle/>
+        <a:p>
+          <a:endParaRPr lang="en-US"/>
+        </a:p>
+      </dgm:t>
+    </dgm:pt>
+    <dgm:pt modelId="{69BCE549-EDFC-44B7-854B-093A1C9C4408}" type="sibTrans" cxnId="{7D15F895-3194-4DF5-8FC4-8387D73D3F41}">
+      <dgm:prSet/>
+      <dgm:spPr/>
+      <dgm:t>
+        <a:bodyPr/>
+        <a:lstStyle/>
+        <a:p>
+          <a:endParaRPr lang="en-US"/>
+        </a:p>
+      </dgm:t>
+    </dgm:pt>
+    <dgm:pt modelId="{D6CD17E7-EC1B-864F-8E0E-BB0B3B152FC5}">
+      <dgm:prSet/>
+      <dgm:spPr/>
+      <dgm:t>
+        <a:bodyPr/>
+        <a:lstStyle/>
+        <a:p>
+          <a:r>
+            <a:rPr lang="en-US" dirty="0"/>
+            <a:t>Wiring the DPU/communication</a:t>
+          </a:r>
+        </a:p>
+      </dgm:t>
+    </dgm:pt>
+    <dgm:pt modelId="{DA7211F2-80A5-8C44-A84D-BCA93E2B3A84}" type="parTrans" cxnId="{5CB06925-C9E7-2F4A-99FA-310FE6041A11}">
+      <dgm:prSet/>
+      <dgm:spPr/>
+      <dgm:t>
+        <a:bodyPr/>
+        <a:lstStyle/>
+        <a:p>
+          <a:endParaRPr lang="en-US"/>
+        </a:p>
+      </dgm:t>
+    </dgm:pt>
+    <dgm:pt modelId="{08FCFA8D-9C22-7648-9CB1-A45105229863}" type="sibTrans" cxnId="{5CB06925-C9E7-2F4A-99FA-310FE6041A11}">
+      <dgm:prSet/>
+      <dgm:spPr/>
+      <dgm:t>
+        <a:bodyPr/>
+        <a:lstStyle/>
+        <a:p>
+          <a:endParaRPr lang="en-US"/>
+        </a:p>
+      </dgm:t>
+    </dgm:pt>
+    <dgm:pt modelId="{5E01AC6F-5193-4F40-AE4D-4370BAD313C4}" type="pres">
+      <dgm:prSet presAssocID="{A3FB3CA9-7955-4807-9D4A-C4C5FC7C5169}" presName="linear" presStyleCnt="0">
+        <dgm:presLayoutVars>
+          <dgm:animLvl val="lvl"/>
+          <dgm:resizeHandles val="exact"/>
+        </dgm:presLayoutVars>
+      </dgm:prSet>
+      <dgm:spPr/>
+    </dgm:pt>
+    <dgm:pt modelId="{70863B39-C9D6-E646-84C9-D477356CDE51}" type="pres">
+      <dgm:prSet presAssocID="{1A9CA0A8-FD2F-42B6-9B49-E8C22EE30F45}" presName="parentText" presStyleLbl="node1" presStyleIdx="0" presStyleCnt="3">
+        <dgm:presLayoutVars>
+          <dgm:chMax val="0"/>
+          <dgm:bulletEnabled val="1"/>
+        </dgm:presLayoutVars>
+      </dgm:prSet>
+      <dgm:spPr/>
+    </dgm:pt>
+    <dgm:pt modelId="{72155494-9252-0443-BCE2-107A5E736DD8}" type="pres">
+      <dgm:prSet presAssocID="{1A9CA0A8-FD2F-42B6-9B49-E8C22EE30F45}" presName="childText" presStyleLbl="revTx" presStyleIdx="0" presStyleCnt="3">
+        <dgm:presLayoutVars>
+          <dgm:bulletEnabled val="1"/>
+        </dgm:presLayoutVars>
+      </dgm:prSet>
+      <dgm:spPr/>
+    </dgm:pt>
+    <dgm:pt modelId="{E74CA1EA-2ACF-1F4D-8603-705BA573A149}" type="pres">
+      <dgm:prSet presAssocID="{7214BE19-5662-4281-A328-7BC0D504CC8C}" presName="parentText" presStyleLbl="node1" presStyleIdx="1" presStyleCnt="3">
+        <dgm:presLayoutVars>
+          <dgm:chMax val="0"/>
+          <dgm:bulletEnabled val="1"/>
+        </dgm:presLayoutVars>
+      </dgm:prSet>
+      <dgm:spPr/>
+    </dgm:pt>
+    <dgm:pt modelId="{45306ED4-8E54-6B40-A7EF-A252D7B11E44}" type="pres">
+      <dgm:prSet presAssocID="{7214BE19-5662-4281-A328-7BC0D504CC8C}" presName="childText" presStyleLbl="revTx" presStyleIdx="1" presStyleCnt="3">
+        <dgm:presLayoutVars>
+          <dgm:bulletEnabled val="1"/>
+        </dgm:presLayoutVars>
+      </dgm:prSet>
+      <dgm:spPr/>
+    </dgm:pt>
+    <dgm:pt modelId="{FFC323CA-465E-C14E-A71F-BE3163C0D212}" type="pres">
+      <dgm:prSet presAssocID="{D294362D-8009-4452-B11F-677E63B15FBE}" presName="parentText" presStyleLbl="node1" presStyleIdx="2" presStyleCnt="3">
+        <dgm:presLayoutVars>
+          <dgm:chMax val="0"/>
+          <dgm:bulletEnabled val="1"/>
+        </dgm:presLayoutVars>
+      </dgm:prSet>
+      <dgm:spPr/>
+    </dgm:pt>
+    <dgm:pt modelId="{52320C0A-C19F-B941-9A24-03D487AE47D4}" type="pres">
+      <dgm:prSet presAssocID="{D294362D-8009-4452-B11F-677E63B15FBE}" presName="childText" presStyleLbl="revTx" presStyleIdx="2" presStyleCnt="3">
+        <dgm:presLayoutVars>
+          <dgm:bulletEnabled val="1"/>
+        </dgm:presLayoutVars>
+      </dgm:prSet>
+      <dgm:spPr/>
+    </dgm:pt>
+  </dgm:ptLst>
+  <dgm:cxnLst>
+    <dgm:cxn modelId="{57629C03-11B3-F143-9B7D-72A0258A8717}" type="presOf" srcId="{D6CD17E7-EC1B-864F-8E0E-BB0B3B152FC5}" destId="{45306ED4-8E54-6B40-A7EF-A252D7B11E44}" srcOrd="0" destOrd="1" presId="urn:microsoft.com/office/officeart/2005/8/layout/vList2"/>
+    <dgm:cxn modelId="{49143008-F019-CC49-9B21-9C2336D7F6DF}" type="presOf" srcId="{24CDC60F-39C4-4E6C-BF1C-F5F9E59EB398}" destId="{72155494-9252-0443-BCE2-107A5E736DD8}" srcOrd="0" destOrd="1" presId="urn:microsoft.com/office/officeart/2005/8/layout/vList2"/>
+    <dgm:cxn modelId="{57034A09-30C7-4A47-AB03-563894AFC698}" srcId="{A3FB3CA9-7955-4807-9D4A-C4C5FC7C5169}" destId="{1A9CA0A8-FD2F-42B6-9B49-E8C22EE30F45}" srcOrd="0" destOrd="0" parTransId="{C91C3563-217C-4A48-A5D2-E2CEA6D93F06}" sibTransId="{30B4FD97-ED60-49C0-8C0C-63BB6810D2DA}"/>
+    <dgm:cxn modelId="{3BC76D1A-0584-0B4A-8342-23C73AFE0921}" type="presOf" srcId="{5607275D-FA44-4CD3-A7CF-6B73EA0CFA13}" destId="{52320C0A-C19F-B941-9A24-03D487AE47D4}" srcOrd="0" destOrd="0" presId="urn:microsoft.com/office/officeart/2005/8/layout/vList2"/>
+    <dgm:cxn modelId="{F6EC431B-6A62-FF48-B422-63EBB6C2DD15}" type="presOf" srcId="{D294362D-8009-4452-B11F-677E63B15FBE}" destId="{FFC323CA-465E-C14E-A71F-BE3163C0D212}" srcOrd="0" destOrd="0" presId="urn:microsoft.com/office/officeart/2005/8/layout/vList2"/>
+    <dgm:cxn modelId="{E43BE01D-6BE3-554D-9C6E-2881846BD2F8}" type="presOf" srcId="{95B0CBA6-CC9F-4E2F-BBF7-C3E07462DAC7}" destId="{52320C0A-C19F-B941-9A24-03D487AE47D4}" srcOrd="0" destOrd="1" presId="urn:microsoft.com/office/officeart/2005/8/layout/vList2"/>
+    <dgm:cxn modelId="{5CB06925-C9E7-2F4A-99FA-310FE6041A11}" srcId="{7214BE19-5662-4281-A328-7BC0D504CC8C}" destId="{D6CD17E7-EC1B-864F-8E0E-BB0B3B152FC5}" srcOrd="1" destOrd="0" parTransId="{DA7211F2-80A5-8C44-A84D-BCA93E2B3A84}" sibTransId="{08FCFA8D-9C22-7648-9CB1-A45105229863}"/>
+    <dgm:cxn modelId="{24100427-5F2C-40AD-A13C-ADF6F3351700}" srcId="{1A9CA0A8-FD2F-42B6-9B49-E8C22EE30F45}" destId="{24CDC60F-39C4-4E6C-BF1C-F5F9E59EB398}" srcOrd="1" destOrd="0" parTransId="{679D8376-F12F-4CA1-85A3-E2E4618FD0AA}" sibTransId="{DCB49DF9-28AD-4106-A12B-5075191ECC94}"/>
+    <dgm:cxn modelId="{F51E632F-07EF-EC4F-9EF3-823F41D2E387}" type="presOf" srcId="{1A9CA0A8-FD2F-42B6-9B49-E8C22EE30F45}" destId="{70863B39-C9D6-E646-84C9-D477356CDE51}" srcOrd="0" destOrd="0" presId="urn:microsoft.com/office/officeart/2005/8/layout/vList2"/>
+    <dgm:cxn modelId="{5F2BC33F-50E9-4DE5-AFA5-1769C61A461C}" srcId="{D294362D-8009-4452-B11F-677E63B15FBE}" destId="{95B0CBA6-CC9F-4E2F-BBF7-C3E07462DAC7}" srcOrd="1" destOrd="0" parTransId="{04758DD9-DCED-480F-B106-DB252B4789BB}" sibTransId="{DAB40068-C9CA-4B32-9DD7-4EC2C16C103F}"/>
+    <dgm:cxn modelId="{C6CF7240-2AC2-F949-ADD7-DC938D0ADAF7}" type="presOf" srcId="{BC1DBD05-5E83-4F30-A0BD-454AC16090B3}" destId="{72155494-9252-0443-BCE2-107A5E736DD8}" srcOrd="0" destOrd="0" presId="urn:microsoft.com/office/officeart/2005/8/layout/vList2"/>
+    <dgm:cxn modelId="{E49A0648-ED25-9A47-A55C-FA74C014905E}" type="presOf" srcId="{A3FB3CA9-7955-4807-9D4A-C4C5FC7C5169}" destId="{5E01AC6F-5193-4F40-AE4D-4370BAD313C4}" srcOrd="0" destOrd="0" presId="urn:microsoft.com/office/officeart/2005/8/layout/vList2"/>
+    <dgm:cxn modelId="{5808494C-DE25-4544-8258-D928D1E2D189}" srcId="{D294362D-8009-4452-B11F-677E63B15FBE}" destId="{5607275D-FA44-4CD3-A7CF-6B73EA0CFA13}" srcOrd="0" destOrd="0" parTransId="{F5A56E1A-AD24-48A2-BD5D-E0EFC1075877}" sibTransId="{E36829CF-7AB0-4103-9AA7-A3A64D0F58C6}"/>
+    <dgm:cxn modelId="{F68A227E-1F33-4046-9A0A-22267A4B2A8B}" srcId="{7214BE19-5662-4281-A328-7BC0D504CC8C}" destId="{BC8C6D37-6A3D-4C7A-A6B6-917AFDCEB569}" srcOrd="0" destOrd="0" parTransId="{828E1217-ECBE-4906-8F49-86AF11398EAB}" sibTransId="{DAF61322-60A5-409A-BEA2-A5C4BFB3D308}"/>
+    <dgm:cxn modelId="{0E844D80-66AC-6F4F-812F-8A5F16006935}" type="presOf" srcId="{43D0EE6B-B1E2-4F07-B124-D7C4A0F3546A}" destId="{52320C0A-C19F-B941-9A24-03D487AE47D4}" srcOrd="0" destOrd="2" presId="urn:microsoft.com/office/officeart/2005/8/layout/vList2"/>
+    <dgm:cxn modelId="{40B6EE85-3C2A-43D7-93A4-E9F0AC529930}" srcId="{1A9CA0A8-FD2F-42B6-9B49-E8C22EE30F45}" destId="{BC1DBD05-5E83-4F30-A0BD-454AC16090B3}" srcOrd="0" destOrd="0" parTransId="{3D69EFA6-EF9A-4433-9F05-41DAD4936850}" sibTransId="{3CD635A3-DAC9-4A05-8664-8B42AFBE5A59}"/>
+    <dgm:cxn modelId="{7D15F895-3194-4DF5-8FC4-8387D73D3F41}" srcId="{D294362D-8009-4452-B11F-677E63B15FBE}" destId="{43D0EE6B-B1E2-4F07-B124-D7C4A0F3546A}" srcOrd="2" destOrd="0" parTransId="{407A5958-CB8A-4888-8205-973F779589DD}" sibTransId="{69BCE549-EDFC-44B7-854B-093A1C9C4408}"/>
+    <dgm:cxn modelId="{E87501AE-6B10-6F42-8F12-B8D97A9D2B18}" type="presOf" srcId="{BC8C6D37-6A3D-4C7A-A6B6-917AFDCEB569}" destId="{45306ED4-8E54-6B40-A7EF-A252D7B11E44}" srcOrd="0" destOrd="0" presId="urn:microsoft.com/office/officeart/2005/8/layout/vList2"/>
+    <dgm:cxn modelId="{6F6519B3-0F55-4884-BF69-89DD859B97EC}" srcId="{A3FB3CA9-7955-4807-9D4A-C4C5FC7C5169}" destId="{7214BE19-5662-4281-A328-7BC0D504CC8C}" srcOrd="1" destOrd="0" parTransId="{3AF37444-D6C3-43C1-89C1-7C77635873EF}" sibTransId="{0FF9CD90-6783-4EA5-B405-C66854CFF0E4}"/>
+    <dgm:cxn modelId="{C8A522BD-1FDA-A74F-B3D1-C70A8ABDFDA9}" type="presOf" srcId="{7214BE19-5662-4281-A328-7BC0D504CC8C}" destId="{E74CA1EA-2ACF-1F4D-8603-705BA573A149}" srcOrd="0" destOrd="0" presId="urn:microsoft.com/office/officeart/2005/8/layout/vList2"/>
+    <dgm:cxn modelId="{44F710F6-95E4-47DB-8B27-787A71FD754A}" srcId="{A3FB3CA9-7955-4807-9D4A-C4C5FC7C5169}" destId="{D294362D-8009-4452-B11F-677E63B15FBE}" srcOrd="2" destOrd="0" parTransId="{DFCE74F6-E72B-43BF-88E1-8796B80083F2}" sibTransId="{C47F4FF5-62B9-488B-AC30-CA92C3AF0AE1}"/>
+    <dgm:cxn modelId="{749D3F4A-BD76-4146-906C-1A69DFB0C155}" type="presParOf" srcId="{5E01AC6F-5193-4F40-AE4D-4370BAD313C4}" destId="{70863B39-C9D6-E646-84C9-D477356CDE51}" srcOrd="0" destOrd="0" presId="urn:microsoft.com/office/officeart/2005/8/layout/vList2"/>
+    <dgm:cxn modelId="{A8F27CE9-BCF7-AF45-A7AA-6B248216A6C7}" type="presParOf" srcId="{5E01AC6F-5193-4F40-AE4D-4370BAD313C4}" destId="{72155494-9252-0443-BCE2-107A5E736DD8}" srcOrd="1" destOrd="0" presId="urn:microsoft.com/office/officeart/2005/8/layout/vList2"/>
+    <dgm:cxn modelId="{C3F7F59F-A167-6D4B-BFED-122EF8442E69}" type="presParOf" srcId="{5E01AC6F-5193-4F40-AE4D-4370BAD313C4}" destId="{E74CA1EA-2ACF-1F4D-8603-705BA573A149}" srcOrd="2" destOrd="0" presId="urn:microsoft.com/office/officeart/2005/8/layout/vList2"/>
+    <dgm:cxn modelId="{A50884C2-7EB5-3145-B4BA-C9FBB0594FD4}" type="presParOf" srcId="{5E01AC6F-5193-4F40-AE4D-4370BAD313C4}" destId="{45306ED4-8E54-6B40-A7EF-A252D7B11E44}" srcOrd="3" destOrd="0" presId="urn:microsoft.com/office/officeart/2005/8/layout/vList2"/>
+    <dgm:cxn modelId="{FAB265EB-A9F9-4146-9872-61015474FD8F}" type="presParOf" srcId="{5E01AC6F-5193-4F40-AE4D-4370BAD313C4}" destId="{FFC323CA-465E-C14E-A71F-BE3163C0D212}" srcOrd="4" destOrd="0" presId="urn:microsoft.com/office/officeart/2005/8/layout/vList2"/>
+    <dgm:cxn modelId="{E9D72583-33A4-AB41-A875-11F47FB61D9D}" type="presParOf" srcId="{5E01AC6F-5193-4F40-AE4D-4370BAD313C4}" destId="{52320C0A-C19F-B941-9A24-03D487AE47D4}" srcOrd="5" destOrd="0" presId="urn:microsoft.com/office/officeart/2005/8/layout/vList2"/>
+  </dgm:cxnLst>
+  <dgm:bg/>
+  <dgm:whole/>
+  <dgm:extLst>
+    <a:ext uri="http://schemas.microsoft.com/office/drawing/2008/diagram">
+      <dsp:dataModelExt xmlns:dsp="http://schemas.microsoft.com/office/drawing/2008/diagram" relId="rId6" minVer="http://schemas.openxmlformats.org/drawingml/2006/diagram"/>
+    </a:ext>
+  </dgm:extLst>
+</dgm:dataModel>
+</file>
+
+<file path=ppt/diagrams/drawing1.xml><?xml version="1.0" encoding="utf-8"?>
+<dsp:drawing xmlns:dgm="http://schemas.openxmlformats.org/drawingml/2006/diagram" xmlns:dsp="http://schemas.microsoft.com/office/drawing/2008/diagram" xmlns:a="http://schemas.openxmlformats.org/drawingml/2006/main">
+  <dsp:spTree>
+    <dsp:nvGrpSpPr>
+      <dsp:cNvPr id="0" name=""/>
+      <dsp:cNvGrpSpPr/>
+    </dsp:nvGrpSpPr>
+    <dsp:grpSpPr/>
+    <dsp:sp modelId="{5B9843EF-A025-4B96-BB40-722AD6A6D295}">
+      <dsp:nvSpPr>
+        <dsp:cNvPr id="0" name=""/>
+        <dsp:cNvSpPr/>
+      </dsp:nvSpPr>
+      <dsp:spPr>
+        <a:xfrm>
+          <a:off x="0" y="402"/>
+          <a:ext cx="7012370" cy="553920"/>
+        </a:xfrm>
+        <a:prstGeom prst="roundRect">
+          <a:avLst>
+            <a:gd name="adj" fmla="val 10000"/>
+          </a:avLst>
+        </a:prstGeom>
+        <a:solidFill>
+          <a:schemeClr val="accent2">
+            <a:hueOff val="0"/>
+            <a:satOff val="0"/>
+            <a:lumOff val="0"/>
+            <a:alphaOff val="0"/>
+          </a:schemeClr>
+        </a:solidFill>
+        <a:ln>
+          <a:noFill/>
+        </a:ln>
+        <a:effectLst/>
+      </dsp:spPr>
+      <dsp:style>
+        <a:lnRef idx="0">
+          <a:scrgbClr r="0" g="0" b="0"/>
+        </a:lnRef>
+        <a:fillRef idx="1">
+          <a:scrgbClr r="0" g="0" b="0"/>
+        </a:fillRef>
+        <a:effectRef idx="0">
+          <a:scrgbClr r="0" g="0" b="0"/>
+        </a:effectRef>
+        <a:fontRef idx="minor"/>
+      </dsp:style>
+    </dsp:sp>
+    <dsp:sp modelId="{47AF0BEC-E5FF-456B-AAAD-DB928968541D}">
+      <dsp:nvSpPr>
+        <dsp:cNvPr id="0" name=""/>
+        <dsp:cNvSpPr/>
+      </dsp:nvSpPr>
+      <dsp:spPr>
+        <a:xfrm>
+          <a:off x="167561" y="125034"/>
+          <a:ext cx="304656" cy="304656"/>
+        </a:xfrm>
+        <a:prstGeom prst="rect">
+          <a:avLst/>
+        </a:prstGeom>
+        <a:blipFill>
+          <a:blip xmlns:r="http://schemas.openxmlformats.org/officeDocument/2006/relationships" r:embed="rId1">
+            <a:extLst>
+              <a:ext uri="{28A0092B-C50C-407E-A947-70E740481C1C}">
+                <a14:useLocalDpi xmlns:a14="http://schemas.microsoft.com/office/drawing/2010/main" val="0"/>
+              </a:ext>
+              <a:ext uri="{96DAC541-7B7A-43D3-8B79-37D633B846F1}">
+                <asvg:svgBlip xmlns:asvg="http://schemas.microsoft.com/office/drawing/2016/SVG/main" r:embed="rId2"/>
+              </a:ext>
+            </a:extLst>
+          </a:blip>
+          <a:stretch>
+            <a:fillRect/>
+          </a:stretch>
+        </a:blipFill>
+        <a:ln w="22225" cap="rnd" cmpd="sng" algn="ctr">
+          <a:noFill/>
+          <a:prstDash val="solid"/>
+        </a:ln>
+        <a:effectLst/>
+      </dsp:spPr>
+      <dsp:style>
+        <a:lnRef idx="2">
+          <a:scrgbClr r="0" g="0" b="0"/>
+        </a:lnRef>
+        <a:fillRef idx="1">
+          <a:scrgbClr r="0" g="0" b="0"/>
+        </a:fillRef>
+        <a:effectRef idx="0">
+          <a:scrgbClr r="0" g="0" b="0"/>
+        </a:effectRef>
+        <a:fontRef idx="minor">
+          <a:schemeClr val="lt1"/>
+        </a:fontRef>
+      </dsp:style>
+    </dsp:sp>
+    <dsp:sp modelId="{34AE3061-96D6-4182-B8B7-CD1BA9A37703}">
+      <dsp:nvSpPr>
+        <dsp:cNvPr id="0" name=""/>
+        <dsp:cNvSpPr/>
+      </dsp:nvSpPr>
+      <dsp:spPr>
+        <a:xfrm>
+          <a:off x="639778" y="402"/>
+          <a:ext cx="6372591" cy="553920"/>
+        </a:xfrm>
+        <a:prstGeom prst="rect">
+          <a:avLst/>
+        </a:prstGeom>
+        <a:noFill/>
+        <a:ln>
+          <a:noFill/>
+        </a:ln>
+        <a:effectLst/>
+      </dsp:spPr>
+      <dsp:style>
+        <a:lnRef idx="0">
+          <a:scrgbClr r="0" g="0" b="0"/>
+        </a:lnRef>
+        <a:fillRef idx="0">
+          <a:scrgbClr r="0" g="0" b="0"/>
+        </a:fillRef>
+        <a:effectRef idx="0">
+          <a:scrgbClr r="0" g="0" b="0"/>
+        </a:effectRef>
+        <a:fontRef idx="minor"/>
+      </dsp:style>
+      <dsp:txBody>
+        <a:bodyPr spcFirstLastPara="0" vert="horz" wrap="square" lIns="58623" tIns="58623" rIns="58623" bIns="58623" numCol="1" spcCol="1270" anchor="ctr" anchorCtr="0">
+          <a:noAutofit/>
+        </a:bodyPr>
+        <a:lstStyle/>
+        <a:p>
+          <a:pPr marL="0" lvl="0" indent="0" algn="l" defTabSz="711200">
+            <a:lnSpc>
+              <a:spcPct val="90000"/>
+            </a:lnSpc>
+            <a:spcBef>
+              <a:spcPct val="0"/>
+            </a:spcBef>
+            <a:spcAft>
+              <a:spcPct val="35000"/>
+            </a:spcAft>
+            <a:buNone/>
+          </a:pPr>
+          <a:r>
+            <a:rPr lang="en-US" sz="1600" kern="1200"/>
+            <a:t>ALU: Performs computations</a:t>
+          </a:r>
+        </a:p>
+      </dsp:txBody>
+      <dsp:txXfrm>
+        <a:off x="639778" y="402"/>
+        <a:ext cx="6372591" cy="553920"/>
+      </dsp:txXfrm>
+    </dsp:sp>
+    <dsp:sp modelId="{B93FEEFC-B5C5-4767-9070-824D09EC720E}">
+      <dsp:nvSpPr>
+        <dsp:cNvPr id="0" name=""/>
+        <dsp:cNvSpPr/>
+      </dsp:nvSpPr>
+      <dsp:spPr>
+        <a:xfrm>
+          <a:off x="0" y="692803"/>
+          <a:ext cx="7012370" cy="553920"/>
+        </a:xfrm>
+        <a:prstGeom prst="roundRect">
+          <a:avLst>
+            <a:gd name="adj" fmla="val 10000"/>
+          </a:avLst>
+        </a:prstGeom>
+        <a:solidFill>
+          <a:schemeClr val="accent3">
+            <a:hueOff val="0"/>
+            <a:satOff val="0"/>
+            <a:lumOff val="0"/>
+            <a:alphaOff val="0"/>
+          </a:schemeClr>
+        </a:solidFill>
+        <a:ln>
+          <a:noFill/>
+        </a:ln>
+        <a:effectLst/>
+      </dsp:spPr>
+      <dsp:style>
+        <a:lnRef idx="0">
+          <a:scrgbClr r="0" g="0" b="0"/>
+        </a:lnRef>
+        <a:fillRef idx="1">
+          <a:scrgbClr r="0" g="0" b="0"/>
+        </a:fillRef>
+        <a:effectRef idx="0">
+          <a:scrgbClr r="0" g="0" b="0"/>
+        </a:effectRef>
+        <a:fontRef idx="minor"/>
+      </dsp:style>
+    </dsp:sp>
+    <dsp:sp modelId="{718F2534-9F41-4BE7-B699-47293FF410E9}">
+      <dsp:nvSpPr>
+        <dsp:cNvPr id="0" name=""/>
+        <dsp:cNvSpPr/>
+      </dsp:nvSpPr>
+      <dsp:spPr>
+        <a:xfrm>
+          <a:off x="167561" y="817435"/>
+          <a:ext cx="304656" cy="304656"/>
+        </a:xfrm>
+        <a:prstGeom prst="rect">
+          <a:avLst/>
+        </a:prstGeom>
+        <a:blipFill>
+          <a:blip xmlns:r="http://schemas.openxmlformats.org/officeDocument/2006/relationships" r:embed="rId3">
+            <a:extLst>
+              <a:ext uri="{28A0092B-C50C-407E-A947-70E740481C1C}">
+                <a14:useLocalDpi xmlns:a14="http://schemas.microsoft.com/office/drawing/2010/main" val="0"/>
+              </a:ext>
+              <a:ext uri="{96DAC541-7B7A-43D3-8B79-37D633B846F1}">
+                <asvg:svgBlip xmlns:asvg="http://schemas.microsoft.com/office/drawing/2016/SVG/main" r:embed="rId4"/>
+              </a:ext>
+            </a:extLst>
+          </a:blip>
+          <a:stretch>
+            <a:fillRect/>
+          </a:stretch>
+        </a:blipFill>
+        <a:ln w="22225" cap="rnd" cmpd="sng" algn="ctr">
+          <a:noFill/>
+          <a:prstDash val="solid"/>
+        </a:ln>
+        <a:effectLst/>
+      </dsp:spPr>
+      <dsp:style>
+        <a:lnRef idx="2">
+          <a:scrgbClr r="0" g="0" b="0"/>
+        </a:lnRef>
+        <a:fillRef idx="1">
+          <a:scrgbClr r="0" g="0" b="0"/>
+        </a:fillRef>
+        <a:effectRef idx="0">
+          <a:scrgbClr r="0" g="0" b="0"/>
+        </a:effectRef>
+        <a:fontRef idx="minor">
+          <a:schemeClr val="lt1"/>
+        </a:fontRef>
+      </dsp:style>
+    </dsp:sp>
+    <dsp:sp modelId="{086D73AC-DA74-49C9-9B50-BB60625CC070}">
+      <dsp:nvSpPr>
+        <dsp:cNvPr id="0" name=""/>
+        <dsp:cNvSpPr/>
+      </dsp:nvSpPr>
+      <dsp:spPr>
+        <a:xfrm>
+          <a:off x="639778" y="692803"/>
+          <a:ext cx="6372591" cy="553920"/>
+        </a:xfrm>
+        <a:prstGeom prst="rect">
+          <a:avLst/>
+        </a:prstGeom>
+        <a:noFill/>
+        <a:ln>
+          <a:noFill/>
+        </a:ln>
+        <a:effectLst/>
+      </dsp:spPr>
+      <dsp:style>
+        <a:lnRef idx="0">
+          <a:scrgbClr r="0" g="0" b="0"/>
+        </a:lnRef>
+        <a:fillRef idx="0">
+          <a:scrgbClr r="0" g="0" b="0"/>
+        </a:fillRef>
+        <a:effectRef idx="0">
+          <a:scrgbClr r="0" g="0" b="0"/>
+        </a:effectRef>
+        <a:fontRef idx="minor"/>
+      </dsp:style>
+      <dsp:txBody>
+        <a:bodyPr spcFirstLastPara="0" vert="horz" wrap="square" lIns="58623" tIns="58623" rIns="58623" bIns="58623" numCol="1" spcCol="1270" anchor="ctr" anchorCtr="0">
+          <a:noAutofit/>
+        </a:bodyPr>
+        <a:lstStyle/>
+        <a:p>
+          <a:pPr marL="0" lvl="0" indent="0" algn="l" defTabSz="711200">
+            <a:lnSpc>
+              <a:spcPct val="90000"/>
+            </a:lnSpc>
+            <a:spcBef>
+              <a:spcPct val="0"/>
+            </a:spcBef>
+            <a:spcAft>
+              <a:spcPct val="35000"/>
+            </a:spcAft>
+            <a:buNone/>
+          </a:pPr>
+          <a:r>
+            <a:rPr lang="en-US" sz="1600" kern="1200"/>
+            <a:t>Regfile: Registers and Custom variables</a:t>
+          </a:r>
+        </a:p>
+      </dsp:txBody>
+      <dsp:txXfrm>
+        <a:off x="639778" y="692803"/>
+        <a:ext cx="6372591" cy="553920"/>
+      </dsp:txXfrm>
+    </dsp:sp>
+    <dsp:sp modelId="{E07113A5-59D2-4D88-A8A0-4EC243514D9F}">
+      <dsp:nvSpPr>
+        <dsp:cNvPr id="0" name=""/>
+        <dsp:cNvSpPr/>
+      </dsp:nvSpPr>
+      <dsp:spPr>
+        <a:xfrm>
+          <a:off x="0" y="1385204"/>
+          <a:ext cx="7012370" cy="553920"/>
+        </a:xfrm>
+        <a:prstGeom prst="roundRect">
+          <a:avLst>
+            <a:gd name="adj" fmla="val 10000"/>
+          </a:avLst>
+        </a:prstGeom>
+        <a:solidFill>
+          <a:schemeClr val="accent4">
+            <a:hueOff val="0"/>
+            <a:satOff val="0"/>
+            <a:lumOff val="0"/>
+            <a:alphaOff val="0"/>
+          </a:schemeClr>
+        </a:solidFill>
+        <a:ln>
+          <a:noFill/>
+        </a:ln>
+        <a:effectLst/>
+      </dsp:spPr>
+      <dsp:style>
+        <a:lnRef idx="0">
+          <a:scrgbClr r="0" g="0" b="0"/>
+        </a:lnRef>
+        <a:fillRef idx="1">
+          <a:scrgbClr r="0" g="0" b="0"/>
+        </a:fillRef>
+        <a:effectRef idx="0">
+          <a:scrgbClr r="0" g="0" b="0"/>
+        </a:effectRef>
+        <a:fontRef idx="minor"/>
+      </dsp:style>
+    </dsp:sp>
+    <dsp:sp modelId="{857B896A-1413-4DB3-8A1B-3D3912CAF7AA}">
+      <dsp:nvSpPr>
+        <dsp:cNvPr id="0" name=""/>
+        <dsp:cNvSpPr/>
+      </dsp:nvSpPr>
+      <dsp:spPr>
+        <a:xfrm>
+          <a:off x="167561" y="1509836"/>
+          <a:ext cx="304656" cy="304656"/>
+        </a:xfrm>
+        <a:prstGeom prst="rect">
+          <a:avLst/>
+        </a:prstGeom>
+        <a:blipFill>
+          <a:blip xmlns:r="http://schemas.openxmlformats.org/officeDocument/2006/relationships" r:embed="rId5">
+            <a:extLst>
+              <a:ext uri="{28A0092B-C50C-407E-A947-70E740481C1C}">
+                <a14:useLocalDpi xmlns:a14="http://schemas.microsoft.com/office/drawing/2010/main" val="0"/>
+              </a:ext>
+              <a:ext uri="{96DAC541-7B7A-43D3-8B79-37D633B846F1}">
+                <asvg:svgBlip xmlns:asvg="http://schemas.microsoft.com/office/drawing/2016/SVG/main" r:embed="rId6"/>
+              </a:ext>
+            </a:extLst>
+          </a:blip>
+          <a:stretch>
+            <a:fillRect/>
+          </a:stretch>
+        </a:blipFill>
+        <a:ln w="22225" cap="rnd" cmpd="sng" algn="ctr">
+          <a:noFill/>
+          <a:prstDash val="solid"/>
+        </a:ln>
+        <a:effectLst/>
+      </dsp:spPr>
+      <dsp:style>
+        <a:lnRef idx="2">
+          <a:scrgbClr r="0" g="0" b="0"/>
+        </a:lnRef>
+        <a:fillRef idx="1">
+          <a:scrgbClr r="0" g="0" b="0"/>
+        </a:fillRef>
+        <a:effectRef idx="0">
+          <a:scrgbClr r="0" g="0" b="0"/>
+        </a:effectRef>
+        <a:fontRef idx="minor">
+          <a:schemeClr val="lt1"/>
+        </a:fontRef>
+      </dsp:style>
+    </dsp:sp>
+    <dsp:sp modelId="{D37A2FD3-18DD-451A-9662-205BAED25DBB}">
+      <dsp:nvSpPr>
+        <dsp:cNvPr id="0" name=""/>
+        <dsp:cNvSpPr/>
+      </dsp:nvSpPr>
+      <dsp:spPr>
+        <a:xfrm>
+          <a:off x="639778" y="1385204"/>
+          <a:ext cx="6372591" cy="553920"/>
+        </a:xfrm>
+        <a:prstGeom prst="rect">
+          <a:avLst/>
+        </a:prstGeom>
+        <a:noFill/>
+        <a:ln>
+          <a:noFill/>
+        </a:ln>
+        <a:effectLst/>
+      </dsp:spPr>
+      <dsp:style>
+        <a:lnRef idx="0">
+          <a:scrgbClr r="0" g="0" b="0"/>
+        </a:lnRef>
+        <a:fillRef idx="0">
+          <a:scrgbClr r="0" g="0" b="0"/>
+        </a:fillRef>
+        <a:effectRef idx="0">
+          <a:scrgbClr r="0" g="0" b="0"/>
+        </a:effectRef>
+        <a:fontRef idx="minor"/>
+      </dsp:style>
+      <dsp:txBody>
+        <a:bodyPr spcFirstLastPara="0" vert="horz" wrap="square" lIns="58623" tIns="58623" rIns="58623" bIns="58623" numCol="1" spcCol="1270" anchor="ctr" anchorCtr="0">
+          <a:noAutofit/>
+        </a:bodyPr>
+        <a:lstStyle/>
+        <a:p>
+          <a:pPr marL="0" lvl="0" indent="0" algn="l" defTabSz="711200">
+            <a:lnSpc>
+              <a:spcPct val="90000"/>
+            </a:lnSpc>
+            <a:spcBef>
+              <a:spcPct val="0"/>
+            </a:spcBef>
+            <a:spcAft>
+              <a:spcPct val="35000"/>
+            </a:spcAft>
+            <a:buNone/>
+          </a:pPr>
+          <a:r>
+            <a:rPr lang="en-US" sz="1600" kern="1200" dirty="0"/>
+            <a:t>Data Memory:  The actual computer memory</a:t>
+          </a:r>
+        </a:p>
+      </dsp:txBody>
+      <dsp:txXfrm>
+        <a:off x="639778" y="1385204"/>
+        <a:ext cx="6372591" cy="553920"/>
+      </dsp:txXfrm>
+    </dsp:sp>
+    <dsp:sp modelId="{B4344225-9B0A-470A-9133-D6A0A067AA61}">
+      <dsp:nvSpPr>
+        <dsp:cNvPr id="0" name=""/>
+        <dsp:cNvSpPr/>
+      </dsp:nvSpPr>
+      <dsp:spPr>
+        <a:xfrm>
+          <a:off x="0" y="2077605"/>
+          <a:ext cx="7012370" cy="553920"/>
+        </a:xfrm>
+        <a:prstGeom prst="roundRect">
+          <a:avLst>
+            <a:gd name="adj" fmla="val 10000"/>
+          </a:avLst>
+        </a:prstGeom>
+        <a:solidFill>
+          <a:schemeClr val="accent5">
+            <a:hueOff val="0"/>
+            <a:satOff val="0"/>
+            <a:lumOff val="0"/>
+            <a:alphaOff val="0"/>
+          </a:schemeClr>
+        </a:solidFill>
+        <a:ln>
+          <a:noFill/>
+        </a:ln>
+        <a:effectLst/>
+      </dsp:spPr>
+      <dsp:style>
+        <a:lnRef idx="0">
+          <a:scrgbClr r="0" g="0" b="0"/>
+        </a:lnRef>
+        <a:fillRef idx="1">
+          <a:scrgbClr r="0" g="0" b="0"/>
+        </a:fillRef>
+        <a:effectRef idx="0">
+          <a:scrgbClr r="0" g="0" b="0"/>
+        </a:effectRef>
+        <a:fontRef idx="minor"/>
+      </dsp:style>
+    </dsp:sp>
+    <dsp:sp modelId="{A0E3A3ED-B557-4D0C-B137-0C318F4AB130}">
+      <dsp:nvSpPr>
+        <dsp:cNvPr id="0" name=""/>
+        <dsp:cNvSpPr/>
+      </dsp:nvSpPr>
+      <dsp:spPr>
+        <a:xfrm>
+          <a:off x="167561" y="2202237"/>
+          <a:ext cx="304656" cy="304656"/>
+        </a:xfrm>
+        <a:prstGeom prst="rect">
+          <a:avLst/>
+        </a:prstGeom>
+        <a:blipFill>
+          <a:blip xmlns:r="http://schemas.openxmlformats.org/officeDocument/2006/relationships" r:embed="rId7">
+            <a:extLst>
+              <a:ext uri="{28A0092B-C50C-407E-A947-70E740481C1C}">
+                <a14:useLocalDpi xmlns:a14="http://schemas.microsoft.com/office/drawing/2010/main" val="0"/>
+              </a:ext>
+              <a:ext uri="{96DAC541-7B7A-43D3-8B79-37D633B846F1}">
+                <asvg:svgBlip xmlns:asvg="http://schemas.microsoft.com/office/drawing/2016/SVG/main" r:embed="rId8"/>
+              </a:ext>
+            </a:extLst>
+          </a:blip>
+          <a:stretch>
+            <a:fillRect/>
+          </a:stretch>
+        </a:blipFill>
+        <a:ln w="22225" cap="rnd" cmpd="sng" algn="ctr">
+          <a:noFill/>
+          <a:prstDash val="solid"/>
+        </a:ln>
+        <a:effectLst/>
+      </dsp:spPr>
+      <dsp:style>
+        <a:lnRef idx="2">
+          <a:scrgbClr r="0" g="0" b="0"/>
+        </a:lnRef>
+        <a:fillRef idx="1">
+          <a:scrgbClr r="0" g="0" b="0"/>
+        </a:fillRef>
+        <a:effectRef idx="0">
+          <a:scrgbClr r="0" g="0" b="0"/>
+        </a:effectRef>
+        <a:fontRef idx="minor">
+          <a:schemeClr val="lt1"/>
+        </a:fontRef>
+      </dsp:style>
+    </dsp:sp>
+    <dsp:sp modelId="{93876787-0642-46AC-97A8-D49821519678}">
+      <dsp:nvSpPr>
+        <dsp:cNvPr id="0" name=""/>
+        <dsp:cNvSpPr/>
+      </dsp:nvSpPr>
+      <dsp:spPr>
+        <a:xfrm>
+          <a:off x="639778" y="2077605"/>
+          <a:ext cx="6372591" cy="553920"/>
+        </a:xfrm>
+        <a:prstGeom prst="rect">
+          <a:avLst/>
+        </a:prstGeom>
+        <a:noFill/>
+        <a:ln>
+          <a:noFill/>
+        </a:ln>
+        <a:effectLst/>
+      </dsp:spPr>
+      <dsp:style>
+        <a:lnRef idx="0">
+          <a:scrgbClr r="0" g="0" b="0"/>
+        </a:lnRef>
+        <a:fillRef idx="0">
+          <a:scrgbClr r="0" g="0" b="0"/>
+        </a:fillRef>
+        <a:effectRef idx="0">
+          <a:scrgbClr r="0" g="0" b="0"/>
+        </a:effectRef>
+        <a:fontRef idx="minor"/>
+      </dsp:style>
+      <dsp:txBody>
+        <a:bodyPr spcFirstLastPara="0" vert="horz" wrap="square" lIns="58623" tIns="58623" rIns="58623" bIns="58623" numCol="1" spcCol="1270" anchor="ctr" anchorCtr="0">
+          <a:noAutofit/>
+        </a:bodyPr>
+        <a:lstStyle/>
+        <a:p>
+          <a:pPr marL="0" lvl="0" indent="0" algn="l" defTabSz="711200">
+            <a:lnSpc>
+              <a:spcPct val="90000"/>
+            </a:lnSpc>
+            <a:spcBef>
+              <a:spcPct val="0"/>
+            </a:spcBef>
+            <a:spcAft>
+              <a:spcPct val="35000"/>
+            </a:spcAft>
+            <a:buNone/>
+          </a:pPr>
+          <a:r>
+            <a:rPr lang="en-US" sz="1600" kern="1200" dirty="0"/>
+            <a:t>Instruction Memory: Holds the instructions</a:t>
+          </a:r>
+        </a:p>
+      </dsp:txBody>
+      <dsp:txXfrm>
+        <a:off x="639778" y="2077605"/>
+        <a:ext cx="6372591" cy="553920"/>
+      </dsp:txXfrm>
+    </dsp:sp>
+    <dsp:sp modelId="{672078BB-CE60-4600-9DB3-6C447E92D611}">
+      <dsp:nvSpPr>
+        <dsp:cNvPr id="0" name=""/>
+        <dsp:cNvSpPr/>
+      </dsp:nvSpPr>
+      <dsp:spPr>
+        <a:xfrm>
+          <a:off x="0" y="2770006"/>
+          <a:ext cx="7012370" cy="553920"/>
+        </a:xfrm>
+        <a:prstGeom prst="roundRect">
+          <a:avLst>
+            <a:gd name="adj" fmla="val 10000"/>
+          </a:avLst>
+        </a:prstGeom>
+        <a:solidFill>
+          <a:schemeClr val="accent6">
+            <a:hueOff val="0"/>
+            <a:satOff val="0"/>
+            <a:lumOff val="0"/>
+            <a:alphaOff val="0"/>
+          </a:schemeClr>
+        </a:solidFill>
+        <a:ln>
+          <a:noFill/>
+        </a:ln>
+        <a:effectLst/>
+      </dsp:spPr>
+      <dsp:style>
+        <a:lnRef idx="0">
+          <a:scrgbClr r="0" g="0" b="0"/>
+        </a:lnRef>
+        <a:fillRef idx="1">
+          <a:scrgbClr r="0" g="0" b="0"/>
+        </a:fillRef>
+        <a:effectRef idx="0">
+          <a:scrgbClr r="0" g="0" b="0"/>
+        </a:effectRef>
+        <a:fontRef idx="minor"/>
+      </dsp:style>
+    </dsp:sp>
+    <dsp:sp modelId="{EFD6C20C-BCED-4BC4-82FE-8DAB9145F465}">
+      <dsp:nvSpPr>
+        <dsp:cNvPr id="0" name=""/>
+        <dsp:cNvSpPr/>
+      </dsp:nvSpPr>
+      <dsp:spPr>
+        <a:xfrm>
+          <a:off x="167561" y="2894638"/>
+          <a:ext cx="304656" cy="304656"/>
+        </a:xfrm>
+        <a:prstGeom prst="rect">
+          <a:avLst/>
+        </a:prstGeom>
+        <a:blipFill>
+          <a:blip xmlns:r="http://schemas.openxmlformats.org/officeDocument/2006/relationships" r:embed="rId9">
+            <a:extLst>
+              <a:ext uri="{28A0092B-C50C-407E-A947-70E740481C1C}">
+                <a14:useLocalDpi xmlns:a14="http://schemas.microsoft.com/office/drawing/2010/main" val="0"/>
+              </a:ext>
+              <a:ext uri="{96DAC541-7B7A-43D3-8B79-37D633B846F1}">
+                <asvg:svgBlip xmlns:asvg="http://schemas.microsoft.com/office/drawing/2016/SVG/main" r:embed="rId10"/>
+              </a:ext>
+            </a:extLst>
+          </a:blip>
+          <a:stretch>
+            <a:fillRect/>
+          </a:stretch>
+        </a:blipFill>
+        <a:ln w="22225" cap="rnd" cmpd="sng" algn="ctr">
+          <a:noFill/>
+          <a:prstDash val="solid"/>
+        </a:ln>
+        <a:effectLst/>
+      </dsp:spPr>
+      <dsp:style>
+        <a:lnRef idx="2">
+          <a:scrgbClr r="0" g="0" b="0"/>
+        </a:lnRef>
+        <a:fillRef idx="1">
+          <a:scrgbClr r="0" g="0" b="0"/>
+        </a:fillRef>
+        <a:effectRef idx="0">
+          <a:scrgbClr r="0" g="0" b="0"/>
+        </a:effectRef>
+        <a:fontRef idx="minor">
+          <a:schemeClr val="lt1"/>
+        </a:fontRef>
+      </dsp:style>
+    </dsp:sp>
+    <dsp:sp modelId="{7239E18E-9FC2-4A53-9FD8-F4154ABA0EC6}">
+      <dsp:nvSpPr>
+        <dsp:cNvPr id="0" name=""/>
+        <dsp:cNvSpPr/>
+      </dsp:nvSpPr>
+      <dsp:spPr>
+        <a:xfrm>
+          <a:off x="639778" y="2770006"/>
+          <a:ext cx="6372591" cy="553920"/>
+        </a:xfrm>
+        <a:prstGeom prst="rect">
+          <a:avLst/>
+        </a:prstGeom>
+        <a:noFill/>
+        <a:ln>
+          <a:noFill/>
+        </a:ln>
+        <a:effectLst/>
+      </dsp:spPr>
+      <dsp:style>
+        <a:lnRef idx="0">
+          <a:scrgbClr r="0" g="0" b="0"/>
+        </a:lnRef>
+        <a:fillRef idx="0">
+          <a:scrgbClr r="0" g="0" b="0"/>
+        </a:fillRef>
+        <a:effectRef idx="0">
+          <a:scrgbClr r="0" g="0" b="0"/>
+        </a:effectRef>
+        <a:fontRef idx="minor"/>
+      </dsp:style>
+      <dsp:txBody>
+        <a:bodyPr spcFirstLastPara="0" vert="horz" wrap="square" lIns="58623" tIns="58623" rIns="58623" bIns="58623" numCol="1" spcCol="1270" anchor="ctr" anchorCtr="0">
+          <a:noAutofit/>
+        </a:bodyPr>
+        <a:lstStyle/>
+        <a:p>
+          <a:pPr marL="0" lvl="0" indent="0" algn="l" defTabSz="711200">
+            <a:lnSpc>
+              <a:spcPct val="90000"/>
+            </a:lnSpc>
+            <a:spcBef>
+              <a:spcPct val="0"/>
+            </a:spcBef>
+            <a:spcAft>
+              <a:spcPct val="35000"/>
+            </a:spcAft>
+            <a:buNone/>
+          </a:pPr>
+          <a:r>
+            <a:rPr lang="en-US" sz="1600" kern="1200" dirty="0"/>
+            <a:t>PC Adder: Increments PC by 4 every clock cycle</a:t>
+          </a:r>
+        </a:p>
+      </dsp:txBody>
+      <dsp:txXfrm>
+        <a:off x="639778" y="2770006"/>
+        <a:ext cx="6372591" cy="553920"/>
+      </dsp:txXfrm>
+    </dsp:sp>
+    <dsp:sp modelId="{9A6A2D13-7B03-494B-A449-A11305EAF4C3}">
+      <dsp:nvSpPr>
+        <dsp:cNvPr id="0" name=""/>
+        <dsp:cNvSpPr/>
+      </dsp:nvSpPr>
+      <dsp:spPr>
+        <a:xfrm>
+          <a:off x="0" y="3462406"/>
+          <a:ext cx="7012370" cy="553920"/>
+        </a:xfrm>
+        <a:prstGeom prst="roundRect">
+          <a:avLst>
+            <a:gd name="adj" fmla="val 10000"/>
+          </a:avLst>
+        </a:prstGeom>
+        <a:solidFill>
+          <a:schemeClr val="accent2">
+            <a:hueOff val="0"/>
+            <a:satOff val="0"/>
+            <a:lumOff val="0"/>
+            <a:alphaOff val="0"/>
+          </a:schemeClr>
+        </a:solidFill>
+        <a:ln>
+          <a:noFill/>
+        </a:ln>
+        <a:effectLst/>
+      </dsp:spPr>
+      <dsp:style>
+        <a:lnRef idx="0">
+          <a:scrgbClr r="0" g="0" b="0"/>
+        </a:lnRef>
+        <a:fillRef idx="1">
+          <a:scrgbClr r="0" g="0" b="0"/>
+        </a:fillRef>
+        <a:effectRef idx="0">
+          <a:scrgbClr r="0" g="0" b="0"/>
+        </a:effectRef>
+        <a:fontRef idx="minor"/>
+      </dsp:style>
+    </dsp:sp>
+    <dsp:sp modelId="{EC0B5417-9A90-406C-BEC5-46924FE226AC}">
+      <dsp:nvSpPr>
+        <dsp:cNvPr id="0" name=""/>
+        <dsp:cNvSpPr/>
+      </dsp:nvSpPr>
+      <dsp:spPr>
+        <a:xfrm>
+          <a:off x="167561" y="3587039"/>
+          <a:ext cx="304656" cy="304656"/>
+        </a:xfrm>
+        <a:prstGeom prst="rect">
+          <a:avLst/>
+        </a:prstGeom>
+        <a:blipFill>
+          <a:blip xmlns:r="http://schemas.openxmlformats.org/officeDocument/2006/relationships" r:embed="rId11">
+            <a:extLst>
+              <a:ext uri="{28A0092B-C50C-407E-A947-70E740481C1C}">
+                <a14:useLocalDpi xmlns:a14="http://schemas.microsoft.com/office/drawing/2010/main" val="0"/>
+              </a:ext>
+              <a:ext uri="{96DAC541-7B7A-43D3-8B79-37D633B846F1}">
+                <asvg:svgBlip xmlns:asvg="http://schemas.microsoft.com/office/drawing/2016/SVG/main" r:embed="rId12"/>
+              </a:ext>
+            </a:extLst>
+          </a:blip>
+          <a:stretch>
+            <a:fillRect/>
+          </a:stretch>
+        </a:blipFill>
+        <a:ln w="22225" cap="rnd" cmpd="sng" algn="ctr">
+          <a:noFill/>
+          <a:prstDash val="solid"/>
+        </a:ln>
+        <a:effectLst/>
+      </dsp:spPr>
+      <dsp:style>
+        <a:lnRef idx="2">
+          <a:scrgbClr r="0" g="0" b="0"/>
+        </a:lnRef>
+        <a:fillRef idx="1">
+          <a:scrgbClr r="0" g="0" b="0"/>
+        </a:fillRef>
+        <a:effectRef idx="0">
+          <a:scrgbClr r="0" g="0" b="0"/>
+        </a:effectRef>
+        <a:fontRef idx="minor">
+          <a:schemeClr val="lt1"/>
+        </a:fontRef>
+      </dsp:style>
+    </dsp:sp>
+    <dsp:sp modelId="{05B0B6EE-99F6-47FF-877D-CB78CA451956}">
+      <dsp:nvSpPr>
+        <dsp:cNvPr id="0" name=""/>
+        <dsp:cNvSpPr/>
+      </dsp:nvSpPr>
+      <dsp:spPr>
+        <a:xfrm>
+          <a:off x="639778" y="3462406"/>
+          <a:ext cx="6372591" cy="553920"/>
+        </a:xfrm>
+        <a:prstGeom prst="rect">
+          <a:avLst/>
+        </a:prstGeom>
+        <a:noFill/>
+        <a:ln>
+          <a:noFill/>
+        </a:ln>
+        <a:effectLst/>
+      </dsp:spPr>
+      <dsp:style>
+        <a:lnRef idx="0">
+          <a:scrgbClr r="0" g="0" b="0"/>
+        </a:lnRef>
+        <a:fillRef idx="0">
+          <a:scrgbClr r="0" g="0" b="0"/>
+        </a:fillRef>
+        <a:effectRef idx="0">
+          <a:scrgbClr r="0" g="0" b="0"/>
+        </a:effectRef>
+        <a:fontRef idx="minor"/>
+      </dsp:style>
+      <dsp:txBody>
+        <a:bodyPr spcFirstLastPara="0" vert="horz" wrap="square" lIns="58623" tIns="58623" rIns="58623" bIns="58623" numCol="1" spcCol="1270" anchor="ctr" anchorCtr="0">
+          <a:noAutofit/>
+        </a:bodyPr>
+        <a:lstStyle/>
+        <a:p>
+          <a:pPr marL="0" lvl="0" indent="0" algn="l" defTabSz="711200">
+            <a:lnSpc>
+              <a:spcPct val="90000"/>
+            </a:lnSpc>
+            <a:spcBef>
+              <a:spcPct val="0"/>
+            </a:spcBef>
+            <a:spcAft>
+              <a:spcPct val="35000"/>
+            </a:spcAft>
+            <a:buNone/>
+          </a:pPr>
+          <a:r>
+            <a:rPr lang="en-US" sz="1600" kern="1200"/>
+            <a:t>Bsrc: Mux controlling what goes into the B-input for the ALU</a:t>
+          </a:r>
+        </a:p>
+      </dsp:txBody>
+      <dsp:txXfrm>
+        <a:off x="639778" y="3462406"/>
+        <a:ext cx="6372591" cy="553920"/>
+      </dsp:txXfrm>
+    </dsp:sp>
+    <dsp:sp modelId="{F8ACF3B0-2304-42EA-9974-16A8CB8D2CDC}">
+      <dsp:nvSpPr>
+        <dsp:cNvPr id="0" name=""/>
+        <dsp:cNvSpPr/>
+      </dsp:nvSpPr>
+      <dsp:spPr>
+        <a:xfrm>
+          <a:off x="0" y="4154807"/>
+          <a:ext cx="7012370" cy="553920"/>
+        </a:xfrm>
+        <a:prstGeom prst="roundRect">
+          <a:avLst>
+            <a:gd name="adj" fmla="val 10000"/>
+          </a:avLst>
+        </a:prstGeom>
+        <a:solidFill>
+          <a:schemeClr val="accent3">
+            <a:hueOff val="0"/>
+            <a:satOff val="0"/>
+            <a:lumOff val="0"/>
+            <a:alphaOff val="0"/>
+          </a:schemeClr>
+        </a:solidFill>
+        <a:ln>
+          <a:noFill/>
+        </a:ln>
+        <a:effectLst/>
+      </dsp:spPr>
+      <dsp:style>
+        <a:lnRef idx="0">
+          <a:scrgbClr r="0" g="0" b="0"/>
+        </a:lnRef>
+        <a:fillRef idx="1">
+          <a:scrgbClr r="0" g="0" b="0"/>
+        </a:fillRef>
+        <a:effectRef idx="0">
+          <a:scrgbClr r="0" g="0" b="0"/>
+        </a:effectRef>
+        <a:fontRef idx="minor"/>
+      </dsp:style>
+    </dsp:sp>
+    <dsp:sp modelId="{2EF5B759-D0F0-4A25-8DCF-F104EC89D042}">
+      <dsp:nvSpPr>
+        <dsp:cNvPr id="0" name=""/>
+        <dsp:cNvSpPr/>
+      </dsp:nvSpPr>
+      <dsp:spPr>
+        <a:xfrm>
+          <a:off x="167561" y="4279440"/>
+          <a:ext cx="304656" cy="304656"/>
+        </a:xfrm>
+        <a:prstGeom prst="rect">
+          <a:avLst/>
+        </a:prstGeom>
+        <a:blipFill>
+          <a:blip xmlns:r="http://schemas.openxmlformats.org/officeDocument/2006/relationships" r:embed="rId13">
+            <a:extLst>
+              <a:ext uri="{28A0092B-C50C-407E-A947-70E740481C1C}">
+                <a14:useLocalDpi xmlns:a14="http://schemas.microsoft.com/office/drawing/2010/main" val="0"/>
+              </a:ext>
+              <a:ext uri="{96DAC541-7B7A-43D3-8B79-37D633B846F1}">
+                <asvg:svgBlip xmlns:asvg="http://schemas.microsoft.com/office/drawing/2016/SVG/main" r:embed="rId14"/>
+              </a:ext>
+            </a:extLst>
+          </a:blip>
+          <a:stretch>
+            <a:fillRect/>
+          </a:stretch>
+        </a:blipFill>
+        <a:ln w="22225" cap="rnd" cmpd="sng" algn="ctr">
+          <a:noFill/>
+          <a:prstDash val="solid"/>
+        </a:ln>
+        <a:effectLst/>
+      </dsp:spPr>
+      <dsp:style>
+        <a:lnRef idx="2">
+          <a:scrgbClr r="0" g="0" b="0"/>
+        </a:lnRef>
+        <a:fillRef idx="1">
+          <a:scrgbClr r="0" g="0" b="0"/>
+        </a:fillRef>
+        <a:effectRef idx="0">
+          <a:scrgbClr r="0" g="0" b="0"/>
+        </a:effectRef>
+        <a:fontRef idx="minor">
+          <a:schemeClr val="lt1"/>
+        </a:fontRef>
+      </dsp:style>
+    </dsp:sp>
+    <dsp:sp modelId="{40D98AF8-DD72-49B9-A81F-B3E4F2D43209}">
+      <dsp:nvSpPr>
+        <dsp:cNvPr id="0" name=""/>
+        <dsp:cNvSpPr/>
+      </dsp:nvSpPr>
+      <dsp:spPr>
+        <a:xfrm>
+          <a:off x="639778" y="4154807"/>
+          <a:ext cx="6372591" cy="553920"/>
+        </a:xfrm>
+        <a:prstGeom prst="rect">
+          <a:avLst/>
+        </a:prstGeom>
+        <a:noFill/>
+        <a:ln>
+          <a:noFill/>
+        </a:ln>
+        <a:effectLst/>
+      </dsp:spPr>
+      <dsp:style>
+        <a:lnRef idx="0">
+          <a:scrgbClr r="0" g="0" b="0"/>
+        </a:lnRef>
+        <a:fillRef idx="0">
+          <a:scrgbClr r="0" g="0" b="0"/>
+        </a:fillRef>
+        <a:effectRef idx="0">
+          <a:scrgbClr r="0" g="0" b="0"/>
+        </a:effectRef>
+        <a:fontRef idx="minor"/>
+      </dsp:style>
+      <dsp:txBody>
+        <a:bodyPr spcFirstLastPara="0" vert="horz" wrap="square" lIns="58623" tIns="58623" rIns="58623" bIns="58623" numCol="1" spcCol="1270" anchor="ctr" anchorCtr="0">
+          <a:noAutofit/>
+        </a:bodyPr>
+        <a:lstStyle/>
+        <a:p>
+          <a:pPr marL="0" lvl="0" indent="0" algn="l" defTabSz="711200">
+            <a:lnSpc>
+              <a:spcPct val="90000"/>
+            </a:lnSpc>
+            <a:spcBef>
+              <a:spcPct val="0"/>
+            </a:spcBef>
+            <a:spcAft>
+              <a:spcPct val="35000"/>
+            </a:spcAft>
+            <a:buNone/>
+          </a:pPr>
+          <a:r>
+            <a:rPr lang="en-US" sz="1600" kern="1200"/>
+            <a:t>PCBranch: Used for branching, adds a compiler-computed offset to the start of main</a:t>
+          </a:r>
+        </a:p>
+      </dsp:txBody>
+      <dsp:txXfrm>
+        <a:off x="639778" y="4154807"/>
+        <a:ext cx="6372591" cy="553920"/>
+      </dsp:txXfrm>
+    </dsp:sp>
+  </dsp:spTree>
+</dsp:drawing>
+</file>
+
+<file path=ppt/diagrams/drawing2.xml><?xml version="1.0" encoding="utf-8"?>
+<dsp:drawing xmlns:dgm="http://schemas.openxmlformats.org/drawingml/2006/diagram" xmlns:dsp="http://schemas.microsoft.com/office/drawing/2008/diagram" xmlns:a="http://schemas.openxmlformats.org/drawingml/2006/main">
+  <dsp:spTree>
+    <dsp:nvGrpSpPr>
+      <dsp:cNvPr id="0" name=""/>
+      <dsp:cNvGrpSpPr/>
+    </dsp:nvGrpSpPr>
+    <dsp:grpSpPr/>
+    <dsp:sp modelId="{70863B39-C9D6-E646-84C9-D477356CDE51}">
+      <dsp:nvSpPr>
+        <dsp:cNvPr id="0" name=""/>
+        <dsp:cNvSpPr/>
+      </dsp:nvSpPr>
+      <dsp:spPr>
+        <a:xfrm>
+          <a:off x="0" y="80312"/>
+          <a:ext cx="7001086" cy="725399"/>
+        </a:xfrm>
+        <a:prstGeom prst="roundRect">
+          <a:avLst/>
+        </a:prstGeom>
+        <a:gradFill rotWithShape="0">
+          <a:gsLst>
+            <a:gs pos="0">
+              <a:schemeClr val="accent2">
+                <a:hueOff val="0"/>
+                <a:satOff val="0"/>
+                <a:lumOff val="0"/>
+                <a:alphaOff val="0"/>
+                <a:tint val="98000"/>
+                <a:lumMod val="110000"/>
+              </a:schemeClr>
+            </a:gs>
+            <a:gs pos="84000">
+              <a:schemeClr val="accent2">
+                <a:hueOff val="0"/>
+                <a:satOff val="0"/>
+                <a:lumOff val="0"/>
+                <a:alphaOff val="0"/>
+                <a:shade val="90000"/>
+                <a:lumMod val="88000"/>
+              </a:schemeClr>
+            </a:gs>
+          </a:gsLst>
+          <a:lin ang="5400000" scaled="0"/>
+        </a:gradFill>
+        <a:ln>
+          <a:noFill/>
+        </a:ln>
+        <a:effectLst>
+          <a:outerShdw blurRad="38100" dist="25400" dir="5400000" rotWithShape="0">
+            <a:srgbClr val="000000">
+              <a:alpha val="55000"/>
+            </a:srgbClr>
+          </a:outerShdw>
+        </a:effectLst>
+      </dsp:spPr>
+      <dsp:style>
+        <a:lnRef idx="0">
+          <a:scrgbClr r="0" g="0" b="0"/>
+        </a:lnRef>
+        <a:fillRef idx="3">
+          <a:scrgbClr r="0" g="0" b="0"/>
+        </a:fillRef>
+        <a:effectRef idx="2">
+          <a:scrgbClr r="0" g="0" b="0"/>
+        </a:effectRef>
+        <a:fontRef idx="minor">
+          <a:schemeClr val="lt1"/>
+        </a:fontRef>
+      </dsp:style>
+      <dsp:txBody>
+        <a:bodyPr spcFirstLastPara="0" vert="horz" wrap="square" lIns="118110" tIns="118110" rIns="118110" bIns="118110" numCol="1" spcCol="1270" anchor="ctr" anchorCtr="0">
+          <a:noAutofit/>
+        </a:bodyPr>
+        <a:lstStyle/>
+        <a:p>
+          <a:pPr marL="0" lvl="0" indent="0" algn="l" defTabSz="1377950">
+            <a:lnSpc>
+              <a:spcPct val="90000"/>
+            </a:lnSpc>
+            <a:spcBef>
+              <a:spcPct val="0"/>
+            </a:spcBef>
+            <a:spcAft>
+              <a:spcPct val="35000"/>
+            </a:spcAft>
+            <a:buNone/>
+          </a:pPr>
+          <a:r>
+            <a:rPr lang="en-US" sz="3100" kern="1200"/>
+            <a:t>What went well?</a:t>
+          </a:r>
+        </a:p>
+      </dsp:txBody>
+      <dsp:txXfrm>
+        <a:off x="35411" y="115723"/>
+        <a:ext cx="6930264" cy="654577"/>
+      </dsp:txXfrm>
+    </dsp:sp>
+    <dsp:sp modelId="{72155494-9252-0443-BCE2-107A5E736DD8}">
+      <dsp:nvSpPr>
+        <dsp:cNvPr id="0" name=""/>
+        <dsp:cNvSpPr/>
+      </dsp:nvSpPr>
+      <dsp:spPr>
+        <a:xfrm>
+          <a:off x="0" y="805712"/>
+          <a:ext cx="7001086" cy="786082"/>
+        </a:xfrm>
+        <a:prstGeom prst="rect">
+          <a:avLst/>
+        </a:prstGeom>
+        <a:noFill/>
+        <a:ln>
+          <a:noFill/>
+        </a:ln>
+        <a:effectLst/>
+      </dsp:spPr>
+      <dsp:style>
+        <a:lnRef idx="0">
+          <a:scrgbClr r="0" g="0" b="0"/>
+        </a:lnRef>
+        <a:fillRef idx="0">
+          <a:scrgbClr r="0" g="0" b="0"/>
+        </a:fillRef>
+        <a:effectRef idx="0">
+          <a:scrgbClr r="0" g="0" b="0"/>
+        </a:effectRef>
+        <a:fontRef idx="minor"/>
+      </dsp:style>
+      <dsp:txBody>
+        <a:bodyPr spcFirstLastPara="0" vert="horz" wrap="square" lIns="222284" tIns="39370" rIns="220472" bIns="39370" numCol="1" spcCol="1270" anchor="t" anchorCtr="0">
+          <a:noAutofit/>
+        </a:bodyPr>
+        <a:lstStyle/>
+        <a:p>
+          <a:pPr marL="228600" lvl="1" indent="-228600" algn="l" defTabSz="1066800">
+            <a:lnSpc>
+              <a:spcPct val="90000"/>
+            </a:lnSpc>
+            <a:spcBef>
+              <a:spcPct val="0"/>
+            </a:spcBef>
+            <a:spcAft>
+              <a:spcPct val="20000"/>
+            </a:spcAft>
+            <a:buChar char="•"/>
+          </a:pPr>
+          <a:r>
+            <a:rPr lang="en-US" sz="2400" kern="1200"/>
+            <a:t>ALU and ALUsim was pretty straightforward</a:t>
+          </a:r>
+        </a:p>
+        <a:p>
+          <a:pPr marL="228600" lvl="1" indent="-228600" algn="l" defTabSz="1066800">
+            <a:lnSpc>
+              <a:spcPct val="90000"/>
+            </a:lnSpc>
+            <a:spcBef>
+              <a:spcPct val="0"/>
+            </a:spcBef>
+            <a:spcAft>
+              <a:spcPct val="20000"/>
+            </a:spcAft>
+            <a:buChar char="•"/>
+          </a:pPr>
+          <a:r>
+            <a:rPr lang="en-US" sz="2400" kern="1200"/>
+            <a:t>Integration from FP1 was smooth</a:t>
+          </a:r>
+        </a:p>
+      </dsp:txBody>
+      <dsp:txXfrm>
+        <a:off x="0" y="805712"/>
+        <a:ext cx="7001086" cy="786082"/>
+      </dsp:txXfrm>
+    </dsp:sp>
+    <dsp:sp modelId="{E74CA1EA-2ACF-1F4D-8603-705BA573A149}">
+      <dsp:nvSpPr>
+        <dsp:cNvPr id="0" name=""/>
+        <dsp:cNvSpPr/>
+      </dsp:nvSpPr>
+      <dsp:spPr>
+        <a:xfrm>
+          <a:off x="0" y="1591795"/>
+          <a:ext cx="7001086" cy="725399"/>
+        </a:xfrm>
+        <a:prstGeom prst="roundRect">
+          <a:avLst/>
+        </a:prstGeom>
+        <a:gradFill rotWithShape="0">
+          <a:gsLst>
+            <a:gs pos="0">
+              <a:schemeClr val="accent2">
+                <a:hueOff val="595867"/>
+                <a:satOff val="3457"/>
+                <a:lumOff val="3432"/>
+                <a:alphaOff val="0"/>
+                <a:tint val="98000"/>
+                <a:lumMod val="110000"/>
+              </a:schemeClr>
+            </a:gs>
+            <a:gs pos="84000">
+              <a:schemeClr val="accent2">
+                <a:hueOff val="595867"/>
+                <a:satOff val="3457"/>
+                <a:lumOff val="3432"/>
+                <a:alphaOff val="0"/>
+                <a:shade val="90000"/>
+                <a:lumMod val="88000"/>
+              </a:schemeClr>
+            </a:gs>
+          </a:gsLst>
+          <a:lin ang="5400000" scaled="0"/>
+        </a:gradFill>
+        <a:ln>
+          <a:noFill/>
+        </a:ln>
+        <a:effectLst>
+          <a:outerShdw blurRad="38100" dist="25400" dir="5400000" rotWithShape="0">
+            <a:srgbClr val="000000">
+              <a:alpha val="55000"/>
+            </a:srgbClr>
+          </a:outerShdw>
+        </a:effectLst>
+      </dsp:spPr>
+      <dsp:style>
+        <a:lnRef idx="0">
+          <a:scrgbClr r="0" g="0" b="0"/>
+        </a:lnRef>
+        <a:fillRef idx="3">
+          <a:scrgbClr r="0" g="0" b="0"/>
+        </a:fillRef>
+        <a:effectRef idx="2">
+          <a:scrgbClr r="0" g="0" b="0"/>
+        </a:effectRef>
+        <a:fontRef idx="minor">
+          <a:schemeClr val="lt1"/>
+        </a:fontRef>
+      </dsp:style>
+      <dsp:txBody>
+        <a:bodyPr spcFirstLastPara="0" vert="horz" wrap="square" lIns="118110" tIns="118110" rIns="118110" bIns="118110" numCol="1" spcCol="1270" anchor="ctr" anchorCtr="0">
+          <a:noAutofit/>
+        </a:bodyPr>
+        <a:lstStyle/>
+        <a:p>
+          <a:pPr marL="0" lvl="0" indent="0" algn="l" defTabSz="1377950">
+            <a:lnSpc>
+              <a:spcPct val="90000"/>
+            </a:lnSpc>
+            <a:spcBef>
+              <a:spcPct val="0"/>
+            </a:spcBef>
+            <a:spcAft>
+              <a:spcPct val="35000"/>
+            </a:spcAft>
+            <a:buNone/>
+          </a:pPr>
+          <a:r>
+            <a:rPr lang="en-US" sz="3100" kern="1200"/>
+            <a:t>What didn’t go well?</a:t>
+          </a:r>
+        </a:p>
+      </dsp:txBody>
+      <dsp:txXfrm>
+        <a:off x="35411" y="1627206"/>
+        <a:ext cx="6930264" cy="654577"/>
+      </dsp:txXfrm>
+    </dsp:sp>
+    <dsp:sp modelId="{45306ED4-8E54-6B40-A7EF-A252D7B11E44}">
+      <dsp:nvSpPr>
+        <dsp:cNvPr id="0" name=""/>
+        <dsp:cNvSpPr/>
+      </dsp:nvSpPr>
+      <dsp:spPr>
+        <a:xfrm>
+          <a:off x="0" y="2317195"/>
+          <a:ext cx="7001086" cy="786082"/>
+        </a:xfrm>
+        <a:prstGeom prst="rect">
+          <a:avLst/>
+        </a:prstGeom>
+        <a:noFill/>
+        <a:ln>
+          <a:noFill/>
+        </a:ln>
+        <a:effectLst/>
+      </dsp:spPr>
+      <dsp:style>
+        <a:lnRef idx="0">
+          <a:scrgbClr r="0" g="0" b="0"/>
+        </a:lnRef>
+        <a:fillRef idx="0">
+          <a:scrgbClr r="0" g="0" b="0"/>
+        </a:fillRef>
+        <a:effectRef idx="0">
+          <a:scrgbClr r="0" g="0" b="0"/>
+        </a:effectRef>
+        <a:fontRef idx="minor"/>
+      </dsp:style>
+      <dsp:txBody>
+        <a:bodyPr spcFirstLastPara="0" vert="horz" wrap="square" lIns="222284" tIns="39370" rIns="220472" bIns="39370" numCol="1" spcCol="1270" anchor="t" anchorCtr="0">
+          <a:noAutofit/>
+        </a:bodyPr>
+        <a:lstStyle/>
+        <a:p>
+          <a:pPr marL="228600" lvl="1" indent="-228600" algn="l" defTabSz="1066800">
+            <a:lnSpc>
+              <a:spcPct val="90000"/>
+            </a:lnSpc>
+            <a:spcBef>
+              <a:spcPct val="0"/>
+            </a:spcBef>
+            <a:spcAft>
+              <a:spcPct val="20000"/>
+            </a:spcAft>
+            <a:buChar char="•"/>
+          </a:pPr>
+          <a:r>
+            <a:rPr lang="en-US" sz="2400" kern="1200" dirty="0"/>
+            <a:t>Floating point at first</a:t>
+          </a:r>
+        </a:p>
+        <a:p>
+          <a:pPr marL="228600" lvl="1" indent="-228600" algn="l" defTabSz="1066800">
+            <a:lnSpc>
+              <a:spcPct val="90000"/>
+            </a:lnSpc>
+            <a:spcBef>
+              <a:spcPct val="0"/>
+            </a:spcBef>
+            <a:spcAft>
+              <a:spcPct val="20000"/>
+            </a:spcAft>
+            <a:buChar char="•"/>
+          </a:pPr>
+          <a:r>
+            <a:rPr lang="en-US" sz="2400" kern="1200" dirty="0"/>
+            <a:t>Wiring the DPU/communication</a:t>
+          </a:r>
+        </a:p>
+      </dsp:txBody>
+      <dsp:txXfrm>
+        <a:off x="0" y="2317195"/>
+        <a:ext cx="7001086" cy="786082"/>
+      </dsp:txXfrm>
+    </dsp:sp>
+    <dsp:sp modelId="{FFC323CA-465E-C14E-A71F-BE3163C0D212}">
+      <dsp:nvSpPr>
+        <dsp:cNvPr id="0" name=""/>
+        <dsp:cNvSpPr/>
+      </dsp:nvSpPr>
+      <dsp:spPr>
+        <a:xfrm>
+          <a:off x="0" y="3103277"/>
+          <a:ext cx="7001086" cy="725399"/>
+        </a:xfrm>
+        <a:prstGeom prst="roundRect">
+          <a:avLst/>
+        </a:prstGeom>
+        <a:gradFill rotWithShape="0">
+          <a:gsLst>
+            <a:gs pos="0">
+              <a:schemeClr val="accent2">
+                <a:hueOff val="1191735"/>
+                <a:satOff val="6913"/>
+                <a:lumOff val="6864"/>
+                <a:alphaOff val="0"/>
+                <a:tint val="98000"/>
+                <a:lumMod val="110000"/>
+              </a:schemeClr>
+            </a:gs>
+            <a:gs pos="84000">
+              <a:schemeClr val="accent2">
+                <a:hueOff val="1191735"/>
+                <a:satOff val="6913"/>
+                <a:lumOff val="6864"/>
+                <a:alphaOff val="0"/>
+                <a:shade val="90000"/>
+                <a:lumMod val="88000"/>
+              </a:schemeClr>
+            </a:gs>
+          </a:gsLst>
+          <a:lin ang="5400000" scaled="0"/>
+        </a:gradFill>
+        <a:ln>
+          <a:noFill/>
+        </a:ln>
+        <a:effectLst>
+          <a:outerShdw blurRad="38100" dist="25400" dir="5400000" rotWithShape="0">
+            <a:srgbClr val="000000">
+              <a:alpha val="55000"/>
+            </a:srgbClr>
+          </a:outerShdw>
+        </a:effectLst>
+      </dsp:spPr>
+      <dsp:style>
+        <a:lnRef idx="0">
+          <a:scrgbClr r="0" g="0" b="0"/>
+        </a:lnRef>
+        <a:fillRef idx="3">
+          <a:scrgbClr r="0" g="0" b="0"/>
+        </a:fillRef>
+        <a:effectRef idx="2">
+          <a:scrgbClr r="0" g="0" b="0"/>
+        </a:effectRef>
+        <a:fontRef idx="minor">
+          <a:schemeClr val="lt1"/>
+        </a:fontRef>
+      </dsp:style>
+      <dsp:txBody>
+        <a:bodyPr spcFirstLastPara="0" vert="horz" wrap="square" lIns="118110" tIns="118110" rIns="118110" bIns="118110" numCol="1" spcCol="1270" anchor="ctr" anchorCtr="0">
+          <a:noAutofit/>
+        </a:bodyPr>
+        <a:lstStyle/>
+        <a:p>
+          <a:pPr marL="0" lvl="0" indent="0" algn="l" defTabSz="1377950">
+            <a:lnSpc>
+              <a:spcPct val="90000"/>
+            </a:lnSpc>
+            <a:spcBef>
+              <a:spcPct val="0"/>
+            </a:spcBef>
+            <a:spcAft>
+              <a:spcPct val="35000"/>
+            </a:spcAft>
+            <a:buNone/>
+          </a:pPr>
+          <a:r>
+            <a:rPr lang="en-US" sz="3100" kern="1200"/>
+            <a:t>What are we happy with in our design?</a:t>
+          </a:r>
+        </a:p>
+      </dsp:txBody>
+      <dsp:txXfrm>
+        <a:off x="35411" y="3138688"/>
+        <a:ext cx="6930264" cy="654577"/>
+      </dsp:txXfrm>
+    </dsp:sp>
+    <dsp:sp modelId="{52320C0A-C19F-B941-9A24-03D487AE47D4}">
+      <dsp:nvSpPr>
+        <dsp:cNvPr id="0" name=""/>
+        <dsp:cNvSpPr/>
+      </dsp:nvSpPr>
+      <dsp:spPr>
+        <a:xfrm>
+          <a:off x="0" y="3828677"/>
+          <a:ext cx="7001086" cy="1187145"/>
+        </a:xfrm>
+        <a:prstGeom prst="rect">
+          <a:avLst/>
+        </a:prstGeom>
+        <a:noFill/>
+        <a:ln>
+          <a:noFill/>
+        </a:ln>
+        <a:effectLst/>
+      </dsp:spPr>
+      <dsp:style>
+        <a:lnRef idx="0">
+          <a:scrgbClr r="0" g="0" b="0"/>
+        </a:lnRef>
+        <a:fillRef idx="0">
+          <a:scrgbClr r="0" g="0" b="0"/>
+        </a:fillRef>
+        <a:effectRef idx="0">
+          <a:scrgbClr r="0" g="0" b="0"/>
+        </a:effectRef>
+        <a:fontRef idx="minor"/>
+      </dsp:style>
+      <dsp:txBody>
+        <a:bodyPr spcFirstLastPara="0" vert="horz" wrap="square" lIns="222284" tIns="39370" rIns="220472" bIns="39370" numCol="1" spcCol="1270" anchor="t" anchorCtr="0">
+          <a:noAutofit/>
+        </a:bodyPr>
+        <a:lstStyle/>
+        <a:p>
+          <a:pPr marL="228600" lvl="1" indent="-228600" algn="l" defTabSz="1066800">
+            <a:lnSpc>
+              <a:spcPct val="90000"/>
+            </a:lnSpc>
+            <a:spcBef>
+              <a:spcPct val="0"/>
+            </a:spcBef>
+            <a:spcAft>
+              <a:spcPct val="20000"/>
+            </a:spcAft>
+            <a:buChar char="•"/>
+          </a:pPr>
+          <a:r>
+            <a:rPr lang="en-US" sz="2400" kern="1200"/>
+            <a:t>The floating point works</a:t>
+          </a:r>
+        </a:p>
+        <a:p>
+          <a:pPr marL="228600" lvl="1" indent="-228600" algn="l" defTabSz="1066800">
+            <a:lnSpc>
+              <a:spcPct val="90000"/>
+            </a:lnSpc>
+            <a:spcBef>
+              <a:spcPct val="0"/>
+            </a:spcBef>
+            <a:spcAft>
+              <a:spcPct val="20000"/>
+            </a:spcAft>
+            <a:buChar char="•"/>
+          </a:pPr>
+          <a:r>
+            <a:rPr lang="en-US" sz="2400" kern="1200" dirty="0"/>
+            <a:t>DPU as a whole</a:t>
+          </a:r>
+        </a:p>
+        <a:p>
+          <a:pPr marL="228600" lvl="1" indent="-228600" algn="l" defTabSz="1066800">
+            <a:lnSpc>
+              <a:spcPct val="90000"/>
+            </a:lnSpc>
+            <a:spcBef>
+              <a:spcPct val="0"/>
+            </a:spcBef>
+            <a:spcAft>
+              <a:spcPct val="20000"/>
+            </a:spcAft>
+            <a:buChar char="•"/>
+          </a:pPr>
+          <a:r>
+            <a:rPr lang="en-US" sz="2400" kern="1200"/>
+            <a:t>ALU does what we want </a:t>
+          </a:r>
+        </a:p>
+      </dsp:txBody>
+      <dsp:txXfrm>
+        <a:off x="0" y="3828677"/>
+        <a:ext cx="7001086" cy="1187145"/>
+      </dsp:txXfrm>
+    </dsp:sp>
+  </dsp:spTree>
+</dsp:drawing>
+</file>
+
+<file path=ppt/diagrams/layout1.xml><?xml version="1.0" encoding="utf-8"?>
+<dgm:layoutDef xmlns:dgm="http://schemas.openxmlformats.org/drawingml/2006/diagram" xmlns:a="http://schemas.openxmlformats.org/drawingml/2006/main" uniqueId="urn:microsoft.com/office/officeart/2018/2/layout/IconVerticalSolidList">
+  <dgm:title val="Icon Vertical Solid List"/>
+  <dgm:desc val="Use to show a series of visuals from top to bottom with Level 1 or Level 1 and Level 2 text grouped in a shape. Works best with icons or small pictures with lengthier descriptions."/>
+  <dgm:catLst>
+    <dgm:cat type="icon" pri="500"/>
+  </dgm:catLst>
+  <dgm:sampData useDef="1">
+    <dgm:dataModel>
+      <dgm:ptLst/>
+      <dgm:bg/>
+      <dgm:whole/>
+    </dgm:dataModel>
+  </dgm:sampData>
+  <dgm:styleData useDef="1">
+    <dgm:dataModel>
+      <dgm:ptLst/>
+      <dgm:bg/>
+      <dgm:whole/>
+    </dgm:dataModel>
+  </dgm:styleData>
+  <dgm:clrData useDef="1">
+    <dgm:dataModel>
+      <dgm:ptLst/>
+      <dgm:bg/>
+      <dgm:whole/>
+    </dgm:dataModel>
+  </dgm:clrData>
+  <dgm:layoutNode name="root">
+    <dgm:varLst>
+      <dgm:dir/>
+      <dgm:resizeHandles val="exact"/>
+    </dgm:varLst>
+    <dgm:choose name="Name0">
+      <dgm:if name="Name1" axis="self" func="var" arg="dir" op="equ" val="norm">
+        <dgm:alg type="lin">
+          <dgm:param type="linDir" val="fromT"/>
+          <dgm:param type="nodeHorzAlign" val="l"/>
+        </dgm:alg>
+      </dgm:if>
+      <dgm:else name="Name2">
+        <dgm:alg type="lin">
+          <dgm:param type="linDir" val="fromT"/>
+          <dgm:param type="nodeHorzAlign" val="r"/>
+        </dgm:alg>
+      </dgm:else>
+    </dgm:choose>
+    <dgm:shape xmlns:r="http://schemas.openxmlformats.org/officeDocument/2006/relationships" r:blip="">
+      <dgm:adjLst/>
+    </dgm:shape>
+    <dgm:presOf/>
+    <dgm:choose name="Name3">
+      <dgm:if name="Name4" axis="ch" ptType="node" func="cnt" op="lte" val="3">
+        <dgm:constrLst>
+          <dgm:constr type="h" for="ch" forName="compNode" refType="h" fact="0.3"/>
+          <dgm:constr type="w" for="ch" forName="compNode" refType="w"/>
+          <dgm:constr type="h" for="ch" forName="sibTrans" refType="h" refFor="ch" refForName="compNode" fact="0.25"/>
+          <dgm:constr type="primFontSz" for="des" forName="parTx" val="25"/>
+          <dgm:constr type="primFontSz" for="des" forName="desTx" refType="primFontSz" refFor="des" refForName="parTx" op="lte" fact="0.75"/>
+          <dgm:constr type="h" for="des" forName="compNode" op="equ"/>
+          <dgm:constr type="h" for="des" forName="bgRect" op="equ"/>
+          <dgm:constr type="h" for="des" forName="iconRect" op="equ"/>
+          <dgm:constr type="w" for="des" forName="iconRect" op="equ"/>
+          <dgm:constr type="h" for="des" forName="spaceRect" op="equ"/>
+          <dgm:constr type="h" for="des" forName="parTx" op="equ"/>
+          <dgm:constr type="h" for="des" forName="desTx" op="equ"/>
+        </dgm:constrLst>
+      </dgm:if>
+      <dgm:if name="Name5" axis="ch" ptType="node" func="cnt" op="lte" val="4">
+        <dgm:constrLst>
+          <dgm:constr type="h" for="ch" forName="compNode" refType="h" fact="0.3"/>
+          <dgm:constr type="w" for="ch" forName="compNode" refType="w"/>
+          <dgm:constr type="h" for="ch" forName="sibTrans" refType="h" refFor="ch" refForName="compNode" fact="0.25"/>
+          <dgm:constr type="primFontSz" for="des" forName="parTx" val="22"/>
+          <dgm:constr type="primFontSz" for="des" forName="desTx" refType="primFontSz" refFor="des" refForName="parTx" op="lte" fact="0.75"/>
+          <dgm:constr type="h" for="des" forName="compNode" op="equ"/>
+          <dgm:constr type="h" for="des" forName="bgRect" op="equ"/>
+          <dgm:constr type="h" for="des" forName="iconRect" op="equ"/>
+          <dgm:constr type="w" for="des" forName="iconRect" op="equ"/>
+          <dgm:constr type="h" for="des" forName="spaceRect" op="equ"/>
+          <dgm:constr type="h" for="des" forName="parTx" op="equ"/>
+          <dgm:constr type="h" for="des" forName="desTx" op="equ"/>
+        </dgm:constrLst>
+      </dgm:if>
+      <dgm:if name="Name6" axis="ch" ptType="node" func="cnt" op="lte" val="6">
+        <dgm:constrLst>
+          <dgm:constr type="h" for="ch" forName="compNode" refType="h" fact="0.3"/>
+          <dgm:constr type="w" for="ch" forName="compNode" refType="w"/>
+          <dgm:constr type="h" for="ch" forName="sibTrans" refType="h" refFor="ch" refForName="compNode" fact="0.25"/>
+          <dgm:constr type="primFontSz" for="des" forName="parTx" val="19"/>
+          <dgm:constr type="primFontSz" for="des" forName="desTx" refType="primFontSz" refFor="des" refForName="parTx" op="lte" fact="0.75"/>
+          <dgm:constr type="h" for="des" forName="compNode" op="equ"/>
+          <dgm:constr type="h" for="des" forName="bgRect" op="equ"/>
+          <dgm:constr type="h" for="des" forName="iconRect" op="equ"/>
+          <dgm:constr type="w" for="des" forName="iconRect" op="equ"/>
+          <dgm:constr type="h" for="des" forName="spaceRect" op="equ"/>
+          <dgm:constr type="h" for="des" forName="parTx" op="equ"/>
+          <dgm:constr type="h" for="des" forName="desTx" op="equ"/>
+        </dgm:constrLst>
+      </dgm:if>
+      <dgm:else name="Name7">
+        <dgm:constrLst>
+          <dgm:constr type="h" for="ch" forName="compNode" refType="h" fact="0.3"/>
+          <dgm:constr type="w" for="ch" forName="compNode" refType="w"/>
+          <dgm:constr type="h" for="ch" forName="sibTrans" refType="h" refFor="ch" refForName="compNode" fact="0.25"/>
+          <dgm:constr type="primFontSz" for="des" forName="parTx" val="16"/>
+          <dgm:constr type="primFontSz" for="des" forName="desTx" refType="primFontSz" refFor="des" refForName="parTx" op="lte" fact="0.75"/>
+          <dgm:constr type="h" for="des" forName="compNode" op="equ"/>
+          <dgm:constr type="h" for="des" forName="bgRect" op="equ"/>
+          <dgm:constr type="h" for="des" forName="iconRect" op="equ"/>
+          <dgm:constr type="w" for="des" forName="iconRect" op="equ"/>
+          <dgm:constr type="h" for="des" forName="spaceRect" op="equ"/>
+          <dgm:constr type="h" for="des" forName="parTx" op="equ"/>
+          <dgm:constr type="h" for="des" forName="desTx" op="equ"/>
+        </dgm:constrLst>
+      </dgm:else>
+    </dgm:choose>
+    <dgm:ruleLst>
+      <dgm:rule type="h" for="ch" forName="compNode" val="0" fact="NaN" max="NaN"/>
+    </dgm:ruleLst>
+    <dgm:forEach name="Name8" axis="ch" ptType="node">
+      <dgm:layoutNode name="compNode">
+        <dgm:alg type="composite"/>
+        <dgm:shape xmlns:r="http://schemas.openxmlformats.org/officeDocument/2006/relationships" r:blip="">
+          <dgm:adjLst/>
+        </dgm:shape>
+        <dgm:presOf axis="self"/>
+        <dgm:choose name="Name9">
+          <dgm:if name="Name10" axis="ch" ptType="node" func="cnt" op="gte" val="1">
+            <dgm:constrLst>
+              <dgm:constr type="w" for="ch" forName="bgRect" refType="w"/>
+              <dgm:constr type="h" for="ch" forName="bgRect" refType="h"/>
+              <dgm:constr type="l" for="ch" forName="bgRect"/>
+              <dgm:constr type="t" for="ch" forName="bgRect"/>
+              <dgm:constr type="h" for="ch" forName="iconRect" refType="h" fact="0.55"/>
+              <dgm:constr type="w" for="ch" forName="iconRect" refType="h" refFor="ch" refForName="iconRect"/>
+              <dgm:constr type="l" for="ch" forName="iconRect" refType="h" refFor="ch" refForName="iconRect" fact="0.55"/>
+              <dgm:constr type="ctrY" for="ch" forName="iconRect" refType="ctrY" refFor="ch" refForName="bgRect"/>
+              <dgm:constr type="w" for="ch" forName="spaceRect" refType="l" refFor="ch" refForName="iconRect"/>
+              <dgm:constr type="h" for="ch" forName="spaceRect" refType="h"/>
+              <dgm:constr type="l" for="ch" forName="spaceRect" refType="r" refFor="ch" refForName="iconRect"/>
+              <dgm:constr type="t" for="ch" forName="spaceRect"/>
+              <dgm:constr type="w" for="ch" forName="parTx" refType="w" fact="0.45"/>
+              <dgm:constr type="h" for="ch" forName="parTx" refType="h"/>
+              <dgm:constr type="l" for="ch" forName="parTx" refType="r" refFor="ch" refForName="spaceRect"/>
+              <dgm:constr type="t" for="ch" forName="parTx"/>
+              <dgm:constr type="h" for="ch" forName="desTx" refType="h"/>
+              <dgm:constr type="l" for="ch" forName="desTx" refType="r" refFor="ch" refForName="parTx"/>
+              <dgm:constr type="t" for="ch" forName="desTx"/>
+            </dgm:constrLst>
+          </dgm:if>
+          <dgm:else name="Name11">
+            <dgm:constrLst>
+              <dgm:constr type="w" for="ch" forName="bgRect" refType="w"/>
+              <dgm:constr type="h" for="ch" forName="bgRect" refType="h"/>
+              <dgm:constr type="l" for="ch" forName="bgRect"/>
+              <dgm:constr type="t" for="ch" forName="bgRect"/>
+              <dgm:constr type="h" for="ch" forName="iconRect" refType="h" fact="0.55"/>
+              <dgm:constr type="w" for="ch" forName="iconRect" refType="h" refFor="ch" refForName="iconRect"/>
+              <dgm:constr type="l" for="ch" forName="iconRect" refType="h" refFor="ch" refForName="iconRect" fact="0.55"/>
+              <dgm:constr type="ctrY" for="ch" forName="iconRect" refType="ctrY" refFor="ch" refForName="bgRect"/>
+              <dgm:constr type="w" for="ch" forName="spaceRect" refType="l" refFor="ch" refForName="iconRect"/>
+              <dgm:constr type="h" for="ch" forName="spaceRect" refType="h"/>
+              <dgm:constr type="l" for="ch" forName="spaceRect" refType="r" refFor="ch" refForName="iconRect"/>
+              <dgm:constr type="t" for="ch" forName="spaceRect"/>
+              <dgm:constr type="h" for="ch" forName="parTx" refType="h"/>
+              <dgm:constr type="l" for="ch" forName="parTx" refType="r" refFor="ch" refForName="spaceRect"/>
+              <dgm:constr type="t" for="ch" forName="parTx"/>
+            </dgm:constrLst>
+          </dgm:else>
+        </dgm:choose>
+        <dgm:ruleLst>
+          <dgm:rule type="h" val="INF" fact="NaN" max="NaN"/>
+        </dgm:ruleLst>
+        <dgm:layoutNode name="bgRect" styleLbl="bgShp">
+          <dgm:alg type="sp"/>
+          <dgm:shape xmlns:r="http://schemas.openxmlformats.org/officeDocument/2006/relationships" type="roundRect" r:blip="">
+            <dgm:adjLst>
+              <dgm:adj idx="1" val="0.1"/>
+            </dgm:adjLst>
+          </dgm:shape>
+          <dgm:presOf/>
+          <dgm:constrLst/>
+          <dgm:ruleLst/>
+        </dgm:layoutNode>
+        <dgm:layoutNode name="iconRect" styleLbl="node1">
+          <dgm:alg type="sp"/>
+          <dgm:shape xmlns:r="http://schemas.openxmlformats.org/officeDocument/2006/relationships" type="rect" r:blip="" blipPhldr="1">
+            <dgm:adjLst/>
+          </dgm:shape>
+          <dgm:presOf/>
+          <dgm:constrLst/>
+          <dgm:ruleLst/>
+        </dgm:layoutNode>
+        <dgm:layoutNode name="spaceRect">
+          <dgm:alg type="sp"/>
+          <dgm:shape xmlns:r="http://schemas.openxmlformats.org/officeDocument/2006/relationships" r:blip="">
+            <dgm:adjLst/>
+          </dgm:shape>
+          <dgm:presOf/>
+          <dgm:constrLst/>
+          <dgm:ruleLst/>
+        </dgm:layoutNode>
+        <dgm:layoutNode name="parTx" styleLbl="revTx">
+          <dgm:varLst>
+            <dgm:chMax val="0"/>
+            <dgm:chPref val="0"/>
+          </dgm:varLst>
+          <dgm:alg type="tx">
+            <dgm:param type="txAnchorVert" val="mid"/>
+            <dgm:param type="parTxLTRAlign" val="l"/>
+            <dgm:param type="shpTxLTRAlignCh" val="l"/>
+            <dgm:param type="parTxRTLAlign" val="r"/>
+            <dgm:param type="shpTxRTLAlignCh" val="r"/>
+          </dgm:alg>
+          <dgm:shape xmlns:r="http://schemas.openxmlformats.org/officeDocument/2006/relationships" type="rect" r:blip="">
+            <dgm:adjLst/>
+          </dgm:shape>
+          <dgm:presOf axis="self" ptType="node"/>
+          <dgm:constrLst>
+            <dgm:constr type="lMarg" refType="h" fact="0.3"/>
+            <dgm:constr type="rMarg" refType="h" fact="0.3"/>
+            <dgm:constr type="tMarg" refType="h" fact="0.3"/>
+            <dgm:constr type="bMarg" refType="h" fact="0.3"/>
+          </dgm:constrLst>
+          <dgm:ruleLst>
+            <dgm:rule type="primFontSz" val="14" fact="NaN" max="NaN"/>
+            <dgm:rule type="h" val="INF" fact="NaN" max="NaN"/>
+          </dgm:ruleLst>
+        </dgm:layoutNode>
+        <dgm:choose name="Name12">
+          <dgm:if name="Name13" axis="ch" ptType="node" func="cnt" op="gte" val="1">
+            <dgm:layoutNode name="desTx" styleLbl="revTx">
+              <dgm:varLst/>
+              <dgm:alg type="tx">
+                <dgm:param type="txAnchorVertCh" val="mid"/>
+                <dgm:param type="parTxLTRAlign" val="l"/>
+                <dgm:param type="shpTxLTRAlignCh" val="l"/>
+                <dgm:param type="parTxRTLAlign" val="r"/>
+                <dgm:param type="shpTxRTLAlignCh" val="r"/>
+                <dgm:param type="stBulletLvl" val="0"/>
+              </dgm:alg>
+              <dgm:shape xmlns:r="http://schemas.openxmlformats.org/officeDocument/2006/relationships" type="rect" r:blip="">
+                <dgm:adjLst/>
+              </dgm:shape>
+              <dgm:presOf axis="des" ptType="node"/>
+              <dgm:constrLst>
+                <dgm:constr type="primFontSz" val="18"/>
+                <dgm:constr type="secFontSz" refType="primFontSz"/>
+                <dgm:constr type="lMarg" refType="h" fact="0.3"/>
+                <dgm:constr type="rMarg" refType="h" fact="0.3"/>
+                <dgm:constr type="tMarg" refType="h" fact="0.3"/>
+                <dgm:constr type="bMarg" refType="h" fact="0.3"/>
+              </dgm:constrLst>
+              <dgm:ruleLst>
+                <dgm:rule type="primFontSz" val="11" fact="NaN" max="NaN"/>
+              </dgm:ruleLst>
+            </dgm:layoutNode>
+          </dgm:if>
+          <dgm:else name="Name14"/>
+        </dgm:choose>
+      </dgm:layoutNode>
+      <dgm:forEach name="Name15" axis="followSib" ptType="sibTrans" cnt="1">
+        <dgm:layoutNode name="sibTrans">
+          <dgm:alg type="sp"/>
+          <dgm:shape xmlns:r="http://schemas.openxmlformats.org/officeDocument/2006/relationships" r:blip="">
+            <dgm:adjLst/>
+          </dgm:shape>
+          <dgm:presOf axis="self"/>
+          <dgm:constrLst/>
+          <dgm:ruleLst/>
+        </dgm:layoutNode>
+      </dgm:forEach>
+    </dgm:forEach>
+  </dgm:layoutNode>
+  <dgm:extLst>
+    <a:ext uri="{68A01E43-0DF5-4B5B-8FA6-DAF915123BFB}">
+      <dgm1612:lstStyle xmlns:dgm1612="http://schemas.microsoft.com/office/drawing/2016/12/diagram">
+        <a:lvl1pPr>
+          <a:lnSpc>
+            <a:spcPct val="100000"/>
+          </a:lnSpc>
+        </a:lvl1pPr>
+        <a:lvl2pPr>
+          <a:lnSpc>
+            <a:spcPct val="100000"/>
+          </a:lnSpc>
+        </a:lvl2pPr>
+      </dgm1612:lstStyle>
+    </a:ext>
+  </dgm:extLst>
+</dgm:layoutDef>
+</file>
+
+<file path=ppt/diagrams/layout2.xml><?xml version="1.0" encoding="utf-8"?>
+<dgm:layoutDef xmlns:dgm="http://schemas.openxmlformats.org/drawingml/2006/diagram" xmlns:a="http://schemas.openxmlformats.org/drawingml/2006/main" uniqueId="urn:microsoft.com/office/officeart/2005/8/layout/vList2">
+  <dgm:title val=""/>
+  <dgm:desc val=""/>
+  <dgm:catLst>
+    <dgm:cat type="list" pri="3000"/>
+    <dgm:cat type="convert" pri="1000"/>
+  </dgm:catLst>
+  <dgm:sampData>
+    <dgm:dataModel>
+      <dgm:ptLst>
+        <dgm:pt modelId="0" type="doc"/>
+        <dgm:pt modelId="1">
+          <dgm:prSet phldr="1"/>
+        </dgm:pt>
+        <dgm:pt modelId="11">
+          <dgm:prSet phldr="1"/>
+        </dgm:pt>
+        <dgm:pt modelId="2">
+          <dgm:prSet phldr="1"/>
+        </dgm:pt>
+        <dgm:pt modelId="21">
+          <dgm:prSet phldr="1"/>
+        </dgm:pt>
+      </dgm:ptLst>
+      <dgm:cxnLst>
+        <dgm:cxn modelId="4" srcId="0" destId="1" srcOrd="0" destOrd="0"/>
+        <dgm:cxn modelId="5" srcId="0" destId="2" srcOrd="1" destOrd="0"/>
+        <dgm:cxn modelId="12" srcId="1" destId="11" srcOrd="0" destOrd="0"/>
+        <dgm:cxn modelId="23" srcId="2" destId="21" srcOrd="0" destOrd="0"/>
+      </dgm:cxnLst>
+      <dgm:bg/>
+      <dgm:whole/>
+    </dgm:dataModel>
+  </dgm:sampData>
+  <dgm:styleData>
+    <dgm:dataModel>
+      <dgm:ptLst>
+        <dgm:pt modelId="0" type="doc"/>
+        <dgm:pt modelId="1"/>
+        <dgm:pt modelId="2"/>
+      </dgm:ptLst>
+      <dgm:cxnLst>
+        <dgm:cxn modelId="3" srcId="0" destId="1" srcOrd="0" destOrd="0"/>
+        <dgm:cxn modelId="4" srcId="0" destId="2" srcOrd="1" destOrd="0"/>
+      </dgm:cxnLst>
+      <dgm:bg/>
+      <dgm:whole/>
+    </dgm:dataModel>
+  </dgm:styleData>
+  <dgm:clrData>
+    <dgm:dataModel>
+      <dgm:ptLst>
+        <dgm:pt modelId="0" type="doc"/>
+        <dgm:pt modelId="1"/>
+        <dgm:pt modelId="2"/>
+        <dgm:pt modelId="3"/>
+        <dgm:pt modelId="4"/>
+      </dgm:ptLst>
+      <dgm:cxnLst>
+        <dgm:cxn modelId="5" srcId="0" destId="1" srcOrd="0" destOrd="0"/>
+        <dgm:cxn modelId="6" srcId="0" destId="2" srcOrd="1" destOrd="0"/>
+        <dgm:cxn modelId="7" srcId="0" destId="3" srcOrd="2" destOrd="0"/>
+        <dgm:cxn modelId="8" srcId="0" destId="4" srcOrd="3" destOrd="0"/>
+      </dgm:cxnLst>
+      <dgm:bg/>
+      <dgm:whole/>
+    </dgm:dataModel>
+  </dgm:clrData>
+  <dgm:layoutNode name="linear">
+    <dgm:varLst>
+      <dgm:animLvl val="lvl"/>
+      <dgm:resizeHandles val="exact"/>
+    </dgm:varLst>
+    <dgm:alg type="lin">
+      <dgm:param type="linDir" val="fromT"/>
+      <dgm:param type="vertAlign" val="mid"/>
+    </dgm:alg>
+    <dgm:shape xmlns:r="http://schemas.openxmlformats.org/officeDocument/2006/relationships" r:blip="">
+      <dgm:adjLst/>
+    </dgm:shape>
+    <dgm:presOf/>
+    <dgm:constrLst>
+      <dgm:constr type="w" for="ch" forName="parentText" refType="w"/>
+      <dgm:constr type="h" for="ch" forName="parentText" refType="primFontSz" refFor="ch" refForName="parentText" fact="0.52"/>
+      <dgm:constr type="w" for="ch" forName="childText" refType="w"/>
+      <dgm:constr type="h" for="ch" forName="childText" refType="primFontSz" refFor="ch" refForName="parentText" fact="0.46"/>
+      <dgm:constr type="h" for="ch" forName="parentText" op="equ"/>
+      <dgm:constr type="primFontSz" for="ch" forName="parentText" op="equ" val="65"/>
+      <dgm:constr type="primFontSz" for="ch" forName="childText" refType="primFontSz" refFor="ch" refForName="parentText" op="equ"/>
+      <dgm:constr type="h" for="ch" forName="spacer" refType="primFontSz" refFor="ch" refForName="parentText" fact="0.08"/>
+    </dgm:constrLst>
+    <dgm:ruleLst>
+      <dgm:rule type="primFontSz" for="ch" forName="parentText" val="5" fact="NaN" max="NaN"/>
+    </dgm:ruleLst>
+    <dgm:forEach name="Name0" axis="ch" ptType="node">
+      <dgm:layoutNode name="parentText" styleLbl="node1">
+        <dgm:varLst>
+          <dgm:chMax val="0"/>
+          <dgm:bulletEnabled val="1"/>
+        </dgm:varLst>
+        <dgm:alg type="tx">
+          <dgm:param type="parTxLTRAlign" val="l"/>
+          <dgm:param type="parTxRTLAlign" val="r"/>
+        </dgm:alg>
+        <dgm:shape xmlns:r="http://schemas.openxmlformats.org/officeDocument/2006/relationships" type="roundRect" r:blip="">
+          <dgm:adjLst/>
+        </dgm:shape>
+        <dgm:presOf axis="self"/>
+        <dgm:constrLst>
+          <dgm:constr type="tMarg" refType="primFontSz" fact="0.3"/>
+          <dgm:constr type="bMarg" refType="primFontSz" fact="0.3"/>
+          <dgm:constr type="lMarg" refType="primFontSz" fact="0.3"/>
+          <dgm:constr type="rMarg" refType="primFontSz" fact="0.3"/>
+        </dgm:constrLst>
+        <dgm:ruleLst>
+          <dgm:rule type="h" val="INF" fact="NaN" max="NaN"/>
+        </dgm:ruleLst>
+      </dgm:layoutNode>
+      <dgm:choose name="Name1">
+        <dgm:if name="Name2" axis="ch" ptType="node" func="cnt" op="gte" val="1">
+          <dgm:layoutNode name="childText" styleLbl="revTx">
+            <dgm:varLst>
+              <dgm:bulletEnabled val="1"/>
+            </dgm:varLst>
+            <dgm:alg type="tx">
+              <dgm:param type="stBulletLvl" val="1"/>
+              <dgm:param type="lnSpAfChP" val="20"/>
+            </dgm:alg>
+            <dgm:shape xmlns:r="http://schemas.openxmlformats.org/officeDocument/2006/relationships" type="rect" r:blip="">
+              <dgm:adjLst/>
+            </dgm:shape>
+            <dgm:presOf axis="des" ptType="node"/>
+            <dgm:constrLst>
+              <dgm:constr type="tMarg" refType="primFontSz" fact="0.1"/>
+              <dgm:constr type="bMarg" refType="primFontSz" fact="0.1"/>
+              <dgm:constr type="lMarg" refType="w" fact="0.09"/>
+            </dgm:constrLst>
+            <dgm:ruleLst>
+              <dgm:rule type="h" val="INF" fact="NaN" max="NaN"/>
+            </dgm:ruleLst>
+          </dgm:layoutNode>
+        </dgm:if>
+        <dgm:else name="Name3">
+          <dgm:choose name="Name4">
+            <dgm:if name="Name5" axis="par ch" ptType="doc node" func="cnt" op="gte" val="2">
+              <dgm:forEach name="Name6" axis="followSib" ptType="sibTrans" cnt="1">
+                <dgm:layoutNode name="spacer">
+                  <dgm:alg type="sp"/>
+                  <dgm:shape xmlns:r="http://schemas.openxmlformats.org/officeDocument/2006/relationships" r:blip="">
+                    <dgm:adjLst/>
+                  </dgm:shape>
+                  <dgm:presOf/>
+                  <dgm:constrLst/>
+                  <dgm:ruleLst/>
+                </dgm:layoutNode>
+              </dgm:forEach>
+            </dgm:if>
+            <dgm:else name="Name7"/>
+          </dgm:choose>
+        </dgm:else>
+      </dgm:choose>
+    </dgm:forEach>
+  </dgm:layoutNode>
+</dgm:layoutDef>
+</file>
+
+<file path=ppt/diagrams/quickStyle1.xml><?xml version="1.0" encoding="utf-8"?>
+<dgm:styleDef xmlns:dgm="http://schemas.openxmlformats.org/drawingml/2006/diagram" xmlns:a="http://schemas.openxmlformats.org/drawingml/2006/main" uniqueId="urn:microsoft.com/office/officeart/2005/8/quickstyle/simple1">
+  <dgm:title val=""/>
+  <dgm:desc val=""/>
+  <dgm:catLst>
+    <dgm:cat type="simple" pri="10100"/>
+  </dgm:catLst>
+  <dgm:scene3d>
+    <a:camera prst="orthographicFront"/>
+    <a:lightRig rig="threePt" dir="t"/>
+  </dgm:scene3d>
+  <dgm:styleLbl name="node0">
+    <dgm:scene3d>
+      <a:camera prst="orthographicFront"/>
+      <a:lightRig rig="threePt" dir="t"/>
+    </dgm:scene3d>
+    <dgm:sp3d/>
+    <dgm:txPr/>
+    <dgm:style>
+      <a:lnRef idx="2">
+        <a:scrgbClr r="0" g="0" b="0"/>
+      </a:lnRef>
+      <a:fillRef idx="1">
+        <a:scrgbClr r="0" g="0" b="0"/>
+      </a:fillRef>
+      <a:effectRef idx="0">
+        <a:scrgbClr r="0" g="0" b="0"/>
+      </a:effectRef>
+      <a:fontRef idx="minor">
+        <a:schemeClr val="lt1"/>
+      </a:fontRef>
+    </dgm:style>
+  </dgm:styleLbl>
+  <dgm:styleLbl name="lnNode1">
+    <dgm:scene3d>
+      <a:camera prst="orthographicFront"/>
+      <a:lightRig rig="threePt" dir="t"/>
+    </dgm:scene3d>
+    <dgm:sp3d/>
+    <dgm:txPr/>
+    <dgm:style>
+      <a:lnRef idx="2">
+        <a:scrgbClr r="0" g="0" b="0"/>
+      </a:lnRef>
+      <a:fillRef idx="1">
+        <a:scrgbClr r="0" g="0" b="0"/>
+      </a:fillRef>
+      <a:effectRef idx="0">
+        <a:scrgbClr r="0" g="0" b="0"/>
+      </a:effectRef>
+      <a:fontRef idx="minor">
+        <a:schemeClr val="lt1"/>
+      </a:fontRef>
+    </dgm:style>
+  </dgm:styleLbl>
+  <dgm:styleLbl name="vennNode1">
+    <dgm:scene3d>
+      <a:camera prst="orthographicFront"/>
+      <a:lightRig rig="threePt" dir="t"/>
+    </dgm:scene3d>
+    <dgm:sp3d/>
+    <dgm:txPr/>
+    <dgm:style>
+      <a:lnRef idx="2">
+        <a:scrgbClr r="0" g="0" b="0"/>
+      </a:lnRef>
+      <a:fillRef idx="1">
+        <a:scrgbClr r="0" g="0" b="0"/>
+      </a:fillRef>
+      <a:effectRef idx="0">
+        <a:scrgbClr r="0" g="0" b="0"/>
+      </a:effectRef>
+      <a:fontRef idx="minor">
+        <a:schemeClr val="tx1"/>
+      </a:fontRef>
+    </dgm:style>
+  </dgm:styleLbl>
+  <dgm:styleLbl name="alignNode1">
+    <dgm:scene3d>
+      <a:camera prst="orthographicFront"/>
+      <a:lightRig rig="threePt" dir="t"/>
+    </dgm:scene3d>
+    <dgm:sp3d/>
+    <dgm:txPr/>
+    <dgm:style>
+      <a:lnRef idx="2">
+        <a:scrgbClr r="0" g="0" b="0"/>
+      </a:lnRef>
+      <a:fillRef idx="1">
+        <a:scrgbClr r="0" g="0" b="0"/>
+      </a:fillRef>
+      <a:effectRef idx="0">
+        <a:scrgbClr r="0" g="0" b="0"/>
+      </a:effectRef>
+      <a:fontRef idx="minor">
+        <a:schemeClr val="lt1"/>
+      </a:fontRef>
+    </dgm:style>
+  </dgm:styleLbl>
+  <dgm:styleLbl name="node1">
+    <dgm:scene3d>
+      <a:camera prst="orthographicFront"/>
+      <a:lightRig rig="threePt" dir="t"/>
+    </dgm:scene3d>
+    <dgm:sp3d/>
+    <dgm:txPr/>
+    <dgm:style>
+      <a:lnRef idx="2">
+        <a:scrgbClr r="0" g="0" b="0"/>
+      </a:lnRef>
+      <a:fillRef idx="1">
+        <a:scrgbClr r="0" g="0" b="0"/>
+      </a:fillRef>
+      <a:effectRef idx="0">
+        <a:scrgbClr r="0" g="0" b="0"/>
+      </a:effectRef>
+      <a:fontRef idx="minor">
+        <a:schemeClr val="lt1"/>
+      </a:fontRef>
+    </dgm:style>
+  </dgm:styleLbl>
+  <dgm:styleLbl name="node2">
+    <dgm:scene3d>
+      <a:camera prst="orthographicFront"/>
+      <a:lightRig rig="threePt" dir="t"/>
+    </dgm:scene3d>
+    <dgm:sp3d/>
+    <dgm:txPr/>
+    <dgm:style>
+      <a:lnRef idx="2">
+        <a:scrgbClr r="0" g="0" b="0"/>
+      </a:lnRef>
+      <a:fillRef idx="1">
+        <a:scrgbClr r="0" g="0" b="0"/>
+      </a:fillRef>
+      <a:effectRef idx="0">
+        <a:scrgbClr r="0" g="0" b="0"/>
+      </a:effectRef>
+      <a:fontRef idx="minor">
+        <a:schemeClr val="lt1"/>
+      </a:fontRef>
+    </dgm:style>
+  </dgm:styleLbl>
+  <dgm:styleLbl name="node3">
+    <dgm:scene3d>
+      <a:camera prst="orthographicFront"/>
+      <a:lightRig rig="threePt" dir="t"/>
+    </dgm:scene3d>
+    <dgm:sp3d/>
+    <dgm:txPr/>
+    <dgm:style>
+      <a:lnRef idx="2">
+        <a:scrgbClr r="0" g="0" b="0"/>
+      </a:lnRef>
+      <a:fillRef idx="1">
+        <a:scrgbClr r="0" g="0" b="0"/>
+      </a:fillRef>
+      <a:effectRef idx="0">
+        <a:scrgbClr r="0" g="0" b="0"/>
+      </a:effectRef>
+      <a:fontRef idx="minor">
+        <a:schemeClr val="lt1"/>
+      </a:fontRef>
+    </dgm:style>
+  </dgm:styleLbl>
+  <dgm:styleLbl name="node4">
+    <dgm:scene3d>
+      <a:camera prst="orthographicFront"/>
+      <a:lightRig rig="threePt" dir="t"/>
+    </dgm:scene3d>
+    <dgm:sp3d/>
+    <dgm:txPr/>
+    <dgm:style>
+      <a:lnRef idx="2">
+        <a:scrgbClr r="0" g="0" b="0"/>
+      </a:lnRef>
+      <a:fillRef idx="1">
+        <a:scrgbClr r="0" g="0" b="0"/>
+      </a:fillRef>
+      <a:effectRef idx="0">
+        <a:scrgbClr r="0" g="0" b="0"/>
+      </a:effectRef>
+      <a:fontRef idx="minor">
+        <a:schemeClr val="lt1"/>
+      </a:fontRef>
+    </dgm:style>
+  </dgm:styleLbl>
+  <dgm:styleLbl name="fgImgPlace1">
+    <dgm:scene3d>
+      <a:camera prst="orthographicFront"/>
+      <a:lightRig rig="threePt" dir="t"/>
+    </dgm:scene3d>
+    <dgm:sp3d/>
+    <dgm:txPr/>
+    <dgm:style>
+      <a:lnRef idx="2">
+        <a:scrgbClr r="0" g="0" b="0"/>
+      </a:lnRef>
+      <a:fillRef idx="1">
+        <a:scrgbClr r="0" g="0" b="0"/>
+      </a:fillRef>
+      <a:effectRef idx="0">
+        <a:scrgbClr r="0" g="0" b="0"/>
+      </a:effectRef>
+      <a:fontRef idx="minor"/>
+    </dgm:style>
+  </dgm:styleLbl>
+  <dgm:styleLbl name="alignImgPlace1">
+    <dgm:scene3d>
+      <a:camera prst="orthographicFront"/>
+      <a:lightRig rig="threePt" dir="t"/>
+    </dgm:scene3d>
+    <dgm:sp3d/>
+    <dgm:txPr/>
+    <dgm:style>
+      <a:lnRef idx="2">
+        <a:scrgbClr r="0" g="0" b="0"/>
+      </a:lnRef>
+      <a:fillRef idx="1">
+        <a:scrgbClr r="0" g="0" b="0"/>
+      </a:fillRef>
+      <a:effectRef idx="0">
+        <a:scrgbClr r="0" g="0" b="0"/>
+      </a:effectRef>
+      <a:fontRef idx="minor"/>
+    </dgm:style>
+  </dgm:styleLbl>
+  <dgm:styleLbl name="bgImgPlace1">
+    <dgm:scene3d>
+      <a:camera prst="orthographicFront"/>
+      <a:lightRig rig="threePt" dir="t"/>
+    </dgm:scene3d>
+    <dgm:sp3d/>
+    <dgm:txPr/>
+    <dgm:style>
+      <a:lnRef idx="2">
+        <a:scrgbClr r="0" g="0" b="0"/>
+      </a:lnRef>
+      <a:fillRef idx="1">
+        <a:scrgbClr r="0" g="0" b="0"/>
+      </a:fillRef>
+      <a:effectRef idx="0">
+        <a:scrgbClr r="0" g="0" b="0"/>
+      </a:effectRef>
+      <a:fontRef idx="minor"/>
+    </dgm:style>
+  </dgm:styleLbl>
+  <dgm:styleLbl name="sibTrans2D1">
+    <dgm:scene3d>
+      <a:camera prst="orthographicFront"/>
+      <a:lightRig rig="threePt" dir="t"/>
+    </dgm:scene3d>
+    <dgm:sp3d/>
+    <dgm:txPr/>
+    <dgm:style>
+      <a:lnRef idx="0">
+        <a:scrgbClr r="0" g="0" b="0"/>
+      </a:lnRef>
+      <a:fillRef idx="1">
+        <a:scrgbClr r="0" g="0" b="0"/>
+      </a:fillRef>
+      <a:effectRef idx="0">
+        <a:scrgbClr r="0" g="0" b="0"/>
+      </a:effectRef>
+      <a:fontRef idx="minor">
+        <a:schemeClr val="lt1"/>
+      </a:fontRef>
+    </dgm:style>
+  </dgm:styleLbl>
+  <dgm:styleLbl name="fgSibTrans2D1">
+    <dgm:scene3d>
+      <a:camera prst="orthographicFront"/>
+      <a:lightRig rig="threePt" dir="t"/>
+    </dgm:scene3d>
+    <dgm:sp3d/>
+    <dgm:txPr/>
+    <dgm:style>
+      <a:lnRef idx="0">
+        <a:scrgbClr r="0" g="0" b="0"/>
+      </a:lnRef>
+      <a:fillRef idx="1">
+        <a:scrgbClr r="0" g="0" b="0"/>
+      </a:fillRef>
+      <a:effectRef idx="0">
+        <a:scrgbClr r="0" g="0" b="0"/>
+      </a:effectRef>
+      <a:fontRef idx="minor">
+        <a:schemeClr val="lt1"/>
+      </a:fontRef>
+    </dgm:style>
+  </dgm:styleLbl>
+  <dgm:styleLbl name="bgSibTrans2D1">
+    <dgm:scene3d>
+      <a:camera prst="orthographicFront"/>
+      <a:lightRig rig="threePt" dir="t"/>
+    </dgm:scene3d>
+    <dgm:sp3d/>
+    <dgm:txPr/>
+    <dgm:style>
+      <a:lnRef idx="0">
+        <a:scrgbClr r="0" g="0" b="0"/>
+      </a:lnRef>
+      <a:fillRef idx="1">
+        <a:scrgbClr r="0" g="0" b="0"/>
+      </a:fillRef>
+      <a:effectRef idx="0">
+        <a:scrgbClr r="0" g="0" b="0"/>
+      </a:effectRef>
+      <a:fontRef idx="minor">
+        <a:schemeClr val="lt1"/>
+      </a:fontRef>
+    </dgm:style>
+  </dgm:styleLbl>
+  <dgm:styleLbl name="sibTrans1D1">
+    <dgm:scene3d>
+      <a:camera prst="orthographicFront"/>
+      <a:lightRig rig="threePt" dir="t"/>
+    </dgm:scene3d>
+    <dgm:sp3d/>
+    <dgm:txPr/>
+    <dgm:style>
+      <a:lnRef idx="1">
+        <a:scrgbClr r="0" g="0" b="0"/>
+      </a:lnRef>
+      <a:fillRef idx="0">
+        <a:scrgbClr r="0" g="0" b="0"/>
+      </a:fillRef>
+      <a:effectRef idx="0">
+        <a:scrgbClr r="0" g="0" b="0"/>
+      </a:effectRef>
+      <a:fontRef idx="minor"/>
+    </dgm:style>
+  </dgm:styleLbl>
+  <dgm:styleLbl name="callout">
+    <dgm:scene3d>
+      <a:camera prst="orthographicFront"/>
+      <a:lightRig rig="threePt" dir="t"/>
+    </dgm:scene3d>
+    <dgm:sp3d/>
+    <dgm:txPr/>
+    <dgm:style>
+      <a:lnRef idx="2">
+        <a:scrgbClr r="0" g="0" b="0"/>
+      </a:lnRef>
+      <a:fillRef idx="1">
+        <a:scrgbClr r="0" g="0" b="0"/>
+      </a:fillRef>
+      <a:effectRef idx="0">
+        <a:scrgbClr r="0" g="0" b="0"/>
+      </a:effectRef>
+      <a:fontRef idx="minor"/>
+    </dgm:style>
+  </dgm:styleLbl>
+  <dgm:styleLbl name="asst0">
+    <dgm:scene3d>
+      <a:camera prst="orthographicFront"/>
+      <a:lightRig rig="threePt" dir="t"/>
+    </dgm:scene3d>
+    <dgm:sp3d/>
+    <dgm:txPr/>
+    <dgm:style>
+      <a:lnRef idx="2">
+        <a:scrgbClr r="0" g="0" b="0"/>
+      </a:lnRef>
+      <a:fillRef idx="1">
+        <a:scrgbClr r="0" g="0" b="0"/>
+      </a:fillRef>
+      <a:effectRef idx="0">
+        <a:scrgbClr r="0" g="0" b="0"/>
+      </a:effectRef>
+      <a:fontRef idx="minor">
+        <a:schemeClr val="lt1"/>
+      </a:fontRef>
+    </dgm:style>
+  </dgm:styleLbl>
+  <dgm:styleLbl name="asst1">
+    <dgm:scene3d>
+      <a:camera prst="orthographicFront"/>
+      <a:lightRig rig="threePt" dir="t"/>
+    </dgm:scene3d>
+    <dgm:sp3d/>
+    <dgm:txPr/>
+    <dgm:style>
+      <a:lnRef idx="2">
+        <a:scrgbClr r="0" g="0" b="0"/>
+      </a:lnRef>
+      <a:fillRef idx="1">
+        <a:scrgbClr r="0" g="0" b="0"/>
+      </a:fillRef>
+      <a:effectRef idx="0">
+        <a:scrgbClr r="0" g="0" b="0"/>
+      </a:effectRef>
+      <a:fontRef idx="minor">
+        <a:schemeClr val="lt1"/>
+      </a:fontRef>
+    </dgm:style>
+  </dgm:styleLbl>
+  <dgm:styleLbl name="asst2">
+    <dgm:scene3d>
+      <a:camera prst="orthographicFront"/>
+      <a:lightRig rig="threePt" dir="t"/>
+    </dgm:scene3d>
+    <dgm:sp3d/>
+    <dgm:txPr/>
+    <dgm:style>
+      <a:lnRef idx="2">
+        <a:scrgbClr r="0" g="0" b="0"/>
+      </a:lnRef>
+      <a:fillRef idx="1">
+        <a:scrgbClr r="0" g="0" b="0"/>
+      </a:fillRef>
+      <a:effectRef idx="0">
+        <a:scrgbClr r="0" g="0" b="0"/>
+      </a:effectRef>
+      <a:fontRef idx="minor">
+        <a:schemeClr val="lt1"/>
+      </a:fontRef>
+    </dgm:style>
+  </dgm:styleLbl>
+  <dgm:styleLbl name="asst3">
+    <dgm:scene3d>
+      <a:camera prst="orthographicFront"/>
+      <a:lightRig rig="threePt" dir="t"/>
+    </dgm:scene3d>
+    <dgm:sp3d/>
+    <dgm:txPr/>
+    <dgm:style>
+      <a:lnRef idx="2">
+        <a:scrgbClr r="0" g="0" b="0"/>
+      </a:lnRef>
+      <a:fillRef idx="1">
+        <a:scrgbClr r="0" g="0" b="0"/>
+      </a:fillRef>
+      <a:effectRef idx="0">
+        <a:scrgbClr r="0" g="0" b="0"/>
+      </a:effectRef>
+      <a:fontRef idx="minor">
+        <a:schemeClr val="lt1"/>
+      </a:fontRef>
+    </dgm:style>
+  </dgm:styleLbl>
+  <dgm:styleLbl name="asst4">
+    <dgm:scene3d>
+      <a:camera prst="orthographicFront"/>
+      <a:lightRig rig="threePt" dir="t"/>
+    </dgm:scene3d>
+    <dgm:sp3d/>
+    <dgm:txPr/>
+    <dgm:style>
+      <a:lnRef idx="2">
+        <a:scrgbClr r="0" g="0" b="0"/>
+      </a:lnRef>
+      <a:fillRef idx="1">
+        <a:scrgbClr r="0" g="0" b="0"/>
+      </a:fillRef>
+      <a:effectRef idx="0">
+        <a:scrgbClr r="0" g="0" b="0"/>
+      </a:effectRef>
+      <a:fontRef idx="minor">
+        <a:schemeClr val="lt1"/>
+      </a:fontRef>
+    </dgm:style>
+  </dgm:styleLbl>
+  <dgm:styleLbl name="parChTrans2D1">
+    <dgm:scene3d>
+      <a:camera prst="orthographicFront"/>
+      <a:lightRig rig="threePt" dir="t"/>
+    </dgm:scene3d>
+    <dgm:sp3d/>
+    <dgm:txPr/>
+    <dgm:style>
+      <a:lnRef idx="2">
+        <a:scrgbClr r="0" g="0" b="0"/>
+      </a:lnRef>
+      <a:fillRef idx="1">
+        <a:scrgbClr r="0" g="0" b="0"/>
+      </a:fillRef>
+      <a:effectRef idx="0">
+        <a:scrgbClr r="0" g="0" b="0"/>
+      </a:effectRef>
+      <a:fontRef idx="minor">
+        <a:schemeClr val="lt1"/>
+      </a:fontRef>
+    </dgm:style>
+  </dgm:styleLbl>
+  <dgm:styleLbl name="parChTrans2D2">
+    <dgm:scene3d>
+      <a:camera prst="orthographicFront"/>
+      <a:lightRig rig="threePt" dir="t"/>
+    </dgm:scene3d>
+    <dgm:sp3d/>
+    <dgm:txPr/>
+    <dgm:style>
+      <a:lnRef idx="2">
+        <a:scrgbClr r="0" g="0" b="0"/>
+      </a:lnRef>
+      <a:fillRef idx="1">
+        <a:scrgbClr r="0" g="0" b="0"/>
+      </a:fillRef>
+      <a:effectRef idx="0">
+        <a:scrgbClr r="0" g="0" b="0"/>
+      </a:effectRef>
+      <a:fontRef idx="minor">
+        <a:schemeClr val="lt1"/>
+      </a:fontRef>
+    </dgm:style>
+  </dgm:styleLbl>
+  <dgm:styleLbl name="parChTrans2D3">
+    <dgm:scene3d>
+      <a:camera prst="orthographicFront"/>
+      <a:lightRig rig="threePt" dir="t"/>
+    </dgm:scene3d>
+    <dgm:sp3d/>
+    <dgm:txPr/>
+    <dgm:style>
+      <a:lnRef idx="2">
+        <a:scrgbClr r="0" g="0" b="0"/>
+      </a:lnRef>
+      <a:fillRef idx="1">
+        <a:scrgbClr r="0" g="0" b="0"/>
+      </a:fillRef>
+      <a:effectRef idx="0">
+        <a:scrgbClr r="0" g="0" b="0"/>
+      </a:effectRef>
+      <a:fontRef idx="minor">
+        <a:schemeClr val="lt1"/>
+      </a:fontRef>
+    </dgm:style>
+  </dgm:styleLbl>
+  <dgm:styleLbl name="parChTrans2D4">
+    <dgm:scene3d>
+      <a:camera prst="orthographicFront"/>
+      <a:lightRig rig="threePt" dir="t"/>
+    </dgm:scene3d>
+    <dgm:sp3d/>
+    <dgm:txPr/>
+    <dgm:style>
+      <a:lnRef idx="2">
+        <a:scrgbClr r="0" g="0" b="0"/>
+      </a:lnRef>
+      <a:fillRef idx="1">
+        <a:scrgbClr r="0" g="0" b="0"/>
+      </a:fillRef>
+      <a:effectRef idx="0">
+        <a:scrgbClr r="0" g="0" b="0"/>
+      </a:effectRef>
+      <a:fontRef idx="minor">
+        <a:schemeClr val="lt1"/>
+      </a:fontRef>
+    </dgm:style>
+  </dgm:styleLbl>
+  <dgm:styleLbl name="parChTrans1D1">
+    <dgm:scene3d>
+      <a:camera prst="orthographicFront"/>
+      <a:lightRig rig="threePt" dir="t"/>
+    </dgm:scene3d>
+    <dgm:sp3d/>
+    <dgm:txPr/>
+    <dgm:style>
+      <a:lnRef idx="2">
+        <a:scrgbClr r="0" g="0" b="0"/>
+      </a:lnRef>
+      <a:fillRef idx="0">
+        <a:scrgbClr r="0" g="0" b="0"/>
+      </a:fillRef>
+      <a:effectRef idx="0">
+        <a:scrgbClr r="0" g="0" b="0"/>
+      </a:effectRef>
+      <a:fontRef idx="minor"/>
+    </dgm:style>
+  </dgm:styleLbl>
+  <dgm:styleLbl name="parChTrans1D2">
+    <dgm:scene3d>
+      <a:camera prst="orthographicFront"/>
+      <a:lightRig rig="threePt" dir="t"/>
+    </dgm:scene3d>
+    <dgm:sp3d/>
+    <dgm:txPr/>
+    <dgm:style>
+      <a:lnRef idx="2">
+        <a:scrgbClr r="0" g="0" b="0"/>
+      </a:lnRef>
+      <a:fillRef idx="0">
+        <a:scrgbClr r="0" g="0" b="0"/>
+      </a:fillRef>
+      <a:effectRef idx="0">
+        <a:scrgbClr r="0" g="0" b="0"/>
+      </a:effectRef>
+      <a:fontRef idx="minor"/>
+    </dgm:style>
+  </dgm:styleLbl>
+  <dgm:styleLbl name="parChTrans1D3">
+    <dgm:scene3d>
+      <a:camera prst="orthographicFront"/>
+      <a:lightRig rig="threePt" dir="t"/>
+    </dgm:scene3d>
+    <dgm:sp3d/>
+    <dgm:txPr/>
+    <dgm:style>
+      <a:lnRef idx="2">
+        <a:scrgbClr r="0" g="0" b="0"/>
+      </a:lnRef>
+      <a:fillRef idx="0">
+        <a:scrgbClr r="0" g="0" b="0"/>
+      </a:fillRef>
+      <a:effectRef idx="0">
+        <a:scrgbClr r="0" g="0" b="0"/>
+      </a:effectRef>
+      <a:fontRef idx="minor"/>
+    </dgm:style>
+  </dgm:styleLbl>
+  <dgm:styleLbl name="parChTrans1D4">
+    <dgm:scene3d>
+      <a:camera prst="orthographicFront"/>
+      <a:lightRig rig="threePt" dir="t"/>
+    </dgm:scene3d>
+    <dgm:sp3d/>
+    <dgm:txPr/>
+    <dgm:style>
+      <a:lnRef idx="2">
+        <a:scrgbClr r="0" g="0" b="0"/>
+      </a:lnRef>
+      <a:fillRef idx="0">
+        <a:scrgbClr r="0" g="0" b="0"/>
+      </a:fillRef>
+      <a:effectRef idx="0">
+        <a:scrgbClr r="0" g="0" b="0"/>
+      </a:effectRef>
+      <a:fontRef idx="minor"/>
+    </dgm:style>
+  </dgm:styleLbl>
+  <dgm:styleLbl name="fgAcc1">
+    <dgm:scene3d>
+      <a:camera prst="orthographicFront"/>
+      <a:lightRig rig="threePt" dir="t"/>
+    </dgm:scene3d>
+    <dgm:sp3d/>
+    <dgm:txPr/>
+    <dgm:style>
+      <a:lnRef idx="2">
+        <a:scrgbClr r="0" g="0" b="0"/>
+      </a:lnRef>
+      <a:fillRef idx="1">
+        <a:scrgbClr r="0" g="0" b="0"/>
+      </a:fillRef>
+      <a:effectRef idx="0">
+        <a:scrgbClr r="0" g="0" b="0"/>
+      </a:effectRef>
+      <a:fontRef idx="minor"/>
+    </dgm:style>
+  </dgm:styleLbl>
+  <dgm:styleLbl name="conFgAcc1">
+    <dgm:scene3d>
+      <a:camera prst="orthographicFront"/>
+      <a:lightRig rig="threePt" dir="t"/>
+    </dgm:scene3d>
+    <dgm:sp3d/>
+    <dgm:txPr/>
+    <dgm:style>
+      <a:lnRef idx="2">
+        <a:scrgbClr r="0" g="0" b="0"/>
+      </a:lnRef>
+      <a:fillRef idx="1">
+        <a:scrgbClr r="0" g="0" b="0"/>
+      </a:fillRef>
+      <a:effectRef idx="0">
+        <a:scrgbClr r="0" g="0" b="0"/>
+      </a:effectRef>
+      <a:fontRef idx="minor"/>
+    </dgm:style>
+  </dgm:styleLbl>
+  <dgm:styleLbl name="alignAcc1">
+    <dgm:scene3d>
+      <a:camera prst="orthographicFront"/>
+      <a:lightRig rig="threePt" dir="t"/>
+    </dgm:scene3d>
+    <dgm:sp3d/>
+    <dgm:txPr/>
+    <dgm:style>
+      <a:lnRef idx="2">
+        <a:scrgbClr r="0" g="0" b="0"/>
+      </a:lnRef>
+      <a:fillRef idx="1">
+        <a:scrgbClr r="0" g="0" b="0"/>
+      </a:fillRef>
+      <a:effectRef idx="0">
+        <a:scrgbClr r="0" g="0" b="0"/>
+      </a:effectRef>
+      <a:fontRef idx="minor"/>
+    </dgm:style>
+  </dgm:styleLbl>
+  <dgm:styleLbl name="trAlignAcc1">
+    <dgm:scene3d>
+      <a:camera prst="orthographicFront"/>
+      <a:lightRig rig="threePt" dir="t"/>
+    </dgm:scene3d>
+    <dgm:sp3d/>
+    <dgm:txPr/>
+    <dgm:style>
+      <a:lnRef idx="1">
+        <a:scrgbClr r="0" g="0" b="0"/>
+      </a:lnRef>
+      <a:fillRef idx="1">
+        <a:scrgbClr r="0" g="0" b="0"/>
+      </a:fillRef>
+      <a:effectRef idx="0">
+        <a:scrgbClr r="0" g="0" b="0"/>
+      </a:effectRef>
+      <a:fontRef idx="minor"/>
+    </dgm:style>
+  </dgm:styleLbl>
+  <dgm:styleLbl name="bgAcc1">
+    <dgm:scene3d>
+      <a:camera prst="orthographicFront"/>
+      <a:lightRig rig="threePt" dir="t"/>
+    </dgm:scene3d>
+    <dgm:sp3d/>
+    <dgm:txPr/>
+    <dgm:style>
+      <a:lnRef idx="2">
+        <a:scrgbClr r="0" g="0" b="0"/>
+      </a:lnRef>
+      <a:fillRef idx="1">
+        <a:scrgbClr r="0" g="0" b="0"/>
+      </a:fillRef>
+      <a:effectRef idx="0">
+        <a:scrgbClr r="0" g="0" b="0"/>
+      </a:effectRef>
+      <a:fontRef idx="minor"/>
+    </dgm:style>
+  </dgm:styleLbl>
+  <dgm:styleLbl name="solidFgAcc1">
+    <dgm:scene3d>
+      <a:camera prst="orthographicFront"/>
+      <a:lightRig rig="threePt" dir="t"/>
+    </dgm:scene3d>
+    <dgm:sp3d/>
+    <dgm:txPr/>
+    <dgm:style>
+      <a:lnRef idx="2">
+        <a:scrgbClr r="0" g="0" b="0"/>
+      </a:lnRef>
+      <a:fillRef idx="1">
+        <a:scrgbClr r="0" g="0" b="0"/>
+      </a:fillRef>
+      <a:effectRef idx="0">
+        <a:scrgbClr r="0" g="0" b="0"/>
+      </a:effectRef>
+      <a:fontRef idx="minor"/>
+    </dgm:style>
+  </dgm:styleLbl>
+  <dgm:styleLbl name="solidAlignAcc1">
+    <dgm:scene3d>
+      <a:camera prst="orthographicFront"/>
+      <a:lightRig rig="threePt" dir="t"/>
+    </dgm:scene3d>
+    <dgm:sp3d/>
+    <dgm:txPr/>
+    <dgm:style>
+      <a:lnRef idx="2">
+        <a:scrgbClr r="0" g="0" b="0"/>
+      </a:lnRef>
+      <a:fillRef idx="1">
+        <a:scrgbClr r="0" g="0" b="0"/>
+      </a:fillRef>
+      <a:effectRef idx="0">
+        <a:scrgbClr r="0" g="0" b="0"/>
+      </a:effectRef>
+      <a:fontRef idx="minor"/>
+    </dgm:style>
+  </dgm:styleLbl>
+  <dgm:styleLbl name="solidBgAcc1">
+    <dgm:scene3d>
+      <a:camera prst="orthographicFront"/>
+      <a:lightRig rig="threePt" dir="t"/>
+    </dgm:scene3d>
+    <dgm:sp3d/>
+    <dgm:txPr/>
+    <dgm:style>
+      <a:lnRef idx="2">
+        <a:scrgbClr r="0" g="0" b="0"/>
+      </a:lnRef>
+      <a:fillRef idx="1">
+        <a:scrgbClr r="0" g="0" b="0"/>
+      </a:fillRef>
+      <a:effectRef idx="0">
+        <a:scrgbClr r="0" g="0" b="0"/>
+      </a:effectRef>
+      <a:fontRef idx="minor"/>
+    </dgm:style>
+  </dgm:styleLbl>
+  <dgm:styleLbl name="fgAccFollowNode1">
+    <dgm:scene3d>
+      <a:camera prst="orthographicFront"/>
+      <a:lightRig rig="threePt" dir="t"/>
+    </dgm:scene3d>
+    <dgm:sp3d/>
+    <dgm:txPr/>
+    <dgm:style>
+      <a:lnRef idx="2">
+        <a:scrgbClr r="0" g="0" b="0"/>
+      </a:lnRef>
+      <a:fillRef idx="1">
+        <a:scrgbClr r="0" g="0" b="0"/>
+      </a:fillRef>
+      <a:effectRef idx="0">
+        <a:scrgbClr r="0" g="0" b="0"/>
+      </a:effectRef>
+      <a:fontRef idx="minor"/>
+    </dgm:style>
+  </dgm:styleLbl>
+  <dgm:styleLbl name="alignAccFollowNode1">
+    <dgm:scene3d>
+      <a:camera prst="orthographicFront"/>
+      <a:lightRig rig="threePt" dir="t"/>
+    </dgm:scene3d>
+    <dgm:sp3d/>
+    <dgm:txPr/>
+    <dgm:style>
+      <a:lnRef idx="2">
+        <a:scrgbClr r="0" g="0" b="0"/>
+      </a:lnRef>
+      <a:fillRef idx="1">
+        <a:scrgbClr r="0" g="0" b="0"/>
+      </a:fillRef>
+      <a:effectRef idx="0">
+        <a:scrgbClr r="0" g="0" b="0"/>
+      </a:effectRef>
+      <a:fontRef idx="minor"/>
+    </dgm:style>
+  </dgm:styleLbl>
+  <dgm:styleLbl name="bgAccFollowNode1">
+    <dgm:scene3d>
+      <a:camera prst="orthographicFront"/>
+      <a:lightRig rig="threePt" dir="t"/>
+    </dgm:scene3d>
+    <dgm:sp3d/>
+    <dgm:txPr/>
+    <dgm:style>
+      <a:lnRef idx="2">
+        <a:scrgbClr r="0" g="0" b="0"/>
+      </a:lnRef>
+      <a:fillRef idx="1">
+        <a:scrgbClr r="0" g="0" b="0"/>
+      </a:fillRef>
+      <a:effectRef idx="0">
+        <a:scrgbClr r="0" g="0" b="0"/>
+      </a:effectRef>
+      <a:fontRef idx="minor"/>
+    </dgm:style>
+  </dgm:styleLbl>
+  <dgm:styleLbl name="fgAcc0">
+    <dgm:scene3d>
+      <a:camera prst="orthographicFront"/>
+      <a:lightRig rig="threePt" dir="t"/>
+    </dgm:scene3d>
+    <dgm:sp3d/>
+    <dgm:txPr/>
+    <dgm:style>
+      <a:lnRef idx="2">
+        <a:scrgbClr r="0" g="0" b="0"/>
+      </a:lnRef>
+      <a:fillRef idx="1">
+        <a:scrgbClr r="0" g="0" b="0"/>
+      </a:fillRef>
+      <a:effectRef idx="0">
+        <a:scrgbClr r="0" g="0" b="0"/>
+      </a:effectRef>
+      <a:fontRef idx="minor"/>
+    </dgm:style>
+  </dgm:styleLbl>
+  <dgm:styleLbl name="fgAcc2">
+    <dgm:scene3d>
+      <a:camera prst="orthographicFront"/>
+      <a:lightRig rig="threePt" dir="t"/>
+    </dgm:scene3d>
+    <dgm:sp3d/>
+    <dgm:txPr/>
+    <dgm:style>
+      <a:lnRef idx="2">
+        <a:scrgbClr r="0" g="0" b="0"/>
+      </a:lnRef>
+      <a:fillRef idx="1">
+        <a:scrgbClr r="0" g="0" b="0"/>
+      </a:fillRef>
+      <a:effectRef idx="0">
+        <a:scrgbClr r="0" g="0" b="0"/>
+      </a:effectRef>
+      <a:fontRef idx="minor"/>
+    </dgm:style>
+  </dgm:styleLbl>
+  <dgm:styleLbl name="fgAcc3">
+    <dgm:scene3d>
+      <a:camera prst="orthographicFront"/>
+      <a:lightRig rig="threePt" dir="t"/>
+    </dgm:scene3d>
+    <dgm:sp3d/>
+    <dgm:txPr/>
+    <dgm:style>
+      <a:lnRef idx="2">
+        <a:scrgbClr r="0" g="0" b="0"/>
+      </a:lnRef>
+      <a:fillRef idx="1">
+        <a:scrgbClr r="0" g="0" b="0"/>
+      </a:fillRef>
+      <a:effectRef idx="0">
+        <a:scrgbClr r="0" g="0" b="0"/>
+      </a:effectRef>
+      <a:fontRef idx="minor"/>
+    </dgm:style>
+  </dgm:styleLbl>
+  <dgm:styleLbl name="fgAcc4">
+    <dgm:scene3d>
+      <a:camera prst="orthographicFront"/>
+      <a:lightRig rig="threePt" dir="t"/>
+    </dgm:scene3d>
+    <dgm:sp3d/>
+    <dgm:txPr/>
+    <dgm:style>
+      <a:lnRef idx="2">
+        <a:scrgbClr r="0" g="0" b="0"/>
+      </a:lnRef>
+      <a:fillRef idx="1">
+        <a:scrgbClr r="0" g="0" b="0"/>
+      </a:fillRef>
+      <a:effectRef idx="0">
+        <a:scrgbClr r="0" g="0" b="0"/>
+      </a:effectRef>
+      <a:fontRef idx="minor"/>
+    </dgm:style>
+  </dgm:styleLbl>
+  <dgm:styleLbl name="bgShp">
+    <dgm:scene3d>
+      <a:camera prst="orthographicFront"/>
+      <a:lightRig rig="threePt" dir="t"/>
+    </dgm:scene3d>
+    <dgm:sp3d/>
+    <dgm:txPr/>
+    <dgm:style>
+      <a:lnRef idx="0">
+        <a:scrgbClr r="0" g="0" b="0"/>
+      </a:lnRef>
+      <a:fillRef idx="1">
+        <a:scrgbClr r="0" g="0" b="0"/>
+      </a:fillRef>
+      <a:effectRef idx="0">
+        <a:scrgbClr r="0" g="0" b="0"/>
+      </a:effectRef>
+      <a:fontRef idx="minor"/>
+    </dgm:style>
+  </dgm:styleLbl>
+  <dgm:styleLbl name="dkBgShp">
+    <dgm:scene3d>
+      <a:camera prst="orthographicFront"/>
+      <a:lightRig rig="threePt" dir="t"/>
+    </dgm:scene3d>
+    <dgm:sp3d/>
+    <dgm:txPr/>
+    <dgm:style>
+      <a:lnRef idx="0">
+        <a:scrgbClr r="0" g="0" b="0"/>
+      </a:lnRef>
+      <a:fillRef idx="1">
+        <a:scrgbClr r="0" g="0" b="0"/>
+      </a:fillRef>
+      <a:effectRef idx="0">
+        <a:scrgbClr r="0" g="0" b="0"/>
+      </a:effectRef>
+      <a:fontRef idx="minor"/>
+    </dgm:style>
+  </dgm:styleLbl>
+  <dgm:styleLbl name="trBgShp">
+    <dgm:scene3d>
+      <a:camera prst="orthographicFront"/>
+      <a:lightRig rig="threePt" dir="t"/>
+    </dgm:scene3d>
+    <dgm:sp3d/>
+    <dgm:txPr/>
+    <dgm:style>
+      <a:lnRef idx="0">
+        <a:scrgbClr r="0" g="0" b="0"/>
+      </a:lnRef>
+      <a:fillRef idx="1">
+        <a:scrgbClr r="0" g="0" b="0"/>
+      </a:fillRef>
+      <a:effectRef idx="0">
+        <a:scrgbClr r="0" g="0" b="0"/>
+      </a:effectRef>
+      <a:fontRef idx="minor"/>
+    </dgm:style>
+  </dgm:styleLbl>
+  <dgm:styleLbl name="fgShp">
+    <dgm:scene3d>
+      <a:camera prst="orthographicFront"/>
+      <a:lightRig rig="threePt" dir="t"/>
+    </dgm:scene3d>
+    <dgm:sp3d/>
+    <dgm:txPr/>
+    <dgm:style>
+      <a:lnRef idx="2">
+        <a:scrgbClr r="0" g="0" b="0"/>
+      </a:lnRef>
+      <a:fillRef idx="1">
+        <a:scrgbClr r="0" g="0" b="0"/>
+      </a:fillRef>
+      <a:effectRef idx="0">
+        <a:scrgbClr r="0" g="0" b="0"/>
+      </a:effectRef>
+      <a:fontRef idx="minor"/>
+    </dgm:style>
+  </dgm:styleLbl>
+  <dgm:styleLbl name="revTx">
+    <dgm:scene3d>
+      <a:camera prst="orthographicFront"/>
+      <a:lightRig rig="threePt" dir="t"/>
+    </dgm:scene3d>
+    <dgm:sp3d/>
+    <dgm:txPr/>
+    <dgm:style>
+      <a:lnRef idx="0">
+        <a:scrgbClr r="0" g="0" b="0"/>
+      </a:lnRef>
+      <a:fillRef idx="0">
+        <a:scrgbClr r="0" g="0" b="0"/>
+      </a:fillRef>
+      <a:effectRef idx="0">
+        <a:scrgbClr r="0" g="0" b="0"/>
+      </a:effectRef>
+      <a:fontRef idx="minor"/>
+    </dgm:style>
+  </dgm:styleLbl>
+</dgm:styleDef>
+</file>
+
+<file path=ppt/diagrams/quickStyle2.xml><?xml version="1.0" encoding="utf-8"?>
+<dgm:styleDef xmlns:dgm="http://schemas.openxmlformats.org/drawingml/2006/diagram" xmlns:a="http://schemas.openxmlformats.org/drawingml/2006/main" uniqueId="urn:microsoft.com/office/officeart/2005/8/quickstyle/simple4">
+  <dgm:title val=""/>
+  <dgm:desc val=""/>
+  <dgm:catLst>
+    <dgm:cat type="simple" pri="10400"/>
+  </dgm:catLst>
+  <dgm:scene3d>
+    <a:camera prst="orthographicFront"/>
+    <a:lightRig rig="threePt" dir="t"/>
+  </dgm:scene3d>
+  <dgm:styleLbl name="node0">
+    <dgm:scene3d>
+      <a:camera prst="orthographicFront"/>
+      <a:lightRig rig="threePt" dir="t"/>
+    </dgm:scene3d>
+    <dgm:sp3d/>
+    <dgm:txPr/>
+    <dgm:style>
+      <a:lnRef idx="0">
+        <a:scrgbClr r="0" g="0" b="0"/>
+      </a:lnRef>
+      <a:fillRef idx="3">
+        <a:scrgbClr r="0" g="0" b="0"/>
+      </a:fillRef>
+      <a:effectRef idx="2">
+        <a:scrgbClr r="0" g="0" b="0"/>
+      </a:effectRef>
+      <a:fontRef idx="minor">
+        <a:schemeClr val="lt1"/>
+      </a:fontRef>
+    </dgm:style>
+  </dgm:styleLbl>
+  <dgm:styleLbl name="lnNode1">
+    <dgm:scene3d>
+      <a:camera prst="orthographicFront"/>
+      <a:lightRig rig="threePt" dir="t"/>
+    </dgm:scene3d>
+    <dgm:sp3d/>
+    <dgm:txPr/>
+    <dgm:style>
+      <a:lnRef idx="1">
+        <a:scrgbClr r="0" g="0" b="0"/>
+      </a:lnRef>
+      <a:fillRef idx="3">
+        <a:scrgbClr r="0" g="0" b="0"/>
+      </a:fillRef>
+      <a:effectRef idx="2">
+        <a:scrgbClr r="0" g="0" b="0"/>
+      </a:effectRef>
+      <a:fontRef idx="minor">
+        <a:schemeClr val="lt1"/>
+      </a:fontRef>
+    </dgm:style>
+  </dgm:styleLbl>
+  <dgm:styleLbl name="vennNode1">
+    <dgm:scene3d>
+      <a:camera prst="orthographicFront"/>
+      <a:lightRig rig="threePt" dir="t"/>
+    </dgm:scene3d>
+    <dgm:sp3d/>
+    <dgm:txPr/>
+    <dgm:style>
+      <a:lnRef idx="0">
+        <a:scrgbClr r="0" g="0" b="0"/>
+      </a:lnRef>
+      <a:fillRef idx="3">
+        <a:scrgbClr r="0" g="0" b="0"/>
+      </a:fillRef>
+      <a:effectRef idx="0">
+        <a:scrgbClr r="0" g="0" b="0"/>
+      </a:effectRef>
+      <a:fontRef idx="minor">
+        <a:schemeClr val="tx1"/>
+      </a:fontRef>
+    </dgm:style>
+  </dgm:styleLbl>
+  <dgm:styleLbl name="alignNode1">
+    <dgm:scene3d>
+      <a:camera prst="orthographicFront"/>
+      <a:lightRig rig="threePt" dir="t"/>
+    </dgm:scene3d>
+    <dgm:sp3d/>
+    <dgm:txPr/>
+    <dgm:style>
+      <a:lnRef idx="1">
+        <a:scrgbClr r="0" g="0" b="0"/>
+      </a:lnRef>
+      <a:fillRef idx="3">
+        <a:scrgbClr r="0" g="0" b="0"/>
+      </a:fillRef>
+      <a:effectRef idx="2">
+        <a:scrgbClr r="0" g="0" b="0"/>
+      </a:effectRef>
+      <a:fontRef idx="minor">
+        <a:schemeClr val="lt1"/>
+      </a:fontRef>
+    </dgm:style>
+  </dgm:styleLbl>
+  <dgm:styleLbl name="node1">
+    <dgm:scene3d>
+      <a:camera prst="orthographicFront"/>
+      <a:lightRig rig="threePt" dir="t"/>
+    </dgm:scene3d>
+    <dgm:sp3d/>
+    <dgm:txPr/>
+    <dgm:style>
+      <a:lnRef idx="0">
+        <a:scrgbClr r="0" g="0" b="0"/>
+      </a:lnRef>
+      <a:fillRef idx="3">
+        <a:scrgbClr r="0" g="0" b="0"/>
+      </a:fillRef>
+      <a:effectRef idx="2">
+        <a:scrgbClr r="0" g="0" b="0"/>
+      </a:effectRef>
+      <a:fontRef idx="minor">
+        <a:schemeClr val="lt1"/>
+      </a:fontRef>
+    </dgm:style>
+  </dgm:styleLbl>
+  <dgm:styleLbl name="node2">
+    <dgm:scene3d>
+      <a:camera prst="orthographicFront"/>
+      <a:lightRig rig="threePt" dir="t"/>
+    </dgm:scene3d>
+    <dgm:sp3d/>
+    <dgm:txPr/>
+    <dgm:style>
+      <a:lnRef idx="0">
+        <a:scrgbClr r="0" g="0" b="0"/>
+      </a:lnRef>
+      <a:fillRef idx="3">
+        <a:scrgbClr r="0" g="0" b="0"/>
+      </a:fillRef>
+      <a:effectRef idx="2">
+        <a:scrgbClr r="0" g="0" b="0"/>
+      </a:effectRef>
+      <a:fontRef idx="minor">
+        <a:schemeClr val="lt1"/>
+      </a:fontRef>
+    </dgm:style>
+  </dgm:styleLbl>
+  <dgm:styleLbl name="node3">
+    <dgm:scene3d>
+      <a:camera prst="orthographicFront"/>
+      <a:lightRig rig="threePt" dir="t"/>
+    </dgm:scene3d>
+    <dgm:sp3d/>
+    <dgm:txPr/>
+    <dgm:style>
+      <a:lnRef idx="0">
+        <a:scrgbClr r="0" g="0" b="0"/>
+      </a:lnRef>
+      <a:fillRef idx="3">
+        <a:scrgbClr r="0" g="0" b="0"/>
+      </a:fillRef>
+      <a:effectRef idx="2">
+        <a:scrgbClr r="0" g="0" b="0"/>
+      </a:effectRef>
+      <a:fontRef idx="minor">
+        <a:schemeClr val="lt1"/>
+      </a:fontRef>
+    </dgm:style>
+  </dgm:styleLbl>
+  <dgm:styleLbl name="node4">
+    <dgm:scene3d>
+      <a:camera prst="orthographicFront"/>
+      <a:lightRig rig="threePt" dir="t"/>
+    </dgm:scene3d>
+    <dgm:sp3d/>
+    <dgm:txPr/>
+    <dgm:style>
+      <a:lnRef idx="0">
+        <a:scrgbClr r="0" g="0" b="0"/>
+      </a:lnRef>
+      <a:fillRef idx="3">
+        <a:scrgbClr r="0" g="0" b="0"/>
+      </a:fillRef>
+      <a:effectRef idx="2">
+        <a:scrgbClr r="0" g="0" b="0"/>
+      </a:effectRef>
+      <a:fontRef idx="minor">
+        <a:schemeClr val="lt1"/>
+      </a:fontRef>
+    </dgm:style>
+  </dgm:styleLbl>
+  <dgm:styleLbl name="fgImgPlace1">
+    <dgm:scene3d>
+      <a:camera prst="orthographicFront"/>
+      <a:lightRig rig="threePt" dir="t"/>
+    </dgm:scene3d>
+    <dgm:sp3d/>
+    <dgm:txPr/>
+    <dgm:style>
+      <a:lnRef idx="0">
+        <a:scrgbClr r="0" g="0" b="0"/>
+      </a:lnRef>
+      <a:fillRef idx="1">
+        <a:scrgbClr r="0" g="0" b="0"/>
+      </a:fillRef>
+      <a:effectRef idx="2">
+        <a:scrgbClr r="0" g="0" b="0"/>
+      </a:effectRef>
+      <a:fontRef idx="minor"/>
+    </dgm:style>
+  </dgm:styleLbl>
+  <dgm:styleLbl name="alignImgPlace1">
+    <dgm:scene3d>
+      <a:camera prst="orthographicFront"/>
+      <a:lightRig rig="threePt" dir="t"/>
+    </dgm:scene3d>
+    <dgm:sp3d/>
+    <dgm:txPr/>
+    <dgm:style>
+      <a:lnRef idx="0">
+        <a:scrgbClr r="0" g="0" b="0"/>
+      </a:lnRef>
+      <a:fillRef idx="1">
+        <a:scrgbClr r="0" g="0" b="0"/>
+      </a:fillRef>
+      <a:effectRef idx="2">
+        <a:scrgbClr r="0" g="0" b="0"/>
+      </a:effectRef>
+      <a:fontRef idx="minor"/>
+    </dgm:style>
+  </dgm:styleLbl>
+  <dgm:styleLbl name="bgImgPlace1">
+    <dgm:scene3d>
+      <a:camera prst="orthographicFront"/>
+      <a:lightRig rig="threePt" dir="t"/>
+    </dgm:scene3d>
+    <dgm:sp3d/>
+    <dgm:txPr/>
+    <dgm:style>
+      <a:lnRef idx="0">
+        <a:scrgbClr r="0" g="0" b="0"/>
+      </a:lnRef>
+      <a:fillRef idx="1">
+        <a:scrgbClr r="0" g="0" b="0"/>
+      </a:fillRef>
+      <a:effectRef idx="2">
+        <a:scrgbClr r="0" g="0" b="0"/>
+      </a:effectRef>
+      <a:fontRef idx="minor"/>
+    </dgm:style>
+  </dgm:styleLbl>
+  <dgm:styleLbl name="sibTrans2D1">
+    <dgm:scene3d>
+      <a:camera prst="orthographicFront"/>
+      <a:lightRig rig="threePt" dir="t"/>
+    </dgm:scene3d>
+    <dgm:sp3d/>
+    <dgm:txPr/>
+    <dgm:style>
+      <a:lnRef idx="0">
+        <a:scrgbClr r="0" g="0" b="0"/>
+      </a:lnRef>
+      <a:fillRef idx="3">
+        <a:scrgbClr r="0" g="0" b="0"/>
+      </a:fillRef>
+      <a:effectRef idx="2">
+        <a:scrgbClr r="0" g="0" b="0"/>
+      </a:effectRef>
+      <a:fontRef idx="minor">
+        <a:schemeClr val="lt1"/>
+      </a:fontRef>
+    </dgm:style>
+  </dgm:styleLbl>
+  <dgm:styleLbl name="fgSibTrans2D1">
+    <dgm:scene3d>
+      <a:camera prst="orthographicFront"/>
+      <a:lightRig rig="threePt" dir="t"/>
+    </dgm:scene3d>
+    <dgm:sp3d/>
+    <dgm:txPr/>
+    <dgm:style>
+      <a:lnRef idx="0">
+        <a:scrgbClr r="0" g="0" b="0"/>
+      </a:lnRef>
+      <a:fillRef idx="3">
+        <a:scrgbClr r="0" g="0" b="0"/>
+      </a:fillRef>
+      <a:effectRef idx="2">
+        <a:scrgbClr r="0" g="0" b="0"/>
+      </a:effectRef>
+      <a:fontRef idx="minor">
+        <a:schemeClr val="lt1"/>
+      </a:fontRef>
+    </dgm:style>
+  </dgm:styleLbl>
+  <dgm:styleLbl name="bgSibTrans2D1">
+    <dgm:scene3d>
+      <a:camera prst="orthographicFront"/>
+      <a:lightRig rig="threePt" dir="t"/>
+    </dgm:scene3d>
+    <dgm:sp3d/>
+    <dgm:txPr/>
+    <dgm:style>
+      <a:lnRef idx="0">
+        <a:scrgbClr r="0" g="0" b="0"/>
+      </a:lnRef>
+      <a:fillRef idx="3">
+        <a:scrgbClr r="0" g="0" b="0"/>
+      </a:fillRef>
+      <a:effectRef idx="2">
+        <a:scrgbClr r="0" g="0" b="0"/>
+      </a:effectRef>
+      <a:fontRef idx="minor">
+        <a:schemeClr val="lt1"/>
+      </a:fontRef>
+    </dgm:style>
+  </dgm:styleLbl>
+  <dgm:styleLbl name="sibTrans1D1">
+    <dgm:scene3d>
+      <a:camera prst="orthographicFront"/>
+      <a:lightRig rig="threePt" dir="t"/>
+    </dgm:scene3d>
+    <dgm:sp3d/>
+    <dgm:txPr/>
+    <dgm:style>
+      <a:lnRef idx="1">
+        <a:scrgbClr r="0" g="0" b="0"/>
+      </a:lnRef>
+      <a:fillRef idx="0">
+        <a:scrgbClr r="0" g="0" b="0"/>
+      </a:fillRef>
+      <a:effectRef idx="0">
+        <a:scrgbClr r="0" g="0" b="0"/>
+      </a:effectRef>
+      <a:fontRef idx="minor"/>
+    </dgm:style>
+  </dgm:styleLbl>
+  <dgm:styleLbl name="callout">
+    <dgm:scene3d>
+      <a:camera prst="orthographicFront"/>
+      <a:lightRig rig="threePt" dir="t"/>
+    </dgm:scene3d>
+    <dgm:sp3d/>
+    <dgm:txPr/>
+    <dgm:style>
+      <a:lnRef idx="2">
+        <a:scrgbClr r="0" g="0" b="0"/>
+      </a:lnRef>
+      <a:fillRef idx="1">
+        <a:scrgbClr r="0" g="0" b="0"/>
+      </a:fillRef>
+      <a:effectRef idx="1">
+        <a:scrgbClr r="0" g="0" b="0"/>
+      </a:effectRef>
+      <a:fontRef idx="minor"/>
+    </dgm:style>
+  </dgm:styleLbl>
+  <dgm:styleLbl name="asst0">
+    <dgm:scene3d>
+      <a:camera prst="orthographicFront"/>
+      <a:lightRig rig="threePt" dir="t"/>
+    </dgm:scene3d>
+    <dgm:sp3d/>
+    <dgm:txPr/>
+    <dgm:style>
+      <a:lnRef idx="0">
+        <a:scrgbClr r="0" g="0" b="0"/>
+      </a:lnRef>
+      <a:fillRef idx="3">
+        <a:scrgbClr r="0" g="0" b="0"/>
+      </a:fillRef>
+      <a:effectRef idx="2">
+        <a:scrgbClr r="0" g="0" b="0"/>
+      </a:effectRef>
+      <a:fontRef idx="minor">
+        <a:schemeClr val="lt1"/>
+      </a:fontRef>
+    </dgm:style>
+  </dgm:styleLbl>
+  <dgm:styleLbl name="asst1">
+    <dgm:scene3d>
+      <a:camera prst="orthographicFront"/>
+      <a:lightRig rig="threePt" dir="t"/>
+    </dgm:scene3d>
+    <dgm:sp3d/>
+    <dgm:txPr/>
+    <dgm:style>
+      <a:lnRef idx="0">
+        <a:scrgbClr r="0" g="0" b="0"/>
+      </a:lnRef>
+      <a:fillRef idx="3">
+        <a:scrgbClr r="0" g="0" b="0"/>
+      </a:fillRef>
+      <a:effectRef idx="2">
+        <a:scrgbClr r="0" g="0" b="0"/>
+      </a:effectRef>
+      <a:fontRef idx="minor">
+        <a:schemeClr val="lt1"/>
+      </a:fontRef>
+    </dgm:style>
+  </dgm:styleLbl>
+  <dgm:styleLbl name="asst2">
+    <dgm:scene3d>
+      <a:camera prst="orthographicFront"/>
+      <a:lightRig rig="threePt" dir="t"/>
+    </dgm:scene3d>
+    <dgm:sp3d/>
+    <dgm:txPr/>
+    <dgm:style>
+      <a:lnRef idx="0">
+        <a:scrgbClr r="0" g="0" b="0"/>
+      </a:lnRef>
+      <a:fillRef idx="3">
+        <a:scrgbClr r="0" g="0" b="0"/>
+      </a:fillRef>
+      <a:effectRef idx="2">
+        <a:scrgbClr r="0" g="0" b="0"/>
+      </a:effectRef>
+      <a:fontRef idx="minor">
+        <a:schemeClr val="lt1"/>
+      </a:fontRef>
+    </dgm:style>
+  </dgm:styleLbl>
+  <dgm:styleLbl name="asst3">
+    <dgm:scene3d>
+      <a:camera prst="orthographicFront"/>
+      <a:lightRig rig="threePt" dir="t"/>
+    </dgm:scene3d>
+    <dgm:sp3d/>
+    <dgm:txPr/>
+    <dgm:style>
+      <a:lnRef idx="0">
+        <a:scrgbClr r="0" g="0" b="0"/>
+      </a:lnRef>
+      <a:fillRef idx="3">
+        <a:scrgbClr r="0" g="0" b="0"/>
+      </a:fillRef>
+      <a:effectRef idx="2">
+        <a:scrgbClr r="0" g="0" b="0"/>
+      </a:effectRef>
+      <a:fontRef idx="minor">
+        <a:schemeClr val="lt1"/>
+      </a:fontRef>
+    </dgm:style>
+  </dgm:styleLbl>
+  <dgm:styleLbl name="asst4">
+    <dgm:scene3d>
+      <a:camera prst="orthographicFront"/>
+      <a:lightRig rig="threePt" dir="t"/>
+    </dgm:scene3d>
+    <dgm:sp3d/>
+    <dgm:txPr/>
+    <dgm:style>
+      <a:lnRef idx="0">
+        <a:scrgbClr r="0" g="0" b="0"/>
+      </a:lnRef>
+      <a:fillRef idx="3">
+        <a:scrgbClr r="0" g="0" b="0"/>
+      </a:fillRef>
+      <a:effectRef idx="2">
+        <a:scrgbClr r="0" g="0" b="0"/>
+      </a:effectRef>
+      <a:fontRef idx="minor">
+        <a:schemeClr val="lt1"/>
+      </a:fontRef>
+    </dgm:style>
+  </dgm:styleLbl>
+  <dgm:styleLbl name="parChTrans2D1">
+    <dgm:scene3d>
+      <a:camera prst="orthographicFront"/>
+      <a:lightRig rig="threePt" dir="t"/>
+    </dgm:scene3d>
+    <dgm:sp3d/>
+    <dgm:txPr/>
+    <dgm:style>
+      <a:lnRef idx="0">
+        <a:scrgbClr r="0" g="0" b="0"/>
+      </a:lnRef>
+      <a:fillRef idx="3">
+        <a:scrgbClr r="0" g="0" b="0"/>
+      </a:fillRef>
+      <a:effectRef idx="2">
+        <a:scrgbClr r="0" g="0" b="0"/>
+      </a:effectRef>
+      <a:fontRef idx="minor">
+        <a:schemeClr val="lt1"/>
+      </a:fontRef>
+    </dgm:style>
+  </dgm:styleLbl>
+  <dgm:styleLbl name="parChTrans2D2">
+    <dgm:scene3d>
+      <a:camera prst="orthographicFront"/>
+      <a:lightRig rig="threePt" dir="t"/>
+    </dgm:scene3d>
+    <dgm:sp3d/>
+    <dgm:txPr/>
+    <dgm:style>
+      <a:lnRef idx="0">
+        <a:scrgbClr r="0" g="0" b="0"/>
+      </a:lnRef>
+      <a:fillRef idx="3">
+        <a:scrgbClr r="0" g="0" b="0"/>
+      </a:fillRef>
+      <a:effectRef idx="2">
+        <a:scrgbClr r="0" g="0" b="0"/>
+      </a:effectRef>
+      <a:fontRef idx="minor">
+        <a:schemeClr val="lt1"/>
+      </a:fontRef>
+    </dgm:style>
+  </dgm:styleLbl>
+  <dgm:styleLbl name="parChTrans2D3">
+    <dgm:scene3d>
+      <a:camera prst="orthographicFront"/>
+      <a:lightRig rig="threePt" dir="t"/>
+    </dgm:scene3d>
+    <dgm:sp3d/>
+    <dgm:txPr/>
+    <dgm:style>
+      <a:lnRef idx="1">
+        <a:scrgbClr r="0" g="0" b="0"/>
+      </a:lnRef>
+      <a:fillRef idx="3">
+        <a:scrgbClr r="0" g="0" b="0"/>
+      </a:fillRef>
+      <a:effectRef idx="2">
+        <a:scrgbClr r="0" g="0" b="0"/>
+      </a:effectRef>
+      <a:fontRef idx="minor">
+        <a:schemeClr val="lt1"/>
+      </a:fontRef>
+    </dgm:style>
+  </dgm:styleLbl>
+  <dgm:styleLbl name="parChTrans2D4">
+    <dgm:scene3d>
+      <a:camera prst="orthographicFront"/>
+      <a:lightRig rig="threePt" dir="t"/>
+    </dgm:scene3d>
+    <dgm:sp3d/>
+    <dgm:txPr/>
+    <dgm:style>
+      <a:lnRef idx="1">
+        <a:scrgbClr r="0" g="0" b="0"/>
+      </a:lnRef>
+      <a:fillRef idx="3">
+        <a:scrgbClr r="0" g="0" b="0"/>
+      </a:fillRef>
+      <a:effectRef idx="2">
+        <a:scrgbClr r="0" g="0" b="0"/>
+      </a:effectRef>
+      <a:fontRef idx="minor">
+        <a:schemeClr val="lt1"/>
+      </a:fontRef>
+    </dgm:style>
+  </dgm:styleLbl>
+  <dgm:styleLbl name="parChTrans1D1">
+    <dgm:scene3d>
+      <a:camera prst="orthographicFront"/>
+      <a:lightRig rig="threePt" dir="t"/>
+    </dgm:scene3d>
+    <dgm:sp3d/>
+    <dgm:txPr/>
+    <dgm:style>
+      <a:lnRef idx="1">
+        <a:scrgbClr r="0" g="0" b="0"/>
+      </a:lnRef>
+      <a:fillRef idx="0">
+        <a:scrgbClr r="0" g="0" b="0"/>
+      </a:fillRef>
+      <a:effectRef idx="0">
+        <a:scrgbClr r="0" g="0" b="0"/>
+      </a:effectRef>
+      <a:fontRef idx="minor"/>
+    </dgm:style>
+  </dgm:styleLbl>
+  <dgm:styleLbl name="parChTrans1D2">
+    <dgm:scene3d>
+      <a:camera prst="orthographicFront"/>
+      <a:lightRig rig="threePt" dir="t"/>
+    </dgm:scene3d>
+    <dgm:sp3d/>
+    <dgm:txPr/>
+    <dgm:style>
+      <a:lnRef idx="1">
+        <a:scrgbClr r="0" g="0" b="0"/>
+      </a:lnRef>
+      <a:fillRef idx="0">
+        <a:scrgbClr r="0" g="0" b="0"/>
+      </a:fillRef>
+      <a:effectRef idx="0">
+        <a:scrgbClr r="0" g="0" b="0"/>
+      </a:effectRef>
+      <a:fontRef idx="minor"/>
+    </dgm:style>
+  </dgm:styleLbl>
+  <dgm:styleLbl name="parChTrans1D3">
+    <dgm:scene3d>
+      <a:camera prst="orthographicFront"/>
+      <a:lightRig rig="threePt" dir="t"/>
+    </dgm:scene3d>
+    <dgm:sp3d/>
+    <dgm:txPr/>
+    <dgm:style>
+      <a:lnRef idx="1">
+        <a:scrgbClr r="0" g="0" b="0"/>
+      </a:lnRef>
+      <a:fillRef idx="0">
+        <a:scrgbClr r="0" g="0" b="0"/>
+      </a:fillRef>
+      <a:effectRef idx="0">
+        <a:scrgbClr r="0" g="0" b="0"/>
+      </a:effectRef>
+      <a:fontRef idx="minor"/>
+    </dgm:style>
+  </dgm:styleLbl>
+  <dgm:styleLbl name="parChTrans1D4">
+    <dgm:scene3d>
+      <a:camera prst="orthographicFront"/>
+      <a:lightRig rig="threePt" dir="t"/>
+    </dgm:scene3d>
+    <dgm:sp3d/>
+    <dgm:txPr/>
+    <dgm:style>
+      <a:lnRef idx="1">
+        <a:scrgbClr r="0" g="0" b="0"/>
+      </a:lnRef>
+      <a:fillRef idx="0">
+        <a:scrgbClr r="0" g="0" b="0"/>
+      </a:fillRef>
+      <a:effectRef idx="0">
+        <a:scrgbClr r="0" g="0" b="0"/>
+      </a:effectRef>
+      <a:fontRef idx="minor"/>
+    </dgm:style>
+  </dgm:styleLbl>
+  <dgm:styleLbl name="fgAcc1">
+    <dgm:scene3d>
+      <a:camera prst="orthographicFront"/>
+      <a:lightRig rig="threePt" dir="t"/>
+    </dgm:scene3d>
+    <dgm:sp3d/>
+    <dgm:txPr/>
+    <dgm:style>
+      <a:lnRef idx="1">
+        <a:scrgbClr r="0" g="0" b="0"/>
+      </a:lnRef>
+      <a:fillRef idx="1">
+        <a:scrgbClr r="0" g="0" b="0"/>
+      </a:fillRef>
+      <a:effectRef idx="0">
+        <a:scrgbClr r="0" g="0" b="0"/>
+      </a:effectRef>
+      <a:fontRef idx="minor"/>
+    </dgm:style>
+  </dgm:styleLbl>
+  <dgm:styleLbl name="conFgAcc1">
+    <dgm:scene3d>
+      <a:camera prst="orthographicFront"/>
+      <a:lightRig rig="threePt" dir="t"/>
+    </dgm:scene3d>
+    <dgm:sp3d/>
+    <dgm:txPr/>
+    <dgm:style>
+      <a:lnRef idx="1">
+        <a:scrgbClr r="0" g="0" b="0"/>
+      </a:lnRef>
+      <a:fillRef idx="1">
+        <a:scrgbClr r="0" g="0" b="0"/>
+      </a:fillRef>
+      <a:effectRef idx="0">
+        <a:scrgbClr r="0" g="0" b="0"/>
+      </a:effectRef>
+      <a:fontRef idx="minor"/>
+    </dgm:style>
+  </dgm:styleLbl>
+  <dgm:styleLbl name="alignAcc1">
+    <dgm:scene3d>
+      <a:camera prst="orthographicFront"/>
+      <a:lightRig rig="threePt" dir="t"/>
+    </dgm:scene3d>
+    <dgm:sp3d/>
+    <dgm:txPr/>
+    <dgm:style>
+      <a:lnRef idx="1">
+        <a:scrgbClr r="0" g="0" b="0"/>
+      </a:lnRef>
+      <a:fillRef idx="1">
+        <a:scrgbClr r="0" g="0" b="0"/>
+      </a:fillRef>
+      <a:effectRef idx="0">
+        <a:scrgbClr r="0" g="0" b="0"/>
+      </a:effectRef>
+      <a:fontRef idx="minor"/>
+    </dgm:style>
+  </dgm:styleLbl>
+  <dgm:styleLbl name="trAlignAcc1">
+    <dgm:scene3d>
+      <a:camera prst="orthographicFront"/>
+      <a:lightRig rig="threePt" dir="t"/>
+    </dgm:scene3d>
+    <dgm:sp3d/>
+    <dgm:txPr/>
+    <dgm:style>
+      <a:lnRef idx="1">
+        <a:scrgbClr r="0" g="0" b="0"/>
+      </a:lnRef>
+      <a:fillRef idx="1">
+        <a:scrgbClr r="0" g="0" b="0"/>
+      </a:fillRef>
+      <a:effectRef idx="0">
+        <a:scrgbClr r="0" g="0" b="0"/>
+      </a:effectRef>
+      <a:fontRef idx="minor"/>
+    </dgm:style>
+  </dgm:styleLbl>
+  <dgm:styleLbl name="bgAcc1">
+    <dgm:scene3d>
+      <a:camera prst="orthographicFront"/>
+      <a:lightRig rig="threePt" dir="t"/>
+    </dgm:scene3d>
+    <dgm:sp3d/>
+    <dgm:txPr/>
+    <dgm:style>
+      <a:lnRef idx="1">
+        <a:scrgbClr r="0" g="0" b="0"/>
+      </a:lnRef>
+      <a:fillRef idx="1">
+        <a:scrgbClr r="0" g="0" b="0"/>
+      </a:fillRef>
+      <a:effectRef idx="0">
+        <a:scrgbClr r="0" g="0" b="0"/>
+      </a:effectRef>
+      <a:fontRef idx="minor"/>
+    </dgm:style>
+  </dgm:styleLbl>
+  <dgm:styleLbl name="solidFgAcc1">
+    <dgm:scene3d>
+      <a:camera prst="orthographicFront"/>
+      <a:lightRig rig="threePt" dir="t"/>
+    </dgm:scene3d>
+    <dgm:sp3d/>
+    <dgm:txPr/>
+    <dgm:style>
+      <a:lnRef idx="1">
+        <a:scrgbClr r="0" g="0" b="0"/>
+      </a:lnRef>
+      <a:fillRef idx="1">
+        <a:scrgbClr r="0" g="0" b="0"/>
+      </a:fillRef>
+      <a:effectRef idx="0">
+        <a:scrgbClr r="0" g="0" b="0"/>
+      </a:effectRef>
+      <a:fontRef idx="minor"/>
+    </dgm:style>
+  </dgm:styleLbl>
+  <dgm:styleLbl name="solidAlignAcc1">
+    <dgm:scene3d>
+      <a:camera prst="orthographicFront"/>
+      <a:lightRig rig="threePt" dir="t"/>
+    </dgm:scene3d>
+    <dgm:sp3d/>
+    <dgm:txPr/>
+    <dgm:style>
+      <a:lnRef idx="1">
+        <a:scrgbClr r="0" g="0" b="0"/>
+      </a:lnRef>
+      <a:fillRef idx="1">
+        <a:scrgbClr r="0" g="0" b="0"/>
+      </a:fillRef>
+      <a:effectRef idx="0">
+        <a:scrgbClr r="0" g="0" b="0"/>
+      </a:effectRef>
+      <a:fontRef idx="minor"/>
+    </dgm:style>
+  </dgm:styleLbl>
+  <dgm:styleLbl name="solidBgAcc1">
+    <dgm:scene3d>
+      <a:camera prst="orthographicFront"/>
+      <a:lightRig rig="threePt" dir="t"/>
+    </dgm:scene3d>
+    <dgm:sp3d/>
+    <dgm:txPr/>
+    <dgm:style>
+      <a:lnRef idx="1">
+        <a:scrgbClr r="0" g="0" b="0"/>
+      </a:lnRef>
+      <a:fillRef idx="1">
+        <a:scrgbClr r="0" g="0" b="0"/>
+      </a:fillRef>
+      <a:effectRef idx="0">
+        <a:scrgbClr r="0" g="0" b="0"/>
+      </a:effectRef>
+      <a:fontRef idx="minor"/>
+    </dgm:style>
+  </dgm:styleLbl>
+  <dgm:styleLbl name="fgAccFollowNode1">
+    <dgm:scene3d>
+      <a:camera prst="orthographicFront"/>
+      <a:lightRig rig="threePt" dir="t"/>
+    </dgm:scene3d>
+    <dgm:sp3d/>
+    <dgm:txPr/>
+    <dgm:style>
+      <a:lnRef idx="1">
+        <a:scrgbClr r="0" g="0" b="0"/>
+      </a:lnRef>
+      <a:fillRef idx="1">
+        <a:scrgbClr r="0" g="0" b="0"/>
+      </a:fillRef>
+      <a:effectRef idx="0">
+        <a:scrgbClr r="0" g="0" b="0"/>
+      </a:effectRef>
+      <a:fontRef idx="minor"/>
+    </dgm:style>
+  </dgm:styleLbl>
+  <dgm:styleLbl name="alignAccFollowNode1">
+    <dgm:scene3d>
+      <a:camera prst="orthographicFront"/>
+      <a:lightRig rig="threePt" dir="t"/>
+    </dgm:scene3d>
+    <dgm:sp3d/>
+    <dgm:txPr/>
+    <dgm:style>
+      <a:lnRef idx="1">
+        <a:scrgbClr r="0" g="0" b="0"/>
+      </a:lnRef>
+      <a:fillRef idx="1">
+        <a:scrgbClr r="0" g="0" b="0"/>
+      </a:fillRef>
+      <a:effectRef idx="0">
+        <a:scrgbClr r="0" g="0" b="0"/>
+      </a:effectRef>
+      <a:fontRef idx="minor"/>
+    </dgm:style>
+  </dgm:styleLbl>
+  <dgm:styleLbl name="bgAccFollowNode1">
+    <dgm:scene3d>
+      <a:camera prst="orthographicFront"/>
+      <a:lightRig rig="threePt" dir="t"/>
+    </dgm:scene3d>
+    <dgm:sp3d/>
+    <dgm:txPr/>
+    <dgm:style>
+      <a:lnRef idx="1">
+        <a:scrgbClr r="0" g="0" b="0"/>
+      </a:lnRef>
+      <a:fillRef idx="1">
+        <a:scrgbClr r="0" g="0" b="0"/>
+      </a:fillRef>
+      <a:effectRef idx="0">
+        <a:scrgbClr r="0" g="0" b="0"/>
+      </a:effectRef>
+      <a:fontRef idx="minor"/>
+    </dgm:style>
+  </dgm:styleLbl>
+  <dgm:styleLbl name="fgAcc0">
+    <dgm:scene3d>
+      <a:camera prst="orthographicFront"/>
+      <a:lightRig rig="threePt" dir="t"/>
+    </dgm:scene3d>
+    <dgm:sp3d/>
+    <dgm:txPr/>
+    <dgm:style>
+      <a:lnRef idx="1">
+        <a:scrgbClr r="0" g="0" b="0"/>
+      </a:lnRef>
+      <a:fillRef idx="1">
+        <a:scrgbClr r="0" g="0" b="0"/>
+      </a:fillRef>
+      <a:effectRef idx="0">
+        <a:scrgbClr r="0" g="0" b="0"/>
+      </a:effectRef>
+      <a:fontRef idx="minor"/>
+    </dgm:style>
+  </dgm:styleLbl>
+  <dgm:styleLbl name="fgAcc2">
+    <dgm:scene3d>
+      <a:camera prst="orthographicFront"/>
+      <a:lightRig rig="threePt" dir="t"/>
+    </dgm:scene3d>
+    <dgm:sp3d/>
+    <dgm:txPr/>
+    <dgm:style>
+      <a:lnRef idx="1">
+        <a:scrgbClr r="0" g="0" b="0"/>
+      </a:lnRef>
+      <a:fillRef idx="1">
+        <a:scrgbClr r="0" g="0" b="0"/>
+      </a:fillRef>
+      <a:effectRef idx="0">
+        <a:scrgbClr r="0" g="0" b="0"/>
+      </a:effectRef>
+      <a:fontRef idx="minor"/>
+    </dgm:style>
+  </dgm:styleLbl>
+  <dgm:styleLbl name="fgAcc3">
+    <dgm:scene3d>
+      <a:camera prst="orthographicFront"/>
+      <a:lightRig rig="threePt" dir="t"/>
+    </dgm:scene3d>
+    <dgm:sp3d/>
+    <dgm:txPr/>
+    <dgm:style>
+      <a:lnRef idx="1">
+        <a:scrgbClr r="0" g="0" b="0"/>
+      </a:lnRef>
+      <a:fillRef idx="1">
+        <a:scrgbClr r="0" g="0" b="0"/>
+      </a:fillRef>
+      <a:effectRef idx="0">
+        <a:scrgbClr r="0" g="0" b="0"/>
+      </a:effectRef>
+      <a:fontRef idx="minor"/>
+    </dgm:style>
+  </dgm:styleLbl>
+  <dgm:styleLbl name="fgAcc4">
+    <dgm:scene3d>
+      <a:camera prst="orthographicFront"/>
+      <a:lightRig rig="threePt" dir="t"/>
+    </dgm:scene3d>
+    <dgm:sp3d/>
+    <dgm:txPr/>
+    <dgm:style>
+      <a:lnRef idx="1">
+        <a:scrgbClr r="0" g="0" b="0"/>
+      </a:lnRef>
+      <a:fillRef idx="1">
+        <a:scrgbClr r="0" g="0" b="0"/>
+      </a:fillRef>
+      <a:effectRef idx="0">
+        <a:scrgbClr r="0" g="0" b="0"/>
+      </a:effectRef>
+      <a:fontRef idx="minor"/>
+    </dgm:style>
+  </dgm:styleLbl>
+  <dgm:styleLbl name="bgShp">
+    <dgm:scene3d>
+      <a:camera prst="orthographicFront"/>
+      <a:lightRig rig="threePt" dir="t"/>
+    </dgm:scene3d>
+    <dgm:sp3d/>
+    <dgm:txPr/>
+    <dgm:style>
+      <a:lnRef idx="0">
+        <a:scrgbClr r="0" g="0" b="0"/>
+      </a:lnRef>
+      <a:fillRef idx="1">
+        <a:scrgbClr r="0" g="0" b="0"/>
+      </a:fillRef>
+      <a:effectRef idx="2">
+        <a:scrgbClr r="0" g="0" b="0"/>
+      </a:effectRef>
+      <a:fontRef idx="minor"/>
+    </dgm:style>
+  </dgm:styleLbl>
+  <dgm:styleLbl name="dkBgShp">
+    <dgm:scene3d>
+      <a:camera prst="orthographicFront"/>
+      <a:lightRig rig="threePt" dir="t"/>
+    </dgm:scene3d>
+    <dgm:sp3d/>
+    <dgm:txPr/>
+    <dgm:style>
+      <a:lnRef idx="0">
+        <a:scrgbClr r="0" g="0" b="0"/>
+      </a:lnRef>
+      <a:fillRef idx="1">
+        <a:scrgbClr r="0" g="0" b="0"/>
+      </a:fillRef>
+      <a:effectRef idx="2">
+        <a:scrgbClr r="0" g="0" b="0"/>
+      </a:effectRef>
+      <a:fontRef idx="minor"/>
+    </dgm:style>
+  </dgm:styleLbl>
+  <dgm:styleLbl name="trBgShp">
+    <dgm:scene3d>
+      <a:camera prst="orthographicFront"/>
+      <a:lightRig rig="threePt" dir="t"/>
+    </dgm:scene3d>
+    <dgm:sp3d/>
+    <dgm:txPr/>
+    <dgm:style>
+      <a:lnRef idx="0">
+        <a:scrgbClr r="0" g="0" b="0"/>
+      </a:lnRef>
+      <a:fillRef idx="1">
+        <a:scrgbClr r="0" g="0" b="0"/>
+      </a:fillRef>
+      <a:effectRef idx="0">
+        <a:scrgbClr r="0" g="0" b="0"/>
+      </a:effectRef>
+      <a:fontRef idx="minor"/>
+    </dgm:style>
+  </dgm:styleLbl>
+  <dgm:styleLbl name="fgShp">
+    <dgm:scene3d>
+      <a:camera prst="orthographicFront"/>
+      <a:lightRig rig="threePt" dir="t"/>
+    </dgm:scene3d>
+    <dgm:sp3d/>
+    <dgm:txPr/>
+    <dgm:style>
+      <a:lnRef idx="0">
+        <a:scrgbClr r="0" g="0" b="0"/>
+      </a:lnRef>
+      <a:fillRef idx="3">
+        <a:scrgbClr r="0" g="0" b="0"/>
+      </a:fillRef>
+      <a:effectRef idx="2">
+        <a:scrgbClr r="0" g="0" b="0"/>
+      </a:effectRef>
+      <a:fontRef idx="minor"/>
+    </dgm:style>
+  </dgm:styleLbl>
+  <dgm:styleLbl name="revTx">
+    <dgm:scene3d>
+      <a:camera prst="orthographicFront"/>
+      <a:lightRig rig="threePt" dir="t"/>
+    </dgm:scene3d>
+    <dgm:sp3d/>
+    <dgm:txPr/>
+    <dgm:style>
+      <a:lnRef idx="0">
+        <a:scrgbClr r="0" g="0" b="0"/>
+      </a:lnRef>
+      <a:fillRef idx="0">
+        <a:scrgbClr r="0" g="0" b="0"/>
+      </a:fillRef>
+      <a:effectRef idx="0">
+        <a:scrgbClr r="0" g="0" b="0"/>
+      </a:effectRef>
+      <a:fontRef idx="minor"/>
+    </dgm:style>
+  </dgm:styleLbl>
+</dgm:styleDef>
 </file>
 
 <file path=ppt/slideLayouts/slideLayout1.xml><?xml version="1.0" encoding="utf-8"?>
@@ -359,7 +7382,7 @@
           <a:p>
             <a:fld id="{EA0C0817-A112-4847-8014-A94B7D2A4EA3}" type="datetime1">
               <a:rPr lang="en-US" smtClean="0"/>
-              <a:t>4/17/2021</a:t>
+              <a:t>4/20/21</a:t>
             </a:fld>
             <a:endParaRPr lang="en-US" dirty="0"/>
           </a:p>
@@ -621,7 +7644,7 @@
           <a:p>
             <a:fld id="{134F40B7-36AB-4376-BE14-EF7004D79BB9}" type="datetime1">
               <a:rPr lang="en-US" smtClean="0"/>
-              <a:t>4/17/2021</a:t>
+              <a:t>4/20/21</a:t>
             </a:fld>
             <a:endParaRPr lang="en-US"/>
           </a:p>
@@ -856,7 +7879,7 @@
           <a:p>
             <a:fld id="{FF87CAB8-DCAE-46A5-AADA-B3FAD11A54E0}" type="datetime1">
               <a:rPr lang="en-US" smtClean="0"/>
-              <a:t>4/17/2021</a:t>
+              <a:t>4/20/21</a:t>
             </a:fld>
             <a:endParaRPr lang="en-US"/>
           </a:p>
@@ -1096,7 +8119,7 @@
           <a:p>
             <a:fld id="{7332B432-ACDA-4023-A761-2BAB76577B62}" type="datetime1">
               <a:rPr lang="en-US" smtClean="0"/>
-              <a:t>4/17/2021</a:t>
+              <a:t>4/20/21</a:t>
             </a:fld>
             <a:endParaRPr lang="en-US"/>
           </a:p>
@@ -1403,7 +8426,7 @@
           <a:p>
             <a:fld id="{D9C646AA-F36E-4540-911D-FFFC0A0EF24A}" type="datetime1">
               <a:rPr lang="en-US" smtClean="0"/>
-              <a:t>4/17/2021</a:t>
+              <a:t>4/20/21</a:t>
             </a:fld>
             <a:endParaRPr lang="en-US" dirty="0"/>
           </a:p>
@@ -1705,7 +8728,7 @@
           <a:p>
             <a:fld id="{69186D26-FA5F-4637-B602-B7C2DC34CFD4}" type="datetime1">
               <a:rPr lang="en-US" smtClean="0"/>
-              <a:t>4/17/2021</a:t>
+              <a:t>4/20/21</a:t>
             </a:fld>
             <a:endParaRPr lang="en-US"/>
           </a:p>
@@ -2127,7 +9150,7 @@
           <a:p>
             <a:fld id="{8A7F15D8-96D1-4781-BC50-CA8A088B2FE4}" type="datetime1">
               <a:rPr lang="en-US" smtClean="0"/>
-              <a:t>4/17/2021</a:t>
+              <a:t>4/20/21</a:t>
             </a:fld>
             <a:endParaRPr lang="en-US"/>
           </a:p>
@@ -2289,7 +9312,7 @@
           <a:p>
             <a:fld id="{F9A96C99-B8F8-4528-BD05-0E16E943DC09}" type="datetime1">
               <a:rPr lang="en-US" smtClean="0"/>
-              <a:t>4/17/2021</a:t>
+              <a:t>4/20/21</a:t>
             </a:fld>
             <a:endParaRPr lang="en-US"/>
           </a:p>
@@ -2384,7 +9407,7 @@
           <a:p>
             <a:fld id="{03636942-C211-4B28-8DBD-C953E00AF71B}" type="datetime1">
               <a:rPr lang="en-US" smtClean="0"/>
-              <a:t>4/17/2021</a:t>
+              <a:t>4/20/21</a:t>
             </a:fld>
             <a:endParaRPr lang="en-US"/>
           </a:p>
@@ -2762,7 +9785,7 @@
           <a:p>
             <a:fld id="{7E8D12A6-918A-48BD-8CB9-CA713993B0EA}" type="datetime1">
               <a:rPr lang="en-US" smtClean="0"/>
-              <a:t>4/17/2021</a:t>
+              <a:t>4/20/21</a:t>
             </a:fld>
             <a:endParaRPr lang="en-US"/>
           </a:p>
@@ -3052,7 +10075,7 @@
             <a:fld id="{E778CE86-875F-4587-BCF6-FA054AFC0D53}" type="datetime1">
               <a:rPr lang="en-US" smtClean="0"/>
               <a:pPr/>
-              <a:t>4/17/2021</a:t>
+              <a:t>4/20/21</a:t>
             </a:fld>
             <a:endParaRPr lang="en-US" dirty="0"/>
           </a:p>
@@ -3264,7 +10287,7 @@
           <a:p>
             <a:fld id="{F6FA2B21-3FCD-4721-B95C-427943F61125}" type="datetime1">
               <a:rPr lang="en-US" smtClean="0"/>
-              <a:t>4/17/2021</a:t>
+              <a:t>4/20/21</a:t>
             </a:fld>
             <a:endParaRPr lang="en-US"/>
           </a:p>
@@ -3874,6 +10897,66 @@
           <a:chExt cx="0" cy="0"/>
         </a:xfrm>
       </p:grpSpPr>
+      <p:sp useBgFill="1">
+        <p:nvSpPr>
+          <p:cNvPr id="22" name="Rectangle 10">
+            <a:extLst>
+              <a:ext uri="{FF2B5EF4-FFF2-40B4-BE49-F238E27FC236}">
+                <a16:creationId xmlns:a16="http://schemas.microsoft.com/office/drawing/2014/main" id="{BF3D65BA-1C65-40FB-92EF-83951BDC1D7C}"/>
+              </a:ext>
+              <a:ext uri="{C183D7F6-B498-43B3-948B-1728B52AA6E4}">
+                <adec:decorative xmlns:adec="http://schemas.microsoft.com/office/drawing/2017/decorative" val="1"/>
+              </a:ext>
+            </a:extLst>
+          </p:cNvPr>
+          <p:cNvSpPr>
+            <a:spLocks noGrp="1" noRot="1" noChangeAspect="1" noMove="1" noResize="1" noEditPoints="1" noAdjustHandles="1" noChangeArrowheads="1" noChangeShapeType="1" noTextEdit="1"/>
+          </p:cNvSpPr>
+          <p:nvPr>
+            <p:extLst>
+              <p:ext uri="{386F3935-93C4-4BCD-93E2-E3B085C9AB24}">
+                <p16:designElem xmlns:p16="http://schemas.microsoft.com/office/powerpoint/2015/main" val="1"/>
+              </p:ext>
+            </p:extLst>
+          </p:nvPr>
+        </p:nvSpPr>
+        <p:spPr>
+          <a:xfrm>
+            <a:off x="0" y="638175"/>
+            <a:ext cx="12191999" cy="6219825"/>
+          </a:xfrm>
+          <a:prstGeom prst="rect">
+            <a:avLst/>
+          </a:prstGeom>
+          <a:ln>
+            <a:noFill/>
+          </a:ln>
+        </p:spPr>
+        <p:style>
+          <a:lnRef idx="2">
+            <a:schemeClr val="accent1">
+              <a:shade val="50000"/>
+            </a:schemeClr>
+          </a:lnRef>
+          <a:fillRef idx="1">
+            <a:schemeClr val="accent1"/>
+          </a:fillRef>
+          <a:effectRef idx="0">
+            <a:schemeClr val="accent1"/>
+          </a:effectRef>
+          <a:fontRef idx="minor">
+            <a:schemeClr val="lt1"/>
+          </a:fontRef>
+        </p:style>
+        <p:txBody>
+          <a:bodyPr rtlCol="0" anchor="ctr"/>
+          <a:lstStyle/>
+          <a:p>
+            <a:pPr algn="ctr"/>
+            <a:endParaRPr lang="en-US"/>
+          </a:p>
+        </p:txBody>
+      </p:sp>
       <p:pic>
         <p:nvPicPr>
           <p:cNvPr id="6" name="Picture 5" descr="A close up of a logo&#10;&#10;Description automatically generated">
@@ -3901,14 +10984,68 @@
         </p:blipFill>
         <p:spPr>
           <a:xfrm>
-            <a:off x="20" y="10"/>
-            <a:ext cx="12191979" cy="6857990"/>
+            <a:off x="771440" y="1640670"/>
+            <a:ext cx="6834511" cy="3844375"/>
           </a:xfrm>
           <a:prstGeom prst="rect">
             <a:avLst/>
           </a:prstGeom>
         </p:spPr>
       </p:pic>
+      <p:sp>
+        <p:nvSpPr>
+          <p:cNvPr id="23" name="Rectangle 12">
+            <a:extLst>
+              <a:ext uri="{FF2B5EF4-FFF2-40B4-BE49-F238E27FC236}">
+                <a16:creationId xmlns:a16="http://schemas.microsoft.com/office/drawing/2014/main" id="{ADF52CCA-FCDD-49A0-BFFC-3BD41F1B827A}"/>
+              </a:ext>
+              <a:ext uri="{C183D7F6-B498-43B3-948B-1728B52AA6E4}">
+                <adec:decorative xmlns:adec="http://schemas.microsoft.com/office/drawing/2017/decorative" val="1"/>
+              </a:ext>
+            </a:extLst>
+          </p:cNvPr>
+          <p:cNvSpPr>
+            <a:spLocks noGrp="1" noRot="1" noChangeAspect="1" noMove="1" noResize="1" noEditPoints="1" noAdjustHandles="1" noChangeArrowheads="1" noChangeShapeType="1" noTextEdit="1"/>
+          </p:cNvSpPr>
+          <p:nvPr>
+            <p:extLst>
+              <p:ext uri="{386F3935-93C4-4BCD-93E2-E3B085C9AB24}">
+                <p16:designElem xmlns:p16="http://schemas.microsoft.com/office/powerpoint/2015/main" val="1"/>
+              </p:ext>
+            </p:extLst>
+          </p:nvPr>
+        </p:nvSpPr>
+        <p:spPr>
+          <a:xfrm>
+            <a:off x="8042147" y="723899"/>
+            <a:ext cx="3703320" cy="5666666"/>
+          </a:xfrm>
+          <a:prstGeom prst="rect">
+            <a:avLst/>
+          </a:prstGeom>
+          <a:solidFill>
+            <a:schemeClr val="accent1"/>
+          </a:solidFill>
+          <a:ln>
+            <a:noFill/>
+          </a:ln>
+          <a:effectLst/>
+        </p:spPr>
+        <p:style>
+          <a:lnRef idx="1">
+            <a:schemeClr val="accent1"/>
+          </a:lnRef>
+          <a:fillRef idx="3">
+            <a:schemeClr val="accent1"/>
+          </a:fillRef>
+          <a:effectRef idx="2">
+            <a:schemeClr val="accent1"/>
+          </a:effectRef>
+          <a:fontRef idx="minor">
+            <a:schemeClr val="lt1"/>
+          </a:fontRef>
+        </p:style>
+      </p:sp>
       <p:sp>
         <p:nvSpPr>
           <p:cNvPr id="2" name="Title 1">
@@ -3927,8 +11064,8 @@
         </p:nvSpPr>
         <p:spPr>
           <a:xfrm>
-            <a:off x="6033793" y="2355458"/>
-            <a:ext cx="4775075" cy="1630907"/>
+            <a:off x="8296275" y="1419225"/>
+            <a:ext cx="3081576" cy="2085869"/>
           </a:xfrm>
         </p:spPr>
         <p:txBody>
@@ -3938,9 +11075,9 @@
           <a:lstStyle/>
           <a:p>
             <a:r>
-              <a:rPr lang="en-US" sz="4400" dirty="0">
+              <a:rPr lang="en-US" sz="3300">
                 <a:solidFill>
-                  <a:schemeClr val="tx1"/>
+                  <a:srgbClr val="FFFFFF"/>
                 </a:solidFill>
               </a:rPr>
               <a:t>FP_2 Presentation</a:t>
@@ -3966,8 +11103,8 @@
         </p:nvSpPr>
         <p:spPr>
           <a:xfrm>
-            <a:off x="6033793" y="3995988"/>
-            <a:ext cx="4775075" cy="559656"/>
+            <a:off x="8296275" y="3505095"/>
+            <a:ext cx="3081576" cy="1733655"/>
           </a:xfrm>
         </p:spPr>
         <p:txBody>
@@ -3982,26 +11119,21 @@
               </a:spcAft>
             </a:pPr>
             <a:r>
-              <a:rPr lang="en-US" dirty="0">
+              <a:rPr lang="en-US" sz="2000" dirty="0" err="1">
                 <a:solidFill>
-                  <a:schemeClr val="tx1"/>
+                  <a:srgbClr val="EBEBEB"/>
                 </a:solidFill>
               </a:rPr>
-              <a:t>Niklas Roberts, </a:t>
+              <a:t>Niklas</a:t>
             </a:r>
             <a:r>
-              <a:rPr lang="en-US" sz="1200" dirty="0">
+              <a:rPr lang="en-US" sz="2000" dirty="0">
                 <a:solidFill>
-                  <a:schemeClr val="tx1"/>
+                  <a:srgbClr val="EBEBEB"/>
                 </a:solidFill>
               </a:rPr>
-              <a:t>Zach Bowyer, Ben Greenwood, Brycen Martin, Garrett O’Shaughnessy</a:t>
+              <a:t> Roberts, Zach Bowyer, Ben Greenwood, Brycen Martin, Garrett O’Shaughnessy</a:t>
             </a:r>
-            <a:endParaRPr lang="en-US" dirty="0">
-              <a:solidFill>
-                <a:schemeClr val="tx1"/>
-              </a:solidFill>
-            </a:endParaRPr>
           </a:p>
         </p:txBody>
       </p:sp>
@@ -4013,7 +11145,7 @@
     </p:extLst>
   </p:cSld>
   <p:clrMapOvr>
-    <a:overrideClrMapping bg1="dk1" tx1="lt1" bg2="dk2" tx2="lt2" accent1="accent1" accent2="accent2" accent3="accent3" accent4="accent4" accent5="accent5" accent6="accent6" hlink="hlink" folHlink="folHlink"/>
+    <a:masterClrMapping/>
   </p:clrMapOvr>
 </p:sld>
 </file>
@@ -4087,7 +11219,7 @@
         </p:blipFill>
         <p:spPr>
           <a:xfrm>
-            <a:off x="1493874" y="2081352"/>
+            <a:off x="2409476" y="2021456"/>
             <a:ext cx="2191056" cy="3524742"/>
           </a:xfrm>
           <a:prstGeom prst="rect">
@@ -4125,6 +11257,88 @@
           </a:prstGeom>
         </p:spPr>
       </p:pic>
+      <p:sp>
+        <p:nvSpPr>
+          <p:cNvPr id="3" name="TextBox 2">
+            <a:extLst>
+              <a:ext uri="{FF2B5EF4-FFF2-40B4-BE49-F238E27FC236}">
+                <a16:creationId xmlns:a16="http://schemas.microsoft.com/office/drawing/2014/main" id="{C06C7378-1430-F349-BEC0-1A5FDC23F912}"/>
+              </a:ext>
+            </a:extLst>
+          </p:cNvPr>
+          <p:cNvSpPr txBox="1"/>
+          <p:nvPr/>
+        </p:nvSpPr>
+        <p:spPr>
+          <a:xfrm>
+            <a:off x="134628" y="2021456"/>
+            <a:ext cx="2191056" cy="3416320"/>
+          </a:xfrm>
+          <a:prstGeom prst="rect">
+            <a:avLst/>
+          </a:prstGeom>
+          <a:noFill/>
+        </p:spPr>
+        <p:txBody>
+          <a:bodyPr wrap="square" rtlCol="0">
+            <a:spAutoFit/>
+          </a:bodyPr>
+          <a:lstStyle/>
+          <a:p>
+            <a:pPr marL="285750" indent="-285750">
+              <a:buFont typeface="Arial" panose="020B0604020202020204" pitchFamily="34" charset="0"/>
+              <a:buChar char="•"/>
+            </a:pPr>
+            <a:r>
+              <a:rPr lang="en-US" dirty="0"/>
+              <a:t>MIPS uses separate control bits and opcodes</a:t>
+            </a:r>
+          </a:p>
+          <a:p>
+            <a:pPr marL="285750" indent="-285750">
+              <a:buFont typeface="Arial" panose="020B0604020202020204" pitchFamily="34" charset="0"/>
+              <a:buChar char="•"/>
+            </a:pPr>
+            <a:r>
+              <a:rPr lang="en-US" dirty="0"/>
+              <a:t>MIPS reuses some hardware</a:t>
+            </a:r>
+          </a:p>
+          <a:p>
+            <a:pPr marL="285750" indent="-285750">
+              <a:buFont typeface="Arial" panose="020B0604020202020204" pitchFamily="34" charset="0"/>
+              <a:buChar char="•"/>
+            </a:pPr>
+            <a:endParaRPr lang="en-US" dirty="0"/>
+          </a:p>
+          <a:p>
+            <a:endParaRPr lang="en-US" dirty="0"/>
+          </a:p>
+          <a:p>
+            <a:pPr marL="285750" indent="-285750">
+              <a:buFont typeface="Arial" panose="020B0604020202020204" pitchFamily="34" charset="0"/>
+              <a:buChar char="•"/>
+            </a:pPr>
+            <a:r>
+              <a:rPr lang="en-US" dirty="0"/>
+              <a:t>We only use opcodes</a:t>
+            </a:r>
+          </a:p>
+          <a:p>
+            <a:pPr marL="285750" indent="-285750">
+              <a:buFont typeface="Arial" panose="020B0604020202020204" pitchFamily="34" charset="0"/>
+              <a:buChar char="•"/>
+            </a:pPr>
+            <a:r>
+              <a:rPr lang="en-US" dirty="0"/>
+              <a:t>We have a fatty mux</a:t>
+            </a:r>
+          </a:p>
+          <a:p>
+            <a:endParaRPr lang="en-US" dirty="0"/>
+          </a:p>
+        </p:txBody>
+      </p:sp>
     </p:spTree>
     <p:extLst>
       <p:ext uri="{BB962C8B-B14F-4D97-AF65-F5344CB8AC3E}">
@@ -4188,9 +11402,10 @@
           <a:p>
             <a:pPr algn="ctr"/>
             <a:r>
-              <a:rPr lang="en-US" dirty="0"/>
+              <a:rPr lang="en-US"/>
               <a:t>ALU Implementation</a:t>
             </a:r>
+            <a:endParaRPr lang="en-US" dirty="0"/>
           </a:p>
         </p:txBody>
       </p:sp>
@@ -4265,6 +11480,1014 @@
   </p:cSld>
   <p:clrMapOvr>
     <a:masterClrMapping/>
+  </p:clrMapOvr>
+</p:sld>
+</file>
+
+<file path=ppt/slides/slide4.xml><?xml version="1.0" encoding="utf-8"?>
+<p:sld xmlns:a="http://schemas.openxmlformats.org/drawingml/2006/main" xmlns:r="http://schemas.openxmlformats.org/officeDocument/2006/relationships" xmlns:p="http://schemas.openxmlformats.org/presentationml/2006/main">
+  <p:cSld>
+    <p:bg>
+      <p:bgPr>
+        <a:gradFill rotWithShape="1">
+          <a:gsLst>
+            <a:gs pos="0">
+              <a:schemeClr val="bg2">
+                <a:tint val="90000"/>
+                <a:lumMod val="110000"/>
+              </a:schemeClr>
+            </a:gs>
+            <a:gs pos="100000">
+              <a:schemeClr val="bg2">
+                <a:shade val="98000"/>
+                <a:satMod val="110000"/>
+                <a:lumMod val="86000"/>
+              </a:schemeClr>
+            </a:gs>
+          </a:gsLst>
+          <a:path path="circle">
+            <a:fillToRect l="50000" t="50000" r="100000" b="100000"/>
+          </a:path>
+        </a:gradFill>
+        <a:effectLst/>
+      </p:bgPr>
+    </p:bg>
+    <p:spTree>
+      <p:nvGrpSpPr>
+        <p:cNvPr id="1" name=""/>
+        <p:cNvGrpSpPr/>
+        <p:nvPr/>
+      </p:nvGrpSpPr>
+      <p:grpSpPr>
+        <a:xfrm>
+          <a:off x="0" y="0"/>
+          <a:ext cx="0" cy="0"/>
+          <a:chOff x="0" y="0"/>
+          <a:chExt cx="0" cy="0"/>
+        </a:xfrm>
+      </p:grpSpPr>
+      <p:sp>
+        <p:nvSpPr>
+          <p:cNvPr id="9" name="Rectangle 8">
+            <a:extLst>
+              <a:ext uri="{FF2B5EF4-FFF2-40B4-BE49-F238E27FC236}">
+                <a16:creationId xmlns:a16="http://schemas.microsoft.com/office/drawing/2014/main" id="{75F28DDD-9641-43BA-944D-79B0687051F1}"/>
+              </a:ext>
+              <a:ext uri="{C183D7F6-B498-43B3-948B-1728B52AA6E4}">
+                <adec:decorative xmlns:adec="http://schemas.microsoft.com/office/drawing/2017/decorative" val="1"/>
+              </a:ext>
+            </a:extLst>
+          </p:cNvPr>
+          <p:cNvSpPr>
+            <a:spLocks noGrp="1" noRot="1" noChangeAspect="1" noMove="1" noResize="1" noEditPoints="1" noAdjustHandles="1" noChangeArrowheads="1" noChangeShapeType="1" noTextEdit="1"/>
+          </p:cNvSpPr>
+          <p:nvPr>
+            <p:extLst>
+              <p:ext uri="{386F3935-93C4-4BCD-93E2-E3B085C9AB24}">
+                <p16:designElem xmlns:p16="http://schemas.microsoft.com/office/powerpoint/2015/main" val="1"/>
+              </p:ext>
+            </p:extLst>
+          </p:nvPr>
+        </p:nvSpPr>
+        <p:spPr>
+          <a:xfrm>
+            <a:off x="0" y="0"/>
+            <a:ext cx="12191999" cy="6858001"/>
+          </a:xfrm>
+          <a:prstGeom prst="rect">
+            <a:avLst/>
+          </a:prstGeom>
+          <a:solidFill>
+            <a:srgbClr val="FFFEFF"/>
+          </a:solidFill>
+          <a:ln>
+            <a:noFill/>
+          </a:ln>
+        </p:spPr>
+        <p:style>
+          <a:lnRef idx="2">
+            <a:schemeClr val="accent1">
+              <a:shade val="50000"/>
+            </a:schemeClr>
+          </a:lnRef>
+          <a:fillRef idx="1">
+            <a:schemeClr val="accent1"/>
+          </a:fillRef>
+          <a:effectRef idx="0">
+            <a:schemeClr val="accent1"/>
+          </a:effectRef>
+          <a:fontRef idx="minor">
+            <a:schemeClr val="lt1"/>
+          </a:fontRef>
+        </p:style>
+        <p:txBody>
+          <a:bodyPr rtlCol="0" anchor="ctr"/>
+          <a:lstStyle/>
+          <a:p>
+            <a:pPr algn="ctr"/>
+            <a:endParaRPr lang="en-US"/>
+          </a:p>
+        </p:txBody>
+      </p:sp>
+      <p:sp>
+        <p:nvSpPr>
+          <p:cNvPr id="2" name="Title 1">
+            <a:extLst>
+              <a:ext uri="{FF2B5EF4-FFF2-40B4-BE49-F238E27FC236}">
+                <a16:creationId xmlns:a16="http://schemas.microsoft.com/office/drawing/2014/main" id="{09FC0E1E-ED00-E647-A6CF-AB02DF7CEBD3}"/>
+              </a:ext>
+            </a:extLst>
+          </p:cNvPr>
+          <p:cNvSpPr>
+            <a:spLocks noGrp="1"/>
+          </p:cNvSpPr>
+          <p:nvPr>
+            <p:ph type="title"/>
+          </p:nvPr>
+        </p:nvSpPr>
+        <p:spPr>
+          <a:xfrm>
+            <a:off x="746228" y="1037967"/>
+            <a:ext cx="3054091" cy="4709131"/>
+          </a:xfrm>
+        </p:spPr>
+        <p:txBody>
+          <a:bodyPr anchor="ctr">
+            <a:normAutofit/>
+          </a:bodyPr>
+          <a:lstStyle/>
+          <a:p>
+            <a:r>
+              <a:rPr lang="en-US">
+                <a:solidFill>
+                  <a:schemeClr val="accent1"/>
+                </a:solidFill>
+              </a:rPr>
+              <a:t>DPU Components</a:t>
+            </a:r>
+          </a:p>
+        </p:txBody>
+      </p:sp>
+      <p:sp>
+        <p:nvSpPr>
+          <p:cNvPr id="11" name="Rectangle 10">
+            <a:extLst>
+              <a:ext uri="{FF2B5EF4-FFF2-40B4-BE49-F238E27FC236}">
+                <a16:creationId xmlns:a16="http://schemas.microsoft.com/office/drawing/2014/main" id="{32AA2954-062E-4B72-A97B-0B066FB156D8}"/>
+              </a:ext>
+              <a:ext uri="{C183D7F6-B498-43B3-948B-1728B52AA6E4}">
+                <adec:decorative xmlns:adec="http://schemas.microsoft.com/office/drawing/2017/decorative" val="1"/>
+              </a:ext>
+            </a:extLst>
+          </p:cNvPr>
+          <p:cNvSpPr>
+            <a:spLocks noGrp="1" noRot="1" noChangeAspect="1" noMove="1" noResize="1" noEditPoints="1" noAdjustHandles="1" noChangeArrowheads="1" noChangeShapeType="1" noTextEdit="1"/>
+          </p:cNvSpPr>
+          <p:nvPr>
+            <p:extLst>
+              <p:ext uri="{386F3935-93C4-4BCD-93E2-E3B085C9AB24}">
+                <p16:designElem xmlns:p16="http://schemas.microsoft.com/office/powerpoint/2015/main" val="1"/>
+              </p:ext>
+            </p:extLst>
+          </p:nvPr>
+        </p:nvSpPr>
+        <p:spPr>
+          <a:xfrm>
+            <a:off x="446534" y="457200"/>
+            <a:ext cx="3703320" cy="94997"/>
+          </a:xfrm>
+          <a:prstGeom prst="rect">
+            <a:avLst/>
+          </a:prstGeom>
+          <a:solidFill>
+            <a:schemeClr val="accent1"/>
+          </a:solidFill>
+          <a:ln>
+            <a:noFill/>
+          </a:ln>
+          <a:effectLst/>
+        </p:spPr>
+        <p:style>
+          <a:lnRef idx="1">
+            <a:schemeClr val="accent1"/>
+          </a:lnRef>
+          <a:fillRef idx="3">
+            <a:schemeClr val="accent1"/>
+          </a:fillRef>
+          <a:effectRef idx="2">
+            <a:schemeClr val="accent1"/>
+          </a:effectRef>
+          <a:fontRef idx="minor">
+            <a:schemeClr val="lt1"/>
+          </a:fontRef>
+        </p:style>
+      </p:sp>
+      <p:sp>
+        <p:nvSpPr>
+          <p:cNvPr id="13" name="Rectangle 12">
+            <a:extLst>
+              <a:ext uri="{FF2B5EF4-FFF2-40B4-BE49-F238E27FC236}">
+                <a16:creationId xmlns:a16="http://schemas.microsoft.com/office/drawing/2014/main" id="{10CA29A6-E0B1-40CD-ADF7-7B8E932A3222}"/>
+              </a:ext>
+              <a:ext uri="{C183D7F6-B498-43B3-948B-1728B52AA6E4}">
+                <adec:decorative xmlns:adec="http://schemas.microsoft.com/office/drawing/2017/decorative" val="1"/>
+              </a:ext>
+            </a:extLst>
+          </p:cNvPr>
+          <p:cNvSpPr>
+            <a:spLocks noGrp="1" noRot="1" noChangeAspect="1" noMove="1" noResize="1" noEditPoints="1" noAdjustHandles="1" noChangeArrowheads="1" noChangeShapeType="1" noTextEdit="1"/>
+          </p:cNvSpPr>
+          <p:nvPr>
+            <p:extLst>
+              <p:ext uri="{386F3935-93C4-4BCD-93E2-E3B085C9AB24}">
+                <p16:designElem xmlns:p16="http://schemas.microsoft.com/office/powerpoint/2015/main" val="1"/>
+              </p:ext>
+            </p:extLst>
+          </p:nvPr>
+        </p:nvSpPr>
+        <p:spPr>
+          <a:xfrm>
+            <a:off x="4241830" y="457200"/>
+            <a:ext cx="3703320" cy="91440"/>
+          </a:xfrm>
+          <a:prstGeom prst="rect">
+            <a:avLst/>
+          </a:prstGeom>
+          <a:solidFill>
+            <a:schemeClr val="accent2"/>
+          </a:solidFill>
+          <a:ln>
+            <a:noFill/>
+          </a:ln>
+          <a:effectLst/>
+        </p:spPr>
+        <p:style>
+          <a:lnRef idx="1">
+            <a:schemeClr val="accent1"/>
+          </a:lnRef>
+          <a:fillRef idx="3">
+            <a:schemeClr val="accent1"/>
+          </a:fillRef>
+          <a:effectRef idx="2">
+            <a:schemeClr val="accent1"/>
+          </a:effectRef>
+          <a:fontRef idx="minor">
+            <a:schemeClr val="lt1"/>
+          </a:fontRef>
+        </p:style>
+      </p:sp>
+      <p:sp>
+        <p:nvSpPr>
+          <p:cNvPr id="15" name="Rectangle 14">
+            <a:extLst>
+              <a:ext uri="{FF2B5EF4-FFF2-40B4-BE49-F238E27FC236}">
+                <a16:creationId xmlns:a16="http://schemas.microsoft.com/office/drawing/2014/main" id="{8DD5F866-AD72-475A-B6C6-54E4577D4AAC}"/>
+              </a:ext>
+              <a:ext uri="{C183D7F6-B498-43B3-948B-1728B52AA6E4}">
+                <adec:decorative xmlns:adec="http://schemas.microsoft.com/office/drawing/2017/decorative" val="1"/>
+              </a:ext>
+            </a:extLst>
+          </p:cNvPr>
+          <p:cNvSpPr>
+            <a:spLocks noGrp="1" noRot="1" noChangeAspect="1" noMove="1" noResize="1" noEditPoints="1" noAdjustHandles="1" noChangeArrowheads="1" noChangeShapeType="1" noTextEdit="1"/>
+          </p:cNvSpPr>
+          <p:nvPr>
+            <p:extLst>
+              <p:ext uri="{386F3935-93C4-4BCD-93E2-E3B085C9AB24}">
+                <p16:designElem xmlns:p16="http://schemas.microsoft.com/office/powerpoint/2015/main" val="1"/>
+              </p:ext>
+            </p:extLst>
+          </p:nvPr>
+        </p:nvSpPr>
+        <p:spPr>
+          <a:xfrm>
+            <a:off x="8042147" y="453643"/>
+            <a:ext cx="3703320" cy="98554"/>
+          </a:xfrm>
+          <a:prstGeom prst="rect">
+            <a:avLst/>
+          </a:prstGeom>
+          <a:solidFill>
+            <a:schemeClr val="accent4"/>
+          </a:solidFill>
+          <a:ln>
+            <a:noFill/>
+          </a:ln>
+          <a:effectLst/>
+        </p:spPr>
+        <p:style>
+          <a:lnRef idx="1">
+            <a:schemeClr val="accent1"/>
+          </a:lnRef>
+          <a:fillRef idx="3">
+            <a:schemeClr val="accent1"/>
+          </a:fillRef>
+          <a:effectRef idx="2">
+            <a:schemeClr val="accent1"/>
+          </a:effectRef>
+          <a:fontRef idx="minor">
+            <a:schemeClr val="lt1"/>
+          </a:fontRef>
+        </p:style>
+      </p:sp>
+      <p:sp>
+        <p:nvSpPr>
+          <p:cNvPr id="17" name="Rectangle 16">
+            <a:extLst>
+              <a:ext uri="{FF2B5EF4-FFF2-40B4-BE49-F238E27FC236}">
+                <a16:creationId xmlns:a16="http://schemas.microsoft.com/office/drawing/2014/main" id="{C02BAD4C-6EA9-4F10-92D4-A1C8C53DAEE4}"/>
+              </a:ext>
+              <a:ext uri="{C183D7F6-B498-43B3-948B-1728B52AA6E4}">
+                <adec:decorative xmlns:adec="http://schemas.microsoft.com/office/drawing/2017/decorative" val="1"/>
+              </a:ext>
+            </a:extLst>
+          </p:cNvPr>
+          <p:cNvSpPr>
+            <a:spLocks noGrp="1" noRot="1" noChangeAspect="1" noMove="1" noResize="1" noEditPoints="1" noAdjustHandles="1" noChangeArrowheads="1" noChangeShapeType="1" noTextEdit="1"/>
+          </p:cNvSpPr>
+          <p:nvPr>
+            <p:extLst>
+              <p:ext uri="{386F3935-93C4-4BCD-93E2-E3B085C9AB24}">
+                <p16:designElem xmlns:p16="http://schemas.microsoft.com/office/powerpoint/2015/main" val="1"/>
+              </p:ext>
+            </p:extLst>
+          </p:nvPr>
+        </p:nvSpPr>
+        <p:spPr>
+          <a:xfrm>
+            <a:off x="4246851" y="723898"/>
+            <a:ext cx="7498616" cy="5676901"/>
+          </a:xfrm>
+          <a:prstGeom prst="rect">
+            <a:avLst/>
+          </a:prstGeom>
+          <a:solidFill>
+            <a:schemeClr val="accent1"/>
+          </a:solidFill>
+          <a:ln>
+            <a:noFill/>
+          </a:ln>
+          <a:effectLst/>
+        </p:spPr>
+        <p:style>
+          <a:lnRef idx="1">
+            <a:schemeClr val="accent1"/>
+          </a:lnRef>
+          <a:fillRef idx="3">
+            <a:schemeClr val="accent1"/>
+          </a:fillRef>
+          <a:effectRef idx="2">
+            <a:schemeClr val="accent1"/>
+          </a:effectRef>
+          <a:fontRef idx="minor">
+            <a:schemeClr val="lt1"/>
+          </a:fontRef>
+        </p:style>
+      </p:sp>
+      <p:graphicFrame>
+        <p:nvGraphicFramePr>
+          <p:cNvPr id="5" name="Content Placeholder 2">
+            <a:extLst>
+              <a:ext uri="{FF2B5EF4-FFF2-40B4-BE49-F238E27FC236}">
+                <a16:creationId xmlns:a16="http://schemas.microsoft.com/office/drawing/2014/main" id="{A37F057D-203C-42E8-8C61-C46D7619B53E}"/>
+              </a:ext>
+            </a:extLst>
+          </p:cNvPr>
+          <p:cNvGraphicFramePr>
+            <a:graphicFrameLocks noGrp="1"/>
+          </p:cNvGraphicFramePr>
+          <p:nvPr>
+            <p:ph idx="1"/>
+            <p:extLst>
+              <p:ext uri="{D42A27DB-BD31-4B8C-83A1-F6EECF244321}">
+                <p14:modId xmlns:p14="http://schemas.microsoft.com/office/powerpoint/2010/main" val="3324044130"/>
+              </p:ext>
+            </p:extLst>
+          </p:nvPr>
+        </p:nvGraphicFramePr>
+        <p:xfrm>
+          <a:off x="4598438" y="1037967"/>
+          <a:ext cx="7012370" cy="4709131"/>
+        </p:xfrm>
+        <a:graphic>
+          <a:graphicData uri="http://schemas.openxmlformats.org/drawingml/2006/diagram">
+            <dgm:relIds xmlns:dgm="http://schemas.openxmlformats.org/drawingml/2006/diagram" xmlns:r="http://schemas.openxmlformats.org/officeDocument/2006/relationships" r:dm="rId2" r:lo="rId3" r:qs="rId4" r:cs="rId5"/>
+          </a:graphicData>
+        </a:graphic>
+      </p:graphicFrame>
+    </p:spTree>
+    <p:extLst>
+      <p:ext uri="{BB962C8B-B14F-4D97-AF65-F5344CB8AC3E}">
+        <p14:creationId xmlns:p14="http://schemas.microsoft.com/office/powerpoint/2010/main" val="2007390946"/>
+      </p:ext>
+    </p:extLst>
+  </p:cSld>
+  <p:clrMapOvr>
+    <a:overrideClrMapping bg1="dk1" tx1="lt1" bg2="dk2" tx2="lt2" accent1="accent1" accent2="accent2" accent3="accent3" accent4="accent4" accent5="accent5" accent6="accent6" hlink="hlink" folHlink="folHlink"/>
+  </p:clrMapOvr>
+</p:sld>
+</file>
+
+<file path=ppt/slides/slide5.xml><?xml version="1.0" encoding="utf-8"?>
+<p:sld xmlns:a="http://schemas.openxmlformats.org/drawingml/2006/main" xmlns:r="http://schemas.openxmlformats.org/officeDocument/2006/relationships" xmlns:p="http://schemas.openxmlformats.org/presentationml/2006/main">
+  <p:cSld>
+    <p:spTree>
+      <p:nvGrpSpPr>
+        <p:cNvPr id="1" name=""/>
+        <p:cNvGrpSpPr/>
+        <p:nvPr/>
+      </p:nvGrpSpPr>
+      <p:grpSpPr>
+        <a:xfrm>
+          <a:off x="0" y="0"/>
+          <a:ext cx="0" cy="0"/>
+          <a:chOff x="0" y="0"/>
+          <a:chExt cx="0" cy="0"/>
+        </a:xfrm>
+      </p:grpSpPr>
+      <p:sp>
+        <p:nvSpPr>
+          <p:cNvPr id="2" name="Title 1">
+            <a:extLst>
+              <a:ext uri="{FF2B5EF4-FFF2-40B4-BE49-F238E27FC236}">
+                <a16:creationId xmlns:a16="http://schemas.microsoft.com/office/drawing/2014/main" id="{4BB485F9-D21A-B049-B34A-A4302C8F1F70}"/>
+              </a:ext>
+            </a:extLst>
+          </p:cNvPr>
+          <p:cNvSpPr>
+            <a:spLocks noGrp="1"/>
+          </p:cNvSpPr>
+          <p:nvPr>
+            <p:ph type="title"/>
+          </p:nvPr>
+        </p:nvSpPr>
+        <p:spPr/>
+        <p:txBody>
+          <a:bodyPr/>
+          <a:lstStyle/>
+          <a:p>
+            <a:r>
+              <a:rPr lang="en-US" dirty="0"/>
+              <a:t>DPU Diagram</a:t>
+            </a:r>
+          </a:p>
+        </p:txBody>
+      </p:sp>
+    </p:spTree>
+    <p:extLst>
+      <p:ext uri="{BB962C8B-B14F-4D97-AF65-F5344CB8AC3E}">
+        <p14:creationId xmlns:p14="http://schemas.microsoft.com/office/powerpoint/2010/main" val="3051946882"/>
+      </p:ext>
+    </p:extLst>
+  </p:cSld>
+  <p:clrMapOvr>
+    <a:masterClrMapping/>
+  </p:clrMapOvr>
+</p:sld>
+</file>
+
+<file path=ppt/slides/slide6.xml><?xml version="1.0" encoding="utf-8"?>
+<p:sld xmlns:a="http://schemas.openxmlformats.org/drawingml/2006/main" xmlns:r="http://schemas.openxmlformats.org/officeDocument/2006/relationships" xmlns:p="http://schemas.openxmlformats.org/presentationml/2006/main">
+  <p:cSld>
+    <p:spTree>
+      <p:nvGrpSpPr>
+        <p:cNvPr id="1" name=""/>
+        <p:cNvGrpSpPr/>
+        <p:nvPr/>
+      </p:nvGrpSpPr>
+      <p:grpSpPr>
+        <a:xfrm>
+          <a:off x="0" y="0"/>
+          <a:ext cx="0" cy="0"/>
+          <a:chOff x="0" y="0"/>
+          <a:chExt cx="0" cy="0"/>
+        </a:xfrm>
+      </p:grpSpPr>
+      <p:sp>
+        <p:nvSpPr>
+          <p:cNvPr id="2" name="Title 1">
+            <a:extLst>
+              <a:ext uri="{FF2B5EF4-FFF2-40B4-BE49-F238E27FC236}">
+                <a16:creationId xmlns:a16="http://schemas.microsoft.com/office/drawing/2014/main" id="{69C43BA1-6C98-AA46-863C-2E646D31498D}"/>
+              </a:ext>
+            </a:extLst>
+          </p:cNvPr>
+          <p:cNvSpPr>
+            <a:spLocks noGrp="1"/>
+          </p:cNvSpPr>
+          <p:nvPr>
+            <p:ph type="title"/>
+          </p:nvPr>
+        </p:nvSpPr>
+        <p:spPr/>
+        <p:txBody>
+          <a:bodyPr/>
+          <a:lstStyle/>
+          <a:p>
+            <a:r>
+              <a:rPr lang="en-US" dirty="0"/>
+              <a:t>Control Signals and Control Unit Prep</a:t>
+            </a:r>
+          </a:p>
+        </p:txBody>
+      </p:sp>
+      <p:pic>
+        <p:nvPicPr>
+          <p:cNvPr id="5" name="Content Placeholder 4" descr="Text&#10;&#10;Description automatically generated">
+            <a:extLst>
+              <a:ext uri="{FF2B5EF4-FFF2-40B4-BE49-F238E27FC236}">
+                <a16:creationId xmlns:a16="http://schemas.microsoft.com/office/drawing/2014/main" id="{1B300053-357A-B644-8D80-1A34A3D1015F}"/>
+              </a:ext>
+            </a:extLst>
+          </p:cNvPr>
+          <p:cNvPicPr>
+            <a:picLocks noGrp="1" noChangeAspect="1"/>
+          </p:cNvPicPr>
+          <p:nvPr>
+            <p:ph idx="1"/>
+          </p:nvPr>
+        </p:nvPicPr>
+        <p:blipFill>
+          <a:blip r:embed="rId2">
+            <a:extLst>
+              <a:ext uri="{28A0092B-C50C-407E-A947-70E740481C1C}">
+                <a14:useLocalDpi xmlns:a14="http://schemas.microsoft.com/office/drawing/2010/main" val="0"/>
+              </a:ext>
+            </a:extLst>
+          </a:blip>
+          <a:stretch>
+            <a:fillRect/>
+          </a:stretch>
+        </p:blipFill>
+        <p:spPr>
+          <a:xfrm>
+            <a:off x="1219200" y="3429000"/>
+            <a:ext cx="9753600" cy="2870200"/>
+          </a:xfrm>
+        </p:spPr>
+      </p:pic>
+      <p:sp>
+        <p:nvSpPr>
+          <p:cNvPr id="6" name="TextBox 5">
+            <a:extLst>
+              <a:ext uri="{FF2B5EF4-FFF2-40B4-BE49-F238E27FC236}">
+                <a16:creationId xmlns:a16="http://schemas.microsoft.com/office/drawing/2014/main" id="{D32DC796-44D5-1842-8E60-1F4468FE952E}"/>
+              </a:ext>
+            </a:extLst>
+          </p:cNvPr>
+          <p:cNvSpPr txBox="1"/>
+          <p:nvPr/>
+        </p:nvSpPr>
+        <p:spPr>
+          <a:xfrm>
+            <a:off x="3574487" y="2250041"/>
+            <a:ext cx="5043026" cy="646331"/>
+          </a:xfrm>
+          <a:prstGeom prst="rect">
+            <a:avLst/>
+          </a:prstGeom>
+          <a:noFill/>
+        </p:spPr>
+        <p:txBody>
+          <a:bodyPr wrap="square" rtlCol="0">
+            <a:spAutoFit/>
+          </a:bodyPr>
+          <a:lstStyle/>
+          <a:p>
+            <a:pPr marL="285750" indent="-285750">
+              <a:buFont typeface="Arial" panose="020B0604020202020204" pitchFamily="34" charset="0"/>
+              <a:buChar char="•"/>
+            </a:pPr>
+            <a:r>
+              <a:rPr lang="en-US" dirty="0"/>
+              <a:t>We will use a single cycle FSM based control unit</a:t>
+            </a:r>
+          </a:p>
+          <a:p>
+            <a:pPr marL="285750" indent="-285750">
+              <a:buFont typeface="Arial" panose="020B0604020202020204" pitchFamily="34" charset="0"/>
+              <a:buChar char="•"/>
+            </a:pPr>
+            <a:r>
+              <a:rPr lang="en-US" dirty="0"/>
+              <a:t>Not using a multi-cycle control unit</a:t>
+            </a:r>
+          </a:p>
+        </p:txBody>
+      </p:sp>
+    </p:spTree>
+    <p:extLst>
+      <p:ext uri="{BB962C8B-B14F-4D97-AF65-F5344CB8AC3E}">
+        <p14:creationId xmlns:p14="http://schemas.microsoft.com/office/powerpoint/2010/main" val="3458250672"/>
+      </p:ext>
+    </p:extLst>
+  </p:cSld>
+  <p:clrMapOvr>
+    <a:masterClrMapping/>
+  </p:clrMapOvr>
+</p:sld>
+</file>
+
+<file path=ppt/slides/slide7.xml><?xml version="1.0" encoding="utf-8"?>
+<p:sld xmlns:a="http://schemas.openxmlformats.org/drawingml/2006/main" xmlns:r="http://schemas.openxmlformats.org/officeDocument/2006/relationships" xmlns:p="http://schemas.openxmlformats.org/presentationml/2006/main">
+  <p:cSld>
+    <p:bg>
+      <p:bgPr>
+        <a:gradFill rotWithShape="1">
+          <a:gsLst>
+            <a:gs pos="0">
+              <a:schemeClr val="bg2">
+                <a:tint val="90000"/>
+                <a:lumMod val="110000"/>
+              </a:schemeClr>
+            </a:gs>
+            <a:gs pos="100000">
+              <a:schemeClr val="bg2">
+                <a:shade val="98000"/>
+                <a:satMod val="110000"/>
+                <a:lumMod val="86000"/>
+              </a:schemeClr>
+            </a:gs>
+          </a:gsLst>
+          <a:path path="circle">
+            <a:fillToRect l="50000" t="50000" r="100000" b="100000"/>
+          </a:path>
+        </a:gradFill>
+        <a:effectLst/>
+      </p:bgPr>
+    </p:bg>
+    <p:spTree>
+      <p:nvGrpSpPr>
+        <p:cNvPr id="1" name=""/>
+        <p:cNvGrpSpPr/>
+        <p:nvPr/>
+      </p:nvGrpSpPr>
+      <p:grpSpPr>
+        <a:xfrm>
+          <a:off x="0" y="0"/>
+          <a:ext cx="0" cy="0"/>
+          <a:chOff x="0" y="0"/>
+          <a:chExt cx="0" cy="0"/>
+        </a:xfrm>
+      </p:grpSpPr>
+      <p:sp>
+        <p:nvSpPr>
+          <p:cNvPr id="9" name="Rectangle 8">
+            <a:extLst>
+              <a:ext uri="{FF2B5EF4-FFF2-40B4-BE49-F238E27FC236}">
+                <a16:creationId xmlns:a16="http://schemas.microsoft.com/office/drawing/2014/main" id="{75F28DDD-9641-43BA-944D-79B0687051F1}"/>
+              </a:ext>
+              <a:ext uri="{C183D7F6-B498-43B3-948B-1728B52AA6E4}">
+                <adec:decorative xmlns:adec="http://schemas.microsoft.com/office/drawing/2017/decorative" val="1"/>
+              </a:ext>
+            </a:extLst>
+          </p:cNvPr>
+          <p:cNvSpPr>
+            <a:spLocks noGrp="1" noRot="1" noChangeAspect="1" noMove="1" noResize="1" noEditPoints="1" noAdjustHandles="1" noChangeArrowheads="1" noChangeShapeType="1" noTextEdit="1"/>
+          </p:cNvSpPr>
+          <p:nvPr>
+            <p:extLst>
+              <p:ext uri="{386F3935-93C4-4BCD-93E2-E3B085C9AB24}">
+                <p16:designElem xmlns:p16="http://schemas.microsoft.com/office/powerpoint/2015/main" val="1"/>
+              </p:ext>
+            </p:extLst>
+          </p:nvPr>
+        </p:nvSpPr>
+        <p:spPr>
+          <a:xfrm>
+            <a:off x="0" y="0"/>
+            <a:ext cx="12191999" cy="6858001"/>
+          </a:xfrm>
+          <a:prstGeom prst="rect">
+            <a:avLst/>
+          </a:prstGeom>
+          <a:solidFill>
+            <a:srgbClr val="FFFEFF"/>
+          </a:solidFill>
+          <a:ln>
+            <a:noFill/>
+          </a:ln>
+        </p:spPr>
+        <p:style>
+          <a:lnRef idx="2">
+            <a:schemeClr val="accent1">
+              <a:shade val="50000"/>
+            </a:schemeClr>
+          </a:lnRef>
+          <a:fillRef idx="1">
+            <a:schemeClr val="accent1"/>
+          </a:fillRef>
+          <a:effectRef idx="0">
+            <a:schemeClr val="accent1"/>
+          </a:effectRef>
+          <a:fontRef idx="minor">
+            <a:schemeClr val="lt1"/>
+          </a:fontRef>
+        </p:style>
+        <p:txBody>
+          <a:bodyPr rtlCol="0" anchor="ctr"/>
+          <a:lstStyle/>
+          <a:p>
+            <a:pPr algn="ctr"/>
+            <a:endParaRPr lang="en-US"/>
+          </a:p>
+        </p:txBody>
+      </p:sp>
+      <p:sp>
+        <p:nvSpPr>
+          <p:cNvPr id="2" name="Title 1">
+            <a:extLst>
+              <a:ext uri="{FF2B5EF4-FFF2-40B4-BE49-F238E27FC236}">
+                <a16:creationId xmlns:a16="http://schemas.microsoft.com/office/drawing/2014/main" id="{5A11429E-6AA0-8542-8E99-BE971AC0B7E0}"/>
+              </a:ext>
+            </a:extLst>
+          </p:cNvPr>
+          <p:cNvSpPr>
+            <a:spLocks noGrp="1"/>
+          </p:cNvSpPr>
+          <p:nvPr>
+            <p:ph type="title"/>
+          </p:nvPr>
+        </p:nvSpPr>
+        <p:spPr>
+          <a:xfrm>
+            <a:off x="746228" y="1037967"/>
+            <a:ext cx="3054091" cy="4709131"/>
+          </a:xfrm>
+        </p:spPr>
+        <p:txBody>
+          <a:bodyPr anchor="ctr">
+            <a:normAutofit/>
+          </a:bodyPr>
+          <a:lstStyle/>
+          <a:p>
+            <a:r>
+              <a:rPr lang="en-US">
+                <a:solidFill>
+                  <a:schemeClr val="accent1"/>
+                </a:solidFill>
+              </a:rPr>
+              <a:t>Summary</a:t>
+            </a:r>
+          </a:p>
+        </p:txBody>
+      </p:sp>
+      <p:sp>
+        <p:nvSpPr>
+          <p:cNvPr id="11" name="Rectangle 10">
+            <a:extLst>
+              <a:ext uri="{FF2B5EF4-FFF2-40B4-BE49-F238E27FC236}">
+                <a16:creationId xmlns:a16="http://schemas.microsoft.com/office/drawing/2014/main" id="{32AA2954-062E-4B72-A97B-0B066FB156D8}"/>
+              </a:ext>
+              <a:ext uri="{C183D7F6-B498-43B3-948B-1728B52AA6E4}">
+                <adec:decorative xmlns:adec="http://schemas.microsoft.com/office/drawing/2017/decorative" val="1"/>
+              </a:ext>
+            </a:extLst>
+          </p:cNvPr>
+          <p:cNvSpPr>
+            <a:spLocks noGrp="1" noRot="1" noChangeAspect="1" noMove="1" noResize="1" noEditPoints="1" noAdjustHandles="1" noChangeArrowheads="1" noChangeShapeType="1" noTextEdit="1"/>
+          </p:cNvSpPr>
+          <p:nvPr>
+            <p:extLst>
+              <p:ext uri="{386F3935-93C4-4BCD-93E2-E3B085C9AB24}">
+                <p16:designElem xmlns:p16="http://schemas.microsoft.com/office/powerpoint/2015/main" val="1"/>
+              </p:ext>
+            </p:extLst>
+          </p:nvPr>
+        </p:nvSpPr>
+        <p:spPr>
+          <a:xfrm>
+            <a:off x="446534" y="457200"/>
+            <a:ext cx="3703320" cy="94997"/>
+          </a:xfrm>
+          <a:prstGeom prst="rect">
+            <a:avLst/>
+          </a:prstGeom>
+          <a:solidFill>
+            <a:schemeClr val="accent1"/>
+          </a:solidFill>
+          <a:ln>
+            <a:noFill/>
+          </a:ln>
+          <a:effectLst/>
+        </p:spPr>
+        <p:style>
+          <a:lnRef idx="1">
+            <a:schemeClr val="accent1"/>
+          </a:lnRef>
+          <a:fillRef idx="3">
+            <a:schemeClr val="accent1"/>
+          </a:fillRef>
+          <a:effectRef idx="2">
+            <a:schemeClr val="accent1"/>
+          </a:effectRef>
+          <a:fontRef idx="minor">
+            <a:schemeClr val="lt1"/>
+          </a:fontRef>
+        </p:style>
+      </p:sp>
+      <p:sp>
+        <p:nvSpPr>
+          <p:cNvPr id="13" name="Rectangle 12">
+            <a:extLst>
+              <a:ext uri="{FF2B5EF4-FFF2-40B4-BE49-F238E27FC236}">
+                <a16:creationId xmlns:a16="http://schemas.microsoft.com/office/drawing/2014/main" id="{10CA29A6-E0B1-40CD-ADF7-7B8E932A3222}"/>
+              </a:ext>
+              <a:ext uri="{C183D7F6-B498-43B3-948B-1728B52AA6E4}">
+                <adec:decorative xmlns:adec="http://schemas.microsoft.com/office/drawing/2017/decorative" val="1"/>
+              </a:ext>
+            </a:extLst>
+          </p:cNvPr>
+          <p:cNvSpPr>
+            <a:spLocks noGrp="1" noRot="1" noChangeAspect="1" noMove="1" noResize="1" noEditPoints="1" noAdjustHandles="1" noChangeArrowheads="1" noChangeShapeType="1" noTextEdit="1"/>
+          </p:cNvSpPr>
+          <p:nvPr>
+            <p:extLst>
+              <p:ext uri="{386F3935-93C4-4BCD-93E2-E3B085C9AB24}">
+                <p16:designElem xmlns:p16="http://schemas.microsoft.com/office/powerpoint/2015/main" val="1"/>
+              </p:ext>
+            </p:extLst>
+          </p:nvPr>
+        </p:nvSpPr>
+        <p:spPr>
+          <a:xfrm>
+            <a:off x="4241830" y="457200"/>
+            <a:ext cx="3703320" cy="91440"/>
+          </a:xfrm>
+          <a:prstGeom prst="rect">
+            <a:avLst/>
+          </a:prstGeom>
+          <a:solidFill>
+            <a:schemeClr val="accent2"/>
+          </a:solidFill>
+          <a:ln>
+            <a:noFill/>
+          </a:ln>
+          <a:effectLst/>
+        </p:spPr>
+        <p:style>
+          <a:lnRef idx="1">
+            <a:schemeClr val="accent1"/>
+          </a:lnRef>
+          <a:fillRef idx="3">
+            <a:schemeClr val="accent1"/>
+          </a:fillRef>
+          <a:effectRef idx="2">
+            <a:schemeClr val="accent1"/>
+          </a:effectRef>
+          <a:fontRef idx="minor">
+            <a:schemeClr val="lt1"/>
+          </a:fontRef>
+        </p:style>
+      </p:sp>
+      <p:sp>
+        <p:nvSpPr>
+          <p:cNvPr id="15" name="Rectangle 14">
+            <a:extLst>
+              <a:ext uri="{FF2B5EF4-FFF2-40B4-BE49-F238E27FC236}">
+                <a16:creationId xmlns:a16="http://schemas.microsoft.com/office/drawing/2014/main" id="{8DD5F866-AD72-475A-B6C6-54E4577D4AAC}"/>
+              </a:ext>
+              <a:ext uri="{C183D7F6-B498-43B3-948B-1728B52AA6E4}">
+                <adec:decorative xmlns:adec="http://schemas.microsoft.com/office/drawing/2017/decorative" val="1"/>
+              </a:ext>
+            </a:extLst>
+          </p:cNvPr>
+          <p:cNvSpPr>
+            <a:spLocks noGrp="1" noRot="1" noChangeAspect="1" noMove="1" noResize="1" noEditPoints="1" noAdjustHandles="1" noChangeArrowheads="1" noChangeShapeType="1" noTextEdit="1"/>
+          </p:cNvSpPr>
+          <p:nvPr>
+            <p:extLst>
+              <p:ext uri="{386F3935-93C4-4BCD-93E2-E3B085C9AB24}">
+                <p16:designElem xmlns:p16="http://schemas.microsoft.com/office/powerpoint/2015/main" val="1"/>
+              </p:ext>
+            </p:extLst>
+          </p:nvPr>
+        </p:nvSpPr>
+        <p:spPr>
+          <a:xfrm>
+            <a:off x="8042147" y="453643"/>
+            <a:ext cx="3703320" cy="98554"/>
+          </a:xfrm>
+          <a:prstGeom prst="rect">
+            <a:avLst/>
+          </a:prstGeom>
+          <a:solidFill>
+            <a:schemeClr val="accent4"/>
+          </a:solidFill>
+          <a:ln>
+            <a:noFill/>
+          </a:ln>
+          <a:effectLst/>
+        </p:spPr>
+        <p:style>
+          <a:lnRef idx="1">
+            <a:schemeClr val="accent1"/>
+          </a:lnRef>
+          <a:fillRef idx="3">
+            <a:schemeClr val="accent1"/>
+          </a:fillRef>
+          <a:effectRef idx="2">
+            <a:schemeClr val="accent1"/>
+          </a:effectRef>
+          <a:fontRef idx="minor">
+            <a:schemeClr val="lt1"/>
+          </a:fontRef>
+        </p:style>
+      </p:sp>
+      <p:sp>
+        <p:nvSpPr>
+          <p:cNvPr id="17" name="Rectangle 16">
+            <a:extLst>
+              <a:ext uri="{FF2B5EF4-FFF2-40B4-BE49-F238E27FC236}">
+                <a16:creationId xmlns:a16="http://schemas.microsoft.com/office/drawing/2014/main" id="{C02BAD4C-6EA9-4F10-92D4-A1C8C53DAEE4}"/>
+              </a:ext>
+              <a:ext uri="{C183D7F6-B498-43B3-948B-1728B52AA6E4}">
+                <adec:decorative xmlns:adec="http://schemas.microsoft.com/office/drawing/2017/decorative" val="1"/>
+              </a:ext>
+            </a:extLst>
+          </p:cNvPr>
+          <p:cNvSpPr>
+            <a:spLocks noGrp="1" noRot="1" noChangeAspect="1" noMove="1" noResize="1" noEditPoints="1" noAdjustHandles="1" noChangeArrowheads="1" noChangeShapeType="1" noTextEdit="1"/>
+          </p:cNvSpPr>
+          <p:nvPr>
+            <p:extLst>
+              <p:ext uri="{386F3935-93C4-4BCD-93E2-E3B085C9AB24}">
+                <p16:designElem xmlns:p16="http://schemas.microsoft.com/office/powerpoint/2015/main" val="1"/>
+              </p:ext>
+            </p:extLst>
+          </p:nvPr>
+        </p:nvSpPr>
+        <p:spPr>
+          <a:xfrm>
+            <a:off x="4246851" y="723898"/>
+            <a:ext cx="7498616" cy="5676901"/>
+          </a:xfrm>
+          <a:prstGeom prst="rect">
+            <a:avLst/>
+          </a:prstGeom>
+          <a:solidFill>
+            <a:schemeClr val="accent1"/>
+          </a:solidFill>
+          <a:ln>
+            <a:noFill/>
+          </a:ln>
+          <a:effectLst/>
+        </p:spPr>
+        <p:style>
+          <a:lnRef idx="1">
+            <a:schemeClr val="accent1"/>
+          </a:lnRef>
+          <a:fillRef idx="3">
+            <a:schemeClr val="accent1"/>
+          </a:fillRef>
+          <a:effectRef idx="2">
+            <a:schemeClr val="accent1"/>
+          </a:effectRef>
+          <a:fontRef idx="minor">
+            <a:schemeClr val="lt1"/>
+          </a:fontRef>
+        </p:style>
+      </p:sp>
+      <p:graphicFrame>
+        <p:nvGraphicFramePr>
+          <p:cNvPr id="5" name="Content Placeholder 2">
+            <a:extLst>
+              <a:ext uri="{FF2B5EF4-FFF2-40B4-BE49-F238E27FC236}">
+                <a16:creationId xmlns:a16="http://schemas.microsoft.com/office/drawing/2014/main" id="{F32683B9-919B-4126-B8DB-AA84EC50EA8E}"/>
+              </a:ext>
+            </a:extLst>
+          </p:cNvPr>
+          <p:cNvGraphicFramePr>
+            <a:graphicFrameLocks noGrp="1"/>
+          </p:cNvGraphicFramePr>
+          <p:nvPr>
+            <p:ph idx="1"/>
+            <p:extLst>
+              <p:ext uri="{D42A27DB-BD31-4B8C-83A1-F6EECF244321}">
+                <p14:modId xmlns:p14="http://schemas.microsoft.com/office/powerpoint/2010/main" val="877356280"/>
+              </p:ext>
+            </p:extLst>
+          </p:nvPr>
+        </p:nvGraphicFramePr>
+        <p:xfrm>
+          <a:off x="4598438" y="1037967"/>
+          <a:ext cx="7001086" cy="5096135"/>
+        </p:xfrm>
+        <a:graphic>
+          <a:graphicData uri="http://schemas.openxmlformats.org/drawingml/2006/diagram">
+            <dgm:relIds xmlns:dgm="http://schemas.openxmlformats.org/drawingml/2006/diagram" xmlns:r="http://schemas.openxmlformats.org/officeDocument/2006/relationships" r:dm="rId2" r:lo="rId3" r:qs="rId4" r:cs="rId5"/>
+          </a:graphicData>
+        </a:graphic>
+      </p:graphicFrame>
+    </p:spTree>
+    <p:extLst>
+      <p:ext uri="{BB962C8B-B14F-4D97-AF65-F5344CB8AC3E}">
+        <p14:creationId xmlns:p14="http://schemas.microsoft.com/office/powerpoint/2010/main" val="361259105"/>
+      </p:ext>
+    </p:extLst>
+  </p:cSld>
+  <p:clrMapOvr>
+    <a:overrideClrMapping bg1="dk1" tx1="lt1" bg2="dk2" tx2="lt2" accent1="accent1" accent2="accent2" accent3="accent3" accent4="accent4" accent5="accent5" accent6="accent6" hlink="hlink" folHlink="folHlink"/>
   </p:clrMapOvr>
 </p:sld>
 </file>
